--- a/설계참고자료V1_sh.pptx
+++ b/설계참고자료V1_sh.pptx
@@ -244,7 +244,7 @@
             <a:fld id="{29A4CCEE-A5BC-4B50-8AEB-B0D523E630C0}" type="datetimeFigureOut">
               <a:rPr lang="ko-KR" altLang="en-US" smtClean="0"/>
               <a:pPr/>
-              <a:t>2016-03-31</a:t>
+              <a:t>2016-04-01</a:t>
             </a:fld>
             <a:endParaRPr lang="ko-KR" altLang="en-US" dirty="0"/>
           </a:p>
@@ -1933,7 +1933,7 @@
           <a:p>
             <a:fld id="{C371A25B-1A51-40C1-A870-A49E466EAC33}" type="datetimeFigureOut">
               <a:rPr lang="ko-KR" altLang="en-US" smtClean="0"/>
-              <a:t>2016-03-31</a:t>
+              <a:t>2016-04-01</a:t>
             </a:fld>
             <a:endParaRPr lang="ko-KR" altLang="en-US"/>
           </a:p>
@@ -2103,7 +2103,7 @@
           <a:p>
             <a:fld id="{C371A25B-1A51-40C1-A870-A49E466EAC33}" type="datetimeFigureOut">
               <a:rPr lang="ko-KR" altLang="en-US" smtClean="0"/>
-              <a:t>2016-03-31</a:t>
+              <a:t>2016-04-01</a:t>
             </a:fld>
             <a:endParaRPr lang="ko-KR" altLang="en-US"/>
           </a:p>
@@ -2283,7 +2283,7 @@
           <a:p>
             <a:fld id="{C371A25B-1A51-40C1-A870-A49E466EAC33}" type="datetimeFigureOut">
               <a:rPr lang="ko-KR" altLang="en-US" smtClean="0"/>
-              <a:t>2016-03-31</a:t>
+              <a:t>2016-04-01</a:t>
             </a:fld>
             <a:endParaRPr lang="ko-KR" altLang="en-US"/>
           </a:p>
@@ -2453,7 +2453,7 @@
           <a:p>
             <a:fld id="{C371A25B-1A51-40C1-A870-A49E466EAC33}" type="datetimeFigureOut">
               <a:rPr lang="ko-KR" altLang="en-US" smtClean="0"/>
-              <a:t>2016-03-31</a:t>
+              <a:t>2016-04-01</a:t>
             </a:fld>
             <a:endParaRPr lang="ko-KR" altLang="en-US"/>
           </a:p>
@@ -2699,7 +2699,7 @@
           <a:p>
             <a:fld id="{C371A25B-1A51-40C1-A870-A49E466EAC33}" type="datetimeFigureOut">
               <a:rPr lang="ko-KR" altLang="en-US" smtClean="0"/>
-              <a:t>2016-03-31</a:t>
+              <a:t>2016-04-01</a:t>
             </a:fld>
             <a:endParaRPr lang="ko-KR" altLang="en-US"/>
           </a:p>
@@ -2931,7 +2931,7 @@
           <a:p>
             <a:fld id="{C371A25B-1A51-40C1-A870-A49E466EAC33}" type="datetimeFigureOut">
               <a:rPr lang="ko-KR" altLang="en-US" smtClean="0"/>
-              <a:t>2016-03-31</a:t>
+              <a:t>2016-04-01</a:t>
             </a:fld>
             <a:endParaRPr lang="ko-KR" altLang="en-US"/>
           </a:p>
@@ -3298,7 +3298,7 @@
           <a:p>
             <a:fld id="{C371A25B-1A51-40C1-A870-A49E466EAC33}" type="datetimeFigureOut">
               <a:rPr lang="ko-KR" altLang="en-US" smtClean="0"/>
-              <a:t>2016-03-31</a:t>
+              <a:t>2016-04-01</a:t>
             </a:fld>
             <a:endParaRPr lang="ko-KR" altLang="en-US"/>
           </a:p>
@@ -3416,7 +3416,7 @@
           <a:p>
             <a:fld id="{C371A25B-1A51-40C1-A870-A49E466EAC33}" type="datetimeFigureOut">
               <a:rPr lang="ko-KR" altLang="en-US" smtClean="0"/>
-              <a:t>2016-03-31</a:t>
+              <a:t>2016-04-01</a:t>
             </a:fld>
             <a:endParaRPr lang="ko-KR" altLang="en-US"/>
           </a:p>
@@ -3511,7 +3511,7 @@
           <a:p>
             <a:fld id="{C371A25B-1A51-40C1-A870-A49E466EAC33}" type="datetimeFigureOut">
               <a:rPr lang="ko-KR" altLang="en-US" smtClean="0"/>
-              <a:t>2016-03-31</a:t>
+              <a:t>2016-04-01</a:t>
             </a:fld>
             <a:endParaRPr lang="ko-KR" altLang="en-US"/>
           </a:p>
@@ -3788,7 +3788,7 @@
           <a:p>
             <a:fld id="{C371A25B-1A51-40C1-A870-A49E466EAC33}" type="datetimeFigureOut">
               <a:rPr lang="ko-KR" altLang="en-US" smtClean="0"/>
-              <a:t>2016-03-31</a:t>
+              <a:t>2016-04-01</a:t>
             </a:fld>
             <a:endParaRPr lang="ko-KR" altLang="en-US"/>
           </a:p>
@@ -4045,7 +4045,7 @@
           <a:p>
             <a:fld id="{C371A25B-1A51-40C1-A870-A49E466EAC33}" type="datetimeFigureOut">
               <a:rPr lang="ko-KR" altLang="en-US" smtClean="0"/>
-              <a:t>2016-03-31</a:t>
+              <a:t>2016-04-01</a:t>
             </a:fld>
             <a:endParaRPr lang="ko-KR" altLang="en-US"/>
           </a:p>
@@ -4260,7 +4260,7 @@
             <a:fld id="{C371A25B-1A51-40C1-A870-A49E466EAC33}" type="datetimeFigureOut">
               <a:rPr lang="ko-KR" altLang="en-US" smtClean="0"/>
               <a:pPr/>
-              <a:t>2016-03-31</a:t>
+              <a:t>2016-04-01</a:t>
             </a:fld>
             <a:endParaRPr lang="ko-KR" altLang="en-US" dirty="0"/>
           </a:p>
@@ -4987,7 +4987,7 @@
           <p:nvPr>
             <p:extLst>
               <p:ext uri="{D42A27DB-BD31-4B8C-83A1-F6EECF244321}">
-                <p14:modId xmlns:p14="http://schemas.microsoft.com/office/powerpoint/2010/main" val="2481711514"/>
+                <p14:modId xmlns:p14="http://schemas.microsoft.com/office/powerpoint/2010/main" val="3339376462"/>
               </p:ext>
             </p:extLst>
           </p:nvPr>
@@ -5313,14 +5313,6 @@
                     <a:lstStyle/>
                     <a:p>
                       <a:pPr latinLnBrk="1"/>
-                      <a:r>
-                        <a:rPr lang="ko-KR" altLang="en-US" dirty="0"/>
-                        <a:t>크기 </a:t>
-                      </a:r>
-                      <a:r>
-                        <a:rPr lang="en-US" altLang="ko-KR" dirty="0"/>
-                        <a:t>: 5</a:t>
-                      </a:r>
                       <a:endParaRPr lang="ko-KR" altLang="en-US" dirty="0"/>
                     </a:p>
                   </a:txBody>
@@ -5369,14 +5361,6 @@
                     <a:lstStyle/>
                     <a:p>
                       <a:pPr latinLnBrk="1"/>
-                      <a:r>
-                        <a:rPr lang="ko-KR" altLang="en-US" dirty="0"/>
-                        <a:t>크기 </a:t>
-                      </a:r>
-                      <a:r>
-                        <a:rPr lang="en-US" altLang="ko-KR" dirty="0"/>
-                        <a:t>: 3</a:t>
-                      </a:r>
                       <a:endParaRPr lang="ko-KR" altLang="en-US" dirty="0"/>
                     </a:p>
                   </a:txBody>
@@ -5425,14 +5409,6 @@
                     <a:lstStyle/>
                     <a:p>
                       <a:pPr latinLnBrk="1"/>
-                      <a:r>
-                        <a:rPr lang="ko-KR" altLang="en-US" dirty="0"/>
-                        <a:t>크기 </a:t>
-                      </a:r>
-                      <a:r>
-                        <a:rPr lang="en-US" altLang="ko-KR" dirty="0"/>
-                        <a:t>: 3</a:t>
-                      </a:r>
                       <a:endParaRPr lang="ko-KR" altLang="en-US" dirty="0"/>
                     </a:p>
                   </a:txBody>
@@ -6538,7 +6514,7 @@
           <p:nvPr>
             <p:extLst>
               <p:ext uri="{D42A27DB-BD31-4B8C-83A1-F6EECF244321}">
-                <p14:modId xmlns:p14="http://schemas.microsoft.com/office/powerpoint/2010/main" val="331031798"/>
+                <p14:modId xmlns:p14="http://schemas.microsoft.com/office/powerpoint/2010/main" val="3347644231"/>
               </p:ext>
             </p:extLst>
           </p:nvPr>
@@ -6633,8 +6609,8 @@
                     <a:p>
                       <a:pPr latinLnBrk="1"/>
                       <a:r>
-                        <a:rPr lang="en-US" altLang="ko-KR" dirty="0" err="1"/>
-                        <a:t>personal_code</a:t>
+                        <a:rPr lang="en-US" altLang="ko-KR" dirty="0"/>
+                        <a:t>id</a:t>
                       </a:r>
                       <a:endParaRPr lang="ko-KR" altLang="en-US" dirty="0"/>
                     </a:p>
@@ -6648,8 +6624,8 @@
                     <a:p>
                       <a:pPr latinLnBrk="1"/>
                       <a:r>
-                        <a:rPr lang="en-US" altLang="ko-KR" dirty="0" err="1"/>
-                        <a:t>int</a:t>
+                        <a:rPr lang="en-US" altLang="ko-KR" dirty="0"/>
+                        <a:t>char[20]</a:t>
                       </a:r>
                       <a:endParaRPr lang="ko-KR" altLang="en-US" dirty="0"/>
                     </a:p>
@@ -6946,7 +6922,6 @@
                     <a:bodyPr/>
                     <a:lstStyle/>
                     <a:p>
-                      <a:pPr latinLnBrk="1"/>
                       <a:r>
                         <a:rPr lang="en-US" altLang="ko-KR" dirty="0" err="1"/>
                         <a:t>int</a:t>
@@ -6961,7 +6936,6 @@
                     <a:bodyPr/>
                     <a:lstStyle/>
                     <a:p>
-                      <a:pPr latinLnBrk="1"/>
                       <a:endParaRPr lang="ko-KR" altLang="en-US" dirty="0"/>
                     </a:p>
                   </a:txBody>
@@ -7406,7 +7380,7 @@
           <p:nvPr>
             <p:extLst>
               <p:ext uri="{D42A27DB-BD31-4B8C-83A1-F6EECF244321}">
-                <p14:modId xmlns:p14="http://schemas.microsoft.com/office/powerpoint/2010/main" val="4038961121"/>
+                <p14:modId xmlns:p14="http://schemas.microsoft.com/office/powerpoint/2010/main" val="978879119"/>
               </p:ext>
             </p:extLst>
           </p:nvPr>
@@ -7569,7 +7543,7 @@
                       <a:pPr latinLnBrk="1"/>
                       <a:r>
                         <a:rPr lang="en-US" altLang="ko-KR" dirty="0"/>
-                        <a:t>char[10]</a:t>
+                        <a:t>char[40]</a:t>
                       </a:r>
                       <a:endParaRPr lang="ko-KR" altLang="en-US" dirty="0"/>
                     </a:p>
@@ -7688,7 +7662,7 @@
           <p:nvPr>
             <p:extLst>
               <p:ext uri="{D42A27DB-BD31-4B8C-83A1-F6EECF244321}">
-                <p14:modId xmlns:p14="http://schemas.microsoft.com/office/powerpoint/2010/main" val="3754748411"/>
+                <p14:modId xmlns:p14="http://schemas.microsoft.com/office/powerpoint/2010/main" val="960037004"/>
               </p:ext>
             </p:extLst>
           </p:nvPr>
@@ -7784,7 +7758,7 @@
                       <a:pPr latinLnBrk="1"/>
                       <a:r>
                         <a:rPr lang="en-US" altLang="ko-KR" dirty="0" err="1"/>
-                        <a:t>pharm_name</a:t>
+                        <a:t>pharm_code</a:t>
                       </a:r>
                       <a:endParaRPr lang="ko-KR" altLang="en-US" dirty="0"/>
                     </a:p>
@@ -7798,20 +7772,24 @@
                     <a:p>
                       <a:pPr latinLnBrk="1"/>
                       <a:r>
+                        <a:rPr lang="en-US" altLang="ko-KR" dirty="0" err="1"/>
+                        <a:t>int</a:t>
+                      </a:r>
+                      <a:endParaRPr lang="ko-KR" altLang="en-US" dirty="0"/>
+                    </a:p>
+                  </a:txBody>
+                  <a:tcPr/>
+                </a:tc>
+                <a:tc>
+                  <a:txBody>
+                    <a:bodyPr/>
+                    <a:lstStyle/>
+                    <a:p>
+                      <a:pPr latinLnBrk="1"/>
+                      <a:r>
                         <a:rPr lang="en-US" altLang="ko-KR" dirty="0"/>
-                        <a:t>char[30]</a:t>
-                      </a:r>
-                      <a:endParaRPr lang="ko-KR" altLang="en-US" dirty="0"/>
-                    </a:p>
-                  </a:txBody>
-                  <a:tcPr/>
-                </a:tc>
-                <a:tc>
-                  <a:txBody>
-                    <a:bodyPr/>
-                    <a:lstStyle/>
-                    <a:p>
-                      <a:pPr latinLnBrk="1"/>
+                        <a:t>PRIMARY</a:t>
+                      </a:r>
                       <a:endParaRPr lang="ko-KR" altLang="en-US" dirty="0"/>
                     </a:p>
                   </a:txBody>
@@ -7819,7 +7797,7 @@
                 </a:tc>
                 <a:extLst>
                   <a:ext uri="{0D108BD9-81ED-4DB2-BD59-A6C34878D82A}">
-                    <a16:rowId xmlns:a16="http://schemas.microsoft.com/office/drawing/2014/main" val="10001"/>
+                    <a16:rowId xmlns:a16="http://schemas.microsoft.com/office/drawing/2014/main" val="10002"/>
                   </a:ext>
                 </a:extLst>
               </a:tr>
@@ -7832,7 +7810,7 @@
                       <a:pPr latinLnBrk="1"/>
                       <a:r>
                         <a:rPr lang="en-US" altLang="ko-KR" dirty="0" err="1"/>
-                        <a:t>pharm_code</a:t>
+                        <a:t>pharm_name</a:t>
                       </a:r>
                       <a:endParaRPr lang="ko-KR" altLang="en-US" dirty="0"/>
                     </a:p>
@@ -7846,8 +7824,8 @@
                     <a:p>
                       <a:pPr latinLnBrk="1"/>
                       <a:r>
-                        <a:rPr lang="en-US" altLang="ko-KR" dirty="0" err="1"/>
-                        <a:t>int</a:t>
+                        <a:rPr lang="en-US" altLang="ko-KR" dirty="0"/>
+                        <a:t>char[40]</a:t>
                       </a:r>
                       <a:endParaRPr lang="ko-KR" altLang="en-US" dirty="0"/>
                     </a:p>
@@ -7867,7 +7845,7 @@
                 </a:tc>
                 <a:extLst>
                   <a:ext uri="{0D108BD9-81ED-4DB2-BD59-A6C34878D82A}">
-                    <a16:rowId xmlns:a16="http://schemas.microsoft.com/office/drawing/2014/main" val="10002"/>
+                    <a16:rowId xmlns:a16="http://schemas.microsoft.com/office/drawing/2014/main" val="3726474258"/>
                   </a:ext>
                 </a:extLst>
               </a:tr>
@@ -7909,52 +7887,87 @@
           </a:p>
         </p:txBody>
       </p:sp>
-      <p:pic>
-        <p:nvPicPr>
-          <p:cNvPr id="29" name="그림 28"/>
-          <p:cNvPicPr>
-            <a:picLocks noChangeAspect="1"/>
-          </p:cNvPicPr>
+      <p:sp>
+        <p:nvSpPr>
+          <p:cNvPr id="2" name="오른쪽 중괄호 1"/>
+          <p:cNvSpPr/>
           <p:nvPr/>
-        </p:nvPicPr>
-        <p:blipFill rotWithShape="1">
-          <a:blip r:embed="rId2"/>
-          <a:srcRect l="21931" b="16931"/>
-          <a:stretch/>
-        </p:blipFill>
+        </p:nvSpPr>
         <p:spPr>
           <a:xfrm>
-            <a:off x="9273197" y="34936"/>
-            <a:ext cx="8802136" cy="4610858"/>
+            <a:off x="9144000" y="6357257"/>
+            <a:ext cx="304800" cy="1193202"/>
+          </a:xfrm>
+          <a:prstGeom prst="rightBrace">
+            <a:avLst/>
+          </a:prstGeom>
+          <a:ln w="38100">
+            <a:solidFill>
+              <a:srgbClr val="FF0000"/>
+            </a:solidFill>
+          </a:ln>
+        </p:spPr>
+        <p:style>
+          <a:lnRef idx="1">
+            <a:schemeClr val="accent1"/>
+          </a:lnRef>
+          <a:fillRef idx="0">
+            <a:schemeClr val="accent1"/>
+          </a:fillRef>
+          <a:effectRef idx="0">
+            <a:schemeClr val="accent1"/>
+          </a:effectRef>
+          <a:fontRef idx="minor">
+            <a:schemeClr val="tx1"/>
+          </a:fontRef>
+        </p:style>
+        <p:txBody>
+          <a:bodyPr rtlCol="0" anchor="ctr"/>
+          <a:lstStyle/>
+          <a:p>
+            <a:pPr algn="ctr"/>
+            <a:endParaRPr lang="ko-KR" altLang="en-US"/>
+          </a:p>
+        </p:txBody>
+      </p:sp>
+      <p:sp>
+        <p:nvSpPr>
+          <p:cNvPr id="3" name="TextBox 2"/>
+          <p:cNvSpPr txBox="1"/>
+          <p:nvPr/>
+        </p:nvSpPr>
+        <p:spPr>
+          <a:xfrm>
+            <a:off x="9296400" y="6645440"/>
+            <a:ext cx="2075543" cy="308418"/>
           </a:xfrm>
           <a:prstGeom prst="rect">
             <a:avLst/>
           </a:prstGeom>
+          <a:noFill/>
         </p:spPr>
-      </p:pic>
-      <p:pic>
-        <p:nvPicPr>
-          <p:cNvPr id="30" name="그림 29"/>
-          <p:cNvPicPr>
-            <a:picLocks noChangeAspect="1"/>
-          </p:cNvPicPr>
-          <p:nvPr/>
-        </p:nvPicPr>
-        <p:blipFill rotWithShape="1">
-          <a:blip r:embed="rId3"/>
-          <a:srcRect l="22734"/>
-          <a:stretch/>
-        </p:blipFill>
-        <p:spPr>
-          <a:xfrm>
-            <a:off x="9273197" y="3043827"/>
-            <a:ext cx="7255742" cy="3993122"/>
-          </a:xfrm>
-          <a:prstGeom prst="rect">
-            <a:avLst/>
-          </a:prstGeom>
-        </p:spPr>
-      </p:pic>
+        <p:txBody>
+          <a:bodyPr wrap="square" rtlCol="0">
+            <a:spAutoFit/>
+          </a:bodyPr>
+          <a:lstStyle/>
+          <a:p>
+            <a:r>
+              <a:rPr lang="ko-KR" altLang="en-US" dirty="0"/>
+              <a:t>고민중</a:t>
+            </a:r>
+            <a:r>
+              <a:rPr lang="en-US" altLang="ko-KR" dirty="0"/>
+              <a:t>….. </a:t>
+            </a:r>
+            <a:r>
+              <a:rPr lang="ko-KR" altLang="en-US" dirty="0" err="1"/>
+              <a:t>어떻게할까</a:t>
+            </a:r>
+            <a:endParaRPr lang="ko-KR" altLang="en-US" dirty="0"/>
+          </a:p>
+        </p:txBody>
+      </p:sp>
     </p:spTree>
     <p:extLst>
       <p:ext uri="{BB962C8B-B14F-4D97-AF65-F5344CB8AC3E}">

--- a/설계참고자료V1_sh.pptx
+++ b/설계참고자료V1_sh.pptx
@@ -5,7 +5,7 @@
     <p:sldMasterId id="2147483660" r:id="rId1"/>
   </p:sldMasterIdLst>
   <p:notesMasterIdLst>
-    <p:notesMasterId r:id="rId12"/>
+    <p:notesMasterId r:id="rId14"/>
   </p:notesMasterIdLst>
   <p:sldIdLst>
     <p:sldId id="262" r:id="rId2"/>
@@ -18,6 +18,8 @@
     <p:sldId id="327" r:id="rId9"/>
     <p:sldId id="321" r:id="rId10"/>
     <p:sldId id="322" r:id="rId11"/>
+    <p:sldId id="328" r:id="rId12"/>
+    <p:sldId id="329" r:id="rId13"/>
   </p:sldIdLst>
   <p:sldSz cx="9144000" cy="5715000" type="screen16x10"/>
   <p:notesSz cx="6881813" cy="9661525"/>
@@ -6514,7 +6516,7 @@
           <p:nvPr>
             <p:extLst>
               <p:ext uri="{D42A27DB-BD31-4B8C-83A1-F6EECF244321}">
-                <p14:modId xmlns:p14="http://schemas.microsoft.com/office/powerpoint/2010/main" val="3347644231"/>
+                <p14:modId xmlns:p14="http://schemas.microsoft.com/office/powerpoint/2010/main" val="1678854215"/>
               </p:ext>
             </p:extLst>
           </p:nvPr>
@@ -6747,6 +6749,10 @@
                     <a:lstStyle/>
                     <a:p>
                       <a:pPr latinLnBrk="1"/>
+                      <a:r>
+                        <a:rPr lang="en-US" altLang="ko-KR" dirty="0" err="1"/>
+                        <a:t>int</a:t>
+                      </a:r>
                       <a:endParaRPr lang="ko-KR" altLang="en-US" dirty="0"/>
                     </a:p>
                   </a:txBody>
@@ -7972,6 +7978,6583 @@
     <p:extLst>
       <p:ext uri="{BB962C8B-B14F-4D97-AF65-F5344CB8AC3E}">
         <p14:creationId xmlns:p14="http://schemas.microsoft.com/office/powerpoint/2010/main" val="900412127"/>
+      </p:ext>
+    </p:extLst>
+  </p:cSld>
+  <p:clrMapOvr>
+    <a:masterClrMapping/>
+  </p:clrMapOvr>
+</p:sld>
+</file>
+
+<file path=ppt/slides/slide11.xml><?xml version="1.0" encoding="utf-8"?>
+<p:sld xmlns:a="http://schemas.openxmlformats.org/drawingml/2006/main" xmlns:r="http://schemas.openxmlformats.org/officeDocument/2006/relationships" xmlns:p="http://schemas.openxmlformats.org/presentationml/2006/main">
+  <p:cSld>
+    <p:spTree>
+      <p:nvGrpSpPr>
+        <p:cNvPr id="1" name=""/>
+        <p:cNvGrpSpPr/>
+        <p:nvPr/>
+      </p:nvGrpSpPr>
+      <p:grpSpPr>
+        <a:xfrm>
+          <a:off x="0" y="0"/>
+          <a:ext cx="0" cy="0"/>
+          <a:chOff x="0" y="0"/>
+          <a:chExt cx="0" cy="0"/>
+        </a:xfrm>
+      </p:grpSpPr>
+      <p:sp>
+        <p:nvSpPr>
+          <p:cNvPr id="5" name="TextBox 4"/>
+          <p:cNvSpPr txBox="1"/>
+          <p:nvPr/>
+        </p:nvSpPr>
+        <p:spPr>
+          <a:xfrm>
+            <a:off x="245909" y="2286187"/>
+            <a:ext cx="1797156" cy="308418"/>
+          </a:xfrm>
+          <a:prstGeom prst="rect">
+            <a:avLst/>
+          </a:prstGeom>
+          <a:noFill/>
+        </p:spPr>
+        <p:txBody>
+          <a:bodyPr wrap="square" rtlCol="0">
+            <a:spAutoFit/>
+          </a:bodyPr>
+          <a:lstStyle/>
+          <a:p>
+            <a:r>
+              <a:rPr lang="ko-KR" altLang="en-US" b="1" dirty="0"/>
+              <a:t>병원</a:t>
+            </a:r>
+            <a:r>
+              <a:rPr lang="en-US" altLang="ko-KR" b="1" dirty="0"/>
+              <a:t>Table (HOSPITAL)</a:t>
+            </a:r>
+            <a:endParaRPr lang="ko-KR" altLang="en-US" b="1" dirty="0"/>
+          </a:p>
+        </p:txBody>
+      </p:sp>
+      <p:sp>
+        <p:nvSpPr>
+          <p:cNvPr id="7" name="TextBox 6"/>
+          <p:cNvSpPr txBox="1"/>
+          <p:nvPr/>
+        </p:nvSpPr>
+        <p:spPr>
+          <a:xfrm>
+            <a:off x="245909" y="99682"/>
+            <a:ext cx="1862706" cy="308418"/>
+          </a:xfrm>
+          <a:prstGeom prst="rect">
+            <a:avLst/>
+          </a:prstGeom>
+          <a:noFill/>
+        </p:spPr>
+        <p:txBody>
+          <a:bodyPr wrap="square" rtlCol="0">
+            <a:spAutoFit/>
+          </a:bodyPr>
+          <a:lstStyle/>
+          <a:p>
+            <a:r>
+              <a:rPr lang="ko-KR" altLang="en-US" b="1" dirty="0"/>
+              <a:t>의사</a:t>
+            </a:r>
+            <a:r>
+              <a:rPr lang="en-US" altLang="ko-KR" b="1" dirty="0"/>
+              <a:t>Table (DOCTOR)</a:t>
+            </a:r>
+            <a:endParaRPr lang="ko-KR" altLang="en-US" b="1" dirty="0"/>
+          </a:p>
+        </p:txBody>
+      </p:sp>
+      <p:sp>
+        <p:nvSpPr>
+          <p:cNvPr id="9" name="TextBox 8"/>
+          <p:cNvSpPr txBox="1"/>
+          <p:nvPr/>
+        </p:nvSpPr>
+        <p:spPr>
+          <a:xfrm>
+            <a:off x="245909" y="5040388"/>
+            <a:ext cx="2525644" cy="308418"/>
+          </a:xfrm>
+          <a:prstGeom prst="rect">
+            <a:avLst/>
+          </a:prstGeom>
+          <a:noFill/>
+        </p:spPr>
+        <p:txBody>
+          <a:bodyPr wrap="square" rtlCol="0">
+            <a:spAutoFit/>
+          </a:bodyPr>
+          <a:lstStyle/>
+          <a:p>
+            <a:r>
+              <a:rPr lang="ko-KR" altLang="en-US" b="1" dirty="0" err="1"/>
+              <a:t>대기인원</a:t>
+            </a:r>
+            <a:r>
+              <a:rPr lang="en-US" altLang="ko-KR" b="1" dirty="0"/>
+              <a:t>Table (WAIT_LIST)</a:t>
+            </a:r>
+            <a:endParaRPr lang="ko-KR" altLang="en-US" b="1" dirty="0"/>
+          </a:p>
+        </p:txBody>
+      </p:sp>
+      <p:graphicFrame>
+        <p:nvGraphicFramePr>
+          <p:cNvPr id="14" name="표 13"/>
+          <p:cNvGraphicFramePr>
+            <a:graphicFrameLocks noGrp="1"/>
+          </p:cNvGraphicFramePr>
+          <p:nvPr>
+            <p:extLst/>
+          </p:nvPr>
+        </p:nvGraphicFramePr>
+        <p:xfrm>
+          <a:off x="4577848" y="499233"/>
+          <a:ext cx="3802566" cy="2377440"/>
+        </p:xfrm>
+        <a:graphic>
+          <a:graphicData uri="http://schemas.openxmlformats.org/drawingml/2006/table">
+            <a:tbl>
+              <a:tblPr firstRow="1" bandRow="1">
+                <a:tableStyleId>{5A111915-BE36-4E01-A7E5-04B1672EAD32}</a:tableStyleId>
+              </a:tblPr>
+              <a:tblGrid>
+                <a:gridCol w="1267522">
+                  <a:extLst>
+                    <a:ext uri="{9D8B030D-6E8A-4147-A177-3AD203B41FA5}">
+                      <a16:colId xmlns:a16="http://schemas.microsoft.com/office/drawing/2014/main" val="20000"/>
+                    </a:ext>
+                  </a:extLst>
+                </a:gridCol>
+                <a:gridCol w="1267522">
+                  <a:extLst>
+                    <a:ext uri="{9D8B030D-6E8A-4147-A177-3AD203B41FA5}">
+                      <a16:colId xmlns:a16="http://schemas.microsoft.com/office/drawing/2014/main" val="20001"/>
+                    </a:ext>
+                  </a:extLst>
+                </a:gridCol>
+                <a:gridCol w="1267522">
+                  <a:extLst>
+                    <a:ext uri="{9D8B030D-6E8A-4147-A177-3AD203B41FA5}">
+                      <a16:colId xmlns:a16="http://schemas.microsoft.com/office/drawing/2014/main" val="3365571297"/>
+                    </a:ext>
+                  </a:extLst>
+                </a:gridCol>
+              </a:tblGrid>
+              <a:tr h="254614">
+                <a:tc>
+                  <a:txBody>
+                    <a:bodyPr/>
+                    <a:lstStyle/>
+                    <a:p>
+                      <a:pPr latinLnBrk="1"/>
+                      <a:r>
+                        <a:rPr lang="ko-KR" altLang="en-US" dirty="0"/>
+                        <a:t>변수</a:t>
+                      </a:r>
+                    </a:p>
+                  </a:txBody>
+                  <a:tcPr/>
+                </a:tc>
+                <a:tc>
+                  <a:txBody>
+                    <a:bodyPr/>
+                    <a:lstStyle/>
+                    <a:p>
+                      <a:pPr latinLnBrk="1"/>
+                      <a:r>
+                        <a:rPr lang="ko-KR" altLang="en-US" dirty="0"/>
+                        <a:t>변수형</a:t>
+                      </a:r>
+                    </a:p>
+                  </a:txBody>
+                  <a:tcPr/>
+                </a:tc>
+                <a:tc>
+                  <a:txBody>
+                    <a:bodyPr/>
+                    <a:lstStyle/>
+                    <a:p>
+                      <a:pPr latinLnBrk="1"/>
+                      <a:r>
+                        <a:rPr lang="ko-KR" altLang="en-US" dirty="0"/>
+                        <a:t>기타사항</a:t>
+                      </a:r>
+                    </a:p>
+                  </a:txBody>
+                  <a:tcPr/>
+                </a:tc>
+                <a:extLst>
+                  <a:ext uri="{0D108BD9-81ED-4DB2-BD59-A6C34878D82A}">
+                    <a16:rowId xmlns:a16="http://schemas.microsoft.com/office/drawing/2014/main" val="10000"/>
+                  </a:ext>
+                </a:extLst>
+              </a:tr>
+              <a:tr h="254614">
+                <a:tc>
+                  <a:txBody>
+                    <a:bodyPr/>
+                    <a:lstStyle/>
+                    <a:p>
+                      <a:pPr latinLnBrk="1"/>
+                      <a:r>
+                        <a:rPr lang="en-US" altLang="ko-KR" dirty="0"/>
+                        <a:t>id</a:t>
+                      </a:r>
+                      <a:endParaRPr lang="ko-KR" altLang="en-US" dirty="0"/>
+                    </a:p>
+                  </a:txBody>
+                  <a:tcPr/>
+                </a:tc>
+                <a:tc>
+                  <a:txBody>
+                    <a:bodyPr/>
+                    <a:lstStyle/>
+                    <a:p>
+                      <a:pPr latinLnBrk="1"/>
+                      <a:r>
+                        <a:rPr lang="en-US" altLang="ko-KR" dirty="0"/>
+                        <a:t>char[20]</a:t>
+                      </a:r>
+                      <a:endParaRPr lang="ko-KR" altLang="en-US" dirty="0"/>
+                    </a:p>
+                  </a:txBody>
+                  <a:tcPr/>
+                </a:tc>
+                <a:tc>
+                  <a:txBody>
+                    <a:bodyPr/>
+                    <a:lstStyle/>
+                    <a:p>
+                      <a:pPr latinLnBrk="1"/>
+                      <a:r>
+                        <a:rPr lang="en-US" altLang="ko-KR" dirty="0"/>
+                        <a:t>PRIMARY</a:t>
+                      </a:r>
+                      <a:endParaRPr lang="ko-KR" altLang="en-US" dirty="0"/>
+                    </a:p>
+                  </a:txBody>
+                  <a:tcPr/>
+                </a:tc>
+                <a:extLst>
+                  <a:ext uri="{0D108BD9-81ED-4DB2-BD59-A6C34878D82A}">
+                    <a16:rowId xmlns:a16="http://schemas.microsoft.com/office/drawing/2014/main" val="3660664144"/>
+                  </a:ext>
+                </a:extLst>
+              </a:tr>
+              <a:tr h="254614">
+                <a:tc>
+                  <a:txBody>
+                    <a:bodyPr/>
+                    <a:lstStyle/>
+                    <a:p>
+                      <a:pPr latinLnBrk="1"/>
+                      <a:r>
+                        <a:rPr lang="en-US" altLang="ko-KR" dirty="0"/>
+                        <a:t>pw</a:t>
+                      </a:r>
+                      <a:endParaRPr lang="ko-KR" altLang="en-US" dirty="0"/>
+                    </a:p>
+                  </a:txBody>
+                  <a:tcPr/>
+                </a:tc>
+                <a:tc>
+                  <a:txBody>
+                    <a:bodyPr/>
+                    <a:lstStyle/>
+                    <a:p>
+                      <a:pPr latinLnBrk="1"/>
+                      <a:r>
+                        <a:rPr lang="en-US" altLang="ko-KR" dirty="0"/>
+                        <a:t>char[40]</a:t>
+                      </a:r>
+                      <a:endParaRPr lang="ko-KR" altLang="en-US" dirty="0"/>
+                    </a:p>
+                  </a:txBody>
+                  <a:tcPr/>
+                </a:tc>
+                <a:tc>
+                  <a:txBody>
+                    <a:bodyPr/>
+                    <a:lstStyle/>
+                    <a:p>
+                      <a:pPr latinLnBrk="1"/>
+                      <a:endParaRPr lang="ko-KR" altLang="en-US" dirty="0"/>
+                    </a:p>
+                  </a:txBody>
+                  <a:tcPr/>
+                </a:tc>
+                <a:extLst>
+                  <a:ext uri="{0D108BD9-81ED-4DB2-BD59-A6C34878D82A}">
+                    <a16:rowId xmlns:a16="http://schemas.microsoft.com/office/drawing/2014/main" val="10002"/>
+                  </a:ext>
+                </a:extLst>
+              </a:tr>
+              <a:tr h="254614">
+                <a:tc>
+                  <a:txBody>
+                    <a:bodyPr/>
+                    <a:lstStyle/>
+                    <a:p>
+                      <a:pPr latinLnBrk="1"/>
+                      <a:r>
+                        <a:rPr lang="en-US" altLang="ko-KR" dirty="0"/>
+                        <a:t>name</a:t>
+                      </a:r>
+                      <a:endParaRPr lang="ko-KR" altLang="en-US" dirty="0"/>
+                    </a:p>
+                  </a:txBody>
+                  <a:tcPr/>
+                </a:tc>
+                <a:tc>
+                  <a:txBody>
+                    <a:bodyPr/>
+                    <a:lstStyle/>
+                    <a:p>
+                      <a:pPr latinLnBrk="1"/>
+                      <a:r>
+                        <a:rPr lang="en-US" altLang="ko-KR" dirty="0"/>
+                        <a:t>char[40]</a:t>
+                      </a:r>
+                      <a:endParaRPr lang="ko-KR" altLang="en-US" dirty="0"/>
+                    </a:p>
+                  </a:txBody>
+                  <a:tcPr/>
+                </a:tc>
+                <a:tc>
+                  <a:txBody>
+                    <a:bodyPr/>
+                    <a:lstStyle/>
+                    <a:p>
+                      <a:pPr latinLnBrk="1"/>
+                      <a:endParaRPr lang="ko-KR" altLang="en-US" dirty="0"/>
+                    </a:p>
+                  </a:txBody>
+                  <a:tcPr/>
+                </a:tc>
+                <a:extLst>
+                  <a:ext uri="{0D108BD9-81ED-4DB2-BD59-A6C34878D82A}">
+                    <a16:rowId xmlns:a16="http://schemas.microsoft.com/office/drawing/2014/main" val="10003"/>
+                  </a:ext>
+                </a:extLst>
+              </a:tr>
+              <a:tr h="267208">
+                <a:tc>
+                  <a:txBody>
+                    <a:bodyPr/>
+                    <a:lstStyle/>
+                    <a:p>
+                      <a:pPr latinLnBrk="1"/>
+                      <a:r>
+                        <a:rPr lang="en-US" altLang="ko-KR" dirty="0"/>
+                        <a:t>gene</a:t>
+                      </a:r>
+                    </a:p>
+                  </a:txBody>
+                  <a:tcPr/>
+                </a:tc>
+                <a:tc>
+                  <a:txBody>
+                    <a:bodyPr/>
+                    <a:lstStyle/>
+                    <a:p>
+                      <a:pPr latinLnBrk="1"/>
+                      <a:r>
+                        <a:rPr lang="en-US" altLang="ko-KR" dirty="0"/>
+                        <a:t>bool</a:t>
+                      </a:r>
+                    </a:p>
+                  </a:txBody>
+                  <a:tcPr/>
+                </a:tc>
+                <a:tc>
+                  <a:txBody>
+                    <a:bodyPr/>
+                    <a:lstStyle/>
+                    <a:p>
+                      <a:pPr latinLnBrk="1"/>
+                      <a:r>
+                        <a:rPr lang="en-US" altLang="ko-KR" dirty="0"/>
+                        <a:t>1</a:t>
+                      </a:r>
+                      <a:r>
+                        <a:rPr lang="en-US" altLang="ko-KR" baseline="0" dirty="0"/>
+                        <a:t> : F, 0 : M</a:t>
+                      </a:r>
+                      <a:endParaRPr lang="ko-KR" altLang="en-US" dirty="0"/>
+                    </a:p>
+                  </a:txBody>
+                  <a:tcPr/>
+                </a:tc>
+                <a:extLst>
+                  <a:ext uri="{0D108BD9-81ED-4DB2-BD59-A6C34878D82A}">
+                    <a16:rowId xmlns:a16="http://schemas.microsoft.com/office/drawing/2014/main" val="10004"/>
+                  </a:ext>
+                </a:extLst>
+              </a:tr>
+              <a:tr h="267208">
+                <a:tc>
+                  <a:txBody>
+                    <a:bodyPr/>
+                    <a:lstStyle/>
+                    <a:p>
+                      <a:pPr latinLnBrk="1"/>
+                      <a:r>
+                        <a:rPr lang="en-US" altLang="ko-KR" dirty="0" err="1"/>
+                        <a:t>birth_year</a:t>
+                      </a:r>
+                      <a:endParaRPr lang="ko-KR" altLang="en-US" dirty="0"/>
+                    </a:p>
+                  </a:txBody>
+                  <a:tcPr/>
+                </a:tc>
+                <a:tc>
+                  <a:txBody>
+                    <a:bodyPr/>
+                    <a:lstStyle/>
+                    <a:p>
+                      <a:pPr latinLnBrk="1"/>
+                      <a:r>
+                        <a:rPr lang="en-US" altLang="ko-KR" dirty="0" err="1"/>
+                        <a:t>int</a:t>
+                      </a:r>
+                      <a:endParaRPr lang="ko-KR" altLang="en-US" dirty="0"/>
+                    </a:p>
+                  </a:txBody>
+                  <a:tcPr/>
+                </a:tc>
+                <a:tc>
+                  <a:txBody>
+                    <a:bodyPr/>
+                    <a:lstStyle/>
+                    <a:p>
+                      <a:pPr latinLnBrk="1"/>
+                      <a:endParaRPr lang="ko-KR" altLang="en-US" dirty="0"/>
+                    </a:p>
+                  </a:txBody>
+                  <a:tcPr/>
+                </a:tc>
+                <a:extLst>
+                  <a:ext uri="{0D108BD9-81ED-4DB2-BD59-A6C34878D82A}">
+                    <a16:rowId xmlns:a16="http://schemas.microsoft.com/office/drawing/2014/main" val="10005"/>
+                  </a:ext>
+                </a:extLst>
+              </a:tr>
+              <a:tr h="267208">
+                <a:tc>
+                  <a:txBody>
+                    <a:bodyPr/>
+                    <a:lstStyle/>
+                    <a:p>
+                      <a:pPr latinLnBrk="1"/>
+                      <a:r>
+                        <a:rPr lang="en-US" altLang="ko-KR" dirty="0" err="1"/>
+                        <a:t>birth_month</a:t>
+                      </a:r>
+                      <a:endParaRPr lang="ko-KR" altLang="en-US" dirty="0"/>
+                    </a:p>
+                  </a:txBody>
+                  <a:tcPr/>
+                </a:tc>
+                <a:tc>
+                  <a:txBody>
+                    <a:bodyPr/>
+                    <a:lstStyle/>
+                    <a:p>
+                      <a:pPr latinLnBrk="1"/>
+                      <a:r>
+                        <a:rPr lang="en-US" altLang="ko-KR" dirty="0" err="1"/>
+                        <a:t>int</a:t>
+                      </a:r>
+                      <a:endParaRPr lang="ko-KR" altLang="en-US" dirty="0"/>
+                    </a:p>
+                  </a:txBody>
+                  <a:tcPr/>
+                </a:tc>
+                <a:tc>
+                  <a:txBody>
+                    <a:bodyPr/>
+                    <a:lstStyle/>
+                    <a:p>
+                      <a:pPr latinLnBrk="1"/>
+                      <a:endParaRPr lang="ko-KR" altLang="en-US" dirty="0"/>
+                    </a:p>
+                  </a:txBody>
+                  <a:tcPr/>
+                </a:tc>
+                <a:extLst>
+                  <a:ext uri="{0D108BD9-81ED-4DB2-BD59-A6C34878D82A}">
+                    <a16:rowId xmlns:a16="http://schemas.microsoft.com/office/drawing/2014/main" val="694349101"/>
+                  </a:ext>
+                </a:extLst>
+              </a:tr>
+              <a:tr h="267208">
+                <a:tc>
+                  <a:txBody>
+                    <a:bodyPr/>
+                    <a:lstStyle/>
+                    <a:p>
+                      <a:pPr latinLnBrk="1"/>
+                      <a:r>
+                        <a:rPr lang="en-US" altLang="ko-KR" dirty="0" err="1"/>
+                        <a:t>birth_day</a:t>
+                      </a:r>
+                      <a:endParaRPr lang="ko-KR" altLang="en-US" dirty="0"/>
+                    </a:p>
+                  </a:txBody>
+                  <a:tcPr/>
+                </a:tc>
+                <a:tc>
+                  <a:txBody>
+                    <a:bodyPr/>
+                    <a:lstStyle/>
+                    <a:p>
+                      <a:pPr latinLnBrk="1"/>
+                      <a:r>
+                        <a:rPr lang="en-US" altLang="ko-KR" dirty="0" err="1"/>
+                        <a:t>int</a:t>
+                      </a:r>
+                      <a:endParaRPr lang="ko-KR" altLang="en-US" dirty="0"/>
+                    </a:p>
+                  </a:txBody>
+                  <a:tcPr/>
+                </a:tc>
+                <a:tc>
+                  <a:txBody>
+                    <a:bodyPr/>
+                    <a:lstStyle/>
+                    <a:p>
+                      <a:pPr latinLnBrk="1"/>
+                      <a:endParaRPr lang="ko-KR" altLang="en-US" dirty="0"/>
+                    </a:p>
+                  </a:txBody>
+                  <a:tcPr/>
+                </a:tc>
+                <a:extLst>
+                  <a:ext uri="{0D108BD9-81ED-4DB2-BD59-A6C34878D82A}">
+                    <a16:rowId xmlns:a16="http://schemas.microsoft.com/office/drawing/2014/main" val="1131470430"/>
+                  </a:ext>
+                </a:extLst>
+              </a:tr>
+            </a:tbl>
+          </a:graphicData>
+        </a:graphic>
+      </p:graphicFrame>
+      <p:sp>
+        <p:nvSpPr>
+          <p:cNvPr id="15" name="TextBox 14"/>
+          <p:cNvSpPr txBox="1"/>
+          <p:nvPr/>
+        </p:nvSpPr>
+        <p:spPr>
+          <a:xfrm>
+            <a:off x="4484915" y="99728"/>
+            <a:ext cx="2714854" cy="308418"/>
+          </a:xfrm>
+          <a:prstGeom prst="rect">
+            <a:avLst/>
+          </a:prstGeom>
+          <a:noFill/>
+        </p:spPr>
+        <p:txBody>
+          <a:bodyPr wrap="square" rtlCol="0">
+            <a:spAutoFit/>
+          </a:bodyPr>
+          <a:lstStyle/>
+          <a:p>
+            <a:r>
+              <a:rPr lang="ko-KR" altLang="en-US" b="1" dirty="0"/>
+              <a:t>회원</a:t>
+            </a:r>
+            <a:r>
+              <a:rPr lang="en-US" altLang="ko-KR" b="1" dirty="0"/>
+              <a:t>Table (USER)</a:t>
+            </a:r>
+            <a:endParaRPr lang="ko-KR" altLang="en-US" b="1" dirty="0"/>
+          </a:p>
+        </p:txBody>
+      </p:sp>
+      <p:graphicFrame>
+        <p:nvGraphicFramePr>
+          <p:cNvPr id="20" name="표 19"/>
+          <p:cNvGraphicFramePr>
+            <a:graphicFrameLocks noGrp="1"/>
+          </p:cNvGraphicFramePr>
+          <p:nvPr>
+            <p:extLst/>
+          </p:nvPr>
+        </p:nvGraphicFramePr>
+        <p:xfrm>
+          <a:off x="401445" y="5405233"/>
+          <a:ext cx="3546087" cy="1394460"/>
+        </p:xfrm>
+        <a:graphic>
+          <a:graphicData uri="http://schemas.openxmlformats.org/drawingml/2006/table">
+            <a:tbl>
+              <a:tblPr firstRow="1" bandRow="1">
+                <a:tableStyleId>{5A111915-BE36-4E01-A7E5-04B1672EAD32}</a:tableStyleId>
+              </a:tblPr>
+              <a:tblGrid>
+                <a:gridCol w="1182029">
+                  <a:extLst>
+                    <a:ext uri="{9D8B030D-6E8A-4147-A177-3AD203B41FA5}">
+                      <a16:colId xmlns:a16="http://schemas.microsoft.com/office/drawing/2014/main" val="20000"/>
+                    </a:ext>
+                  </a:extLst>
+                </a:gridCol>
+                <a:gridCol w="1182029">
+                  <a:extLst>
+                    <a:ext uri="{9D8B030D-6E8A-4147-A177-3AD203B41FA5}">
+                      <a16:colId xmlns:a16="http://schemas.microsoft.com/office/drawing/2014/main" val="20001"/>
+                    </a:ext>
+                  </a:extLst>
+                </a:gridCol>
+                <a:gridCol w="1182029">
+                  <a:extLst>
+                    <a:ext uri="{9D8B030D-6E8A-4147-A177-3AD203B41FA5}">
+                      <a16:colId xmlns:a16="http://schemas.microsoft.com/office/drawing/2014/main" val="1930778203"/>
+                    </a:ext>
+                  </a:extLst>
+                </a:gridCol>
+              </a:tblGrid>
+              <a:tr h="262677">
+                <a:tc>
+                  <a:txBody>
+                    <a:bodyPr/>
+                    <a:lstStyle/>
+                    <a:p>
+                      <a:pPr latinLnBrk="1"/>
+                      <a:r>
+                        <a:rPr lang="ko-KR" altLang="en-US" dirty="0"/>
+                        <a:t>변수</a:t>
+                      </a:r>
+                    </a:p>
+                  </a:txBody>
+                  <a:tcPr/>
+                </a:tc>
+                <a:tc>
+                  <a:txBody>
+                    <a:bodyPr/>
+                    <a:lstStyle/>
+                    <a:p>
+                      <a:pPr latinLnBrk="1"/>
+                      <a:r>
+                        <a:rPr lang="ko-KR" altLang="en-US" dirty="0"/>
+                        <a:t>변수형</a:t>
+                      </a:r>
+                    </a:p>
+                  </a:txBody>
+                  <a:tcPr/>
+                </a:tc>
+                <a:tc>
+                  <a:txBody>
+                    <a:bodyPr/>
+                    <a:lstStyle/>
+                    <a:p>
+                      <a:pPr latinLnBrk="1"/>
+                      <a:r>
+                        <a:rPr lang="ko-KR" altLang="en-US" dirty="0"/>
+                        <a:t>기타사항</a:t>
+                      </a:r>
+                    </a:p>
+                  </a:txBody>
+                  <a:tcPr/>
+                </a:tc>
+                <a:extLst>
+                  <a:ext uri="{0D108BD9-81ED-4DB2-BD59-A6C34878D82A}">
+                    <a16:rowId xmlns:a16="http://schemas.microsoft.com/office/drawing/2014/main" val="10000"/>
+                  </a:ext>
+                </a:extLst>
+              </a:tr>
+              <a:tr h="262677">
+                <a:tc>
+                  <a:txBody>
+                    <a:bodyPr/>
+                    <a:lstStyle/>
+                    <a:p>
+                      <a:pPr marL="0" marR="0" indent="0" algn="l" defTabSz="685800" rtl="0" eaLnBrk="1" fontAlgn="auto" latinLnBrk="1" hangingPunct="1">
+                        <a:lnSpc>
+                          <a:spcPct val="100000"/>
+                        </a:lnSpc>
+                        <a:spcBef>
+                          <a:spcPts val="0"/>
+                        </a:spcBef>
+                        <a:spcAft>
+                          <a:spcPts val="0"/>
+                        </a:spcAft>
+                        <a:buClrTx/>
+                        <a:buSzTx/>
+                        <a:buFontTx/>
+                        <a:buNone/>
+                        <a:tabLst/>
+                        <a:defRPr/>
+                      </a:pPr>
+                      <a:r>
+                        <a:rPr lang="en-US" altLang="ko-KR" dirty="0" err="1"/>
+                        <a:t>wait_num</a:t>
+                      </a:r>
+                      <a:endParaRPr lang="ko-KR" altLang="en-US" dirty="0"/>
+                    </a:p>
+                  </a:txBody>
+                  <a:tcPr/>
+                </a:tc>
+                <a:tc>
+                  <a:txBody>
+                    <a:bodyPr/>
+                    <a:lstStyle/>
+                    <a:p>
+                      <a:pPr latinLnBrk="1"/>
+                      <a:r>
+                        <a:rPr lang="en-US" altLang="ko-KR" dirty="0" err="1"/>
+                        <a:t>int</a:t>
+                      </a:r>
+                      <a:endParaRPr lang="ko-KR" altLang="en-US" dirty="0"/>
+                    </a:p>
+                  </a:txBody>
+                  <a:tcPr/>
+                </a:tc>
+                <a:tc>
+                  <a:txBody>
+                    <a:bodyPr/>
+                    <a:lstStyle/>
+                    <a:p>
+                      <a:pPr latinLnBrk="1"/>
+                      <a:r>
+                        <a:rPr lang="en-US" altLang="ko-KR" dirty="0"/>
+                        <a:t>PRIMARY</a:t>
+                      </a:r>
+                    </a:p>
+                    <a:p>
+                      <a:pPr latinLnBrk="1"/>
+                      <a:r>
+                        <a:rPr lang="ko-KR" altLang="en-US" dirty="0" err="1"/>
+                        <a:t>대기번호</a:t>
+                      </a:r>
+                      <a:endParaRPr lang="ko-KR" altLang="en-US" dirty="0"/>
+                    </a:p>
+                  </a:txBody>
+                  <a:tcPr/>
+                </a:tc>
+                <a:extLst>
+                  <a:ext uri="{0D108BD9-81ED-4DB2-BD59-A6C34878D82A}">
+                    <a16:rowId xmlns:a16="http://schemas.microsoft.com/office/drawing/2014/main" val="10001"/>
+                  </a:ext>
+                </a:extLst>
+              </a:tr>
+              <a:tr h="262677">
+                <a:tc>
+                  <a:txBody>
+                    <a:bodyPr/>
+                    <a:lstStyle/>
+                    <a:p>
+                      <a:pPr marL="0" marR="0" indent="0" algn="l" defTabSz="685800" rtl="0" eaLnBrk="1" fontAlgn="auto" latinLnBrk="1" hangingPunct="1">
+                        <a:lnSpc>
+                          <a:spcPct val="100000"/>
+                        </a:lnSpc>
+                        <a:spcBef>
+                          <a:spcPts val="0"/>
+                        </a:spcBef>
+                        <a:spcAft>
+                          <a:spcPts val="0"/>
+                        </a:spcAft>
+                        <a:buClrTx/>
+                        <a:buSzTx/>
+                        <a:buFontTx/>
+                        <a:buNone/>
+                        <a:tabLst/>
+                        <a:defRPr/>
+                      </a:pPr>
+                      <a:r>
+                        <a:rPr lang="en-US" altLang="ko-KR" dirty="0" err="1"/>
+                        <a:t>hospital_code</a:t>
+                      </a:r>
+                      <a:endParaRPr lang="ko-KR" altLang="en-US" dirty="0"/>
+                    </a:p>
+                  </a:txBody>
+                  <a:tcPr/>
+                </a:tc>
+                <a:tc>
+                  <a:txBody>
+                    <a:bodyPr/>
+                    <a:lstStyle/>
+                    <a:p>
+                      <a:pPr marL="0" marR="0" indent="0" algn="l" defTabSz="685800" rtl="0" eaLnBrk="1" fontAlgn="auto" latinLnBrk="1" hangingPunct="1">
+                        <a:lnSpc>
+                          <a:spcPct val="100000"/>
+                        </a:lnSpc>
+                        <a:spcBef>
+                          <a:spcPts val="0"/>
+                        </a:spcBef>
+                        <a:spcAft>
+                          <a:spcPts val="0"/>
+                        </a:spcAft>
+                        <a:buClrTx/>
+                        <a:buSzTx/>
+                        <a:buFontTx/>
+                        <a:buNone/>
+                        <a:tabLst/>
+                        <a:defRPr/>
+                      </a:pPr>
+                      <a:r>
+                        <a:rPr lang="en-US" altLang="ko-KR" dirty="0" err="1"/>
+                        <a:t>int</a:t>
+                      </a:r>
+                      <a:endParaRPr lang="ko-KR" altLang="en-US" dirty="0"/>
+                    </a:p>
+                  </a:txBody>
+                  <a:tcPr/>
+                </a:tc>
+                <a:tc>
+                  <a:txBody>
+                    <a:bodyPr/>
+                    <a:lstStyle/>
+                    <a:p>
+                      <a:pPr marL="0" marR="0" indent="0" algn="l" defTabSz="685800" rtl="0" eaLnBrk="1" fontAlgn="auto" latinLnBrk="1" hangingPunct="1">
+                        <a:lnSpc>
+                          <a:spcPct val="100000"/>
+                        </a:lnSpc>
+                        <a:spcBef>
+                          <a:spcPts val="0"/>
+                        </a:spcBef>
+                        <a:spcAft>
+                          <a:spcPts val="0"/>
+                        </a:spcAft>
+                        <a:buClrTx/>
+                        <a:buSzTx/>
+                        <a:buFontTx/>
+                        <a:buNone/>
+                        <a:tabLst/>
+                        <a:defRPr/>
+                      </a:pPr>
+                      <a:r>
+                        <a:rPr lang="en-US" altLang="ko-KR" dirty="0"/>
+                        <a:t>PRIMARY</a:t>
+                      </a:r>
+                      <a:endParaRPr lang="ko-KR" altLang="en-US" dirty="0"/>
+                    </a:p>
+                  </a:txBody>
+                  <a:tcPr/>
+                </a:tc>
+                <a:extLst>
+                  <a:ext uri="{0D108BD9-81ED-4DB2-BD59-A6C34878D82A}">
+                    <a16:rowId xmlns:a16="http://schemas.microsoft.com/office/drawing/2014/main" val="10002"/>
+                  </a:ext>
+                </a:extLst>
+              </a:tr>
+              <a:tr h="262677">
+                <a:tc>
+                  <a:txBody>
+                    <a:bodyPr/>
+                    <a:lstStyle/>
+                    <a:p>
+                      <a:pPr marL="0" marR="0" indent="0" algn="l" defTabSz="685800" rtl="0" eaLnBrk="1" fontAlgn="auto" latinLnBrk="1" hangingPunct="1">
+                        <a:lnSpc>
+                          <a:spcPct val="100000"/>
+                        </a:lnSpc>
+                        <a:spcBef>
+                          <a:spcPts val="0"/>
+                        </a:spcBef>
+                        <a:spcAft>
+                          <a:spcPts val="0"/>
+                        </a:spcAft>
+                        <a:buClrTx/>
+                        <a:buSzTx/>
+                        <a:buFontTx/>
+                        <a:buNone/>
+                        <a:tabLst/>
+                        <a:defRPr/>
+                      </a:pPr>
+                      <a:r>
+                        <a:rPr lang="en-US" altLang="ko-KR" dirty="0" err="1"/>
+                        <a:t>user_id</a:t>
+                      </a:r>
+                      <a:endParaRPr lang="ko-KR" altLang="en-US" dirty="0"/>
+                    </a:p>
+                  </a:txBody>
+                  <a:tcPr/>
+                </a:tc>
+                <a:tc>
+                  <a:txBody>
+                    <a:bodyPr/>
+                    <a:lstStyle/>
+                    <a:p>
+                      <a:pPr latinLnBrk="1"/>
+                      <a:r>
+                        <a:rPr lang="en-US" altLang="ko-KR" dirty="0"/>
+                        <a:t>char[20]</a:t>
+                      </a:r>
+                      <a:endParaRPr lang="ko-KR" altLang="en-US" dirty="0"/>
+                    </a:p>
+                  </a:txBody>
+                  <a:tcPr/>
+                </a:tc>
+                <a:tc>
+                  <a:txBody>
+                    <a:bodyPr/>
+                    <a:lstStyle/>
+                    <a:p>
+                      <a:pPr latinLnBrk="1"/>
+                      <a:endParaRPr lang="ko-KR" altLang="en-US" dirty="0"/>
+                    </a:p>
+                  </a:txBody>
+                  <a:tcPr/>
+                </a:tc>
+                <a:extLst>
+                  <a:ext uri="{0D108BD9-81ED-4DB2-BD59-A6C34878D82A}">
+                    <a16:rowId xmlns:a16="http://schemas.microsoft.com/office/drawing/2014/main" val="147717651"/>
+                  </a:ext>
+                </a:extLst>
+              </a:tr>
+            </a:tbl>
+          </a:graphicData>
+        </a:graphic>
+      </p:graphicFrame>
+      <p:graphicFrame>
+        <p:nvGraphicFramePr>
+          <p:cNvPr id="21" name="표 20"/>
+          <p:cNvGraphicFramePr>
+            <a:graphicFrameLocks noGrp="1"/>
+          </p:cNvGraphicFramePr>
+          <p:nvPr>
+            <p:extLst/>
+          </p:nvPr>
+        </p:nvGraphicFramePr>
+        <p:xfrm>
+          <a:off x="401446" y="439911"/>
+          <a:ext cx="3804058" cy="1485900"/>
+        </p:xfrm>
+        <a:graphic>
+          <a:graphicData uri="http://schemas.openxmlformats.org/drawingml/2006/table">
+            <a:tbl>
+              <a:tblPr firstRow="1" bandRow="1">
+                <a:tableStyleId>{5A111915-BE36-4E01-A7E5-04B1672EAD32}</a:tableStyleId>
+              </a:tblPr>
+              <a:tblGrid>
+                <a:gridCol w="1440000">
+                  <a:extLst>
+                    <a:ext uri="{9D8B030D-6E8A-4147-A177-3AD203B41FA5}">
+                      <a16:colId xmlns:a16="http://schemas.microsoft.com/office/drawing/2014/main" val="20000"/>
+                    </a:ext>
+                  </a:extLst>
+                </a:gridCol>
+                <a:gridCol w="1182029">
+                  <a:extLst>
+                    <a:ext uri="{9D8B030D-6E8A-4147-A177-3AD203B41FA5}">
+                      <a16:colId xmlns:a16="http://schemas.microsoft.com/office/drawing/2014/main" val="20001"/>
+                    </a:ext>
+                  </a:extLst>
+                </a:gridCol>
+                <a:gridCol w="1182029">
+                  <a:extLst>
+                    <a:ext uri="{9D8B030D-6E8A-4147-A177-3AD203B41FA5}">
+                      <a16:colId xmlns:a16="http://schemas.microsoft.com/office/drawing/2014/main" val="290457131"/>
+                    </a:ext>
+                  </a:extLst>
+                </a:gridCol>
+              </a:tblGrid>
+              <a:tr h="157979">
+                <a:tc>
+                  <a:txBody>
+                    <a:bodyPr/>
+                    <a:lstStyle/>
+                    <a:p>
+                      <a:pPr latinLnBrk="1"/>
+                      <a:r>
+                        <a:rPr lang="ko-KR" altLang="en-US" dirty="0"/>
+                        <a:t>변수</a:t>
+                      </a:r>
+                    </a:p>
+                  </a:txBody>
+                  <a:tcPr/>
+                </a:tc>
+                <a:tc>
+                  <a:txBody>
+                    <a:bodyPr/>
+                    <a:lstStyle/>
+                    <a:p>
+                      <a:pPr latinLnBrk="1"/>
+                      <a:r>
+                        <a:rPr lang="ko-KR" altLang="en-US" dirty="0"/>
+                        <a:t>변수형</a:t>
+                      </a:r>
+                    </a:p>
+                  </a:txBody>
+                  <a:tcPr/>
+                </a:tc>
+                <a:tc>
+                  <a:txBody>
+                    <a:bodyPr/>
+                    <a:lstStyle/>
+                    <a:p>
+                      <a:pPr latinLnBrk="1"/>
+                      <a:r>
+                        <a:rPr lang="ko-KR" altLang="en-US" dirty="0"/>
+                        <a:t>기타사항</a:t>
+                      </a:r>
+                    </a:p>
+                  </a:txBody>
+                  <a:tcPr/>
+                </a:tc>
+                <a:extLst>
+                  <a:ext uri="{0D108BD9-81ED-4DB2-BD59-A6C34878D82A}">
+                    <a16:rowId xmlns:a16="http://schemas.microsoft.com/office/drawing/2014/main" val="10000"/>
+                  </a:ext>
+                </a:extLst>
+              </a:tr>
+              <a:tr h="157979">
+                <a:tc>
+                  <a:txBody>
+                    <a:bodyPr/>
+                    <a:lstStyle/>
+                    <a:p>
+                      <a:pPr latinLnBrk="1"/>
+                      <a:r>
+                        <a:rPr lang="en-US" altLang="ko-KR" dirty="0" err="1"/>
+                        <a:t>doc_code</a:t>
+                      </a:r>
+                      <a:endParaRPr lang="ko-KR" altLang="en-US" dirty="0"/>
+                    </a:p>
+                  </a:txBody>
+                  <a:tcPr/>
+                </a:tc>
+                <a:tc>
+                  <a:txBody>
+                    <a:bodyPr/>
+                    <a:lstStyle/>
+                    <a:p>
+                      <a:pPr latinLnBrk="1"/>
+                      <a:r>
+                        <a:rPr lang="en-US" altLang="ko-KR" dirty="0" err="1"/>
+                        <a:t>int</a:t>
+                      </a:r>
+                      <a:endParaRPr lang="ko-KR" altLang="en-US" dirty="0"/>
+                    </a:p>
+                  </a:txBody>
+                  <a:tcPr/>
+                </a:tc>
+                <a:tc>
+                  <a:txBody>
+                    <a:bodyPr/>
+                    <a:lstStyle/>
+                    <a:p>
+                      <a:pPr latinLnBrk="1"/>
+                      <a:r>
+                        <a:rPr lang="en-US" altLang="ko-KR" dirty="0"/>
+                        <a:t>PRIMARY</a:t>
+                      </a:r>
+                      <a:endParaRPr lang="ko-KR" altLang="en-US" dirty="0"/>
+                    </a:p>
+                  </a:txBody>
+                  <a:tcPr/>
+                </a:tc>
+                <a:extLst>
+                  <a:ext uri="{0D108BD9-81ED-4DB2-BD59-A6C34878D82A}">
+                    <a16:rowId xmlns:a16="http://schemas.microsoft.com/office/drawing/2014/main" val="1726376789"/>
+                  </a:ext>
+                </a:extLst>
+              </a:tr>
+              <a:tr h="157979">
+                <a:tc>
+                  <a:txBody>
+                    <a:bodyPr/>
+                    <a:lstStyle/>
+                    <a:p>
+                      <a:pPr latinLnBrk="1"/>
+                      <a:r>
+                        <a:rPr lang="en-US" altLang="ko-KR" dirty="0" err="1"/>
+                        <a:t>doc_name</a:t>
+                      </a:r>
+                      <a:endParaRPr lang="ko-KR" altLang="en-US" dirty="0"/>
+                    </a:p>
+                  </a:txBody>
+                  <a:tcPr/>
+                </a:tc>
+                <a:tc>
+                  <a:txBody>
+                    <a:bodyPr/>
+                    <a:lstStyle/>
+                    <a:p>
+                      <a:pPr latinLnBrk="1"/>
+                      <a:r>
+                        <a:rPr lang="en-US" altLang="ko-KR" dirty="0"/>
+                        <a:t>char[40]</a:t>
+                      </a:r>
+                      <a:endParaRPr lang="ko-KR" altLang="en-US" dirty="0"/>
+                    </a:p>
+                  </a:txBody>
+                  <a:tcPr/>
+                </a:tc>
+                <a:tc>
+                  <a:txBody>
+                    <a:bodyPr/>
+                    <a:lstStyle/>
+                    <a:p>
+                      <a:pPr latinLnBrk="1"/>
+                      <a:endParaRPr lang="ko-KR" altLang="en-US" dirty="0"/>
+                    </a:p>
+                  </a:txBody>
+                  <a:tcPr/>
+                </a:tc>
+                <a:extLst>
+                  <a:ext uri="{0D108BD9-81ED-4DB2-BD59-A6C34878D82A}">
+                    <a16:rowId xmlns:a16="http://schemas.microsoft.com/office/drawing/2014/main" val="10002"/>
+                  </a:ext>
+                </a:extLst>
+              </a:tr>
+              <a:tr h="157979">
+                <a:tc>
+                  <a:txBody>
+                    <a:bodyPr/>
+                    <a:lstStyle/>
+                    <a:p>
+                      <a:pPr latinLnBrk="1"/>
+                      <a:r>
+                        <a:rPr lang="en-US" altLang="ko-KR" dirty="0" err="1"/>
+                        <a:t>doc_license_num</a:t>
+                      </a:r>
+                      <a:endParaRPr lang="ko-KR" altLang="en-US" dirty="0"/>
+                    </a:p>
+                  </a:txBody>
+                  <a:tcPr/>
+                </a:tc>
+                <a:tc>
+                  <a:txBody>
+                    <a:bodyPr/>
+                    <a:lstStyle/>
+                    <a:p>
+                      <a:pPr latinLnBrk="1"/>
+                      <a:r>
+                        <a:rPr lang="en-US" altLang="ko-KR" dirty="0" err="1"/>
+                        <a:t>int</a:t>
+                      </a:r>
+                      <a:endParaRPr lang="ko-KR" altLang="en-US" dirty="0"/>
+                    </a:p>
+                  </a:txBody>
+                  <a:tcPr/>
+                </a:tc>
+                <a:tc>
+                  <a:txBody>
+                    <a:bodyPr/>
+                    <a:lstStyle/>
+                    <a:p>
+                      <a:pPr latinLnBrk="1"/>
+                      <a:endParaRPr lang="ko-KR" altLang="en-US" dirty="0"/>
+                    </a:p>
+                  </a:txBody>
+                  <a:tcPr/>
+                </a:tc>
+                <a:extLst>
+                  <a:ext uri="{0D108BD9-81ED-4DB2-BD59-A6C34878D82A}">
+                    <a16:rowId xmlns:a16="http://schemas.microsoft.com/office/drawing/2014/main" val="660244659"/>
+                  </a:ext>
+                </a:extLst>
+              </a:tr>
+              <a:tr h="157979">
+                <a:tc>
+                  <a:txBody>
+                    <a:bodyPr/>
+                    <a:lstStyle/>
+                    <a:p>
+                      <a:pPr latinLnBrk="1"/>
+                      <a:r>
+                        <a:rPr lang="en-US" altLang="ko-KR" dirty="0" err="1"/>
+                        <a:t>hospital_code</a:t>
+                      </a:r>
+                      <a:endParaRPr lang="ko-KR" altLang="en-US" dirty="0"/>
+                    </a:p>
+                  </a:txBody>
+                  <a:tcPr/>
+                </a:tc>
+                <a:tc>
+                  <a:txBody>
+                    <a:bodyPr/>
+                    <a:lstStyle/>
+                    <a:p>
+                      <a:pPr latinLnBrk="1"/>
+                      <a:r>
+                        <a:rPr lang="en-US" altLang="ko-KR" dirty="0" err="1"/>
+                        <a:t>int</a:t>
+                      </a:r>
+                      <a:endParaRPr lang="ko-KR" altLang="en-US" dirty="0"/>
+                    </a:p>
+                  </a:txBody>
+                  <a:tcPr/>
+                </a:tc>
+                <a:tc>
+                  <a:txBody>
+                    <a:bodyPr/>
+                    <a:lstStyle/>
+                    <a:p>
+                      <a:pPr latinLnBrk="1"/>
+                      <a:endParaRPr lang="ko-KR" altLang="en-US" dirty="0"/>
+                    </a:p>
+                  </a:txBody>
+                  <a:tcPr/>
+                </a:tc>
+                <a:extLst>
+                  <a:ext uri="{0D108BD9-81ED-4DB2-BD59-A6C34878D82A}">
+                    <a16:rowId xmlns:a16="http://schemas.microsoft.com/office/drawing/2014/main" val="3992444359"/>
+                  </a:ext>
+                </a:extLst>
+              </a:tr>
+            </a:tbl>
+          </a:graphicData>
+        </a:graphic>
+      </p:graphicFrame>
+      <p:graphicFrame>
+        <p:nvGraphicFramePr>
+          <p:cNvPr id="22" name="표 21"/>
+          <p:cNvGraphicFramePr>
+            <a:graphicFrameLocks noGrp="1"/>
+          </p:cNvGraphicFramePr>
+          <p:nvPr>
+            <p:extLst/>
+          </p:nvPr>
+        </p:nvGraphicFramePr>
+        <p:xfrm>
+          <a:off x="401446" y="2625392"/>
+          <a:ext cx="3949508" cy="2286000"/>
+        </p:xfrm>
+        <a:graphic>
+          <a:graphicData uri="http://schemas.openxmlformats.org/drawingml/2006/table">
+            <a:tbl>
+              <a:tblPr firstRow="1" bandRow="1">
+                <a:tableStyleId>{5A111915-BE36-4E01-A7E5-04B1672EAD32}</a:tableStyleId>
+              </a:tblPr>
+              <a:tblGrid>
+                <a:gridCol w="1368000">
+                  <a:extLst>
+                    <a:ext uri="{9D8B030D-6E8A-4147-A177-3AD203B41FA5}">
+                      <a16:colId xmlns:a16="http://schemas.microsoft.com/office/drawing/2014/main" val="20000"/>
+                    </a:ext>
+                  </a:extLst>
+                </a:gridCol>
+                <a:gridCol w="1290754">
+                  <a:extLst>
+                    <a:ext uri="{9D8B030D-6E8A-4147-A177-3AD203B41FA5}">
+                      <a16:colId xmlns:a16="http://schemas.microsoft.com/office/drawing/2014/main" val="20001"/>
+                    </a:ext>
+                  </a:extLst>
+                </a:gridCol>
+                <a:gridCol w="1290754">
+                  <a:extLst>
+                    <a:ext uri="{9D8B030D-6E8A-4147-A177-3AD203B41FA5}">
+                      <a16:colId xmlns:a16="http://schemas.microsoft.com/office/drawing/2014/main" val="1930778203"/>
+                    </a:ext>
+                  </a:extLst>
+                </a:gridCol>
+              </a:tblGrid>
+              <a:tr h="262677">
+                <a:tc>
+                  <a:txBody>
+                    <a:bodyPr/>
+                    <a:lstStyle/>
+                    <a:p>
+                      <a:pPr latinLnBrk="1"/>
+                      <a:r>
+                        <a:rPr lang="ko-KR" altLang="en-US" dirty="0"/>
+                        <a:t>변수</a:t>
+                      </a:r>
+                    </a:p>
+                  </a:txBody>
+                  <a:tcPr/>
+                </a:tc>
+                <a:tc>
+                  <a:txBody>
+                    <a:bodyPr/>
+                    <a:lstStyle/>
+                    <a:p>
+                      <a:pPr latinLnBrk="1"/>
+                      <a:r>
+                        <a:rPr lang="ko-KR" altLang="en-US" dirty="0"/>
+                        <a:t>변수형</a:t>
+                      </a:r>
+                    </a:p>
+                  </a:txBody>
+                  <a:tcPr/>
+                </a:tc>
+                <a:tc>
+                  <a:txBody>
+                    <a:bodyPr/>
+                    <a:lstStyle/>
+                    <a:p>
+                      <a:pPr latinLnBrk="1"/>
+                      <a:r>
+                        <a:rPr lang="ko-KR" altLang="en-US" dirty="0"/>
+                        <a:t>기타사항</a:t>
+                      </a:r>
+                    </a:p>
+                  </a:txBody>
+                  <a:tcPr/>
+                </a:tc>
+                <a:extLst>
+                  <a:ext uri="{0D108BD9-81ED-4DB2-BD59-A6C34878D82A}">
+                    <a16:rowId xmlns:a16="http://schemas.microsoft.com/office/drawing/2014/main" val="10000"/>
+                  </a:ext>
+                </a:extLst>
+              </a:tr>
+              <a:tr h="262677">
+                <a:tc>
+                  <a:txBody>
+                    <a:bodyPr/>
+                    <a:lstStyle/>
+                    <a:p>
+                      <a:pPr latinLnBrk="1"/>
+                      <a:r>
+                        <a:rPr lang="en-US" altLang="ko-KR" dirty="0" err="1"/>
+                        <a:t>hospital_code</a:t>
+                      </a:r>
+                      <a:endParaRPr lang="ko-KR" altLang="en-US" dirty="0"/>
+                    </a:p>
+                  </a:txBody>
+                  <a:tcPr/>
+                </a:tc>
+                <a:tc>
+                  <a:txBody>
+                    <a:bodyPr/>
+                    <a:lstStyle/>
+                    <a:p>
+                      <a:pPr latinLnBrk="1"/>
+                      <a:r>
+                        <a:rPr lang="en-US" altLang="ko-KR" dirty="0" err="1"/>
+                        <a:t>int</a:t>
+                      </a:r>
+                      <a:endParaRPr lang="ko-KR" altLang="en-US" dirty="0"/>
+                    </a:p>
+                  </a:txBody>
+                  <a:tcPr/>
+                </a:tc>
+                <a:tc>
+                  <a:txBody>
+                    <a:bodyPr/>
+                    <a:lstStyle/>
+                    <a:p>
+                      <a:pPr latinLnBrk="1"/>
+                      <a:r>
+                        <a:rPr lang="en-US" altLang="ko-KR" dirty="0"/>
+                        <a:t>PRIMARY</a:t>
+                      </a:r>
+                      <a:endParaRPr lang="ko-KR" altLang="en-US" dirty="0"/>
+                    </a:p>
+                  </a:txBody>
+                  <a:tcPr/>
+                </a:tc>
+                <a:extLst>
+                  <a:ext uri="{0D108BD9-81ED-4DB2-BD59-A6C34878D82A}">
+                    <a16:rowId xmlns:a16="http://schemas.microsoft.com/office/drawing/2014/main" val="10001"/>
+                  </a:ext>
+                </a:extLst>
+              </a:tr>
+              <a:tr h="262677">
+                <a:tc>
+                  <a:txBody>
+                    <a:bodyPr/>
+                    <a:lstStyle/>
+                    <a:p>
+                      <a:pPr latinLnBrk="1"/>
+                      <a:r>
+                        <a:rPr lang="en-US" altLang="ko-KR" dirty="0" err="1"/>
+                        <a:t>hospital_name</a:t>
+                      </a:r>
+                      <a:endParaRPr lang="ko-KR" altLang="en-US" dirty="0"/>
+                    </a:p>
+                  </a:txBody>
+                  <a:tcPr/>
+                </a:tc>
+                <a:tc>
+                  <a:txBody>
+                    <a:bodyPr/>
+                    <a:lstStyle/>
+                    <a:p>
+                      <a:pPr latinLnBrk="1"/>
+                      <a:r>
+                        <a:rPr lang="en-US" altLang="ko-KR" dirty="0"/>
+                        <a:t>char[40]</a:t>
+                      </a:r>
+                      <a:endParaRPr lang="ko-KR" altLang="en-US" dirty="0"/>
+                    </a:p>
+                  </a:txBody>
+                  <a:tcPr/>
+                </a:tc>
+                <a:tc>
+                  <a:txBody>
+                    <a:bodyPr/>
+                    <a:lstStyle/>
+                    <a:p>
+                      <a:pPr latinLnBrk="1"/>
+                      <a:endParaRPr lang="ko-KR" altLang="en-US" dirty="0"/>
+                    </a:p>
+                  </a:txBody>
+                  <a:tcPr/>
+                </a:tc>
+                <a:extLst>
+                  <a:ext uri="{0D108BD9-81ED-4DB2-BD59-A6C34878D82A}">
+                    <a16:rowId xmlns:a16="http://schemas.microsoft.com/office/drawing/2014/main" val="10002"/>
+                  </a:ext>
+                </a:extLst>
+              </a:tr>
+              <a:tr h="262677">
+                <a:tc>
+                  <a:txBody>
+                    <a:bodyPr/>
+                    <a:lstStyle/>
+                    <a:p>
+                      <a:pPr latinLnBrk="1"/>
+                      <a:r>
+                        <a:rPr lang="en-US" altLang="ko-KR" dirty="0" err="1"/>
+                        <a:t>wait_total</a:t>
+                      </a:r>
+                      <a:endParaRPr lang="ko-KR" altLang="en-US" dirty="0"/>
+                    </a:p>
+                  </a:txBody>
+                  <a:tcPr/>
+                </a:tc>
+                <a:tc>
+                  <a:txBody>
+                    <a:bodyPr/>
+                    <a:lstStyle/>
+                    <a:p>
+                      <a:pPr latinLnBrk="1"/>
+                      <a:r>
+                        <a:rPr lang="en-US" altLang="ko-KR" dirty="0" err="1"/>
+                        <a:t>int</a:t>
+                      </a:r>
+                      <a:endParaRPr lang="ko-KR" altLang="en-US" dirty="0"/>
+                    </a:p>
+                  </a:txBody>
+                  <a:tcPr/>
+                </a:tc>
+                <a:tc>
+                  <a:txBody>
+                    <a:bodyPr/>
+                    <a:lstStyle/>
+                    <a:p>
+                      <a:pPr latinLnBrk="1"/>
+                      <a:r>
+                        <a:rPr lang="ko-KR" altLang="en-US" dirty="0"/>
+                        <a:t>총 </a:t>
+                      </a:r>
+                      <a:r>
+                        <a:rPr lang="ko-KR" altLang="en-US" dirty="0" err="1"/>
+                        <a:t>대기인원</a:t>
+                      </a:r>
+                      <a:endParaRPr lang="en-US" altLang="ko-KR" dirty="0"/>
+                    </a:p>
+                    <a:p>
+                      <a:pPr latinLnBrk="1"/>
+                      <a:r>
+                        <a:rPr lang="en-US" altLang="ko-KR" dirty="0"/>
+                        <a:t>default</a:t>
+                      </a:r>
+                      <a:r>
+                        <a:rPr lang="ko-KR" altLang="en-US" dirty="0"/>
+                        <a:t> </a:t>
+                      </a:r>
+                      <a:r>
+                        <a:rPr lang="en-US" altLang="ko-KR" dirty="0"/>
+                        <a:t>: 0</a:t>
+                      </a:r>
+                      <a:endParaRPr lang="ko-KR" altLang="en-US" dirty="0"/>
+                    </a:p>
+                  </a:txBody>
+                  <a:tcPr/>
+                </a:tc>
+                <a:extLst>
+                  <a:ext uri="{0D108BD9-81ED-4DB2-BD59-A6C34878D82A}">
+                    <a16:rowId xmlns:a16="http://schemas.microsoft.com/office/drawing/2014/main" val="147717651"/>
+                  </a:ext>
+                </a:extLst>
+              </a:tr>
+              <a:tr h="262677">
+                <a:tc>
+                  <a:txBody>
+                    <a:bodyPr/>
+                    <a:lstStyle/>
+                    <a:p>
+                      <a:pPr latinLnBrk="1"/>
+                      <a:r>
+                        <a:rPr lang="en-US" altLang="ko-KR" dirty="0" err="1"/>
+                        <a:t>hospital_tel</a:t>
+                      </a:r>
+                      <a:endParaRPr lang="ko-KR" altLang="en-US" dirty="0"/>
+                    </a:p>
+                  </a:txBody>
+                  <a:tcPr/>
+                </a:tc>
+                <a:tc>
+                  <a:txBody>
+                    <a:bodyPr/>
+                    <a:lstStyle/>
+                    <a:p>
+                      <a:pPr latinLnBrk="1"/>
+                      <a:r>
+                        <a:rPr lang="en-US" altLang="ko-KR" dirty="0"/>
+                        <a:t>char[15]</a:t>
+                      </a:r>
+                      <a:endParaRPr lang="ko-KR" altLang="en-US" dirty="0"/>
+                    </a:p>
+                  </a:txBody>
+                  <a:tcPr/>
+                </a:tc>
+                <a:tc>
+                  <a:txBody>
+                    <a:bodyPr/>
+                    <a:lstStyle/>
+                    <a:p>
+                      <a:pPr latinLnBrk="1"/>
+                      <a:endParaRPr lang="ko-KR" altLang="en-US" dirty="0"/>
+                    </a:p>
+                  </a:txBody>
+                  <a:tcPr/>
+                </a:tc>
+                <a:extLst>
+                  <a:ext uri="{0D108BD9-81ED-4DB2-BD59-A6C34878D82A}">
+                    <a16:rowId xmlns:a16="http://schemas.microsoft.com/office/drawing/2014/main" val="2595988959"/>
+                  </a:ext>
+                </a:extLst>
+              </a:tr>
+              <a:tr h="262677">
+                <a:tc>
+                  <a:txBody>
+                    <a:bodyPr/>
+                    <a:lstStyle/>
+                    <a:p>
+                      <a:pPr latinLnBrk="1"/>
+                      <a:r>
+                        <a:rPr lang="en-US" altLang="ko-KR" dirty="0" err="1"/>
+                        <a:t>hospital_fax</a:t>
+                      </a:r>
+                      <a:endParaRPr lang="ko-KR" altLang="en-US" dirty="0"/>
+                    </a:p>
+                  </a:txBody>
+                  <a:tcPr/>
+                </a:tc>
+                <a:tc>
+                  <a:txBody>
+                    <a:bodyPr/>
+                    <a:lstStyle/>
+                    <a:p>
+                      <a:pPr latinLnBrk="1"/>
+                      <a:r>
+                        <a:rPr lang="en-US" altLang="ko-KR" dirty="0"/>
+                        <a:t>char[15]</a:t>
+                      </a:r>
+                      <a:endParaRPr lang="ko-KR" altLang="en-US" dirty="0"/>
+                    </a:p>
+                  </a:txBody>
+                  <a:tcPr/>
+                </a:tc>
+                <a:tc>
+                  <a:txBody>
+                    <a:bodyPr/>
+                    <a:lstStyle/>
+                    <a:p>
+                      <a:pPr latinLnBrk="1"/>
+                      <a:endParaRPr lang="ko-KR" altLang="en-US" dirty="0"/>
+                    </a:p>
+                  </a:txBody>
+                  <a:tcPr/>
+                </a:tc>
+                <a:extLst>
+                  <a:ext uri="{0D108BD9-81ED-4DB2-BD59-A6C34878D82A}">
+                    <a16:rowId xmlns:a16="http://schemas.microsoft.com/office/drawing/2014/main" val="1196588457"/>
+                  </a:ext>
+                </a:extLst>
+              </a:tr>
+              <a:tr h="262677">
+                <a:tc>
+                  <a:txBody>
+                    <a:bodyPr/>
+                    <a:lstStyle/>
+                    <a:p>
+                      <a:pPr latinLnBrk="1"/>
+                      <a:r>
+                        <a:rPr lang="en-US" altLang="ko-KR" dirty="0" err="1"/>
+                        <a:t>hospital_address</a:t>
+                      </a:r>
+                      <a:endParaRPr lang="ko-KR" altLang="en-US" dirty="0"/>
+                    </a:p>
+                  </a:txBody>
+                  <a:tcPr/>
+                </a:tc>
+                <a:tc>
+                  <a:txBody>
+                    <a:bodyPr/>
+                    <a:lstStyle/>
+                    <a:p>
+                      <a:pPr latinLnBrk="1"/>
+                      <a:endParaRPr lang="ko-KR" altLang="en-US" dirty="0"/>
+                    </a:p>
+                  </a:txBody>
+                  <a:tcPr/>
+                </a:tc>
+                <a:tc>
+                  <a:txBody>
+                    <a:bodyPr/>
+                    <a:lstStyle/>
+                    <a:p>
+                      <a:pPr latinLnBrk="1"/>
+                      <a:endParaRPr lang="ko-KR" altLang="en-US" dirty="0"/>
+                    </a:p>
+                  </a:txBody>
+                  <a:tcPr/>
+                </a:tc>
+                <a:extLst>
+                  <a:ext uri="{0D108BD9-81ED-4DB2-BD59-A6C34878D82A}">
+                    <a16:rowId xmlns:a16="http://schemas.microsoft.com/office/drawing/2014/main" val="1074580706"/>
+                  </a:ext>
+                </a:extLst>
+              </a:tr>
+            </a:tbl>
+          </a:graphicData>
+        </a:graphic>
+      </p:graphicFrame>
+      <p:graphicFrame>
+        <p:nvGraphicFramePr>
+          <p:cNvPr id="23" name="표 22"/>
+          <p:cNvGraphicFramePr>
+            <a:graphicFrameLocks noGrp="1"/>
+          </p:cNvGraphicFramePr>
+          <p:nvPr>
+            <p:extLst>
+              <p:ext uri="{D42A27DB-BD31-4B8C-83A1-F6EECF244321}">
+                <p14:modId xmlns:p14="http://schemas.microsoft.com/office/powerpoint/2010/main" val="3567835215"/>
+              </p:ext>
+            </p:extLst>
+          </p:nvPr>
+        </p:nvGraphicFramePr>
+        <p:xfrm>
+          <a:off x="4773503" y="3737789"/>
+          <a:ext cx="4333968" cy="2103850"/>
+        </p:xfrm>
+        <a:graphic>
+          <a:graphicData uri="http://schemas.openxmlformats.org/drawingml/2006/table">
+            <a:tbl>
+              <a:tblPr firstRow="1" bandRow="1">
+                <a:tableStyleId>{5A111915-BE36-4E01-A7E5-04B1672EAD32}</a:tableStyleId>
+              </a:tblPr>
+              <a:tblGrid>
+                <a:gridCol w="1656000">
+                  <a:extLst>
+                    <a:ext uri="{9D8B030D-6E8A-4147-A177-3AD203B41FA5}">
+                      <a16:colId xmlns:a16="http://schemas.microsoft.com/office/drawing/2014/main" val="20000"/>
+                    </a:ext>
+                  </a:extLst>
+                </a:gridCol>
+                <a:gridCol w="1129968">
+                  <a:extLst>
+                    <a:ext uri="{9D8B030D-6E8A-4147-A177-3AD203B41FA5}">
+                      <a16:colId xmlns:a16="http://schemas.microsoft.com/office/drawing/2014/main" val="20001"/>
+                    </a:ext>
+                  </a:extLst>
+                </a:gridCol>
+                <a:gridCol w="1548000">
+                  <a:extLst>
+                    <a:ext uri="{9D8B030D-6E8A-4147-A177-3AD203B41FA5}">
+                      <a16:colId xmlns:a16="http://schemas.microsoft.com/office/drawing/2014/main" val="278496055"/>
+                    </a:ext>
+                  </a:extLst>
+                </a:gridCol>
+              </a:tblGrid>
+              <a:tr h="300550">
+                <a:tc>
+                  <a:txBody>
+                    <a:bodyPr/>
+                    <a:lstStyle/>
+                    <a:p>
+                      <a:pPr latinLnBrk="1"/>
+                      <a:r>
+                        <a:rPr lang="ko-KR" altLang="en-US" dirty="0"/>
+                        <a:t>변수</a:t>
+                      </a:r>
+                    </a:p>
+                  </a:txBody>
+                  <a:tcPr/>
+                </a:tc>
+                <a:tc>
+                  <a:txBody>
+                    <a:bodyPr/>
+                    <a:lstStyle/>
+                    <a:p>
+                      <a:pPr latinLnBrk="1"/>
+                      <a:r>
+                        <a:rPr lang="ko-KR" altLang="en-US" dirty="0"/>
+                        <a:t>변수형</a:t>
+                      </a:r>
+                    </a:p>
+                  </a:txBody>
+                  <a:tcPr/>
+                </a:tc>
+                <a:tc>
+                  <a:txBody>
+                    <a:bodyPr/>
+                    <a:lstStyle/>
+                    <a:p>
+                      <a:pPr latinLnBrk="1"/>
+                      <a:r>
+                        <a:rPr lang="ko-KR" altLang="en-US" dirty="0"/>
+                        <a:t>기타사항</a:t>
+                      </a:r>
+                    </a:p>
+                  </a:txBody>
+                  <a:tcPr/>
+                </a:tc>
+                <a:extLst>
+                  <a:ext uri="{0D108BD9-81ED-4DB2-BD59-A6C34878D82A}">
+                    <a16:rowId xmlns:a16="http://schemas.microsoft.com/office/drawing/2014/main" val="10000"/>
+                  </a:ext>
+                </a:extLst>
+              </a:tr>
+              <a:tr h="300550">
+                <a:tc>
+                  <a:txBody>
+                    <a:bodyPr/>
+                    <a:lstStyle/>
+                    <a:p>
+                      <a:pPr latinLnBrk="1"/>
+                      <a:r>
+                        <a:rPr lang="en-US" altLang="ko-KR" dirty="0"/>
+                        <a:t>id</a:t>
+                      </a:r>
+                      <a:endParaRPr lang="ko-KR" altLang="en-US" dirty="0"/>
+                    </a:p>
+                  </a:txBody>
+                  <a:tcPr/>
+                </a:tc>
+                <a:tc>
+                  <a:txBody>
+                    <a:bodyPr/>
+                    <a:lstStyle/>
+                    <a:p>
+                      <a:pPr latinLnBrk="1"/>
+                      <a:r>
+                        <a:rPr lang="en-US" altLang="ko-KR" dirty="0"/>
+                        <a:t>char[20]</a:t>
+                      </a:r>
+                      <a:endParaRPr lang="ko-KR" altLang="en-US" dirty="0"/>
+                    </a:p>
+                  </a:txBody>
+                  <a:tcPr/>
+                </a:tc>
+                <a:tc>
+                  <a:txBody>
+                    <a:bodyPr/>
+                    <a:lstStyle/>
+                    <a:p>
+                      <a:pPr latinLnBrk="1"/>
+                      <a:r>
+                        <a:rPr lang="en-US" altLang="ko-KR" dirty="0"/>
+                        <a:t>PRIMARY</a:t>
+                      </a:r>
+                      <a:endParaRPr lang="ko-KR" altLang="en-US" dirty="0"/>
+                    </a:p>
+                  </a:txBody>
+                  <a:tcPr/>
+                </a:tc>
+                <a:extLst>
+                  <a:ext uri="{0D108BD9-81ED-4DB2-BD59-A6C34878D82A}">
+                    <a16:rowId xmlns:a16="http://schemas.microsoft.com/office/drawing/2014/main" val="10001"/>
+                  </a:ext>
+                </a:extLst>
+              </a:tr>
+              <a:tr h="300550">
+                <a:tc>
+                  <a:txBody>
+                    <a:bodyPr/>
+                    <a:lstStyle/>
+                    <a:p>
+                      <a:pPr latinLnBrk="1"/>
+                      <a:r>
+                        <a:rPr lang="en-US" altLang="ko-KR" dirty="0" err="1"/>
+                        <a:t>record_date</a:t>
+                      </a:r>
+                      <a:endParaRPr lang="ko-KR" altLang="en-US" dirty="0"/>
+                    </a:p>
+                  </a:txBody>
+                  <a:tcPr/>
+                </a:tc>
+                <a:tc>
+                  <a:txBody>
+                    <a:bodyPr/>
+                    <a:lstStyle/>
+                    <a:p>
+                      <a:pPr latinLnBrk="1"/>
+                      <a:r>
+                        <a:rPr lang="en-US" altLang="ko-KR" dirty="0" err="1"/>
+                        <a:t>int</a:t>
+                      </a:r>
+                      <a:r>
+                        <a:rPr lang="en-US" altLang="ko-KR" dirty="0"/>
+                        <a:t>/char</a:t>
+                      </a:r>
+                      <a:endParaRPr lang="ko-KR" altLang="en-US" dirty="0"/>
+                    </a:p>
+                  </a:txBody>
+                  <a:tcPr/>
+                </a:tc>
+                <a:tc>
+                  <a:txBody>
+                    <a:bodyPr/>
+                    <a:lstStyle/>
+                    <a:p>
+                      <a:pPr marL="0" marR="0" indent="0" algn="l" defTabSz="685800" rtl="0" eaLnBrk="1" fontAlgn="auto" latinLnBrk="1" hangingPunct="1">
+                        <a:lnSpc>
+                          <a:spcPct val="100000"/>
+                        </a:lnSpc>
+                        <a:spcBef>
+                          <a:spcPts val="0"/>
+                        </a:spcBef>
+                        <a:spcAft>
+                          <a:spcPts val="0"/>
+                        </a:spcAft>
+                        <a:buClrTx/>
+                        <a:buSzTx/>
+                        <a:buFontTx/>
+                        <a:buNone/>
+                        <a:tabLst/>
+                        <a:defRPr/>
+                      </a:pPr>
+                      <a:r>
+                        <a:rPr lang="en-US" altLang="ko-KR" dirty="0"/>
+                        <a:t>PRIMARY</a:t>
+                      </a:r>
+                      <a:endParaRPr lang="ko-KR" altLang="en-US" dirty="0"/>
+                    </a:p>
+                  </a:txBody>
+                  <a:tcPr/>
+                </a:tc>
+                <a:extLst>
+                  <a:ext uri="{0D108BD9-81ED-4DB2-BD59-A6C34878D82A}">
+                    <a16:rowId xmlns:a16="http://schemas.microsoft.com/office/drawing/2014/main" val="2384378507"/>
+                  </a:ext>
+                </a:extLst>
+              </a:tr>
+              <a:tr h="300550">
+                <a:tc>
+                  <a:txBody>
+                    <a:bodyPr/>
+                    <a:lstStyle/>
+                    <a:p>
+                      <a:pPr latinLnBrk="1"/>
+                      <a:r>
+                        <a:rPr lang="en-US" altLang="ko-KR" dirty="0" err="1"/>
+                        <a:t>hospital_code</a:t>
+                      </a:r>
+                      <a:endParaRPr lang="ko-KR" altLang="en-US" dirty="0"/>
+                    </a:p>
+                  </a:txBody>
+                  <a:tcPr/>
+                </a:tc>
+                <a:tc>
+                  <a:txBody>
+                    <a:bodyPr/>
+                    <a:lstStyle/>
+                    <a:p>
+                      <a:pPr latinLnBrk="1"/>
+                      <a:r>
+                        <a:rPr lang="en-US" altLang="ko-KR" dirty="0" err="1"/>
+                        <a:t>int</a:t>
+                      </a:r>
+                      <a:endParaRPr lang="ko-KR" altLang="en-US" dirty="0"/>
+                    </a:p>
+                  </a:txBody>
+                  <a:tcPr/>
+                </a:tc>
+                <a:tc>
+                  <a:txBody>
+                    <a:bodyPr/>
+                    <a:lstStyle/>
+                    <a:p>
+                      <a:pPr marL="0" marR="0" indent="0" algn="l" defTabSz="685800" rtl="0" eaLnBrk="1" fontAlgn="auto" latinLnBrk="1" hangingPunct="1">
+                        <a:lnSpc>
+                          <a:spcPct val="100000"/>
+                        </a:lnSpc>
+                        <a:spcBef>
+                          <a:spcPts val="0"/>
+                        </a:spcBef>
+                        <a:spcAft>
+                          <a:spcPts val="0"/>
+                        </a:spcAft>
+                        <a:buClrTx/>
+                        <a:buSzTx/>
+                        <a:buFontTx/>
+                        <a:buNone/>
+                        <a:tabLst/>
+                        <a:defRPr/>
+                      </a:pPr>
+                      <a:r>
+                        <a:rPr lang="en-US" altLang="ko-KR" dirty="0"/>
+                        <a:t>PRIMARY</a:t>
+                      </a:r>
+                      <a:endParaRPr lang="ko-KR" altLang="en-US" dirty="0"/>
+                    </a:p>
+                  </a:txBody>
+                  <a:tcPr/>
+                </a:tc>
+                <a:extLst>
+                  <a:ext uri="{0D108BD9-81ED-4DB2-BD59-A6C34878D82A}">
+                    <a16:rowId xmlns:a16="http://schemas.microsoft.com/office/drawing/2014/main" val="3533210726"/>
+                  </a:ext>
+                </a:extLst>
+              </a:tr>
+              <a:tr h="300550">
+                <a:tc>
+                  <a:txBody>
+                    <a:bodyPr/>
+                    <a:lstStyle/>
+                    <a:p>
+                      <a:pPr latinLnBrk="1"/>
+                      <a:r>
+                        <a:rPr lang="en-US" altLang="ko-KR" dirty="0" err="1"/>
+                        <a:t>disease_code</a:t>
+                      </a:r>
+                      <a:endParaRPr lang="ko-KR" altLang="en-US" dirty="0"/>
+                    </a:p>
+                  </a:txBody>
+                  <a:tcPr/>
+                </a:tc>
+                <a:tc>
+                  <a:txBody>
+                    <a:bodyPr/>
+                    <a:lstStyle/>
+                    <a:p>
+                      <a:pPr latinLnBrk="1"/>
+                      <a:r>
+                        <a:rPr lang="en-US" altLang="ko-KR" dirty="0"/>
+                        <a:t>char[5]</a:t>
+                      </a:r>
+                      <a:endParaRPr lang="ko-KR" altLang="en-US" dirty="0"/>
+                    </a:p>
+                  </a:txBody>
+                  <a:tcPr/>
+                </a:tc>
+                <a:tc>
+                  <a:txBody>
+                    <a:bodyPr/>
+                    <a:lstStyle/>
+                    <a:p>
+                      <a:pPr marL="0" marR="0" indent="0" algn="l" defTabSz="685800" rtl="0" eaLnBrk="1" fontAlgn="auto" latinLnBrk="1" hangingPunct="1">
+                        <a:lnSpc>
+                          <a:spcPct val="100000"/>
+                        </a:lnSpc>
+                        <a:spcBef>
+                          <a:spcPts val="0"/>
+                        </a:spcBef>
+                        <a:spcAft>
+                          <a:spcPts val="0"/>
+                        </a:spcAft>
+                        <a:buClrTx/>
+                        <a:buSzTx/>
+                        <a:buFontTx/>
+                        <a:buNone/>
+                        <a:tabLst/>
+                        <a:defRPr/>
+                      </a:pPr>
+                      <a:endParaRPr lang="ko-KR" altLang="en-US" dirty="0"/>
+                    </a:p>
+                  </a:txBody>
+                  <a:tcPr/>
+                </a:tc>
+                <a:extLst>
+                  <a:ext uri="{0D108BD9-81ED-4DB2-BD59-A6C34878D82A}">
+                    <a16:rowId xmlns:a16="http://schemas.microsoft.com/office/drawing/2014/main" val="1030267181"/>
+                  </a:ext>
+                </a:extLst>
+              </a:tr>
+              <a:tr h="300550">
+                <a:tc>
+                  <a:txBody>
+                    <a:bodyPr/>
+                    <a:lstStyle/>
+                    <a:p>
+                      <a:pPr latinLnBrk="1"/>
+                      <a:r>
+                        <a:rPr lang="en-US" altLang="ko-KR" dirty="0" err="1"/>
+                        <a:t>disease_name</a:t>
+                      </a:r>
+                      <a:endParaRPr lang="ko-KR" altLang="en-US" dirty="0"/>
+                    </a:p>
+                  </a:txBody>
+                  <a:tcPr/>
+                </a:tc>
+                <a:tc>
+                  <a:txBody>
+                    <a:bodyPr/>
+                    <a:lstStyle/>
+                    <a:p>
+                      <a:pPr latinLnBrk="1"/>
+                      <a:r>
+                        <a:rPr lang="en-US" altLang="ko-KR" dirty="0"/>
+                        <a:t>char[40]</a:t>
+                      </a:r>
+                      <a:endParaRPr lang="ko-KR" altLang="en-US" dirty="0"/>
+                    </a:p>
+                  </a:txBody>
+                  <a:tcPr/>
+                </a:tc>
+                <a:tc>
+                  <a:txBody>
+                    <a:bodyPr/>
+                    <a:lstStyle/>
+                    <a:p>
+                      <a:pPr latinLnBrk="1"/>
+                      <a:endParaRPr lang="ko-KR" altLang="en-US" dirty="0"/>
+                    </a:p>
+                  </a:txBody>
+                  <a:tcPr/>
+                </a:tc>
+                <a:extLst>
+                  <a:ext uri="{0D108BD9-81ED-4DB2-BD59-A6C34878D82A}">
+                    <a16:rowId xmlns:a16="http://schemas.microsoft.com/office/drawing/2014/main" val="2343490922"/>
+                  </a:ext>
+                </a:extLst>
+              </a:tr>
+              <a:tr h="300550">
+                <a:tc>
+                  <a:txBody>
+                    <a:bodyPr/>
+                    <a:lstStyle/>
+                    <a:p>
+                      <a:pPr latinLnBrk="1"/>
+                      <a:r>
+                        <a:rPr lang="en-US" altLang="ko-KR" dirty="0" err="1"/>
+                        <a:t>treat_code</a:t>
+                      </a:r>
+                      <a:endParaRPr lang="ko-KR" altLang="en-US" dirty="0"/>
+                    </a:p>
+                  </a:txBody>
+                  <a:tcPr/>
+                </a:tc>
+                <a:tc>
+                  <a:txBody>
+                    <a:bodyPr/>
+                    <a:lstStyle/>
+                    <a:p>
+                      <a:r>
+                        <a:rPr lang="en-US" altLang="ko-KR" dirty="0" err="1"/>
+                        <a:t>int</a:t>
+                      </a:r>
+                      <a:endParaRPr lang="ko-KR" altLang="en-US" dirty="0"/>
+                    </a:p>
+                  </a:txBody>
+                  <a:tcPr/>
+                </a:tc>
+                <a:tc>
+                  <a:txBody>
+                    <a:bodyPr/>
+                    <a:lstStyle/>
+                    <a:p>
+                      <a:endParaRPr lang="ko-KR" altLang="en-US" dirty="0"/>
+                    </a:p>
+                  </a:txBody>
+                  <a:tcPr/>
+                </a:tc>
+                <a:extLst>
+                  <a:ext uri="{0D108BD9-81ED-4DB2-BD59-A6C34878D82A}">
+                    <a16:rowId xmlns:a16="http://schemas.microsoft.com/office/drawing/2014/main" val="3833322220"/>
+                  </a:ext>
+                </a:extLst>
+              </a:tr>
+            </a:tbl>
+          </a:graphicData>
+        </a:graphic>
+      </p:graphicFrame>
+      <p:sp>
+        <p:nvSpPr>
+          <p:cNvPr id="24" name="TextBox 23"/>
+          <p:cNvSpPr txBox="1"/>
+          <p:nvPr/>
+        </p:nvSpPr>
+        <p:spPr>
+          <a:xfrm>
+            <a:off x="4484915" y="3121147"/>
+            <a:ext cx="4114799" cy="524503"/>
+          </a:xfrm>
+          <a:prstGeom prst="rect">
+            <a:avLst/>
+          </a:prstGeom>
+          <a:noFill/>
+        </p:spPr>
+        <p:txBody>
+          <a:bodyPr wrap="square" rtlCol="0">
+            <a:spAutoFit/>
+          </a:bodyPr>
+          <a:lstStyle/>
+          <a:p>
+            <a:r>
+              <a:rPr lang="ko-KR" altLang="en-US" b="1" dirty="0"/>
+              <a:t>진료기록</a:t>
+            </a:r>
+            <a:r>
+              <a:rPr lang="en-US" altLang="ko-KR" b="1" dirty="0"/>
+              <a:t>Table(</a:t>
+            </a:r>
+            <a:r>
+              <a:rPr lang="ko-KR" altLang="en-US" b="1" dirty="0"/>
+              <a:t>병원</a:t>
+            </a:r>
+            <a:r>
+              <a:rPr lang="en-US" altLang="ko-KR" b="1" dirty="0"/>
+              <a:t>, </a:t>
+            </a:r>
+            <a:r>
+              <a:rPr lang="ko-KR" altLang="en-US" b="1" dirty="0"/>
+              <a:t>약국</a:t>
+            </a:r>
+            <a:r>
+              <a:rPr lang="en-US" altLang="ko-KR" b="1" dirty="0"/>
+              <a:t>, </a:t>
+            </a:r>
+            <a:r>
+              <a:rPr lang="ko-KR" altLang="en-US" b="1" dirty="0"/>
+              <a:t>사용자가 공유</a:t>
+            </a:r>
+            <a:r>
+              <a:rPr lang="en-US" altLang="ko-KR" b="1" dirty="0"/>
+              <a:t>)</a:t>
+            </a:r>
+          </a:p>
+          <a:p>
+            <a:r>
+              <a:rPr lang="en-US" altLang="ko-KR" b="1" dirty="0"/>
+              <a:t>(TREAT_RECORD)</a:t>
+            </a:r>
+            <a:endParaRPr lang="ko-KR" altLang="en-US" b="1" dirty="0"/>
+          </a:p>
+        </p:txBody>
+      </p:sp>
+      <p:graphicFrame>
+        <p:nvGraphicFramePr>
+          <p:cNvPr id="25" name="표 24"/>
+          <p:cNvGraphicFramePr>
+            <a:graphicFrameLocks noGrp="1"/>
+          </p:cNvGraphicFramePr>
+          <p:nvPr>
+            <p:extLst/>
+          </p:nvPr>
+        </p:nvGraphicFramePr>
+        <p:xfrm>
+          <a:off x="-3294743" y="637699"/>
+          <a:ext cx="3349312" cy="1188720"/>
+        </p:xfrm>
+        <a:graphic>
+          <a:graphicData uri="http://schemas.openxmlformats.org/drawingml/2006/table">
+            <a:tbl>
+              <a:tblPr firstRow="1" bandRow="1">
+                <a:tableStyleId>{5A111915-BE36-4E01-A7E5-04B1672EAD32}</a:tableStyleId>
+              </a:tblPr>
+              <a:tblGrid>
+                <a:gridCol w="1296000">
+                  <a:extLst>
+                    <a:ext uri="{9D8B030D-6E8A-4147-A177-3AD203B41FA5}">
+                      <a16:colId xmlns:a16="http://schemas.microsoft.com/office/drawing/2014/main" val="20000"/>
+                    </a:ext>
+                  </a:extLst>
+                </a:gridCol>
+                <a:gridCol w="936000">
+                  <a:extLst>
+                    <a:ext uri="{9D8B030D-6E8A-4147-A177-3AD203B41FA5}">
+                      <a16:colId xmlns:a16="http://schemas.microsoft.com/office/drawing/2014/main" val="20001"/>
+                    </a:ext>
+                  </a:extLst>
+                </a:gridCol>
+                <a:gridCol w="1117312">
+                  <a:extLst>
+                    <a:ext uri="{9D8B030D-6E8A-4147-A177-3AD203B41FA5}">
+                      <a16:colId xmlns:a16="http://schemas.microsoft.com/office/drawing/2014/main" val="2342388362"/>
+                    </a:ext>
+                  </a:extLst>
+                </a:gridCol>
+              </a:tblGrid>
+              <a:tr h="244401">
+                <a:tc>
+                  <a:txBody>
+                    <a:bodyPr/>
+                    <a:lstStyle/>
+                    <a:p>
+                      <a:pPr latinLnBrk="1"/>
+                      <a:r>
+                        <a:rPr lang="ko-KR" altLang="en-US" dirty="0"/>
+                        <a:t>변수</a:t>
+                      </a:r>
+                    </a:p>
+                  </a:txBody>
+                  <a:tcPr/>
+                </a:tc>
+                <a:tc>
+                  <a:txBody>
+                    <a:bodyPr/>
+                    <a:lstStyle/>
+                    <a:p>
+                      <a:pPr latinLnBrk="1"/>
+                      <a:r>
+                        <a:rPr lang="ko-KR" altLang="en-US" dirty="0"/>
+                        <a:t>변수형</a:t>
+                      </a:r>
+                    </a:p>
+                  </a:txBody>
+                  <a:tcPr/>
+                </a:tc>
+                <a:tc>
+                  <a:txBody>
+                    <a:bodyPr/>
+                    <a:lstStyle/>
+                    <a:p>
+                      <a:pPr latinLnBrk="1"/>
+                      <a:r>
+                        <a:rPr lang="ko-KR" altLang="en-US" dirty="0"/>
+                        <a:t>기타사항</a:t>
+                      </a:r>
+                    </a:p>
+                  </a:txBody>
+                  <a:tcPr/>
+                </a:tc>
+                <a:extLst>
+                  <a:ext uri="{0D108BD9-81ED-4DB2-BD59-A6C34878D82A}">
+                    <a16:rowId xmlns:a16="http://schemas.microsoft.com/office/drawing/2014/main" val="10000"/>
+                  </a:ext>
+                </a:extLst>
+              </a:tr>
+              <a:tr h="244401">
+                <a:tc>
+                  <a:txBody>
+                    <a:bodyPr/>
+                    <a:lstStyle/>
+                    <a:p>
+                      <a:pPr latinLnBrk="1"/>
+                      <a:r>
+                        <a:rPr lang="en-US" altLang="ko-KR" dirty="0" err="1"/>
+                        <a:t>pharmst_code</a:t>
+                      </a:r>
+                      <a:endParaRPr lang="ko-KR" altLang="en-US" dirty="0"/>
+                    </a:p>
+                  </a:txBody>
+                  <a:tcPr/>
+                </a:tc>
+                <a:tc>
+                  <a:txBody>
+                    <a:bodyPr/>
+                    <a:lstStyle/>
+                    <a:p>
+                      <a:pPr latinLnBrk="1"/>
+                      <a:r>
+                        <a:rPr lang="en-US" altLang="ko-KR" dirty="0" err="1"/>
+                        <a:t>int</a:t>
+                      </a:r>
+                      <a:endParaRPr lang="ko-KR" altLang="en-US" dirty="0"/>
+                    </a:p>
+                  </a:txBody>
+                  <a:tcPr/>
+                </a:tc>
+                <a:tc>
+                  <a:txBody>
+                    <a:bodyPr/>
+                    <a:lstStyle/>
+                    <a:p>
+                      <a:pPr latinLnBrk="1"/>
+                      <a:r>
+                        <a:rPr lang="en-US" altLang="ko-KR" dirty="0"/>
+                        <a:t>PRIMARY</a:t>
+                      </a:r>
+                      <a:endParaRPr lang="ko-KR" altLang="en-US" dirty="0"/>
+                    </a:p>
+                  </a:txBody>
+                  <a:tcPr/>
+                </a:tc>
+                <a:extLst>
+                  <a:ext uri="{0D108BD9-81ED-4DB2-BD59-A6C34878D82A}">
+                    <a16:rowId xmlns:a16="http://schemas.microsoft.com/office/drawing/2014/main" val="10002"/>
+                  </a:ext>
+                </a:extLst>
+              </a:tr>
+              <a:tr h="244401">
+                <a:tc>
+                  <a:txBody>
+                    <a:bodyPr/>
+                    <a:lstStyle/>
+                    <a:p>
+                      <a:pPr latinLnBrk="1"/>
+                      <a:r>
+                        <a:rPr lang="en-US" altLang="ko-KR" dirty="0" err="1"/>
+                        <a:t>pharmst_name</a:t>
+                      </a:r>
+                      <a:endParaRPr lang="ko-KR" altLang="en-US" dirty="0"/>
+                    </a:p>
+                  </a:txBody>
+                  <a:tcPr/>
+                </a:tc>
+                <a:tc>
+                  <a:txBody>
+                    <a:bodyPr/>
+                    <a:lstStyle/>
+                    <a:p>
+                      <a:pPr latinLnBrk="1"/>
+                      <a:r>
+                        <a:rPr lang="en-US" altLang="ko-KR" dirty="0"/>
+                        <a:t>char[40]</a:t>
+                      </a:r>
+                      <a:endParaRPr lang="ko-KR" altLang="en-US" dirty="0"/>
+                    </a:p>
+                  </a:txBody>
+                  <a:tcPr/>
+                </a:tc>
+                <a:tc>
+                  <a:txBody>
+                    <a:bodyPr/>
+                    <a:lstStyle/>
+                    <a:p>
+                      <a:pPr latinLnBrk="1"/>
+                      <a:endParaRPr lang="ko-KR" altLang="en-US" dirty="0"/>
+                    </a:p>
+                  </a:txBody>
+                  <a:tcPr/>
+                </a:tc>
+                <a:extLst>
+                  <a:ext uri="{0D108BD9-81ED-4DB2-BD59-A6C34878D82A}">
+                    <a16:rowId xmlns:a16="http://schemas.microsoft.com/office/drawing/2014/main" val="2666502318"/>
+                  </a:ext>
+                </a:extLst>
+              </a:tr>
+              <a:tr h="244401">
+                <a:tc>
+                  <a:txBody>
+                    <a:bodyPr/>
+                    <a:lstStyle/>
+                    <a:p>
+                      <a:pPr latinLnBrk="1"/>
+                      <a:r>
+                        <a:rPr lang="en-US" altLang="ko-KR" dirty="0" err="1"/>
+                        <a:t>pharm_code</a:t>
+                      </a:r>
+                      <a:endParaRPr lang="ko-KR" altLang="en-US" dirty="0"/>
+                    </a:p>
+                  </a:txBody>
+                  <a:tcPr/>
+                </a:tc>
+                <a:tc>
+                  <a:txBody>
+                    <a:bodyPr/>
+                    <a:lstStyle/>
+                    <a:p>
+                      <a:pPr latinLnBrk="1"/>
+                      <a:r>
+                        <a:rPr lang="en-US" altLang="ko-KR" dirty="0" err="1"/>
+                        <a:t>int</a:t>
+                      </a:r>
+                      <a:endParaRPr lang="ko-KR" altLang="en-US" dirty="0"/>
+                    </a:p>
+                  </a:txBody>
+                  <a:tcPr/>
+                </a:tc>
+                <a:tc>
+                  <a:txBody>
+                    <a:bodyPr/>
+                    <a:lstStyle/>
+                    <a:p>
+                      <a:pPr latinLnBrk="1"/>
+                      <a:endParaRPr lang="ko-KR" altLang="en-US" dirty="0"/>
+                    </a:p>
+                  </a:txBody>
+                  <a:tcPr/>
+                </a:tc>
+                <a:extLst>
+                  <a:ext uri="{0D108BD9-81ED-4DB2-BD59-A6C34878D82A}">
+                    <a16:rowId xmlns:a16="http://schemas.microsoft.com/office/drawing/2014/main" val="10003"/>
+                  </a:ext>
+                </a:extLst>
+              </a:tr>
+            </a:tbl>
+          </a:graphicData>
+        </a:graphic>
+      </p:graphicFrame>
+      <p:sp>
+        <p:nvSpPr>
+          <p:cNvPr id="26" name="TextBox 25"/>
+          <p:cNvSpPr txBox="1"/>
+          <p:nvPr/>
+        </p:nvSpPr>
+        <p:spPr>
+          <a:xfrm>
+            <a:off x="-3147619" y="258825"/>
+            <a:ext cx="2239618" cy="308418"/>
+          </a:xfrm>
+          <a:prstGeom prst="rect">
+            <a:avLst/>
+          </a:prstGeom>
+          <a:noFill/>
+        </p:spPr>
+        <p:txBody>
+          <a:bodyPr wrap="square" rtlCol="0">
+            <a:spAutoFit/>
+          </a:bodyPr>
+          <a:lstStyle/>
+          <a:p>
+            <a:r>
+              <a:rPr lang="ko-KR" altLang="en-US" b="1" dirty="0"/>
+              <a:t>약사</a:t>
+            </a:r>
+            <a:r>
+              <a:rPr lang="en-US" altLang="ko-KR" b="1" dirty="0"/>
+              <a:t>Table (PHARMACIST)</a:t>
+            </a:r>
+            <a:endParaRPr lang="ko-KR" altLang="en-US" b="1" dirty="0"/>
+          </a:p>
+        </p:txBody>
+      </p:sp>
+      <p:graphicFrame>
+        <p:nvGraphicFramePr>
+          <p:cNvPr id="27" name="표 26"/>
+          <p:cNvGraphicFramePr>
+            <a:graphicFrameLocks noGrp="1"/>
+          </p:cNvGraphicFramePr>
+          <p:nvPr>
+            <p:extLst/>
+          </p:nvPr>
+        </p:nvGraphicFramePr>
+        <p:xfrm>
+          <a:off x="-3294742" y="2497169"/>
+          <a:ext cx="3349312" cy="891540"/>
+        </p:xfrm>
+        <a:graphic>
+          <a:graphicData uri="http://schemas.openxmlformats.org/drawingml/2006/table">
+            <a:tbl>
+              <a:tblPr firstRow="1" bandRow="1">
+                <a:tableStyleId>{5A111915-BE36-4E01-A7E5-04B1672EAD32}</a:tableStyleId>
+              </a:tblPr>
+              <a:tblGrid>
+                <a:gridCol w="1296000">
+                  <a:extLst>
+                    <a:ext uri="{9D8B030D-6E8A-4147-A177-3AD203B41FA5}">
+                      <a16:colId xmlns:a16="http://schemas.microsoft.com/office/drawing/2014/main" val="20000"/>
+                    </a:ext>
+                  </a:extLst>
+                </a:gridCol>
+                <a:gridCol w="936000">
+                  <a:extLst>
+                    <a:ext uri="{9D8B030D-6E8A-4147-A177-3AD203B41FA5}">
+                      <a16:colId xmlns:a16="http://schemas.microsoft.com/office/drawing/2014/main" val="20001"/>
+                    </a:ext>
+                  </a:extLst>
+                </a:gridCol>
+                <a:gridCol w="1117312">
+                  <a:extLst>
+                    <a:ext uri="{9D8B030D-6E8A-4147-A177-3AD203B41FA5}">
+                      <a16:colId xmlns:a16="http://schemas.microsoft.com/office/drawing/2014/main" val="939253182"/>
+                    </a:ext>
+                  </a:extLst>
+                </a:gridCol>
+              </a:tblGrid>
+              <a:tr h="177184">
+                <a:tc>
+                  <a:txBody>
+                    <a:bodyPr/>
+                    <a:lstStyle/>
+                    <a:p>
+                      <a:pPr latinLnBrk="1"/>
+                      <a:r>
+                        <a:rPr lang="ko-KR" altLang="en-US" dirty="0"/>
+                        <a:t>변수</a:t>
+                      </a:r>
+                    </a:p>
+                  </a:txBody>
+                  <a:tcPr/>
+                </a:tc>
+                <a:tc>
+                  <a:txBody>
+                    <a:bodyPr/>
+                    <a:lstStyle/>
+                    <a:p>
+                      <a:pPr latinLnBrk="1"/>
+                      <a:r>
+                        <a:rPr lang="ko-KR" altLang="en-US" dirty="0"/>
+                        <a:t>변수형</a:t>
+                      </a:r>
+                    </a:p>
+                  </a:txBody>
+                  <a:tcPr/>
+                </a:tc>
+                <a:tc>
+                  <a:txBody>
+                    <a:bodyPr/>
+                    <a:lstStyle/>
+                    <a:p>
+                      <a:pPr latinLnBrk="1"/>
+                      <a:r>
+                        <a:rPr lang="ko-KR" altLang="en-US" dirty="0"/>
+                        <a:t>기타사항</a:t>
+                      </a:r>
+                    </a:p>
+                  </a:txBody>
+                  <a:tcPr/>
+                </a:tc>
+                <a:extLst>
+                  <a:ext uri="{0D108BD9-81ED-4DB2-BD59-A6C34878D82A}">
+                    <a16:rowId xmlns:a16="http://schemas.microsoft.com/office/drawing/2014/main" val="10000"/>
+                  </a:ext>
+                </a:extLst>
+              </a:tr>
+              <a:tr h="177184">
+                <a:tc>
+                  <a:txBody>
+                    <a:bodyPr/>
+                    <a:lstStyle/>
+                    <a:p>
+                      <a:pPr latinLnBrk="1"/>
+                      <a:r>
+                        <a:rPr lang="en-US" altLang="ko-KR" dirty="0" err="1"/>
+                        <a:t>pharm_code</a:t>
+                      </a:r>
+                      <a:endParaRPr lang="ko-KR" altLang="en-US" dirty="0"/>
+                    </a:p>
+                  </a:txBody>
+                  <a:tcPr/>
+                </a:tc>
+                <a:tc>
+                  <a:txBody>
+                    <a:bodyPr/>
+                    <a:lstStyle/>
+                    <a:p>
+                      <a:pPr latinLnBrk="1"/>
+                      <a:r>
+                        <a:rPr lang="en-US" altLang="ko-KR" dirty="0" err="1"/>
+                        <a:t>int</a:t>
+                      </a:r>
+                      <a:endParaRPr lang="ko-KR" altLang="en-US" dirty="0"/>
+                    </a:p>
+                  </a:txBody>
+                  <a:tcPr/>
+                </a:tc>
+                <a:tc>
+                  <a:txBody>
+                    <a:bodyPr/>
+                    <a:lstStyle/>
+                    <a:p>
+                      <a:pPr latinLnBrk="1"/>
+                      <a:r>
+                        <a:rPr lang="en-US" altLang="ko-KR" dirty="0"/>
+                        <a:t>PRIMARY</a:t>
+                      </a:r>
+                      <a:endParaRPr lang="ko-KR" altLang="en-US" dirty="0"/>
+                    </a:p>
+                  </a:txBody>
+                  <a:tcPr/>
+                </a:tc>
+                <a:extLst>
+                  <a:ext uri="{0D108BD9-81ED-4DB2-BD59-A6C34878D82A}">
+                    <a16:rowId xmlns:a16="http://schemas.microsoft.com/office/drawing/2014/main" val="10002"/>
+                  </a:ext>
+                </a:extLst>
+              </a:tr>
+              <a:tr h="177184">
+                <a:tc>
+                  <a:txBody>
+                    <a:bodyPr/>
+                    <a:lstStyle/>
+                    <a:p>
+                      <a:pPr latinLnBrk="1"/>
+                      <a:r>
+                        <a:rPr lang="en-US" altLang="ko-KR" dirty="0" err="1"/>
+                        <a:t>pharm_name</a:t>
+                      </a:r>
+                      <a:endParaRPr lang="ko-KR" altLang="en-US" dirty="0"/>
+                    </a:p>
+                  </a:txBody>
+                  <a:tcPr/>
+                </a:tc>
+                <a:tc>
+                  <a:txBody>
+                    <a:bodyPr/>
+                    <a:lstStyle/>
+                    <a:p>
+                      <a:pPr latinLnBrk="1"/>
+                      <a:r>
+                        <a:rPr lang="en-US" altLang="ko-KR" dirty="0"/>
+                        <a:t>char[40]</a:t>
+                      </a:r>
+                      <a:endParaRPr lang="ko-KR" altLang="en-US" dirty="0"/>
+                    </a:p>
+                  </a:txBody>
+                  <a:tcPr/>
+                </a:tc>
+                <a:tc>
+                  <a:txBody>
+                    <a:bodyPr/>
+                    <a:lstStyle/>
+                    <a:p>
+                      <a:pPr latinLnBrk="1"/>
+                      <a:endParaRPr lang="ko-KR" altLang="en-US" dirty="0"/>
+                    </a:p>
+                  </a:txBody>
+                  <a:tcPr/>
+                </a:tc>
+                <a:extLst>
+                  <a:ext uri="{0D108BD9-81ED-4DB2-BD59-A6C34878D82A}">
+                    <a16:rowId xmlns:a16="http://schemas.microsoft.com/office/drawing/2014/main" val="3726474258"/>
+                  </a:ext>
+                </a:extLst>
+              </a:tr>
+            </a:tbl>
+          </a:graphicData>
+        </a:graphic>
+      </p:graphicFrame>
+      <p:sp>
+        <p:nvSpPr>
+          <p:cNvPr id="28" name="TextBox 27"/>
+          <p:cNvSpPr txBox="1"/>
+          <p:nvPr/>
+        </p:nvSpPr>
+        <p:spPr>
+          <a:xfrm>
+            <a:off x="-3106731" y="2186156"/>
+            <a:ext cx="1985612" cy="308418"/>
+          </a:xfrm>
+          <a:prstGeom prst="rect">
+            <a:avLst/>
+          </a:prstGeom>
+          <a:noFill/>
+        </p:spPr>
+        <p:txBody>
+          <a:bodyPr wrap="square" rtlCol="0">
+            <a:spAutoFit/>
+          </a:bodyPr>
+          <a:lstStyle/>
+          <a:p>
+            <a:r>
+              <a:rPr lang="ko-KR" altLang="en-US" b="1" dirty="0"/>
+              <a:t>약국</a:t>
+            </a:r>
+            <a:r>
+              <a:rPr lang="en-US" altLang="ko-KR" b="1" dirty="0"/>
+              <a:t>Table (PHARMACY)</a:t>
+            </a:r>
+            <a:endParaRPr lang="ko-KR" altLang="en-US" b="1" dirty="0"/>
+          </a:p>
+        </p:txBody>
+      </p:sp>
+      <p:graphicFrame>
+        <p:nvGraphicFramePr>
+          <p:cNvPr id="18" name="표 17"/>
+          <p:cNvGraphicFramePr>
+            <a:graphicFrameLocks noGrp="1"/>
+          </p:cNvGraphicFramePr>
+          <p:nvPr>
+            <p:extLst>
+              <p:ext uri="{D42A27DB-BD31-4B8C-83A1-F6EECF244321}">
+                <p14:modId xmlns:p14="http://schemas.microsoft.com/office/powerpoint/2010/main" val="3331328187"/>
+              </p:ext>
+            </p:extLst>
+          </p:nvPr>
+        </p:nvGraphicFramePr>
+        <p:xfrm>
+          <a:off x="9293495" y="3737789"/>
+          <a:ext cx="4333968" cy="3111540"/>
+        </p:xfrm>
+        <a:graphic>
+          <a:graphicData uri="http://schemas.openxmlformats.org/drawingml/2006/table">
+            <a:tbl>
+              <a:tblPr firstRow="1" bandRow="1">
+                <a:tableStyleId>{5A111915-BE36-4E01-A7E5-04B1672EAD32}</a:tableStyleId>
+              </a:tblPr>
+              <a:tblGrid>
+                <a:gridCol w="1656000">
+                  <a:extLst>
+                    <a:ext uri="{9D8B030D-6E8A-4147-A177-3AD203B41FA5}">
+                      <a16:colId xmlns:a16="http://schemas.microsoft.com/office/drawing/2014/main" val="20000"/>
+                    </a:ext>
+                  </a:extLst>
+                </a:gridCol>
+                <a:gridCol w="1129968">
+                  <a:extLst>
+                    <a:ext uri="{9D8B030D-6E8A-4147-A177-3AD203B41FA5}">
+                      <a16:colId xmlns:a16="http://schemas.microsoft.com/office/drawing/2014/main" val="20001"/>
+                    </a:ext>
+                  </a:extLst>
+                </a:gridCol>
+                <a:gridCol w="1548000">
+                  <a:extLst>
+                    <a:ext uri="{9D8B030D-6E8A-4147-A177-3AD203B41FA5}">
+                      <a16:colId xmlns:a16="http://schemas.microsoft.com/office/drawing/2014/main" val="278496055"/>
+                    </a:ext>
+                  </a:extLst>
+                </a:gridCol>
+              </a:tblGrid>
+              <a:tr h="300550">
+                <a:tc>
+                  <a:txBody>
+                    <a:bodyPr/>
+                    <a:lstStyle/>
+                    <a:p>
+                      <a:pPr latinLnBrk="1"/>
+                      <a:r>
+                        <a:rPr lang="ko-KR" altLang="en-US" dirty="0"/>
+                        <a:t>변수</a:t>
+                      </a:r>
+                    </a:p>
+                  </a:txBody>
+                  <a:tcPr/>
+                </a:tc>
+                <a:tc>
+                  <a:txBody>
+                    <a:bodyPr/>
+                    <a:lstStyle/>
+                    <a:p>
+                      <a:pPr latinLnBrk="1"/>
+                      <a:r>
+                        <a:rPr lang="ko-KR" altLang="en-US" dirty="0"/>
+                        <a:t>변수형</a:t>
+                      </a:r>
+                    </a:p>
+                  </a:txBody>
+                  <a:tcPr/>
+                </a:tc>
+                <a:tc>
+                  <a:txBody>
+                    <a:bodyPr/>
+                    <a:lstStyle/>
+                    <a:p>
+                      <a:pPr latinLnBrk="1"/>
+                      <a:r>
+                        <a:rPr lang="ko-KR" altLang="en-US" dirty="0"/>
+                        <a:t>기타사항</a:t>
+                      </a:r>
+                    </a:p>
+                  </a:txBody>
+                  <a:tcPr/>
+                </a:tc>
+                <a:extLst>
+                  <a:ext uri="{0D108BD9-81ED-4DB2-BD59-A6C34878D82A}">
+                    <a16:rowId xmlns:a16="http://schemas.microsoft.com/office/drawing/2014/main" val="10000"/>
+                  </a:ext>
+                </a:extLst>
+              </a:tr>
+              <a:tr h="300550">
+                <a:tc>
+                  <a:txBody>
+                    <a:bodyPr/>
+                    <a:lstStyle/>
+                    <a:p>
+                      <a:pPr latinLnBrk="1"/>
+                      <a:r>
+                        <a:rPr lang="en-US" altLang="ko-KR" dirty="0"/>
+                        <a:t>id</a:t>
+                      </a:r>
+                      <a:endParaRPr lang="ko-KR" altLang="en-US" dirty="0"/>
+                    </a:p>
+                  </a:txBody>
+                  <a:tcPr/>
+                </a:tc>
+                <a:tc>
+                  <a:txBody>
+                    <a:bodyPr/>
+                    <a:lstStyle/>
+                    <a:p>
+                      <a:pPr latinLnBrk="1"/>
+                      <a:r>
+                        <a:rPr lang="en-US" altLang="ko-KR" dirty="0"/>
+                        <a:t>char[20]</a:t>
+                      </a:r>
+                      <a:endParaRPr lang="ko-KR" altLang="en-US" dirty="0"/>
+                    </a:p>
+                  </a:txBody>
+                  <a:tcPr/>
+                </a:tc>
+                <a:tc>
+                  <a:txBody>
+                    <a:bodyPr/>
+                    <a:lstStyle/>
+                    <a:p>
+                      <a:pPr latinLnBrk="1"/>
+                      <a:r>
+                        <a:rPr lang="en-US" altLang="ko-KR" dirty="0"/>
+                        <a:t>PRIMARY</a:t>
+                      </a:r>
+                      <a:endParaRPr lang="ko-KR" altLang="en-US" dirty="0"/>
+                    </a:p>
+                  </a:txBody>
+                  <a:tcPr/>
+                </a:tc>
+                <a:extLst>
+                  <a:ext uri="{0D108BD9-81ED-4DB2-BD59-A6C34878D82A}">
+                    <a16:rowId xmlns:a16="http://schemas.microsoft.com/office/drawing/2014/main" val="10001"/>
+                  </a:ext>
+                </a:extLst>
+              </a:tr>
+              <a:tr h="300550">
+                <a:tc>
+                  <a:txBody>
+                    <a:bodyPr/>
+                    <a:lstStyle/>
+                    <a:p>
+                      <a:pPr latinLnBrk="1"/>
+                      <a:r>
+                        <a:rPr lang="en-US" altLang="ko-KR" dirty="0" err="1"/>
+                        <a:t>treat_code</a:t>
+                      </a:r>
+                      <a:endParaRPr lang="ko-KR" altLang="en-US" dirty="0"/>
+                    </a:p>
+                  </a:txBody>
+                  <a:tcPr/>
+                </a:tc>
+                <a:tc>
+                  <a:txBody>
+                    <a:bodyPr/>
+                    <a:lstStyle/>
+                    <a:p>
+                      <a:pPr latinLnBrk="1"/>
+                      <a:r>
+                        <a:rPr lang="en-US" altLang="ko-KR" dirty="0" err="1"/>
+                        <a:t>Int</a:t>
+                      </a:r>
+                      <a:endParaRPr lang="ko-KR" altLang="en-US" dirty="0"/>
+                    </a:p>
+                  </a:txBody>
+                  <a:tcPr/>
+                </a:tc>
+                <a:tc>
+                  <a:txBody>
+                    <a:bodyPr/>
+                    <a:lstStyle/>
+                    <a:p>
+                      <a:pPr latinLnBrk="1"/>
+                      <a:r>
+                        <a:rPr lang="en-US" altLang="ko-KR" dirty="0"/>
+                        <a:t>PRIMARY</a:t>
+                      </a:r>
+                      <a:endParaRPr lang="ko-KR" altLang="en-US" dirty="0"/>
+                    </a:p>
+                  </a:txBody>
+                  <a:tcPr/>
+                </a:tc>
+                <a:extLst>
+                  <a:ext uri="{0D108BD9-81ED-4DB2-BD59-A6C34878D82A}">
+                    <a16:rowId xmlns:a16="http://schemas.microsoft.com/office/drawing/2014/main" val="3957870662"/>
+                  </a:ext>
+                </a:extLst>
+              </a:tr>
+              <a:tr h="300550">
+                <a:tc>
+                  <a:txBody>
+                    <a:bodyPr/>
+                    <a:lstStyle/>
+                    <a:p>
+                      <a:pPr latinLnBrk="1"/>
+                      <a:r>
+                        <a:rPr lang="en-US" altLang="ko-KR" dirty="0" err="1"/>
+                        <a:t>valid_date</a:t>
+                      </a:r>
+                      <a:endParaRPr lang="ko-KR" altLang="en-US" dirty="0"/>
+                    </a:p>
+                  </a:txBody>
+                  <a:tcPr/>
+                </a:tc>
+                <a:tc>
+                  <a:txBody>
+                    <a:bodyPr/>
+                    <a:lstStyle/>
+                    <a:p>
+                      <a:r>
+                        <a:rPr lang="en-US" altLang="ko-KR" dirty="0" err="1"/>
+                        <a:t>int</a:t>
+                      </a:r>
+                      <a:endParaRPr lang="ko-KR" altLang="en-US" dirty="0"/>
+                    </a:p>
+                  </a:txBody>
+                  <a:tcPr/>
+                </a:tc>
+                <a:tc>
+                  <a:txBody>
+                    <a:bodyPr/>
+                    <a:lstStyle/>
+                    <a:p>
+                      <a:endParaRPr lang="ko-KR" altLang="en-US" dirty="0"/>
+                    </a:p>
+                  </a:txBody>
+                  <a:tcPr/>
+                </a:tc>
+                <a:extLst>
+                  <a:ext uri="{0D108BD9-81ED-4DB2-BD59-A6C34878D82A}">
+                    <a16:rowId xmlns:a16="http://schemas.microsoft.com/office/drawing/2014/main" val="3833322220"/>
+                  </a:ext>
+                </a:extLst>
+              </a:tr>
+              <a:tr h="468000">
+                <a:tc>
+                  <a:txBody>
+                    <a:bodyPr/>
+                    <a:lstStyle/>
+                    <a:p>
+                      <a:pPr latinLnBrk="1"/>
+                      <a:r>
+                        <a:rPr lang="en-US" altLang="ko-KR" dirty="0" err="1"/>
+                        <a:t>is_used</a:t>
+                      </a:r>
+                      <a:endParaRPr lang="ko-KR" altLang="en-US" dirty="0"/>
+                    </a:p>
+                  </a:txBody>
+                  <a:tcPr/>
+                </a:tc>
+                <a:tc>
+                  <a:txBody>
+                    <a:bodyPr/>
+                    <a:lstStyle/>
+                    <a:p>
+                      <a:pPr latinLnBrk="1"/>
+                      <a:r>
+                        <a:rPr lang="en-US" altLang="ko-KR" dirty="0"/>
+                        <a:t>bool</a:t>
+                      </a:r>
+                      <a:endParaRPr lang="ko-KR" altLang="en-US" dirty="0"/>
+                    </a:p>
+                  </a:txBody>
+                  <a:tcPr/>
+                </a:tc>
+                <a:tc>
+                  <a:txBody>
+                    <a:bodyPr/>
+                    <a:lstStyle/>
+                    <a:p>
+                      <a:pPr latinLnBrk="1"/>
+                      <a:r>
+                        <a:rPr lang="en-US" altLang="ko-KR" dirty="0"/>
+                        <a:t>1 : </a:t>
+                      </a:r>
+                      <a:r>
+                        <a:rPr lang="ko-KR" altLang="en-US" dirty="0"/>
+                        <a:t>사용</a:t>
+                      </a:r>
+                      <a:r>
+                        <a:rPr lang="en-US" altLang="ko-KR" dirty="0"/>
+                        <a:t>, 0 : </a:t>
+                      </a:r>
+                      <a:r>
+                        <a:rPr lang="ko-KR" altLang="en-US" dirty="0"/>
+                        <a:t>미사용</a:t>
+                      </a:r>
+                      <a:endParaRPr lang="en-US" altLang="ko-KR" dirty="0"/>
+                    </a:p>
+                    <a:p>
+                      <a:pPr latinLnBrk="1"/>
+                      <a:r>
+                        <a:rPr lang="en-US" altLang="ko-KR" dirty="0"/>
+                        <a:t>default : 0</a:t>
+                      </a:r>
+                      <a:endParaRPr lang="ko-KR" altLang="en-US" dirty="0"/>
+                    </a:p>
+                  </a:txBody>
+                  <a:tcPr/>
+                </a:tc>
+                <a:extLst>
+                  <a:ext uri="{0D108BD9-81ED-4DB2-BD59-A6C34878D82A}">
+                    <a16:rowId xmlns:a16="http://schemas.microsoft.com/office/drawing/2014/main" val="1094492362"/>
+                  </a:ext>
+                </a:extLst>
+              </a:tr>
+              <a:tr h="300550">
+                <a:tc>
+                  <a:txBody>
+                    <a:bodyPr/>
+                    <a:lstStyle/>
+                    <a:p>
+                      <a:pPr latinLnBrk="1"/>
+                      <a:r>
+                        <a:rPr lang="en-US" altLang="ko-KR" dirty="0" err="1"/>
+                        <a:t>medicine_name</a:t>
+                      </a:r>
+                      <a:endParaRPr lang="ko-KR" altLang="en-US" dirty="0"/>
+                    </a:p>
+                  </a:txBody>
+                  <a:tcPr>
+                    <a:noFill/>
+                  </a:tcPr>
+                </a:tc>
+                <a:tc>
+                  <a:txBody>
+                    <a:bodyPr/>
+                    <a:lstStyle/>
+                    <a:p>
+                      <a:pPr latinLnBrk="1"/>
+                      <a:r>
+                        <a:rPr lang="en-US" altLang="ko-KR" dirty="0"/>
+                        <a:t>char[20]</a:t>
+                      </a:r>
+                      <a:endParaRPr lang="ko-KR" altLang="en-US" dirty="0"/>
+                    </a:p>
+                  </a:txBody>
+                  <a:tcPr>
+                    <a:noFill/>
+                  </a:tcPr>
+                </a:tc>
+                <a:tc>
+                  <a:txBody>
+                    <a:bodyPr/>
+                    <a:lstStyle/>
+                    <a:p>
+                      <a:pPr latinLnBrk="1"/>
+                      <a:endParaRPr lang="ko-KR" altLang="en-US" dirty="0"/>
+                    </a:p>
+                  </a:txBody>
+                  <a:tcPr>
+                    <a:noFill/>
+                  </a:tcPr>
+                </a:tc>
+                <a:extLst>
+                  <a:ext uri="{0D108BD9-81ED-4DB2-BD59-A6C34878D82A}">
+                    <a16:rowId xmlns:a16="http://schemas.microsoft.com/office/drawing/2014/main" val="10002"/>
+                  </a:ext>
+                </a:extLst>
+              </a:tr>
+              <a:tr h="302400">
+                <a:tc>
+                  <a:txBody>
+                    <a:bodyPr/>
+                    <a:lstStyle/>
+                    <a:p>
+                      <a:pPr latinLnBrk="1"/>
+                      <a:r>
+                        <a:rPr lang="en-US" altLang="ko-KR" dirty="0" err="1"/>
+                        <a:t>medicine_once_num</a:t>
+                      </a:r>
+                      <a:endParaRPr lang="ko-KR" altLang="en-US" dirty="0"/>
+                    </a:p>
+                  </a:txBody>
+                  <a:tcPr>
+                    <a:solidFill>
+                      <a:srgbClr val="FFFF00"/>
+                    </a:solidFill>
+                  </a:tcPr>
+                </a:tc>
+                <a:tc>
+                  <a:txBody>
+                    <a:bodyPr/>
+                    <a:lstStyle/>
+                    <a:p>
+                      <a:pPr latinLnBrk="1"/>
+                      <a:r>
+                        <a:rPr lang="en-US" altLang="ko-KR" b="1" dirty="0">
+                          <a:solidFill>
+                            <a:srgbClr val="FF0000"/>
+                          </a:solidFill>
+                        </a:rPr>
+                        <a:t>float</a:t>
+                      </a:r>
+                      <a:endParaRPr lang="ko-KR" altLang="en-US" b="1" dirty="0">
+                        <a:solidFill>
+                          <a:srgbClr val="FF0000"/>
+                        </a:solidFill>
+                      </a:endParaRPr>
+                    </a:p>
+                  </a:txBody>
+                  <a:tcPr>
+                    <a:solidFill>
+                      <a:srgbClr val="FFFF00"/>
+                    </a:solidFill>
+                  </a:tcPr>
+                </a:tc>
+                <a:tc>
+                  <a:txBody>
+                    <a:bodyPr/>
+                    <a:lstStyle/>
+                    <a:p>
+                      <a:pPr latinLnBrk="1"/>
+                      <a:r>
+                        <a:rPr lang="ko-KR" altLang="en-US" dirty="0" err="1">
+                          <a:solidFill>
+                            <a:srgbClr val="FF0000"/>
+                          </a:solidFill>
+                        </a:rPr>
+                        <a:t>반개</a:t>
+                      </a:r>
+                      <a:r>
+                        <a:rPr lang="ko-KR" altLang="en-US" dirty="0">
+                          <a:solidFill>
+                            <a:srgbClr val="FF0000"/>
+                          </a:solidFill>
+                        </a:rPr>
+                        <a:t> </a:t>
+                      </a:r>
+                      <a:r>
+                        <a:rPr lang="ko-KR" altLang="en-US" dirty="0" err="1">
+                          <a:solidFill>
+                            <a:srgbClr val="FF0000"/>
+                          </a:solidFill>
+                        </a:rPr>
+                        <a:t>투여하는경우</a:t>
+                      </a:r>
+                      <a:r>
+                        <a:rPr lang="ko-KR" altLang="en-US" dirty="0">
+                          <a:solidFill>
+                            <a:srgbClr val="FF0000"/>
+                          </a:solidFill>
+                        </a:rPr>
+                        <a:t> 있음</a:t>
+                      </a:r>
+                      <a:r>
+                        <a:rPr lang="en-US" altLang="ko-KR" dirty="0">
+                          <a:solidFill>
+                            <a:srgbClr val="FF0000"/>
+                          </a:solidFill>
+                        </a:rPr>
+                        <a:t>.</a:t>
+                      </a:r>
+                      <a:endParaRPr lang="ko-KR" altLang="en-US" dirty="0">
+                        <a:solidFill>
+                          <a:srgbClr val="FF0000"/>
+                        </a:solidFill>
+                      </a:endParaRPr>
+                    </a:p>
+                  </a:txBody>
+                  <a:tcPr>
+                    <a:solidFill>
+                      <a:srgbClr val="FFFF00"/>
+                    </a:solidFill>
+                  </a:tcPr>
+                </a:tc>
+                <a:extLst>
+                  <a:ext uri="{0D108BD9-81ED-4DB2-BD59-A6C34878D82A}">
+                    <a16:rowId xmlns:a16="http://schemas.microsoft.com/office/drawing/2014/main" val="1597327588"/>
+                  </a:ext>
+                </a:extLst>
+              </a:tr>
+              <a:tr h="302400">
+                <a:tc>
+                  <a:txBody>
+                    <a:bodyPr/>
+                    <a:lstStyle/>
+                    <a:p>
+                      <a:pPr latinLnBrk="1"/>
+                      <a:r>
+                        <a:rPr lang="en-US" altLang="ko-KR" dirty="0" err="1"/>
+                        <a:t>medicine_day_num</a:t>
+                      </a:r>
+                      <a:endParaRPr lang="ko-KR" altLang="en-US" dirty="0"/>
+                    </a:p>
+                  </a:txBody>
+                  <a:tcPr>
+                    <a:noFill/>
+                  </a:tcPr>
+                </a:tc>
+                <a:tc>
+                  <a:txBody>
+                    <a:bodyPr/>
+                    <a:lstStyle/>
+                    <a:p>
+                      <a:pPr latinLnBrk="1"/>
+                      <a:r>
+                        <a:rPr lang="en-US" altLang="ko-KR" dirty="0" err="1"/>
+                        <a:t>int</a:t>
+                      </a:r>
+                      <a:endParaRPr lang="ko-KR" altLang="en-US" dirty="0"/>
+                    </a:p>
+                  </a:txBody>
+                  <a:tcPr>
+                    <a:noFill/>
+                  </a:tcPr>
+                </a:tc>
+                <a:tc>
+                  <a:txBody>
+                    <a:bodyPr/>
+                    <a:lstStyle/>
+                    <a:p>
+                      <a:pPr latinLnBrk="1"/>
+                      <a:endParaRPr lang="ko-KR" altLang="en-US" dirty="0"/>
+                    </a:p>
+                  </a:txBody>
+                  <a:tcPr>
+                    <a:noFill/>
+                  </a:tcPr>
+                </a:tc>
+                <a:extLst>
+                  <a:ext uri="{0D108BD9-81ED-4DB2-BD59-A6C34878D82A}">
+                    <a16:rowId xmlns:a16="http://schemas.microsoft.com/office/drawing/2014/main" val="3825007831"/>
+                  </a:ext>
+                </a:extLst>
+              </a:tr>
+              <a:tr h="300550">
+                <a:tc>
+                  <a:txBody>
+                    <a:bodyPr/>
+                    <a:lstStyle/>
+                    <a:p>
+                      <a:pPr latinLnBrk="1"/>
+                      <a:r>
+                        <a:rPr lang="en-US" altLang="ko-KR" dirty="0"/>
+                        <a:t>notice</a:t>
+                      </a:r>
+                      <a:endParaRPr lang="ko-KR" altLang="en-US" dirty="0"/>
+                    </a:p>
+                  </a:txBody>
+                  <a:tcPr>
+                    <a:noFill/>
+                  </a:tcPr>
+                </a:tc>
+                <a:tc>
+                  <a:txBody>
+                    <a:bodyPr/>
+                    <a:lstStyle/>
+                    <a:p>
+                      <a:pPr latinLnBrk="1"/>
+                      <a:r>
+                        <a:rPr lang="en-US" altLang="ko-KR" dirty="0"/>
+                        <a:t>char[100]</a:t>
+                      </a:r>
+                      <a:endParaRPr lang="ko-KR" altLang="en-US" dirty="0"/>
+                    </a:p>
+                  </a:txBody>
+                  <a:tcPr>
+                    <a:noFill/>
+                  </a:tcPr>
+                </a:tc>
+                <a:tc>
+                  <a:txBody>
+                    <a:bodyPr/>
+                    <a:lstStyle/>
+                    <a:p>
+                      <a:pPr latinLnBrk="1"/>
+                      <a:endParaRPr lang="ko-KR" altLang="en-US" dirty="0"/>
+                    </a:p>
+                  </a:txBody>
+                  <a:tcPr>
+                    <a:noFill/>
+                  </a:tcPr>
+                </a:tc>
+                <a:extLst>
+                  <a:ext uri="{0D108BD9-81ED-4DB2-BD59-A6C34878D82A}">
+                    <a16:rowId xmlns:a16="http://schemas.microsoft.com/office/drawing/2014/main" val="1818248240"/>
+                  </a:ext>
+                </a:extLst>
+              </a:tr>
+            </a:tbl>
+          </a:graphicData>
+        </a:graphic>
+      </p:graphicFrame>
+      <p:sp>
+        <p:nvSpPr>
+          <p:cNvPr id="19" name="TextBox 18"/>
+          <p:cNvSpPr txBox="1"/>
+          <p:nvPr/>
+        </p:nvSpPr>
+        <p:spPr>
+          <a:xfrm>
+            <a:off x="9403079" y="3121146"/>
+            <a:ext cx="4114799" cy="524503"/>
+          </a:xfrm>
+          <a:prstGeom prst="rect">
+            <a:avLst/>
+          </a:prstGeom>
+          <a:noFill/>
+        </p:spPr>
+        <p:txBody>
+          <a:bodyPr wrap="square" rtlCol="0">
+            <a:spAutoFit/>
+          </a:bodyPr>
+          <a:lstStyle/>
+          <a:p>
+            <a:r>
+              <a:rPr lang="ko-KR" altLang="en-US" b="1" dirty="0"/>
+              <a:t>처방</a:t>
+            </a:r>
+            <a:r>
+              <a:rPr lang="en-US" altLang="ko-KR" b="1" dirty="0"/>
+              <a:t>Table(</a:t>
+            </a:r>
+            <a:r>
+              <a:rPr lang="ko-KR" altLang="en-US" b="1" dirty="0"/>
+              <a:t>병원</a:t>
+            </a:r>
+            <a:r>
+              <a:rPr lang="en-US" altLang="ko-KR" b="1" dirty="0"/>
+              <a:t>, </a:t>
+            </a:r>
+            <a:r>
+              <a:rPr lang="ko-KR" altLang="en-US" b="1" dirty="0"/>
+              <a:t>약국</a:t>
+            </a:r>
+            <a:r>
+              <a:rPr lang="en-US" altLang="ko-KR" b="1" dirty="0"/>
+              <a:t>, </a:t>
+            </a:r>
+            <a:r>
+              <a:rPr lang="ko-KR" altLang="en-US" b="1" dirty="0"/>
+              <a:t>사용자가 공유</a:t>
+            </a:r>
+            <a:r>
+              <a:rPr lang="en-US" altLang="ko-KR" b="1" dirty="0"/>
+              <a:t>)</a:t>
+            </a:r>
+          </a:p>
+          <a:p>
+            <a:r>
+              <a:rPr lang="en-US" altLang="ko-KR" b="1" dirty="0"/>
+              <a:t>(MEDICAL_RECORD)</a:t>
+            </a:r>
+            <a:endParaRPr lang="ko-KR" altLang="en-US" b="1" dirty="0"/>
+          </a:p>
+        </p:txBody>
+      </p:sp>
+    </p:spTree>
+    <p:extLst>
+      <p:ext uri="{BB962C8B-B14F-4D97-AF65-F5344CB8AC3E}">
+        <p14:creationId xmlns:p14="http://schemas.microsoft.com/office/powerpoint/2010/main" val="1823990571"/>
+      </p:ext>
+    </p:extLst>
+  </p:cSld>
+  <p:clrMapOvr>
+    <a:masterClrMapping/>
+  </p:clrMapOvr>
+</p:sld>
+</file>
+
+<file path=ppt/slides/slide12.xml><?xml version="1.0" encoding="utf-8"?>
+<p:sld xmlns:a="http://schemas.openxmlformats.org/drawingml/2006/main" xmlns:r="http://schemas.openxmlformats.org/officeDocument/2006/relationships" xmlns:p="http://schemas.openxmlformats.org/presentationml/2006/main">
+  <p:cSld>
+    <p:spTree>
+      <p:nvGrpSpPr>
+        <p:cNvPr id="1" name=""/>
+        <p:cNvGrpSpPr/>
+        <p:nvPr/>
+      </p:nvGrpSpPr>
+      <p:grpSpPr>
+        <a:xfrm>
+          <a:off x="0" y="0"/>
+          <a:ext cx="0" cy="0"/>
+          <a:chOff x="0" y="0"/>
+          <a:chExt cx="0" cy="0"/>
+        </a:xfrm>
+      </p:grpSpPr>
+      <p:graphicFrame>
+        <p:nvGraphicFramePr>
+          <p:cNvPr id="23" name="표 22"/>
+          <p:cNvGraphicFramePr>
+            <a:graphicFrameLocks noGrp="1"/>
+          </p:cNvGraphicFramePr>
+          <p:nvPr>
+            <p:extLst>
+              <p:ext uri="{D42A27DB-BD31-4B8C-83A1-F6EECF244321}">
+                <p14:modId xmlns:p14="http://schemas.microsoft.com/office/powerpoint/2010/main" val="800877553"/>
+              </p:ext>
+            </p:extLst>
+          </p:nvPr>
+        </p:nvGraphicFramePr>
+        <p:xfrm>
+          <a:off x="140543" y="92140"/>
+          <a:ext cx="4333968" cy="2103850"/>
+        </p:xfrm>
+        <a:graphic>
+          <a:graphicData uri="http://schemas.openxmlformats.org/drawingml/2006/table">
+            <a:tbl>
+              <a:tblPr firstRow="1" bandRow="1">
+                <a:tableStyleId>{5A111915-BE36-4E01-A7E5-04B1672EAD32}</a:tableStyleId>
+              </a:tblPr>
+              <a:tblGrid>
+                <a:gridCol w="1656000">
+                  <a:extLst>
+                    <a:ext uri="{9D8B030D-6E8A-4147-A177-3AD203B41FA5}">
+                      <a16:colId xmlns:a16="http://schemas.microsoft.com/office/drawing/2014/main" val="20000"/>
+                    </a:ext>
+                  </a:extLst>
+                </a:gridCol>
+                <a:gridCol w="1129968">
+                  <a:extLst>
+                    <a:ext uri="{9D8B030D-6E8A-4147-A177-3AD203B41FA5}">
+                      <a16:colId xmlns:a16="http://schemas.microsoft.com/office/drawing/2014/main" val="20001"/>
+                    </a:ext>
+                  </a:extLst>
+                </a:gridCol>
+                <a:gridCol w="1548000">
+                  <a:extLst>
+                    <a:ext uri="{9D8B030D-6E8A-4147-A177-3AD203B41FA5}">
+                      <a16:colId xmlns:a16="http://schemas.microsoft.com/office/drawing/2014/main" val="278496055"/>
+                    </a:ext>
+                  </a:extLst>
+                </a:gridCol>
+              </a:tblGrid>
+              <a:tr h="300550">
+                <a:tc>
+                  <a:txBody>
+                    <a:bodyPr/>
+                    <a:lstStyle/>
+                    <a:p>
+                      <a:pPr latinLnBrk="1"/>
+                      <a:r>
+                        <a:rPr lang="ko-KR" altLang="en-US" dirty="0"/>
+                        <a:t>변수</a:t>
+                      </a:r>
+                    </a:p>
+                  </a:txBody>
+                  <a:tcPr/>
+                </a:tc>
+                <a:tc>
+                  <a:txBody>
+                    <a:bodyPr/>
+                    <a:lstStyle/>
+                    <a:p>
+                      <a:pPr latinLnBrk="1"/>
+                      <a:r>
+                        <a:rPr lang="ko-KR" altLang="en-US" dirty="0"/>
+                        <a:t>변수형</a:t>
+                      </a:r>
+                    </a:p>
+                  </a:txBody>
+                  <a:tcPr/>
+                </a:tc>
+                <a:tc>
+                  <a:txBody>
+                    <a:bodyPr/>
+                    <a:lstStyle/>
+                    <a:p>
+                      <a:pPr latinLnBrk="1"/>
+                      <a:r>
+                        <a:rPr lang="ko-KR" altLang="en-US" dirty="0"/>
+                        <a:t>기타사항</a:t>
+                      </a:r>
+                    </a:p>
+                  </a:txBody>
+                  <a:tcPr/>
+                </a:tc>
+                <a:extLst>
+                  <a:ext uri="{0D108BD9-81ED-4DB2-BD59-A6C34878D82A}">
+                    <a16:rowId xmlns:a16="http://schemas.microsoft.com/office/drawing/2014/main" val="10000"/>
+                  </a:ext>
+                </a:extLst>
+              </a:tr>
+              <a:tr h="300550">
+                <a:tc>
+                  <a:txBody>
+                    <a:bodyPr/>
+                    <a:lstStyle/>
+                    <a:p>
+                      <a:pPr latinLnBrk="1"/>
+                      <a:r>
+                        <a:rPr lang="en-US" altLang="ko-KR" dirty="0"/>
+                        <a:t>id</a:t>
+                      </a:r>
+                      <a:endParaRPr lang="ko-KR" altLang="en-US" dirty="0"/>
+                    </a:p>
+                  </a:txBody>
+                  <a:tcPr/>
+                </a:tc>
+                <a:tc>
+                  <a:txBody>
+                    <a:bodyPr/>
+                    <a:lstStyle/>
+                    <a:p>
+                      <a:pPr latinLnBrk="1"/>
+                      <a:r>
+                        <a:rPr lang="en-US" altLang="ko-KR" dirty="0"/>
+                        <a:t>char[20]</a:t>
+                      </a:r>
+                      <a:endParaRPr lang="ko-KR" altLang="en-US" dirty="0"/>
+                    </a:p>
+                  </a:txBody>
+                  <a:tcPr/>
+                </a:tc>
+                <a:tc>
+                  <a:txBody>
+                    <a:bodyPr/>
+                    <a:lstStyle/>
+                    <a:p>
+                      <a:pPr latinLnBrk="1"/>
+                      <a:r>
+                        <a:rPr lang="en-US" altLang="ko-KR" dirty="0"/>
+                        <a:t>PRIMARY</a:t>
+                      </a:r>
+                      <a:endParaRPr lang="ko-KR" altLang="en-US" dirty="0"/>
+                    </a:p>
+                  </a:txBody>
+                  <a:tcPr/>
+                </a:tc>
+                <a:extLst>
+                  <a:ext uri="{0D108BD9-81ED-4DB2-BD59-A6C34878D82A}">
+                    <a16:rowId xmlns:a16="http://schemas.microsoft.com/office/drawing/2014/main" val="10001"/>
+                  </a:ext>
+                </a:extLst>
+              </a:tr>
+              <a:tr h="300550">
+                <a:tc>
+                  <a:txBody>
+                    <a:bodyPr/>
+                    <a:lstStyle/>
+                    <a:p>
+                      <a:pPr latinLnBrk="1"/>
+                      <a:r>
+                        <a:rPr lang="en-US" altLang="ko-KR" dirty="0" err="1"/>
+                        <a:t>record_date</a:t>
+                      </a:r>
+                      <a:endParaRPr lang="ko-KR" altLang="en-US" dirty="0"/>
+                    </a:p>
+                  </a:txBody>
+                  <a:tcPr/>
+                </a:tc>
+                <a:tc>
+                  <a:txBody>
+                    <a:bodyPr/>
+                    <a:lstStyle/>
+                    <a:p>
+                      <a:pPr latinLnBrk="1"/>
+                      <a:r>
+                        <a:rPr lang="en-US" altLang="ko-KR" dirty="0" err="1"/>
+                        <a:t>int</a:t>
+                      </a:r>
+                      <a:r>
+                        <a:rPr lang="en-US" altLang="ko-KR" dirty="0"/>
+                        <a:t>/char</a:t>
+                      </a:r>
+                      <a:endParaRPr lang="ko-KR" altLang="en-US" dirty="0"/>
+                    </a:p>
+                  </a:txBody>
+                  <a:tcPr/>
+                </a:tc>
+                <a:tc>
+                  <a:txBody>
+                    <a:bodyPr/>
+                    <a:lstStyle/>
+                    <a:p>
+                      <a:pPr marL="0" marR="0" indent="0" algn="l" defTabSz="685800" rtl="0" eaLnBrk="1" fontAlgn="auto" latinLnBrk="1" hangingPunct="1">
+                        <a:lnSpc>
+                          <a:spcPct val="100000"/>
+                        </a:lnSpc>
+                        <a:spcBef>
+                          <a:spcPts val="0"/>
+                        </a:spcBef>
+                        <a:spcAft>
+                          <a:spcPts val="0"/>
+                        </a:spcAft>
+                        <a:buClrTx/>
+                        <a:buSzTx/>
+                        <a:buFontTx/>
+                        <a:buNone/>
+                        <a:tabLst/>
+                        <a:defRPr/>
+                      </a:pPr>
+                      <a:r>
+                        <a:rPr lang="en-US" altLang="ko-KR" dirty="0"/>
+                        <a:t>PRIMARY</a:t>
+                      </a:r>
+                      <a:endParaRPr lang="ko-KR" altLang="en-US" dirty="0"/>
+                    </a:p>
+                  </a:txBody>
+                  <a:tcPr/>
+                </a:tc>
+                <a:extLst>
+                  <a:ext uri="{0D108BD9-81ED-4DB2-BD59-A6C34878D82A}">
+                    <a16:rowId xmlns:a16="http://schemas.microsoft.com/office/drawing/2014/main" val="2384378507"/>
+                  </a:ext>
+                </a:extLst>
+              </a:tr>
+              <a:tr h="300550">
+                <a:tc>
+                  <a:txBody>
+                    <a:bodyPr/>
+                    <a:lstStyle/>
+                    <a:p>
+                      <a:pPr latinLnBrk="1"/>
+                      <a:r>
+                        <a:rPr lang="en-US" altLang="ko-KR" dirty="0" err="1"/>
+                        <a:t>hospital_code</a:t>
+                      </a:r>
+                      <a:endParaRPr lang="ko-KR" altLang="en-US" dirty="0"/>
+                    </a:p>
+                  </a:txBody>
+                  <a:tcPr/>
+                </a:tc>
+                <a:tc>
+                  <a:txBody>
+                    <a:bodyPr/>
+                    <a:lstStyle/>
+                    <a:p>
+                      <a:pPr latinLnBrk="1"/>
+                      <a:r>
+                        <a:rPr lang="en-US" altLang="ko-KR" dirty="0" err="1"/>
+                        <a:t>int</a:t>
+                      </a:r>
+                      <a:endParaRPr lang="ko-KR" altLang="en-US" dirty="0"/>
+                    </a:p>
+                  </a:txBody>
+                  <a:tcPr/>
+                </a:tc>
+                <a:tc>
+                  <a:txBody>
+                    <a:bodyPr/>
+                    <a:lstStyle/>
+                    <a:p>
+                      <a:pPr marL="0" marR="0" indent="0" algn="l" defTabSz="685800" rtl="0" eaLnBrk="1" fontAlgn="auto" latinLnBrk="1" hangingPunct="1">
+                        <a:lnSpc>
+                          <a:spcPct val="100000"/>
+                        </a:lnSpc>
+                        <a:spcBef>
+                          <a:spcPts val="0"/>
+                        </a:spcBef>
+                        <a:spcAft>
+                          <a:spcPts val="0"/>
+                        </a:spcAft>
+                        <a:buClrTx/>
+                        <a:buSzTx/>
+                        <a:buFontTx/>
+                        <a:buNone/>
+                        <a:tabLst/>
+                        <a:defRPr/>
+                      </a:pPr>
+                      <a:r>
+                        <a:rPr lang="en-US" altLang="ko-KR" dirty="0"/>
+                        <a:t>PRIMARY</a:t>
+                      </a:r>
+                      <a:endParaRPr lang="ko-KR" altLang="en-US" dirty="0"/>
+                    </a:p>
+                  </a:txBody>
+                  <a:tcPr/>
+                </a:tc>
+                <a:extLst>
+                  <a:ext uri="{0D108BD9-81ED-4DB2-BD59-A6C34878D82A}">
+                    <a16:rowId xmlns:a16="http://schemas.microsoft.com/office/drawing/2014/main" val="3533210726"/>
+                  </a:ext>
+                </a:extLst>
+              </a:tr>
+              <a:tr h="300550">
+                <a:tc>
+                  <a:txBody>
+                    <a:bodyPr/>
+                    <a:lstStyle/>
+                    <a:p>
+                      <a:pPr latinLnBrk="1"/>
+                      <a:r>
+                        <a:rPr lang="en-US" altLang="ko-KR" dirty="0" err="1"/>
+                        <a:t>disease_code</a:t>
+                      </a:r>
+                      <a:endParaRPr lang="ko-KR" altLang="en-US" dirty="0"/>
+                    </a:p>
+                  </a:txBody>
+                  <a:tcPr/>
+                </a:tc>
+                <a:tc>
+                  <a:txBody>
+                    <a:bodyPr/>
+                    <a:lstStyle/>
+                    <a:p>
+                      <a:pPr latinLnBrk="1"/>
+                      <a:r>
+                        <a:rPr lang="en-US" altLang="ko-KR" dirty="0"/>
+                        <a:t>char[5]</a:t>
+                      </a:r>
+                      <a:endParaRPr lang="ko-KR" altLang="en-US" dirty="0"/>
+                    </a:p>
+                  </a:txBody>
+                  <a:tcPr/>
+                </a:tc>
+                <a:tc>
+                  <a:txBody>
+                    <a:bodyPr/>
+                    <a:lstStyle/>
+                    <a:p>
+                      <a:pPr marL="0" marR="0" indent="0" algn="l" defTabSz="685800" rtl="0" eaLnBrk="1" fontAlgn="auto" latinLnBrk="1" hangingPunct="1">
+                        <a:lnSpc>
+                          <a:spcPct val="100000"/>
+                        </a:lnSpc>
+                        <a:spcBef>
+                          <a:spcPts val="0"/>
+                        </a:spcBef>
+                        <a:spcAft>
+                          <a:spcPts val="0"/>
+                        </a:spcAft>
+                        <a:buClrTx/>
+                        <a:buSzTx/>
+                        <a:buFontTx/>
+                        <a:buNone/>
+                        <a:tabLst/>
+                        <a:defRPr/>
+                      </a:pPr>
+                      <a:endParaRPr lang="ko-KR" altLang="en-US" dirty="0"/>
+                    </a:p>
+                  </a:txBody>
+                  <a:tcPr/>
+                </a:tc>
+                <a:extLst>
+                  <a:ext uri="{0D108BD9-81ED-4DB2-BD59-A6C34878D82A}">
+                    <a16:rowId xmlns:a16="http://schemas.microsoft.com/office/drawing/2014/main" val="1030267181"/>
+                  </a:ext>
+                </a:extLst>
+              </a:tr>
+              <a:tr h="300550">
+                <a:tc>
+                  <a:txBody>
+                    <a:bodyPr/>
+                    <a:lstStyle/>
+                    <a:p>
+                      <a:pPr latinLnBrk="1"/>
+                      <a:r>
+                        <a:rPr lang="en-US" altLang="ko-KR" dirty="0" err="1"/>
+                        <a:t>disease_name</a:t>
+                      </a:r>
+                      <a:endParaRPr lang="ko-KR" altLang="en-US" dirty="0"/>
+                    </a:p>
+                  </a:txBody>
+                  <a:tcPr/>
+                </a:tc>
+                <a:tc>
+                  <a:txBody>
+                    <a:bodyPr/>
+                    <a:lstStyle/>
+                    <a:p>
+                      <a:pPr latinLnBrk="1"/>
+                      <a:r>
+                        <a:rPr lang="en-US" altLang="ko-KR" dirty="0"/>
+                        <a:t>char[40]</a:t>
+                      </a:r>
+                      <a:endParaRPr lang="ko-KR" altLang="en-US" dirty="0"/>
+                    </a:p>
+                  </a:txBody>
+                  <a:tcPr/>
+                </a:tc>
+                <a:tc>
+                  <a:txBody>
+                    <a:bodyPr/>
+                    <a:lstStyle/>
+                    <a:p>
+                      <a:pPr latinLnBrk="1"/>
+                      <a:endParaRPr lang="ko-KR" altLang="en-US" dirty="0"/>
+                    </a:p>
+                  </a:txBody>
+                  <a:tcPr/>
+                </a:tc>
+                <a:extLst>
+                  <a:ext uri="{0D108BD9-81ED-4DB2-BD59-A6C34878D82A}">
+                    <a16:rowId xmlns:a16="http://schemas.microsoft.com/office/drawing/2014/main" val="2343490922"/>
+                  </a:ext>
+                </a:extLst>
+              </a:tr>
+              <a:tr h="300550">
+                <a:tc>
+                  <a:txBody>
+                    <a:bodyPr/>
+                    <a:lstStyle/>
+                    <a:p>
+                      <a:pPr latinLnBrk="1"/>
+                      <a:r>
+                        <a:rPr lang="en-US" altLang="ko-KR" dirty="0" err="1"/>
+                        <a:t>treat_code</a:t>
+                      </a:r>
+                      <a:endParaRPr lang="ko-KR" altLang="en-US" dirty="0"/>
+                    </a:p>
+                  </a:txBody>
+                  <a:tcPr/>
+                </a:tc>
+                <a:tc>
+                  <a:txBody>
+                    <a:bodyPr/>
+                    <a:lstStyle/>
+                    <a:p>
+                      <a:r>
+                        <a:rPr lang="en-US" altLang="ko-KR" dirty="0" err="1"/>
+                        <a:t>int</a:t>
+                      </a:r>
+                      <a:endParaRPr lang="ko-KR" altLang="en-US" dirty="0"/>
+                    </a:p>
+                  </a:txBody>
+                  <a:tcPr/>
+                </a:tc>
+                <a:tc>
+                  <a:txBody>
+                    <a:bodyPr/>
+                    <a:lstStyle/>
+                    <a:p>
+                      <a:r>
+                        <a:rPr lang="ko-KR" altLang="en-US" dirty="0" err="1"/>
+                        <a:t>진료코드</a:t>
+                      </a:r>
+                      <a:r>
+                        <a:rPr lang="en-US" altLang="ko-KR" dirty="0"/>
+                        <a:t>(</a:t>
+                      </a:r>
+                      <a:r>
+                        <a:rPr lang="ko-KR" altLang="en-US" dirty="0"/>
+                        <a:t>고유</a:t>
+                      </a:r>
+                      <a:r>
+                        <a:rPr lang="en-US" altLang="ko-KR" dirty="0"/>
+                        <a:t>)</a:t>
+                      </a:r>
+                      <a:endParaRPr lang="ko-KR" altLang="en-US" dirty="0"/>
+                    </a:p>
+                  </a:txBody>
+                  <a:tcPr/>
+                </a:tc>
+                <a:extLst>
+                  <a:ext uri="{0D108BD9-81ED-4DB2-BD59-A6C34878D82A}">
+                    <a16:rowId xmlns:a16="http://schemas.microsoft.com/office/drawing/2014/main" val="3833322220"/>
+                  </a:ext>
+                </a:extLst>
+              </a:tr>
+            </a:tbl>
+          </a:graphicData>
+        </a:graphic>
+      </p:graphicFrame>
+      <p:sp>
+        <p:nvSpPr>
+          <p:cNvPr id="24" name="TextBox 23"/>
+          <p:cNvSpPr txBox="1"/>
+          <p:nvPr/>
+        </p:nvSpPr>
+        <p:spPr>
+          <a:xfrm>
+            <a:off x="-148045" y="-524502"/>
+            <a:ext cx="4114799" cy="524503"/>
+          </a:xfrm>
+          <a:prstGeom prst="rect">
+            <a:avLst/>
+          </a:prstGeom>
+          <a:noFill/>
+        </p:spPr>
+        <p:txBody>
+          <a:bodyPr wrap="square" rtlCol="0">
+            <a:spAutoFit/>
+          </a:bodyPr>
+          <a:lstStyle/>
+          <a:p>
+            <a:r>
+              <a:rPr lang="ko-KR" altLang="en-US" b="1" dirty="0"/>
+              <a:t>진료기록</a:t>
+            </a:r>
+            <a:r>
+              <a:rPr lang="en-US" altLang="ko-KR" b="1" dirty="0"/>
+              <a:t>Table(</a:t>
+            </a:r>
+            <a:r>
+              <a:rPr lang="ko-KR" altLang="en-US" b="1" dirty="0"/>
+              <a:t>병원</a:t>
+            </a:r>
+            <a:r>
+              <a:rPr lang="en-US" altLang="ko-KR" b="1" dirty="0"/>
+              <a:t>, </a:t>
+            </a:r>
+            <a:r>
+              <a:rPr lang="ko-KR" altLang="en-US" b="1" dirty="0"/>
+              <a:t>약국</a:t>
+            </a:r>
+            <a:r>
+              <a:rPr lang="en-US" altLang="ko-KR" b="1" dirty="0"/>
+              <a:t>, </a:t>
+            </a:r>
+            <a:r>
+              <a:rPr lang="ko-KR" altLang="en-US" b="1" dirty="0"/>
+              <a:t>사용자가 공유</a:t>
+            </a:r>
+            <a:r>
+              <a:rPr lang="en-US" altLang="ko-KR" b="1" dirty="0"/>
+              <a:t>)</a:t>
+            </a:r>
+          </a:p>
+          <a:p>
+            <a:r>
+              <a:rPr lang="en-US" altLang="ko-KR" b="1" dirty="0"/>
+              <a:t>(TREAT_RECORD)</a:t>
+            </a:r>
+            <a:endParaRPr lang="ko-KR" altLang="en-US" b="1" dirty="0"/>
+          </a:p>
+        </p:txBody>
+      </p:sp>
+      <p:graphicFrame>
+        <p:nvGraphicFramePr>
+          <p:cNvPr id="18" name="표 17"/>
+          <p:cNvGraphicFramePr>
+            <a:graphicFrameLocks noGrp="1"/>
+          </p:cNvGraphicFramePr>
+          <p:nvPr>
+            <p:extLst>
+              <p:ext uri="{D42A27DB-BD31-4B8C-83A1-F6EECF244321}">
+                <p14:modId xmlns:p14="http://schemas.microsoft.com/office/powerpoint/2010/main" val="2662333084"/>
+              </p:ext>
+            </p:extLst>
+          </p:nvPr>
+        </p:nvGraphicFramePr>
+        <p:xfrm>
+          <a:off x="4660535" y="92140"/>
+          <a:ext cx="4333968" cy="2911020"/>
+        </p:xfrm>
+        <a:graphic>
+          <a:graphicData uri="http://schemas.openxmlformats.org/drawingml/2006/table">
+            <a:tbl>
+              <a:tblPr firstRow="1" bandRow="1">
+                <a:tableStyleId>{5A111915-BE36-4E01-A7E5-04B1672EAD32}</a:tableStyleId>
+              </a:tblPr>
+              <a:tblGrid>
+                <a:gridCol w="1656000">
+                  <a:extLst>
+                    <a:ext uri="{9D8B030D-6E8A-4147-A177-3AD203B41FA5}">
+                      <a16:colId xmlns:a16="http://schemas.microsoft.com/office/drawing/2014/main" val="20000"/>
+                    </a:ext>
+                  </a:extLst>
+                </a:gridCol>
+                <a:gridCol w="1129968">
+                  <a:extLst>
+                    <a:ext uri="{9D8B030D-6E8A-4147-A177-3AD203B41FA5}">
+                      <a16:colId xmlns:a16="http://schemas.microsoft.com/office/drawing/2014/main" val="20001"/>
+                    </a:ext>
+                  </a:extLst>
+                </a:gridCol>
+                <a:gridCol w="1548000">
+                  <a:extLst>
+                    <a:ext uri="{9D8B030D-6E8A-4147-A177-3AD203B41FA5}">
+                      <a16:colId xmlns:a16="http://schemas.microsoft.com/office/drawing/2014/main" val="278496055"/>
+                    </a:ext>
+                  </a:extLst>
+                </a:gridCol>
+              </a:tblGrid>
+              <a:tr h="300550">
+                <a:tc>
+                  <a:txBody>
+                    <a:bodyPr/>
+                    <a:lstStyle/>
+                    <a:p>
+                      <a:pPr latinLnBrk="1"/>
+                      <a:r>
+                        <a:rPr lang="ko-KR" altLang="en-US" dirty="0"/>
+                        <a:t>변수</a:t>
+                      </a:r>
+                    </a:p>
+                  </a:txBody>
+                  <a:tcPr/>
+                </a:tc>
+                <a:tc>
+                  <a:txBody>
+                    <a:bodyPr/>
+                    <a:lstStyle/>
+                    <a:p>
+                      <a:pPr latinLnBrk="1"/>
+                      <a:r>
+                        <a:rPr lang="ko-KR" altLang="en-US" dirty="0"/>
+                        <a:t>변수형</a:t>
+                      </a:r>
+                    </a:p>
+                  </a:txBody>
+                  <a:tcPr/>
+                </a:tc>
+                <a:tc>
+                  <a:txBody>
+                    <a:bodyPr/>
+                    <a:lstStyle/>
+                    <a:p>
+                      <a:pPr latinLnBrk="1"/>
+                      <a:r>
+                        <a:rPr lang="ko-KR" altLang="en-US" dirty="0"/>
+                        <a:t>기타사항</a:t>
+                      </a:r>
+                    </a:p>
+                  </a:txBody>
+                  <a:tcPr/>
+                </a:tc>
+                <a:extLst>
+                  <a:ext uri="{0D108BD9-81ED-4DB2-BD59-A6C34878D82A}">
+                    <a16:rowId xmlns:a16="http://schemas.microsoft.com/office/drawing/2014/main" val="10000"/>
+                  </a:ext>
+                </a:extLst>
+              </a:tr>
+              <a:tr h="300550">
+                <a:tc>
+                  <a:txBody>
+                    <a:bodyPr/>
+                    <a:lstStyle/>
+                    <a:p>
+                      <a:pPr latinLnBrk="1"/>
+                      <a:r>
+                        <a:rPr lang="en-US" altLang="ko-KR" dirty="0"/>
+                        <a:t>id</a:t>
+                      </a:r>
+                      <a:endParaRPr lang="ko-KR" altLang="en-US" dirty="0"/>
+                    </a:p>
+                  </a:txBody>
+                  <a:tcPr/>
+                </a:tc>
+                <a:tc>
+                  <a:txBody>
+                    <a:bodyPr/>
+                    <a:lstStyle/>
+                    <a:p>
+                      <a:pPr latinLnBrk="1"/>
+                      <a:r>
+                        <a:rPr lang="en-US" altLang="ko-KR" dirty="0"/>
+                        <a:t>char[20]</a:t>
+                      </a:r>
+                      <a:endParaRPr lang="ko-KR" altLang="en-US" dirty="0"/>
+                    </a:p>
+                  </a:txBody>
+                  <a:tcPr/>
+                </a:tc>
+                <a:tc>
+                  <a:txBody>
+                    <a:bodyPr/>
+                    <a:lstStyle/>
+                    <a:p>
+                      <a:pPr latinLnBrk="1"/>
+                      <a:r>
+                        <a:rPr lang="en-US" altLang="ko-KR" dirty="0"/>
+                        <a:t>PRIMARY</a:t>
+                      </a:r>
+                      <a:endParaRPr lang="ko-KR" altLang="en-US" dirty="0"/>
+                    </a:p>
+                  </a:txBody>
+                  <a:tcPr/>
+                </a:tc>
+                <a:extLst>
+                  <a:ext uri="{0D108BD9-81ED-4DB2-BD59-A6C34878D82A}">
+                    <a16:rowId xmlns:a16="http://schemas.microsoft.com/office/drawing/2014/main" val="10001"/>
+                  </a:ext>
+                </a:extLst>
+              </a:tr>
+              <a:tr h="300550">
+                <a:tc>
+                  <a:txBody>
+                    <a:bodyPr/>
+                    <a:lstStyle/>
+                    <a:p>
+                      <a:pPr latinLnBrk="1"/>
+                      <a:r>
+                        <a:rPr lang="en-US" altLang="ko-KR" dirty="0" err="1"/>
+                        <a:t>treat_code</a:t>
+                      </a:r>
+                      <a:endParaRPr lang="ko-KR" altLang="en-US" dirty="0"/>
+                    </a:p>
+                  </a:txBody>
+                  <a:tcPr/>
+                </a:tc>
+                <a:tc>
+                  <a:txBody>
+                    <a:bodyPr/>
+                    <a:lstStyle/>
+                    <a:p>
+                      <a:pPr latinLnBrk="1"/>
+                      <a:r>
+                        <a:rPr lang="en-US" altLang="ko-KR" dirty="0" err="1"/>
+                        <a:t>Int</a:t>
+                      </a:r>
+                      <a:endParaRPr lang="ko-KR" altLang="en-US" dirty="0"/>
+                    </a:p>
+                  </a:txBody>
+                  <a:tcPr/>
+                </a:tc>
+                <a:tc>
+                  <a:txBody>
+                    <a:bodyPr/>
+                    <a:lstStyle/>
+                    <a:p>
+                      <a:pPr latinLnBrk="1"/>
+                      <a:r>
+                        <a:rPr lang="en-US" altLang="ko-KR" dirty="0"/>
+                        <a:t>PRIMARY</a:t>
+                      </a:r>
+                      <a:endParaRPr lang="ko-KR" altLang="en-US" dirty="0"/>
+                    </a:p>
+                  </a:txBody>
+                  <a:tcPr/>
+                </a:tc>
+                <a:extLst>
+                  <a:ext uri="{0D108BD9-81ED-4DB2-BD59-A6C34878D82A}">
+                    <a16:rowId xmlns:a16="http://schemas.microsoft.com/office/drawing/2014/main" val="3957870662"/>
+                  </a:ext>
+                </a:extLst>
+              </a:tr>
+              <a:tr h="300550">
+                <a:tc>
+                  <a:txBody>
+                    <a:bodyPr/>
+                    <a:lstStyle/>
+                    <a:p>
+                      <a:pPr latinLnBrk="1"/>
+                      <a:r>
+                        <a:rPr lang="en-US" altLang="ko-KR" dirty="0" err="1"/>
+                        <a:t>valid_date</a:t>
+                      </a:r>
+                      <a:endParaRPr lang="ko-KR" altLang="en-US" dirty="0"/>
+                    </a:p>
+                  </a:txBody>
+                  <a:tcPr/>
+                </a:tc>
+                <a:tc>
+                  <a:txBody>
+                    <a:bodyPr/>
+                    <a:lstStyle/>
+                    <a:p>
+                      <a:r>
+                        <a:rPr lang="en-US" altLang="ko-KR" dirty="0" err="1"/>
+                        <a:t>int</a:t>
+                      </a:r>
+                      <a:endParaRPr lang="ko-KR" altLang="en-US" dirty="0"/>
+                    </a:p>
+                  </a:txBody>
+                  <a:tcPr/>
+                </a:tc>
+                <a:tc>
+                  <a:txBody>
+                    <a:bodyPr/>
+                    <a:lstStyle/>
+                    <a:p>
+                      <a:endParaRPr lang="ko-KR" altLang="en-US" dirty="0"/>
+                    </a:p>
+                  </a:txBody>
+                  <a:tcPr/>
+                </a:tc>
+                <a:extLst>
+                  <a:ext uri="{0D108BD9-81ED-4DB2-BD59-A6C34878D82A}">
+                    <a16:rowId xmlns:a16="http://schemas.microsoft.com/office/drawing/2014/main" val="3833322220"/>
+                  </a:ext>
+                </a:extLst>
+              </a:tr>
+              <a:tr h="468000">
+                <a:tc>
+                  <a:txBody>
+                    <a:bodyPr/>
+                    <a:lstStyle/>
+                    <a:p>
+                      <a:pPr latinLnBrk="1"/>
+                      <a:r>
+                        <a:rPr lang="en-US" altLang="ko-KR" dirty="0" err="1"/>
+                        <a:t>is_used</a:t>
+                      </a:r>
+                      <a:endParaRPr lang="ko-KR" altLang="en-US" dirty="0"/>
+                    </a:p>
+                  </a:txBody>
+                  <a:tcPr/>
+                </a:tc>
+                <a:tc>
+                  <a:txBody>
+                    <a:bodyPr/>
+                    <a:lstStyle/>
+                    <a:p>
+                      <a:pPr latinLnBrk="1"/>
+                      <a:r>
+                        <a:rPr lang="en-US" altLang="ko-KR" dirty="0"/>
+                        <a:t>bool</a:t>
+                      </a:r>
+                      <a:endParaRPr lang="ko-KR" altLang="en-US" dirty="0"/>
+                    </a:p>
+                  </a:txBody>
+                  <a:tcPr/>
+                </a:tc>
+                <a:tc>
+                  <a:txBody>
+                    <a:bodyPr/>
+                    <a:lstStyle/>
+                    <a:p>
+                      <a:pPr latinLnBrk="1"/>
+                      <a:r>
+                        <a:rPr lang="en-US" altLang="ko-KR" dirty="0"/>
+                        <a:t>1 : </a:t>
+                      </a:r>
+                      <a:r>
+                        <a:rPr lang="ko-KR" altLang="en-US" dirty="0"/>
+                        <a:t>사용</a:t>
+                      </a:r>
+                      <a:r>
+                        <a:rPr lang="en-US" altLang="ko-KR" dirty="0"/>
+                        <a:t>, 0 : </a:t>
+                      </a:r>
+                      <a:r>
+                        <a:rPr lang="ko-KR" altLang="en-US" dirty="0"/>
+                        <a:t>미사용</a:t>
+                      </a:r>
+                      <a:endParaRPr lang="en-US" altLang="ko-KR" dirty="0"/>
+                    </a:p>
+                    <a:p>
+                      <a:pPr latinLnBrk="1"/>
+                      <a:r>
+                        <a:rPr lang="en-US" altLang="ko-KR" dirty="0"/>
+                        <a:t>default : 0</a:t>
+                      </a:r>
+                      <a:endParaRPr lang="ko-KR" altLang="en-US" dirty="0"/>
+                    </a:p>
+                  </a:txBody>
+                  <a:tcPr/>
+                </a:tc>
+                <a:extLst>
+                  <a:ext uri="{0D108BD9-81ED-4DB2-BD59-A6C34878D82A}">
+                    <a16:rowId xmlns:a16="http://schemas.microsoft.com/office/drawing/2014/main" val="1094492362"/>
+                  </a:ext>
+                </a:extLst>
+              </a:tr>
+              <a:tr h="300550">
+                <a:tc>
+                  <a:txBody>
+                    <a:bodyPr/>
+                    <a:lstStyle/>
+                    <a:p>
+                      <a:pPr latinLnBrk="1"/>
+                      <a:r>
+                        <a:rPr lang="en-US" altLang="ko-KR" dirty="0" err="1"/>
+                        <a:t>medicine_name</a:t>
+                      </a:r>
+                      <a:endParaRPr lang="ko-KR" altLang="en-US" dirty="0"/>
+                    </a:p>
+                  </a:txBody>
+                  <a:tcPr>
+                    <a:noFill/>
+                  </a:tcPr>
+                </a:tc>
+                <a:tc>
+                  <a:txBody>
+                    <a:bodyPr/>
+                    <a:lstStyle/>
+                    <a:p>
+                      <a:pPr latinLnBrk="1"/>
+                      <a:r>
+                        <a:rPr lang="en-US" altLang="ko-KR" dirty="0"/>
+                        <a:t>char[20]</a:t>
+                      </a:r>
+                      <a:endParaRPr lang="ko-KR" altLang="en-US" dirty="0"/>
+                    </a:p>
+                  </a:txBody>
+                  <a:tcPr>
+                    <a:noFill/>
+                  </a:tcPr>
+                </a:tc>
+                <a:tc>
+                  <a:txBody>
+                    <a:bodyPr/>
+                    <a:lstStyle/>
+                    <a:p>
+                      <a:pPr latinLnBrk="1"/>
+                      <a:endParaRPr lang="ko-KR" altLang="en-US" dirty="0"/>
+                    </a:p>
+                  </a:txBody>
+                  <a:tcPr>
+                    <a:noFill/>
+                  </a:tcPr>
+                </a:tc>
+                <a:extLst>
+                  <a:ext uri="{0D108BD9-81ED-4DB2-BD59-A6C34878D82A}">
+                    <a16:rowId xmlns:a16="http://schemas.microsoft.com/office/drawing/2014/main" val="10002"/>
+                  </a:ext>
+                </a:extLst>
+              </a:tr>
+              <a:tr h="302400">
+                <a:tc>
+                  <a:txBody>
+                    <a:bodyPr/>
+                    <a:lstStyle/>
+                    <a:p>
+                      <a:pPr latinLnBrk="1"/>
+                      <a:r>
+                        <a:rPr lang="en-US" altLang="ko-KR" dirty="0" err="1"/>
+                        <a:t>medicine_once_num</a:t>
+                      </a:r>
+                      <a:endParaRPr lang="ko-KR" altLang="en-US" dirty="0"/>
+                    </a:p>
+                  </a:txBody>
+                  <a:tcPr>
+                    <a:noFill/>
+                  </a:tcPr>
+                </a:tc>
+                <a:tc>
+                  <a:txBody>
+                    <a:bodyPr/>
+                    <a:lstStyle/>
+                    <a:p>
+                      <a:pPr latinLnBrk="1"/>
+                      <a:r>
+                        <a:rPr lang="en-US" altLang="ko-KR" dirty="0"/>
+                        <a:t>float</a:t>
+                      </a:r>
+                      <a:endParaRPr lang="ko-KR" altLang="en-US" dirty="0"/>
+                    </a:p>
+                  </a:txBody>
+                  <a:tcPr>
+                    <a:noFill/>
+                  </a:tcPr>
+                </a:tc>
+                <a:tc>
+                  <a:txBody>
+                    <a:bodyPr/>
+                    <a:lstStyle/>
+                    <a:p>
+                      <a:pPr latinLnBrk="1"/>
+                      <a:endParaRPr lang="ko-KR" altLang="en-US" dirty="0"/>
+                    </a:p>
+                  </a:txBody>
+                  <a:tcPr>
+                    <a:noFill/>
+                  </a:tcPr>
+                </a:tc>
+                <a:extLst>
+                  <a:ext uri="{0D108BD9-81ED-4DB2-BD59-A6C34878D82A}">
+                    <a16:rowId xmlns:a16="http://schemas.microsoft.com/office/drawing/2014/main" val="1597327588"/>
+                  </a:ext>
+                </a:extLst>
+              </a:tr>
+              <a:tr h="302400">
+                <a:tc>
+                  <a:txBody>
+                    <a:bodyPr/>
+                    <a:lstStyle/>
+                    <a:p>
+                      <a:pPr latinLnBrk="1"/>
+                      <a:r>
+                        <a:rPr lang="en-US" altLang="ko-KR" dirty="0" err="1"/>
+                        <a:t>medicine_day_num</a:t>
+                      </a:r>
+                      <a:endParaRPr lang="ko-KR" altLang="en-US" dirty="0"/>
+                    </a:p>
+                  </a:txBody>
+                  <a:tcPr>
+                    <a:noFill/>
+                  </a:tcPr>
+                </a:tc>
+                <a:tc>
+                  <a:txBody>
+                    <a:bodyPr/>
+                    <a:lstStyle/>
+                    <a:p>
+                      <a:pPr latinLnBrk="1"/>
+                      <a:r>
+                        <a:rPr lang="en-US" altLang="ko-KR" dirty="0" err="1"/>
+                        <a:t>int</a:t>
+                      </a:r>
+                      <a:endParaRPr lang="ko-KR" altLang="en-US" dirty="0"/>
+                    </a:p>
+                  </a:txBody>
+                  <a:tcPr>
+                    <a:noFill/>
+                  </a:tcPr>
+                </a:tc>
+                <a:tc>
+                  <a:txBody>
+                    <a:bodyPr/>
+                    <a:lstStyle/>
+                    <a:p>
+                      <a:pPr latinLnBrk="1"/>
+                      <a:endParaRPr lang="ko-KR" altLang="en-US" dirty="0"/>
+                    </a:p>
+                  </a:txBody>
+                  <a:tcPr>
+                    <a:noFill/>
+                  </a:tcPr>
+                </a:tc>
+                <a:extLst>
+                  <a:ext uri="{0D108BD9-81ED-4DB2-BD59-A6C34878D82A}">
+                    <a16:rowId xmlns:a16="http://schemas.microsoft.com/office/drawing/2014/main" val="3825007831"/>
+                  </a:ext>
+                </a:extLst>
+              </a:tr>
+              <a:tr h="300550">
+                <a:tc>
+                  <a:txBody>
+                    <a:bodyPr/>
+                    <a:lstStyle/>
+                    <a:p>
+                      <a:pPr latinLnBrk="1"/>
+                      <a:r>
+                        <a:rPr lang="en-US" altLang="ko-KR" dirty="0"/>
+                        <a:t>notice</a:t>
+                      </a:r>
+                      <a:endParaRPr lang="ko-KR" altLang="en-US" dirty="0"/>
+                    </a:p>
+                  </a:txBody>
+                  <a:tcPr>
+                    <a:noFill/>
+                  </a:tcPr>
+                </a:tc>
+                <a:tc>
+                  <a:txBody>
+                    <a:bodyPr/>
+                    <a:lstStyle/>
+                    <a:p>
+                      <a:pPr latinLnBrk="1"/>
+                      <a:r>
+                        <a:rPr lang="en-US" altLang="ko-KR" dirty="0"/>
+                        <a:t>char[100]</a:t>
+                      </a:r>
+                      <a:endParaRPr lang="ko-KR" altLang="en-US" dirty="0"/>
+                    </a:p>
+                  </a:txBody>
+                  <a:tcPr>
+                    <a:noFill/>
+                  </a:tcPr>
+                </a:tc>
+                <a:tc>
+                  <a:txBody>
+                    <a:bodyPr/>
+                    <a:lstStyle/>
+                    <a:p>
+                      <a:pPr latinLnBrk="1"/>
+                      <a:endParaRPr lang="ko-KR" altLang="en-US" dirty="0"/>
+                    </a:p>
+                  </a:txBody>
+                  <a:tcPr>
+                    <a:noFill/>
+                  </a:tcPr>
+                </a:tc>
+                <a:extLst>
+                  <a:ext uri="{0D108BD9-81ED-4DB2-BD59-A6C34878D82A}">
+                    <a16:rowId xmlns:a16="http://schemas.microsoft.com/office/drawing/2014/main" val="1818248240"/>
+                  </a:ext>
+                </a:extLst>
+              </a:tr>
+            </a:tbl>
+          </a:graphicData>
+        </a:graphic>
+      </p:graphicFrame>
+      <p:sp>
+        <p:nvSpPr>
+          <p:cNvPr id="19" name="TextBox 18"/>
+          <p:cNvSpPr txBox="1"/>
+          <p:nvPr/>
+        </p:nvSpPr>
+        <p:spPr>
+          <a:xfrm>
+            <a:off x="4770119" y="-524503"/>
+            <a:ext cx="4114799" cy="524503"/>
+          </a:xfrm>
+          <a:prstGeom prst="rect">
+            <a:avLst/>
+          </a:prstGeom>
+          <a:noFill/>
+        </p:spPr>
+        <p:txBody>
+          <a:bodyPr wrap="square" rtlCol="0">
+            <a:spAutoFit/>
+          </a:bodyPr>
+          <a:lstStyle/>
+          <a:p>
+            <a:r>
+              <a:rPr lang="ko-KR" altLang="en-US" b="1" dirty="0"/>
+              <a:t>처방</a:t>
+            </a:r>
+            <a:r>
+              <a:rPr lang="en-US" altLang="ko-KR" b="1" dirty="0"/>
+              <a:t>Table(</a:t>
+            </a:r>
+            <a:r>
+              <a:rPr lang="ko-KR" altLang="en-US" b="1" dirty="0"/>
+              <a:t>병원</a:t>
+            </a:r>
+            <a:r>
+              <a:rPr lang="en-US" altLang="ko-KR" b="1" dirty="0"/>
+              <a:t>, </a:t>
+            </a:r>
+            <a:r>
+              <a:rPr lang="ko-KR" altLang="en-US" b="1" dirty="0"/>
+              <a:t>약국</a:t>
+            </a:r>
+            <a:r>
+              <a:rPr lang="en-US" altLang="ko-KR" b="1" dirty="0"/>
+              <a:t>, </a:t>
+            </a:r>
+            <a:r>
+              <a:rPr lang="ko-KR" altLang="en-US" b="1" dirty="0"/>
+              <a:t>사용자가 공유</a:t>
+            </a:r>
+            <a:r>
+              <a:rPr lang="en-US" altLang="ko-KR" b="1" dirty="0"/>
+              <a:t>)</a:t>
+            </a:r>
+          </a:p>
+          <a:p>
+            <a:r>
+              <a:rPr lang="en-US" altLang="ko-KR" b="1" dirty="0"/>
+              <a:t>(MEDICAL_RECORD)</a:t>
+            </a:r>
+            <a:endParaRPr lang="ko-KR" altLang="en-US" b="1" dirty="0"/>
+          </a:p>
+        </p:txBody>
+      </p:sp>
+      <p:graphicFrame>
+        <p:nvGraphicFramePr>
+          <p:cNvPr id="2" name="표 1"/>
+          <p:cNvGraphicFramePr>
+            <a:graphicFrameLocks noGrp="1"/>
+          </p:cNvGraphicFramePr>
+          <p:nvPr>
+            <p:extLst>
+              <p:ext uri="{D42A27DB-BD31-4B8C-83A1-F6EECF244321}">
+                <p14:modId xmlns:p14="http://schemas.microsoft.com/office/powerpoint/2010/main" val="3594597142"/>
+              </p:ext>
+            </p:extLst>
+          </p:nvPr>
+        </p:nvGraphicFramePr>
+        <p:xfrm>
+          <a:off x="-3628568" y="3630210"/>
+          <a:ext cx="7660638" cy="1483360"/>
+        </p:xfrm>
+        <a:graphic>
+          <a:graphicData uri="http://schemas.openxmlformats.org/drawingml/2006/table">
+            <a:tbl>
+              <a:tblPr firstRow="1" bandRow="1">
+                <a:tableStyleId>{912C8C85-51F0-491E-9774-3900AFEF0FD7}</a:tableStyleId>
+              </a:tblPr>
+              <a:tblGrid>
+                <a:gridCol w="1276773">
+                  <a:extLst>
+                    <a:ext uri="{9D8B030D-6E8A-4147-A177-3AD203B41FA5}">
+                      <a16:colId xmlns:a16="http://schemas.microsoft.com/office/drawing/2014/main" val="1406940677"/>
+                    </a:ext>
+                  </a:extLst>
+                </a:gridCol>
+                <a:gridCol w="1276773">
+                  <a:extLst>
+                    <a:ext uri="{9D8B030D-6E8A-4147-A177-3AD203B41FA5}">
+                      <a16:colId xmlns:a16="http://schemas.microsoft.com/office/drawing/2014/main" val="3911312276"/>
+                    </a:ext>
+                  </a:extLst>
+                </a:gridCol>
+                <a:gridCol w="1276773">
+                  <a:extLst>
+                    <a:ext uri="{9D8B030D-6E8A-4147-A177-3AD203B41FA5}">
+                      <a16:colId xmlns:a16="http://schemas.microsoft.com/office/drawing/2014/main" val="1337584577"/>
+                    </a:ext>
+                  </a:extLst>
+                </a:gridCol>
+                <a:gridCol w="1276773">
+                  <a:extLst>
+                    <a:ext uri="{9D8B030D-6E8A-4147-A177-3AD203B41FA5}">
+                      <a16:colId xmlns:a16="http://schemas.microsoft.com/office/drawing/2014/main" val="339359899"/>
+                    </a:ext>
+                  </a:extLst>
+                </a:gridCol>
+                <a:gridCol w="1276773">
+                  <a:extLst>
+                    <a:ext uri="{9D8B030D-6E8A-4147-A177-3AD203B41FA5}">
+                      <a16:colId xmlns:a16="http://schemas.microsoft.com/office/drawing/2014/main" val="1916463831"/>
+                    </a:ext>
+                  </a:extLst>
+                </a:gridCol>
+                <a:gridCol w="1276773">
+                  <a:extLst>
+                    <a:ext uri="{9D8B030D-6E8A-4147-A177-3AD203B41FA5}">
+                      <a16:colId xmlns:a16="http://schemas.microsoft.com/office/drawing/2014/main" val="2479085949"/>
+                    </a:ext>
+                  </a:extLst>
+                </a:gridCol>
+              </a:tblGrid>
+              <a:tr h="370840">
+                <a:tc>
+                  <a:txBody>
+                    <a:bodyPr/>
+                    <a:lstStyle/>
+                    <a:p>
+                      <a:pPr latinLnBrk="1"/>
+                      <a:r>
+                        <a:rPr lang="en-US" altLang="ko-KR" dirty="0"/>
+                        <a:t>Id</a:t>
+                      </a:r>
+                      <a:endParaRPr lang="ko-KR" altLang="en-US" dirty="0"/>
+                    </a:p>
+                  </a:txBody>
+                  <a:tcPr/>
+                </a:tc>
+                <a:tc>
+                  <a:txBody>
+                    <a:bodyPr/>
+                    <a:lstStyle/>
+                    <a:p>
+                      <a:pPr latinLnBrk="1"/>
+                      <a:r>
+                        <a:rPr lang="en-US" altLang="ko-KR" dirty="0" err="1"/>
+                        <a:t>record_date</a:t>
+                      </a:r>
+                      <a:endParaRPr lang="ko-KR" altLang="en-US" dirty="0"/>
+                    </a:p>
+                  </a:txBody>
+                  <a:tcPr/>
+                </a:tc>
+                <a:tc>
+                  <a:txBody>
+                    <a:bodyPr/>
+                    <a:lstStyle/>
+                    <a:p>
+                      <a:pPr latinLnBrk="1"/>
+                      <a:r>
+                        <a:rPr lang="en-US" altLang="ko-KR" dirty="0" err="1"/>
+                        <a:t>hospital_code</a:t>
+                      </a:r>
+                      <a:endParaRPr lang="ko-KR" altLang="en-US" dirty="0"/>
+                    </a:p>
+                  </a:txBody>
+                  <a:tcPr/>
+                </a:tc>
+                <a:tc>
+                  <a:txBody>
+                    <a:bodyPr/>
+                    <a:lstStyle/>
+                    <a:p>
+                      <a:pPr latinLnBrk="1"/>
+                      <a:r>
+                        <a:rPr lang="en-US" altLang="ko-KR" dirty="0" err="1"/>
+                        <a:t>disease_code</a:t>
+                      </a:r>
+                      <a:endParaRPr lang="ko-KR" altLang="en-US" dirty="0"/>
+                    </a:p>
+                  </a:txBody>
+                  <a:tcPr/>
+                </a:tc>
+                <a:tc>
+                  <a:txBody>
+                    <a:bodyPr/>
+                    <a:lstStyle/>
+                    <a:p>
+                      <a:pPr latinLnBrk="1"/>
+                      <a:r>
+                        <a:rPr lang="en-US" altLang="ko-KR" dirty="0" err="1"/>
+                        <a:t>disease_name</a:t>
+                      </a:r>
+                      <a:endParaRPr lang="ko-KR" altLang="en-US" dirty="0"/>
+                    </a:p>
+                  </a:txBody>
+                  <a:tcPr/>
+                </a:tc>
+                <a:tc>
+                  <a:txBody>
+                    <a:bodyPr/>
+                    <a:lstStyle/>
+                    <a:p>
+                      <a:pPr latinLnBrk="1"/>
+                      <a:r>
+                        <a:rPr lang="en-US" altLang="ko-KR" dirty="0" err="1"/>
+                        <a:t>treat_code</a:t>
+                      </a:r>
+                      <a:endParaRPr lang="ko-KR" altLang="en-US" dirty="0"/>
+                    </a:p>
+                  </a:txBody>
+                  <a:tcPr/>
+                </a:tc>
+                <a:extLst>
+                  <a:ext uri="{0D108BD9-81ED-4DB2-BD59-A6C34878D82A}">
+                    <a16:rowId xmlns:a16="http://schemas.microsoft.com/office/drawing/2014/main" val="2125176699"/>
+                  </a:ext>
+                </a:extLst>
+              </a:tr>
+              <a:tr h="370840">
+                <a:tc>
+                  <a:txBody>
+                    <a:bodyPr/>
+                    <a:lstStyle/>
+                    <a:p>
+                      <a:pPr latinLnBrk="1"/>
+                      <a:r>
+                        <a:rPr lang="en-US" altLang="ko-KR" dirty="0"/>
+                        <a:t>11111</a:t>
+                      </a:r>
+                      <a:endParaRPr lang="ko-KR" altLang="en-US" dirty="0"/>
+                    </a:p>
+                  </a:txBody>
+                  <a:tcPr/>
+                </a:tc>
+                <a:tc>
+                  <a:txBody>
+                    <a:bodyPr/>
+                    <a:lstStyle/>
+                    <a:p>
+                      <a:pPr latinLnBrk="1"/>
+                      <a:r>
+                        <a:rPr lang="en-US" altLang="ko-KR" dirty="0"/>
+                        <a:t>16/04/01</a:t>
+                      </a:r>
+                      <a:endParaRPr lang="ko-KR" altLang="en-US" dirty="0"/>
+                    </a:p>
+                  </a:txBody>
+                  <a:tcPr/>
+                </a:tc>
+                <a:tc>
+                  <a:txBody>
+                    <a:bodyPr/>
+                    <a:lstStyle/>
+                    <a:p>
+                      <a:pPr latinLnBrk="1"/>
+                      <a:r>
+                        <a:rPr lang="en-US" altLang="ko-KR" dirty="0"/>
+                        <a:t>1212</a:t>
+                      </a:r>
+                      <a:endParaRPr lang="ko-KR" altLang="en-US" dirty="0"/>
+                    </a:p>
+                  </a:txBody>
+                  <a:tcPr/>
+                </a:tc>
+                <a:tc>
+                  <a:txBody>
+                    <a:bodyPr/>
+                    <a:lstStyle/>
+                    <a:p>
+                      <a:pPr latinLnBrk="1"/>
+                      <a:r>
+                        <a:rPr lang="en-US" altLang="ko-KR" dirty="0"/>
+                        <a:t>A10</a:t>
+                      </a:r>
+                      <a:endParaRPr lang="ko-KR" altLang="en-US" dirty="0"/>
+                    </a:p>
+                  </a:txBody>
+                  <a:tcPr/>
+                </a:tc>
+                <a:tc>
+                  <a:txBody>
+                    <a:bodyPr/>
+                    <a:lstStyle/>
+                    <a:p>
+                      <a:pPr latinLnBrk="1"/>
+                      <a:r>
+                        <a:rPr lang="ko-KR" altLang="en-US" dirty="0"/>
+                        <a:t>감기</a:t>
+                      </a:r>
+                    </a:p>
+                  </a:txBody>
+                  <a:tcPr/>
+                </a:tc>
+                <a:tc>
+                  <a:txBody>
+                    <a:bodyPr/>
+                    <a:lstStyle/>
+                    <a:p>
+                      <a:pPr latinLnBrk="1"/>
+                      <a:r>
+                        <a:rPr lang="en-US" altLang="ko-KR" dirty="0"/>
+                        <a:t>1</a:t>
+                      </a:r>
+                      <a:endParaRPr lang="ko-KR" altLang="en-US" dirty="0"/>
+                    </a:p>
+                  </a:txBody>
+                  <a:tcPr/>
+                </a:tc>
+                <a:extLst>
+                  <a:ext uri="{0D108BD9-81ED-4DB2-BD59-A6C34878D82A}">
+                    <a16:rowId xmlns:a16="http://schemas.microsoft.com/office/drawing/2014/main" val="1290105063"/>
+                  </a:ext>
+                </a:extLst>
+              </a:tr>
+              <a:tr h="370840">
+                <a:tc>
+                  <a:txBody>
+                    <a:bodyPr/>
+                    <a:lstStyle/>
+                    <a:p>
+                      <a:pPr latinLnBrk="1"/>
+                      <a:r>
+                        <a:rPr lang="en-US" altLang="ko-KR" dirty="0"/>
+                        <a:t>22222</a:t>
+                      </a:r>
+                      <a:endParaRPr lang="ko-KR" altLang="en-US" dirty="0"/>
+                    </a:p>
+                  </a:txBody>
+                  <a:tcPr/>
+                </a:tc>
+                <a:tc>
+                  <a:txBody>
+                    <a:bodyPr/>
+                    <a:lstStyle/>
+                    <a:p>
+                      <a:pPr latinLnBrk="1"/>
+                      <a:r>
+                        <a:rPr lang="en-US" altLang="ko-KR" dirty="0"/>
+                        <a:t>16/04/02</a:t>
+                      </a:r>
+                      <a:endParaRPr lang="ko-KR" altLang="en-US" dirty="0"/>
+                    </a:p>
+                  </a:txBody>
+                  <a:tcPr/>
+                </a:tc>
+                <a:tc>
+                  <a:txBody>
+                    <a:bodyPr/>
+                    <a:lstStyle/>
+                    <a:p>
+                      <a:pPr latinLnBrk="1"/>
+                      <a:r>
+                        <a:rPr lang="en-US" altLang="ko-KR" dirty="0"/>
+                        <a:t>1313</a:t>
+                      </a:r>
+                      <a:endParaRPr lang="ko-KR" altLang="en-US" dirty="0"/>
+                    </a:p>
+                  </a:txBody>
+                  <a:tcPr/>
+                </a:tc>
+                <a:tc>
+                  <a:txBody>
+                    <a:bodyPr/>
+                    <a:lstStyle/>
+                    <a:p>
+                      <a:pPr latinLnBrk="1"/>
+                      <a:r>
+                        <a:rPr lang="en-US" altLang="ko-KR" dirty="0"/>
+                        <a:t>A12</a:t>
+                      </a:r>
+                      <a:endParaRPr lang="ko-KR" altLang="en-US" dirty="0"/>
+                    </a:p>
+                  </a:txBody>
+                  <a:tcPr/>
+                </a:tc>
+                <a:tc>
+                  <a:txBody>
+                    <a:bodyPr/>
+                    <a:lstStyle/>
+                    <a:p>
+                      <a:pPr latinLnBrk="1"/>
+                      <a:r>
+                        <a:rPr lang="ko-KR" altLang="en-US" dirty="0"/>
+                        <a:t>장염</a:t>
+                      </a:r>
+                    </a:p>
+                  </a:txBody>
+                  <a:tcPr/>
+                </a:tc>
+                <a:tc>
+                  <a:txBody>
+                    <a:bodyPr/>
+                    <a:lstStyle/>
+                    <a:p>
+                      <a:pPr latinLnBrk="1"/>
+                      <a:r>
+                        <a:rPr lang="en-US" altLang="ko-KR" dirty="0"/>
+                        <a:t>2</a:t>
+                      </a:r>
+                      <a:endParaRPr lang="ko-KR" altLang="en-US" dirty="0"/>
+                    </a:p>
+                  </a:txBody>
+                  <a:tcPr/>
+                </a:tc>
+                <a:extLst>
+                  <a:ext uri="{0D108BD9-81ED-4DB2-BD59-A6C34878D82A}">
+                    <a16:rowId xmlns:a16="http://schemas.microsoft.com/office/drawing/2014/main" val="973990716"/>
+                  </a:ext>
+                </a:extLst>
+              </a:tr>
+              <a:tr h="370840">
+                <a:tc>
+                  <a:txBody>
+                    <a:bodyPr/>
+                    <a:lstStyle/>
+                    <a:p>
+                      <a:pPr latinLnBrk="1"/>
+                      <a:r>
+                        <a:rPr lang="en-US" altLang="ko-KR" dirty="0"/>
+                        <a:t>11111</a:t>
+                      </a:r>
+                      <a:endParaRPr lang="ko-KR" altLang="en-US" dirty="0"/>
+                    </a:p>
+                  </a:txBody>
+                  <a:tcPr/>
+                </a:tc>
+                <a:tc>
+                  <a:txBody>
+                    <a:bodyPr/>
+                    <a:lstStyle/>
+                    <a:p>
+                      <a:pPr latinLnBrk="1"/>
+                      <a:r>
+                        <a:rPr lang="en-US" altLang="ko-KR" dirty="0"/>
+                        <a:t>16/04/02</a:t>
+                      </a:r>
+                      <a:endParaRPr lang="ko-KR" altLang="en-US" dirty="0"/>
+                    </a:p>
+                  </a:txBody>
+                  <a:tcPr/>
+                </a:tc>
+                <a:tc>
+                  <a:txBody>
+                    <a:bodyPr/>
+                    <a:lstStyle/>
+                    <a:p>
+                      <a:pPr latinLnBrk="1"/>
+                      <a:r>
+                        <a:rPr lang="en-US" altLang="ko-KR" dirty="0"/>
+                        <a:t>1313</a:t>
+                      </a:r>
+                      <a:endParaRPr lang="ko-KR" altLang="en-US" dirty="0"/>
+                    </a:p>
+                  </a:txBody>
+                  <a:tcPr/>
+                </a:tc>
+                <a:tc>
+                  <a:txBody>
+                    <a:bodyPr/>
+                    <a:lstStyle/>
+                    <a:p>
+                      <a:pPr marL="0" marR="0" indent="0" algn="l" defTabSz="685800" rtl="0" eaLnBrk="1" fontAlgn="auto" latinLnBrk="1" hangingPunct="1">
+                        <a:lnSpc>
+                          <a:spcPct val="100000"/>
+                        </a:lnSpc>
+                        <a:spcBef>
+                          <a:spcPts val="0"/>
+                        </a:spcBef>
+                        <a:spcAft>
+                          <a:spcPts val="0"/>
+                        </a:spcAft>
+                        <a:buClrTx/>
+                        <a:buSzTx/>
+                        <a:buFontTx/>
+                        <a:buNone/>
+                        <a:tabLst/>
+                        <a:defRPr/>
+                      </a:pPr>
+                      <a:r>
+                        <a:rPr lang="en-US" altLang="ko-KR" dirty="0"/>
+                        <a:t>A12</a:t>
+                      </a:r>
+                      <a:endParaRPr lang="ko-KR" altLang="en-US" dirty="0"/>
+                    </a:p>
+                  </a:txBody>
+                  <a:tcPr/>
+                </a:tc>
+                <a:tc>
+                  <a:txBody>
+                    <a:bodyPr/>
+                    <a:lstStyle/>
+                    <a:p>
+                      <a:pPr latinLnBrk="1"/>
+                      <a:r>
+                        <a:rPr lang="ko-KR" altLang="en-US" dirty="0"/>
+                        <a:t>장염</a:t>
+                      </a:r>
+                    </a:p>
+                  </a:txBody>
+                  <a:tcPr/>
+                </a:tc>
+                <a:tc>
+                  <a:txBody>
+                    <a:bodyPr/>
+                    <a:lstStyle/>
+                    <a:p>
+                      <a:pPr latinLnBrk="1"/>
+                      <a:r>
+                        <a:rPr lang="en-US" altLang="ko-KR" dirty="0"/>
+                        <a:t>3</a:t>
+                      </a:r>
+                      <a:endParaRPr lang="ko-KR" altLang="en-US" dirty="0"/>
+                    </a:p>
+                  </a:txBody>
+                  <a:tcPr/>
+                </a:tc>
+                <a:extLst>
+                  <a:ext uri="{0D108BD9-81ED-4DB2-BD59-A6C34878D82A}">
+                    <a16:rowId xmlns:a16="http://schemas.microsoft.com/office/drawing/2014/main" val="3925474888"/>
+                  </a:ext>
+                </a:extLst>
+              </a:tr>
+            </a:tbl>
+          </a:graphicData>
+        </a:graphic>
+      </p:graphicFrame>
+      <p:graphicFrame>
+        <p:nvGraphicFramePr>
+          <p:cNvPr id="3" name="표 2"/>
+          <p:cNvGraphicFramePr>
+            <a:graphicFrameLocks noGrp="1"/>
+          </p:cNvGraphicFramePr>
+          <p:nvPr>
+            <p:extLst>
+              <p:ext uri="{D42A27DB-BD31-4B8C-83A1-F6EECF244321}">
+                <p14:modId xmlns:p14="http://schemas.microsoft.com/office/powerpoint/2010/main" val="1181949519"/>
+              </p:ext>
+            </p:extLst>
+          </p:nvPr>
+        </p:nvGraphicFramePr>
+        <p:xfrm>
+          <a:off x="4907280" y="3630210"/>
+          <a:ext cx="7660640" cy="3098800"/>
+        </p:xfrm>
+        <a:graphic>
+          <a:graphicData uri="http://schemas.openxmlformats.org/drawingml/2006/table">
+            <a:tbl>
+              <a:tblPr firstRow="1" bandRow="1">
+                <a:tableStyleId>{17292A2E-F333-43FB-9621-5CBBE7FDCDCB}</a:tableStyleId>
+              </a:tblPr>
+              <a:tblGrid>
+                <a:gridCol w="957580">
+                  <a:extLst>
+                    <a:ext uri="{9D8B030D-6E8A-4147-A177-3AD203B41FA5}">
+                      <a16:colId xmlns:a16="http://schemas.microsoft.com/office/drawing/2014/main" val="1869681185"/>
+                    </a:ext>
+                  </a:extLst>
+                </a:gridCol>
+                <a:gridCol w="957580">
+                  <a:extLst>
+                    <a:ext uri="{9D8B030D-6E8A-4147-A177-3AD203B41FA5}">
+                      <a16:colId xmlns:a16="http://schemas.microsoft.com/office/drawing/2014/main" val="1647828369"/>
+                    </a:ext>
+                  </a:extLst>
+                </a:gridCol>
+                <a:gridCol w="957580">
+                  <a:extLst>
+                    <a:ext uri="{9D8B030D-6E8A-4147-A177-3AD203B41FA5}">
+                      <a16:colId xmlns:a16="http://schemas.microsoft.com/office/drawing/2014/main" val="2463339181"/>
+                    </a:ext>
+                  </a:extLst>
+                </a:gridCol>
+                <a:gridCol w="957580">
+                  <a:extLst>
+                    <a:ext uri="{9D8B030D-6E8A-4147-A177-3AD203B41FA5}">
+                      <a16:colId xmlns:a16="http://schemas.microsoft.com/office/drawing/2014/main" val="1749337499"/>
+                    </a:ext>
+                  </a:extLst>
+                </a:gridCol>
+                <a:gridCol w="957580">
+                  <a:extLst>
+                    <a:ext uri="{9D8B030D-6E8A-4147-A177-3AD203B41FA5}">
+                      <a16:colId xmlns:a16="http://schemas.microsoft.com/office/drawing/2014/main" val="1142107149"/>
+                    </a:ext>
+                  </a:extLst>
+                </a:gridCol>
+                <a:gridCol w="957580">
+                  <a:extLst>
+                    <a:ext uri="{9D8B030D-6E8A-4147-A177-3AD203B41FA5}">
+                      <a16:colId xmlns:a16="http://schemas.microsoft.com/office/drawing/2014/main" val="634120987"/>
+                    </a:ext>
+                  </a:extLst>
+                </a:gridCol>
+                <a:gridCol w="957580">
+                  <a:extLst>
+                    <a:ext uri="{9D8B030D-6E8A-4147-A177-3AD203B41FA5}">
+                      <a16:colId xmlns:a16="http://schemas.microsoft.com/office/drawing/2014/main" val="341937833"/>
+                    </a:ext>
+                  </a:extLst>
+                </a:gridCol>
+                <a:gridCol w="957580">
+                  <a:extLst>
+                    <a:ext uri="{9D8B030D-6E8A-4147-A177-3AD203B41FA5}">
+                      <a16:colId xmlns:a16="http://schemas.microsoft.com/office/drawing/2014/main" val="1404611196"/>
+                    </a:ext>
+                  </a:extLst>
+                </a:gridCol>
+              </a:tblGrid>
+              <a:tr h="370840">
+                <a:tc>
+                  <a:txBody>
+                    <a:bodyPr/>
+                    <a:lstStyle/>
+                    <a:p>
+                      <a:pPr latinLnBrk="1"/>
+                      <a:r>
+                        <a:rPr lang="en-US" altLang="ko-KR" dirty="0"/>
+                        <a:t>Id</a:t>
+                      </a:r>
+                      <a:endParaRPr lang="ko-KR" altLang="en-US" dirty="0"/>
+                    </a:p>
+                  </a:txBody>
+                  <a:tcPr/>
+                </a:tc>
+                <a:tc>
+                  <a:txBody>
+                    <a:bodyPr/>
+                    <a:lstStyle/>
+                    <a:p>
+                      <a:pPr latinLnBrk="1"/>
+                      <a:r>
+                        <a:rPr lang="en-US" altLang="ko-KR" dirty="0" err="1"/>
+                        <a:t>treat_code</a:t>
+                      </a:r>
+                      <a:endParaRPr lang="ko-KR" altLang="en-US" dirty="0"/>
+                    </a:p>
+                  </a:txBody>
+                  <a:tcPr/>
+                </a:tc>
+                <a:tc>
+                  <a:txBody>
+                    <a:bodyPr/>
+                    <a:lstStyle/>
+                    <a:p>
+                      <a:pPr latinLnBrk="1"/>
+                      <a:r>
+                        <a:rPr lang="en-US" altLang="ko-KR" dirty="0" err="1"/>
+                        <a:t>valid_date</a:t>
+                      </a:r>
+                      <a:endParaRPr lang="ko-KR" altLang="en-US" dirty="0"/>
+                    </a:p>
+                  </a:txBody>
+                  <a:tcPr/>
+                </a:tc>
+                <a:tc>
+                  <a:txBody>
+                    <a:bodyPr/>
+                    <a:lstStyle/>
+                    <a:p>
+                      <a:pPr latinLnBrk="1"/>
+                      <a:r>
+                        <a:rPr lang="en-US" altLang="ko-KR" dirty="0" err="1"/>
+                        <a:t>is_used</a:t>
+                      </a:r>
+                      <a:endParaRPr lang="ko-KR" altLang="en-US" dirty="0"/>
+                    </a:p>
+                  </a:txBody>
+                  <a:tcPr/>
+                </a:tc>
+                <a:tc>
+                  <a:txBody>
+                    <a:bodyPr/>
+                    <a:lstStyle/>
+                    <a:p>
+                      <a:pPr latinLnBrk="1"/>
+                      <a:r>
+                        <a:rPr lang="en-US" altLang="ko-KR" dirty="0" err="1"/>
+                        <a:t>medicine_name</a:t>
+                      </a:r>
+                      <a:endParaRPr lang="ko-KR" altLang="en-US" dirty="0"/>
+                    </a:p>
+                  </a:txBody>
+                  <a:tcPr/>
+                </a:tc>
+                <a:tc>
+                  <a:txBody>
+                    <a:bodyPr/>
+                    <a:lstStyle/>
+                    <a:p>
+                      <a:pPr latinLnBrk="1"/>
+                      <a:r>
+                        <a:rPr lang="en-US" altLang="ko-KR" dirty="0" err="1"/>
+                        <a:t>medicine_once_num</a:t>
+                      </a:r>
+                      <a:endParaRPr lang="ko-KR" altLang="en-US" dirty="0"/>
+                    </a:p>
+                  </a:txBody>
+                  <a:tcPr/>
+                </a:tc>
+                <a:tc>
+                  <a:txBody>
+                    <a:bodyPr/>
+                    <a:lstStyle/>
+                    <a:p>
+                      <a:pPr latinLnBrk="1"/>
+                      <a:r>
+                        <a:rPr lang="en-US" altLang="ko-KR" dirty="0" err="1"/>
+                        <a:t>medicine_day_num</a:t>
+                      </a:r>
+                      <a:endParaRPr lang="ko-KR" altLang="en-US" dirty="0"/>
+                    </a:p>
+                  </a:txBody>
+                  <a:tcPr/>
+                </a:tc>
+                <a:tc>
+                  <a:txBody>
+                    <a:bodyPr/>
+                    <a:lstStyle/>
+                    <a:p>
+                      <a:pPr latinLnBrk="1"/>
+                      <a:r>
+                        <a:rPr lang="en-US" altLang="ko-KR" dirty="0"/>
+                        <a:t>notice</a:t>
+                      </a:r>
+                      <a:endParaRPr lang="ko-KR" altLang="en-US" dirty="0"/>
+                    </a:p>
+                  </a:txBody>
+                  <a:tcPr/>
+                </a:tc>
+                <a:extLst>
+                  <a:ext uri="{0D108BD9-81ED-4DB2-BD59-A6C34878D82A}">
+                    <a16:rowId xmlns:a16="http://schemas.microsoft.com/office/drawing/2014/main" val="1694895355"/>
+                  </a:ext>
+                </a:extLst>
+              </a:tr>
+              <a:tr h="370840">
+                <a:tc>
+                  <a:txBody>
+                    <a:bodyPr/>
+                    <a:lstStyle/>
+                    <a:p>
+                      <a:pPr marL="0" marR="0" indent="0" algn="l" defTabSz="685800" rtl="0" eaLnBrk="1" fontAlgn="auto" latinLnBrk="1" hangingPunct="1">
+                        <a:lnSpc>
+                          <a:spcPct val="100000"/>
+                        </a:lnSpc>
+                        <a:spcBef>
+                          <a:spcPts val="0"/>
+                        </a:spcBef>
+                        <a:spcAft>
+                          <a:spcPts val="0"/>
+                        </a:spcAft>
+                        <a:buClrTx/>
+                        <a:buSzTx/>
+                        <a:buFontTx/>
+                        <a:buNone/>
+                        <a:tabLst/>
+                        <a:defRPr/>
+                      </a:pPr>
+                      <a:r>
+                        <a:rPr lang="en-US" altLang="ko-KR" dirty="0"/>
+                        <a:t>11111</a:t>
+                      </a:r>
+                      <a:endParaRPr lang="ko-KR" altLang="en-US" dirty="0"/>
+                    </a:p>
+                  </a:txBody>
+                  <a:tcPr/>
+                </a:tc>
+                <a:tc>
+                  <a:txBody>
+                    <a:bodyPr/>
+                    <a:lstStyle/>
+                    <a:p>
+                      <a:pPr latinLnBrk="1"/>
+                      <a:r>
+                        <a:rPr lang="en-US" altLang="ko-KR" dirty="0"/>
+                        <a:t>1</a:t>
+                      </a:r>
+                      <a:endParaRPr lang="ko-KR" altLang="en-US" dirty="0"/>
+                    </a:p>
+                  </a:txBody>
+                  <a:tcPr/>
+                </a:tc>
+                <a:tc>
+                  <a:txBody>
+                    <a:bodyPr/>
+                    <a:lstStyle/>
+                    <a:p>
+                      <a:pPr latinLnBrk="1"/>
+                      <a:r>
+                        <a:rPr lang="en-US" altLang="ko-KR" dirty="0"/>
+                        <a:t>16/04/04</a:t>
+                      </a:r>
+                      <a:endParaRPr lang="ko-KR" altLang="en-US" dirty="0"/>
+                    </a:p>
+                  </a:txBody>
+                  <a:tcPr/>
+                </a:tc>
+                <a:tc>
+                  <a:txBody>
+                    <a:bodyPr/>
+                    <a:lstStyle/>
+                    <a:p>
+                      <a:pPr latinLnBrk="1"/>
+                      <a:r>
+                        <a:rPr lang="en-US" altLang="ko-KR" dirty="0"/>
+                        <a:t>1</a:t>
+                      </a:r>
+                      <a:endParaRPr lang="ko-KR" altLang="en-US" dirty="0"/>
+                    </a:p>
+                  </a:txBody>
+                  <a:tcPr/>
+                </a:tc>
+                <a:tc>
+                  <a:txBody>
+                    <a:bodyPr/>
+                    <a:lstStyle/>
+                    <a:p>
+                      <a:pPr latinLnBrk="1"/>
+                      <a:r>
+                        <a:rPr lang="ko-KR" altLang="en-US" dirty="0"/>
+                        <a:t>가</a:t>
+                      </a:r>
+                      <a:endParaRPr lang="en-US" altLang="ko-KR" dirty="0"/>
+                    </a:p>
+                  </a:txBody>
+                  <a:tcPr/>
+                </a:tc>
+                <a:tc>
+                  <a:txBody>
+                    <a:bodyPr/>
+                    <a:lstStyle/>
+                    <a:p>
+                      <a:pPr latinLnBrk="1"/>
+                      <a:r>
+                        <a:rPr lang="en-US" altLang="ko-KR" dirty="0"/>
+                        <a:t>1</a:t>
+                      </a:r>
+                      <a:endParaRPr lang="ko-KR" altLang="en-US" dirty="0"/>
+                    </a:p>
+                  </a:txBody>
+                  <a:tcPr/>
+                </a:tc>
+                <a:tc>
+                  <a:txBody>
+                    <a:bodyPr/>
+                    <a:lstStyle/>
+                    <a:p>
+                      <a:pPr latinLnBrk="1"/>
+                      <a:r>
+                        <a:rPr lang="en-US" altLang="ko-KR" dirty="0"/>
+                        <a:t>3</a:t>
+                      </a:r>
+                      <a:endParaRPr lang="ko-KR" altLang="en-US" dirty="0"/>
+                    </a:p>
+                  </a:txBody>
+                  <a:tcPr/>
+                </a:tc>
+                <a:tc>
+                  <a:txBody>
+                    <a:bodyPr/>
+                    <a:lstStyle/>
+                    <a:p>
+                      <a:pPr latinLnBrk="1"/>
+                      <a:endParaRPr lang="ko-KR" altLang="en-US" dirty="0"/>
+                    </a:p>
+                  </a:txBody>
+                  <a:tcPr/>
+                </a:tc>
+                <a:extLst>
+                  <a:ext uri="{0D108BD9-81ED-4DB2-BD59-A6C34878D82A}">
+                    <a16:rowId xmlns:a16="http://schemas.microsoft.com/office/drawing/2014/main" val="2737348417"/>
+                  </a:ext>
+                </a:extLst>
+              </a:tr>
+              <a:tr h="370840">
+                <a:tc>
+                  <a:txBody>
+                    <a:bodyPr/>
+                    <a:lstStyle/>
+                    <a:p>
+                      <a:pPr latinLnBrk="1"/>
+                      <a:r>
+                        <a:rPr lang="en-US" altLang="ko-KR" dirty="0"/>
+                        <a:t>11111</a:t>
+                      </a:r>
+                      <a:endParaRPr lang="ko-KR" altLang="en-US" dirty="0"/>
+                    </a:p>
+                  </a:txBody>
+                  <a:tcPr/>
+                </a:tc>
+                <a:tc>
+                  <a:txBody>
+                    <a:bodyPr/>
+                    <a:lstStyle/>
+                    <a:p>
+                      <a:pPr latinLnBrk="1"/>
+                      <a:r>
+                        <a:rPr lang="en-US" altLang="ko-KR" dirty="0"/>
+                        <a:t>1</a:t>
+                      </a:r>
+                      <a:endParaRPr lang="ko-KR" altLang="en-US" dirty="0"/>
+                    </a:p>
+                  </a:txBody>
+                  <a:tcPr/>
+                </a:tc>
+                <a:tc>
+                  <a:txBody>
+                    <a:bodyPr/>
+                    <a:lstStyle/>
+                    <a:p>
+                      <a:pPr latinLnBrk="1"/>
+                      <a:r>
+                        <a:rPr lang="en-US" altLang="ko-KR" dirty="0"/>
+                        <a:t>16/04/04</a:t>
+                      </a:r>
+                      <a:endParaRPr lang="ko-KR" altLang="en-US" dirty="0"/>
+                    </a:p>
+                  </a:txBody>
+                  <a:tcPr/>
+                </a:tc>
+                <a:tc>
+                  <a:txBody>
+                    <a:bodyPr/>
+                    <a:lstStyle/>
+                    <a:p>
+                      <a:pPr latinLnBrk="1"/>
+                      <a:r>
+                        <a:rPr lang="en-US" altLang="ko-KR" dirty="0"/>
+                        <a:t>1</a:t>
+                      </a:r>
+                      <a:endParaRPr lang="ko-KR" altLang="en-US" dirty="0"/>
+                    </a:p>
+                  </a:txBody>
+                  <a:tcPr/>
+                </a:tc>
+                <a:tc>
+                  <a:txBody>
+                    <a:bodyPr/>
+                    <a:lstStyle/>
+                    <a:p>
+                      <a:pPr latinLnBrk="1"/>
+                      <a:r>
+                        <a:rPr lang="ko-KR" altLang="en-US" dirty="0"/>
+                        <a:t>나</a:t>
+                      </a:r>
+                    </a:p>
+                  </a:txBody>
+                  <a:tcPr/>
+                </a:tc>
+                <a:tc>
+                  <a:txBody>
+                    <a:bodyPr/>
+                    <a:lstStyle/>
+                    <a:p>
+                      <a:pPr latinLnBrk="1"/>
+                      <a:r>
+                        <a:rPr lang="en-US" altLang="ko-KR" dirty="0"/>
+                        <a:t>0.5</a:t>
+                      </a:r>
+                      <a:endParaRPr lang="ko-KR" altLang="en-US" dirty="0"/>
+                    </a:p>
+                  </a:txBody>
+                  <a:tcPr/>
+                </a:tc>
+                <a:tc>
+                  <a:txBody>
+                    <a:bodyPr/>
+                    <a:lstStyle/>
+                    <a:p>
+                      <a:pPr latinLnBrk="1"/>
+                      <a:r>
+                        <a:rPr lang="en-US" altLang="ko-KR" dirty="0"/>
+                        <a:t>3</a:t>
+                      </a:r>
+                      <a:endParaRPr lang="ko-KR" altLang="en-US" dirty="0"/>
+                    </a:p>
+                  </a:txBody>
+                  <a:tcPr/>
+                </a:tc>
+                <a:tc>
+                  <a:txBody>
+                    <a:bodyPr/>
+                    <a:lstStyle/>
+                    <a:p>
+                      <a:pPr latinLnBrk="1"/>
+                      <a:endParaRPr lang="ko-KR" altLang="en-US"/>
+                    </a:p>
+                  </a:txBody>
+                  <a:tcPr/>
+                </a:tc>
+                <a:extLst>
+                  <a:ext uri="{0D108BD9-81ED-4DB2-BD59-A6C34878D82A}">
+                    <a16:rowId xmlns:a16="http://schemas.microsoft.com/office/drawing/2014/main" val="4174761961"/>
+                  </a:ext>
+                </a:extLst>
+              </a:tr>
+              <a:tr h="370840">
+                <a:tc>
+                  <a:txBody>
+                    <a:bodyPr/>
+                    <a:lstStyle/>
+                    <a:p>
+                      <a:pPr latinLnBrk="1"/>
+                      <a:r>
+                        <a:rPr lang="en-US" altLang="ko-KR" dirty="0"/>
+                        <a:t>11111</a:t>
+                      </a:r>
+                      <a:endParaRPr lang="ko-KR" altLang="en-US" dirty="0"/>
+                    </a:p>
+                  </a:txBody>
+                  <a:tcPr/>
+                </a:tc>
+                <a:tc>
+                  <a:txBody>
+                    <a:bodyPr/>
+                    <a:lstStyle/>
+                    <a:p>
+                      <a:pPr latinLnBrk="1"/>
+                      <a:r>
+                        <a:rPr lang="en-US" altLang="ko-KR" dirty="0"/>
+                        <a:t>1</a:t>
+                      </a:r>
+                      <a:endParaRPr lang="ko-KR" altLang="en-US" dirty="0"/>
+                    </a:p>
+                  </a:txBody>
+                  <a:tcPr/>
+                </a:tc>
+                <a:tc>
+                  <a:txBody>
+                    <a:bodyPr/>
+                    <a:lstStyle/>
+                    <a:p>
+                      <a:pPr latinLnBrk="1"/>
+                      <a:r>
+                        <a:rPr lang="en-US" altLang="ko-KR" dirty="0"/>
+                        <a:t>16/04/04</a:t>
+                      </a:r>
+                      <a:endParaRPr lang="ko-KR" altLang="en-US" dirty="0"/>
+                    </a:p>
+                  </a:txBody>
+                  <a:tcPr/>
+                </a:tc>
+                <a:tc>
+                  <a:txBody>
+                    <a:bodyPr/>
+                    <a:lstStyle/>
+                    <a:p>
+                      <a:pPr latinLnBrk="1"/>
+                      <a:r>
+                        <a:rPr lang="en-US" altLang="ko-KR" dirty="0"/>
+                        <a:t>1</a:t>
+                      </a:r>
+                      <a:endParaRPr lang="ko-KR" altLang="en-US" dirty="0"/>
+                    </a:p>
+                  </a:txBody>
+                  <a:tcPr/>
+                </a:tc>
+                <a:tc>
+                  <a:txBody>
+                    <a:bodyPr/>
+                    <a:lstStyle/>
+                    <a:p>
+                      <a:pPr latinLnBrk="1"/>
+                      <a:r>
+                        <a:rPr lang="ko-KR" altLang="en-US" dirty="0"/>
+                        <a:t>다</a:t>
+                      </a:r>
+                    </a:p>
+                  </a:txBody>
+                  <a:tcPr/>
+                </a:tc>
+                <a:tc>
+                  <a:txBody>
+                    <a:bodyPr/>
+                    <a:lstStyle/>
+                    <a:p>
+                      <a:pPr latinLnBrk="1"/>
+                      <a:r>
+                        <a:rPr lang="en-US" altLang="ko-KR" dirty="0"/>
+                        <a:t>1</a:t>
+                      </a:r>
+                      <a:endParaRPr lang="ko-KR" altLang="en-US" dirty="0"/>
+                    </a:p>
+                  </a:txBody>
+                  <a:tcPr/>
+                </a:tc>
+                <a:tc>
+                  <a:txBody>
+                    <a:bodyPr/>
+                    <a:lstStyle/>
+                    <a:p>
+                      <a:pPr latinLnBrk="1"/>
+                      <a:r>
+                        <a:rPr lang="en-US" altLang="ko-KR" dirty="0"/>
+                        <a:t>2</a:t>
+                      </a:r>
+                      <a:endParaRPr lang="ko-KR" altLang="en-US" dirty="0"/>
+                    </a:p>
+                  </a:txBody>
+                  <a:tcPr/>
+                </a:tc>
+                <a:tc>
+                  <a:txBody>
+                    <a:bodyPr/>
+                    <a:lstStyle/>
+                    <a:p>
+                      <a:pPr latinLnBrk="1"/>
+                      <a:endParaRPr lang="ko-KR" altLang="en-US"/>
+                    </a:p>
+                  </a:txBody>
+                  <a:tcPr/>
+                </a:tc>
+                <a:extLst>
+                  <a:ext uri="{0D108BD9-81ED-4DB2-BD59-A6C34878D82A}">
+                    <a16:rowId xmlns:a16="http://schemas.microsoft.com/office/drawing/2014/main" val="2685048316"/>
+                  </a:ext>
+                </a:extLst>
+              </a:tr>
+              <a:tr h="370840">
+                <a:tc>
+                  <a:txBody>
+                    <a:bodyPr/>
+                    <a:lstStyle/>
+                    <a:p>
+                      <a:pPr latinLnBrk="1"/>
+                      <a:r>
+                        <a:rPr lang="en-US" altLang="ko-KR" dirty="0"/>
+                        <a:t>22222</a:t>
+                      </a:r>
+                      <a:endParaRPr lang="ko-KR" altLang="en-US" dirty="0"/>
+                    </a:p>
+                  </a:txBody>
+                  <a:tcPr/>
+                </a:tc>
+                <a:tc>
+                  <a:txBody>
+                    <a:bodyPr/>
+                    <a:lstStyle/>
+                    <a:p>
+                      <a:pPr latinLnBrk="1"/>
+                      <a:r>
+                        <a:rPr lang="en-US" altLang="ko-KR" dirty="0"/>
+                        <a:t>2</a:t>
+                      </a:r>
+                      <a:endParaRPr lang="ko-KR" altLang="en-US" dirty="0"/>
+                    </a:p>
+                  </a:txBody>
+                  <a:tcPr/>
+                </a:tc>
+                <a:tc>
+                  <a:txBody>
+                    <a:bodyPr/>
+                    <a:lstStyle/>
+                    <a:p>
+                      <a:pPr latinLnBrk="1"/>
+                      <a:r>
+                        <a:rPr lang="en-US" altLang="ko-KR" dirty="0"/>
+                        <a:t>16/04/05</a:t>
+                      </a:r>
+                      <a:endParaRPr lang="ko-KR" altLang="en-US" dirty="0"/>
+                    </a:p>
+                  </a:txBody>
+                  <a:tcPr/>
+                </a:tc>
+                <a:tc>
+                  <a:txBody>
+                    <a:bodyPr/>
+                    <a:lstStyle/>
+                    <a:p>
+                      <a:pPr latinLnBrk="1"/>
+                      <a:r>
+                        <a:rPr lang="en-US" altLang="ko-KR" dirty="0"/>
+                        <a:t>0</a:t>
+                      </a:r>
+                      <a:endParaRPr lang="ko-KR" altLang="en-US" dirty="0"/>
+                    </a:p>
+                  </a:txBody>
+                  <a:tcPr/>
+                </a:tc>
+                <a:tc>
+                  <a:txBody>
+                    <a:bodyPr/>
+                    <a:lstStyle/>
+                    <a:p>
+                      <a:pPr latinLnBrk="1"/>
+                      <a:r>
+                        <a:rPr lang="ko-KR" altLang="en-US" dirty="0"/>
+                        <a:t>나</a:t>
+                      </a:r>
+                    </a:p>
+                  </a:txBody>
+                  <a:tcPr/>
+                </a:tc>
+                <a:tc>
+                  <a:txBody>
+                    <a:bodyPr/>
+                    <a:lstStyle/>
+                    <a:p>
+                      <a:pPr latinLnBrk="1"/>
+                      <a:r>
+                        <a:rPr lang="en-US" altLang="ko-KR" dirty="0"/>
+                        <a:t>1</a:t>
+                      </a:r>
+                      <a:endParaRPr lang="ko-KR" altLang="en-US" dirty="0"/>
+                    </a:p>
+                  </a:txBody>
+                  <a:tcPr/>
+                </a:tc>
+                <a:tc>
+                  <a:txBody>
+                    <a:bodyPr/>
+                    <a:lstStyle/>
+                    <a:p>
+                      <a:pPr latinLnBrk="1"/>
+                      <a:r>
+                        <a:rPr lang="en-US" altLang="ko-KR" dirty="0"/>
+                        <a:t>3</a:t>
+                      </a:r>
+                      <a:endParaRPr lang="ko-KR" altLang="en-US" dirty="0"/>
+                    </a:p>
+                  </a:txBody>
+                  <a:tcPr/>
+                </a:tc>
+                <a:tc>
+                  <a:txBody>
+                    <a:bodyPr/>
+                    <a:lstStyle/>
+                    <a:p>
+                      <a:pPr latinLnBrk="1"/>
+                      <a:endParaRPr lang="ko-KR" altLang="en-US"/>
+                    </a:p>
+                  </a:txBody>
+                  <a:tcPr/>
+                </a:tc>
+                <a:extLst>
+                  <a:ext uri="{0D108BD9-81ED-4DB2-BD59-A6C34878D82A}">
+                    <a16:rowId xmlns:a16="http://schemas.microsoft.com/office/drawing/2014/main" val="3939677652"/>
+                  </a:ext>
+                </a:extLst>
+              </a:tr>
+              <a:tr h="370840">
+                <a:tc>
+                  <a:txBody>
+                    <a:bodyPr/>
+                    <a:lstStyle/>
+                    <a:p>
+                      <a:pPr latinLnBrk="1"/>
+                      <a:r>
+                        <a:rPr lang="en-US" altLang="ko-KR" dirty="0"/>
+                        <a:t>22222</a:t>
+                      </a:r>
+                      <a:endParaRPr lang="ko-KR" altLang="en-US" dirty="0"/>
+                    </a:p>
+                  </a:txBody>
+                  <a:tcPr/>
+                </a:tc>
+                <a:tc>
+                  <a:txBody>
+                    <a:bodyPr/>
+                    <a:lstStyle/>
+                    <a:p>
+                      <a:pPr latinLnBrk="1"/>
+                      <a:r>
+                        <a:rPr lang="en-US" altLang="ko-KR" dirty="0"/>
+                        <a:t>2</a:t>
+                      </a:r>
+                      <a:endParaRPr lang="ko-KR" altLang="en-US" dirty="0"/>
+                    </a:p>
+                  </a:txBody>
+                  <a:tcPr/>
+                </a:tc>
+                <a:tc>
+                  <a:txBody>
+                    <a:bodyPr/>
+                    <a:lstStyle/>
+                    <a:p>
+                      <a:pPr latinLnBrk="1"/>
+                      <a:r>
+                        <a:rPr lang="en-US" altLang="ko-KR" dirty="0"/>
+                        <a:t>16/04/05</a:t>
+                      </a:r>
+                      <a:endParaRPr lang="ko-KR" altLang="en-US" dirty="0"/>
+                    </a:p>
+                  </a:txBody>
+                  <a:tcPr/>
+                </a:tc>
+                <a:tc>
+                  <a:txBody>
+                    <a:bodyPr/>
+                    <a:lstStyle/>
+                    <a:p>
+                      <a:pPr latinLnBrk="1"/>
+                      <a:r>
+                        <a:rPr lang="en-US" altLang="ko-KR" dirty="0"/>
+                        <a:t>0</a:t>
+                      </a:r>
+                      <a:endParaRPr lang="ko-KR" altLang="en-US" dirty="0"/>
+                    </a:p>
+                  </a:txBody>
+                  <a:tcPr/>
+                </a:tc>
+                <a:tc>
+                  <a:txBody>
+                    <a:bodyPr/>
+                    <a:lstStyle/>
+                    <a:p>
+                      <a:pPr latinLnBrk="1"/>
+                      <a:r>
+                        <a:rPr lang="ko-KR" altLang="en-US" dirty="0"/>
+                        <a:t>라</a:t>
+                      </a:r>
+                    </a:p>
+                  </a:txBody>
+                  <a:tcPr/>
+                </a:tc>
+                <a:tc>
+                  <a:txBody>
+                    <a:bodyPr/>
+                    <a:lstStyle/>
+                    <a:p>
+                      <a:pPr latinLnBrk="1"/>
+                      <a:r>
+                        <a:rPr lang="en-US" altLang="ko-KR" dirty="0"/>
+                        <a:t>1</a:t>
+                      </a:r>
+                      <a:endParaRPr lang="ko-KR" altLang="en-US" dirty="0"/>
+                    </a:p>
+                  </a:txBody>
+                  <a:tcPr/>
+                </a:tc>
+                <a:tc>
+                  <a:txBody>
+                    <a:bodyPr/>
+                    <a:lstStyle/>
+                    <a:p>
+                      <a:pPr latinLnBrk="1"/>
+                      <a:r>
+                        <a:rPr lang="en-US" altLang="ko-KR" dirty="0"/>
+                        <a:t>3</a:t>
+                      </a:r>
+                      <a:endParaRPr lang="ko-KR" altLang="en-US" dirty="0"/>
+                    </a:p>
+                  </a:txBody>
+                  <a:tcPr/>
+                </a:tc>
+                <a:tc>
+                  <a:txBody>
+                    <a:bodyPr/>
+                    <a:lstStyle/>
+                    <a:p>
+                      <a:pPr latinLnBrk="1"/>
+                      <a:endParaRPr lang="ko-KR" altLang="en-US" dirty="0"/>
+                    </a:p>
+                  </a:txBody>
+                  <a:tcPr/>
+                </a:tc>
+                <a:extLst>
+                  <a:ext uri="{0D108BD9-81ED-4DB2-BD59-A6C34878D82A}">
+                    <a16:rowId xmlns:a16="http://schemas.microsoft.com/office/drawing/2014/main" val="1829470554"/>
+                  </a:ext>
+                </a:extLst>
+              </a:tr>
+              <a:tr h="370840">
+                <a:tc>
+                  <a:txBody>
+                    <a:bodyPr/>
+                    <a:lstStyle/>
+                    <a:p>
+                      <a:pPr latinLnBrk="1"/>
+                      <a:r>
+                        <a:rPr lang="en-US" altLang="ko-KR" dirty="0"/>
+                        <a:t>11111</a:t>
+                      </a:r>
+                      <a:endParaRPr lang="ko-KR" altLang="en-US" dirty="0"/>
+                    </a:p>
+                  </a:txBody>
+                  <a:tcPr/>
+                </a:tc>
+                <a:tc>
+                  <a:txBody>
+                    <a:bodyPr/>
+                    <a:lstStyle/>
+                    <a:p>
+                      <a:pPr latinLnBrk="1"/>
+                      <a:r>
+                        <a:rPr lang="en-US" altLang="ko-KR" dirty="0"/>
+                        <a:t>3</a:t>
+                      </a:r>
+                      <a:endParaRPr lang="ko-KR" altLang="en-US" dirty="0"/>
+                    </a:p>
+                  </a:txBody>
+                  <a:tcPr/>
+                </a:tc>
+                <a:tc>
+                  <a:txBody>
+                    <a:bodyPr/>
+                    <a:lstStyle/>
+                    <a:p>
+                      <a:pPr latinLnBrk="1"/>
+                      <a:r>
+                        <a:rPr lang="en-US" altLang="ko-KR" dirty="0"/>
+                        <a:t>16/04/05</a:t>
+                      </a:r>
+                      <a:endParaRPr lang="ko-KR" altLang="en-US" dirty="0"/>
+                    </a:p>
+                  </a:txBody>
+                  <a:tcPr/>
+                </a:tc>
+                <a:tc>
+                  <a:txBody>
+                    <a:bodyPr/>
+                    <a:lstStyle/>
+                    <a:p>
+                      <a:pPr latinLnBrk="1"/>
+                      <a:r>
+                        <a:rPr lang="en-US" altLang="ko-KR" dirty="0"/>
+                        <a:t>1</a:t>
+                      </a:r>
+                      <a:endParaRPr lang="ko-KR" altLang="en-US" dirty="0"/>
+                    </a:p>
+                  </a:txBody>
+                  <a:tcPr/>
+                </a:tc>
+                <a:tc>
+                  <a:txBody>
+                    <a:bodyPr/>
+                    <a:lstStyle/>
+                    <a:p>
+                      <a:pPr latinLnBrk="1"/>
+                      <a:r>
+                        <a:rPr lang="ko-KR" altLang="en-US" dirty="0"/>
+                        <a:t>라</a:t>
+                      </a:r>
+                    </a:p>
+                  </a:txBody>
+                  <a:tcPr/>
+                </a:tc>
+                <a:tc>
+                  <a:txBody>
+                    <a:bodyPr/>
+                    <a:lstStyle/>
+                    <a:p>
+                      <a:pPr latinLnBrk="1"/>
+                      <a:r>
+                        <a:rPr lang="en-US" altLang="ko-KR" dirty="0"/>
+                        <a:t>0.5</a:t>
+                      </a:r>
+                      <a:endParaRPr lang="ko-KR" altLang="en-US" dirty="0"/>
+                    </a:p>
+                  </a:txBody>
+                  <a:tcPr/>
+                </a:tc>
+                <a:tc>
+                  <a:txBody>
+                    <a:bodyPr/>
+                    <a:lstStyle/>
+                    <a:p>
+                      <a:pPr latinLnBrk="1"/>
+                      <a:r>
+                        <a:rPr lang="en-US" altLang="ko-KR" dirty="0"/>
+                        <a:t>3</a:t>
+                      </a:r>
+                      <a:endParaRPr lang="ko-KR" altLang="en-US" dirty="0"/>
+                    </a:p>
+                  </a:txBody>
+                  <a:tcPr/>
+                </a:tc>
+                <a:tc>
+                  <a:txBody>
+                    <a:bodyPr/>
+                    <a:lstStyle/>
+                    <a:p>
+                      <a:pPr latinLnBrk="1"/>
+                      <a:endParaRPr lang="ko-KR" altLang="en-US" dirty="0"/>
+                    </a:p>
+                  </a:txBody>
+                  <a:tcPr/>
+                </a:tc>
+                <a:extLst>
+                  <a:ext uri="{0D108BD9-81ED-4DB2-BD59-A6C34878D82A}">
+                    <a16:rowId xmlns:a16="http://schemas.microsoft.com/office/drawing/2014/main" val="2793714276"/>
+                  </a:ext>
+                </a:extLst>
+              </a:tr>
+              <a:tr h="370840">
+                <a:tc>
+                  <a:txBody>
+                    <a:bodyPr/>
+                    <a:lstStyle/>
+                    <a:p>
+                      <a:pPr latinLnBrk="1"/>
+                      <a:r>
+                        <a:rPr lang="en-US" altLang="ko-KR" dirty="0"/>
+                        <a:t>11111</a:t>
+                      </a:r>
+                      <a:endParaRPr lang="ko-KR" altLang="en-US" dirty="0"/>
+                    </a:p>
+                  </a:txBody>
+                  <a:tcPr/>
+                </a:tc>
+                <a:tc>
+                  <a:txBody>
+                    <a:bodyPr/>
+                    <a:lstStyle/>
+                    <a:p>
+                      <a:pPr latinLnBrk="1"/>
+                      <a:r>
+                        <a:rPr lang="en-US" altLang="ko-KR" dirty="0"/>
+                        <a:t>3</a:t>
+                      </a:r>
+                      <a:endParaRPr lang="ko-KR" altLang="en-US" dirty="0"/>
+                    </a:p>
+                  </a:txBody>
+                  <a:tcPr/>
+                </a:tc>
+                <a:tc>
+                  <a:txBody>
+                    <a:bodyPr/>
+                    <a:lstStyle/>
+                    <a:p>
+                      <a:pPr latinLnBrk="1"/>
+                      <a:r>
+                        <a:rPr lang="en-US" altLang="ko-KR" dirty="0"/>
+                        <a:t>16/04/05</a:t>
+                      </a:r>
+                      <a:endParaRPr lang="ko-KR" altLang="en-US" dirty="0"/>
+                    </a:p>
+                  </a:txBody>
+                  <a:tcPr/>
+                </a:tc>
+                <a:tc>
+                  <a:txBody>
+                    <a:bodyPr/>
+                    <a:lstStyle/>
+                    <a:p>
+                      <a:pPr latinLnBrk="1"/>
+                      <a:r>
+                        <a:rPr lang="en-US" altLang="ko-KR" dirty="0"/>
+                        <a:t>1</a:t>
+                      </a:r>
+                      <a:endParaRPr lang="ko-KR" altLang="en-US" dirty="0"/>
+                    </a:p>
+                  </a:txBody>
+                  <a:tcPr/>
+                </a:tc>
+                <a:tc>
+                  <a:txBody>
+                    <a:bodyPr/>
+                    <a:lstStyle/>
+                    <a:p>
+                      <a:pPr latinLnBrk="1"/>
+                      <a:r>
+                        <a:rPr lang="ko-KR" altLang="en-US" dirty="0"/>
+                        <a:t>마</a:t>
+                      </a:r>
+                    </a:p>
+                  </a:txBody>
+                  <a:tcPr/>
+                </a:tc>
+                <a:tc>
+                  <a:txBody>
+                    <a:bodyPr/>
+                    <a:lstStyle/>
+                    <a:p>
+                      <a:pPr latinLnBrk="1"/>
+                      <a:r>
+                        <a:rPr lang="en-US" altLang="ko-KR" dirty="0"/>
+                        <a:t>1</a:t>
+                      </a:r>
+                      <a:endParaRPr lang="ko-KR" altLang="en-US" dirty="0"/>
+                    </a:p>
+                  </a:txBody>
+                  <a:tcPr/>
+                </a:tc>
+                <a:tc>
+                  <a:txBody>
+                    <a:bodyPr/>
+                    <a:lstStyle/>
+                    <a:p>
+                      <a:pPr latinLnBrk="1"/>
+                      <a:r>
+                        <a:rPr lang="en-US" altLang="ko-KR" dirty="0"/>
+                        <a:t>2</a:t>
+                      </a:r>
+                      <a:endParaRPr lang="ko-KR" altLang="en-US" dirty="0"/>
+                    </a:p>
+                  </a:txBody>
+                  <a:tcPr/>
+                </a:tc>
+                <a:tc>
+                  <a:txBody>
+                    <a:bodyPr/>
+                    <a:lstStyle/>
+                    <a:p>
+                      <a:pPr latinLnBrk="1"/>
+                      <a:endParaRPr lang="ko-KR" altLang="en-US" dirty="0"/>
+                    </a:p>
+                  </a:txBody>
+                  <a:tcPr/>
+                </a:tc>
+                <a:extLst>
+                  <a:ext uri="{0D108BD9-81ED-4DB2-BD59-A6C34878D82A}">
+                    <a16:rowId xmlns:a16="http://schemas.microsoft.com/office/drawing/2014/main" val="669848216"/>
+                  </a:ext>
+                </a:extLst>
+              </a:tr>
+            </a:tbl>
+          </a:graphicData>
+        </a:graphic>
+      </p:graphicFrame>
+      <p:sp>
+        <p:nvSpPr>
+          <p:cNvPr id="4" name="직사각형 3"/>
+          <p:cNvSpPr/>
+          <p:nvPr/>
+        </p:nvSpPr>
+        <p:spPr>
+          <a:xfrm>
+            <a:off x="-3000103" y="2726020"/>
+            <a:ext cx="2126343" cy="420760"/>
+          </a:xfrm>
+          <a:prstGeom prst="rect">
+            <a:avLst/>
+          </a:prstGeom>
+          <a:solidFill>
+            <a:srgbClr val="FF0000"/>
+          </a:solidFill>
+          <a:ln>
+            <a:noFill/>
+          </a:ln>
+        </p:spPr>
+        <p:style>
+          <a:lnRef idx="2">
+            <a:schemeClr val="accent1">
+              <a:shade val="50000"/>
+            </a:schemeClr>
+          </a:lnRef>
+          <a:fillRef idx="1">
+            <a:schemeClr val="accent1"/>
+          </a:fillRef>
+          <a:effectRef idx="0">
+            <a:schemeClr val="accent1"/>
+          </a:effectRef>
+          <a:fontRef idx="minor">
+            <a:schemeClr val="lt1"/>
+          </a:fontRef>
+        </p:style>
+        <p:txBody>
+          <a:bodyPr rtlCol="0" anchor="ctr"/>
+          <a:lstStyle/>
+          <a:p>
+            <a:pPr algn="ctr"/>
+            <a:r>
+              <a:rPr lang="ko-KR" altLang="en-US" b="1" dirty="0"/>
+              <a:t>예시</a:t>
+            </a:r>
+          </a:p>
+        </p:txBody>
+      </p:sp>
+      <p:sp>
+        <p:nvSpPr>
+          <p:cNvPr id="6" name="직사각형 5"/>
+          <p:cNvSpPr/>
+          <p:nvPr/>
+        </p:nvSpPr>
+        <p:spPr>
+          <a:xfrm>
+            <a:off x="-3669208" y="3291840"/>
+            <a:ext cx="1831703" cy="338370"/>
+          </a:xfrm>
+          <a:prstGeom prst="rect">
+            <a:avLst/>
+          </a:prstGeom>
+        </p:spPr>
+        <p:style>
+          <a:lnRef idx="2">
+            <a:schemeClr val="dk1">
+              <a:shade val="50000"/>
+            </a:schemeClr>
+          </a:lnRef>
+          <a:fillRef idx="1">
+            <a:schemeClr val="dk1"/>
+          </a:fillRef>
+          <a:effectRef idx="0">
+            <a:schemeClr val="dk1"/>
+          </a:effectRef>
+          <a:fontRef idx="minor">
+            <a:schemeClr val="lt1"/>
+          </a:fontRef>
+        </p:style>
+        <p:txBody>
+          <a:bodyPr rtlCol="0" anchor="ctr"/>
+          <a:lstStyle/>
+          <a:p>
+            <a:pPr algn="ctr"/>
+            <a:r>
+              <a:rPr lang="ko-KR" altLang="en-US" dirty="0"/>
+              <a:t>진료기록</a:t>
+            </a:r>
+            <a:r>
+              <a:rPr lang="en-US" altLang="ko-KR" dirty="0"/>
+              <a:t>Table</a:t>
+            </a:r>
+            <a:endParaRPr lang="ko-KR" altLang="en-US" dirty="0"/>
+          </a:p>
+        </p:txBody>
+      </p:sp>
+      <p:sp>
+        <p:nvSpPr>
+          <p:cNvPr id="29" name="직사각형 28"/>
+          <p:cNvSpPr/>
+          <p:nvPr/>
+        </p:nvSpPr>
+        <p:spPr>
+          <a:xfrm>
+            <a:off x="4907280" y="3291840"/>
+            <a:ext cx="1831703" cy="338370"/>
+          </a:xfrm>
+          <a:prstGeom prst="rect">
+            <a:avLst/>
+          </a:prstGeom>
+        </p:spPr>
+        <p:style>
+          <a:lnRef idx="2">
+            <a:schemeClr val="dk1">
+              <a:shade val="50000"/>
+            </a:schemeClr>
+          </a:lnRef>
+          <a:fillRef idx="1">
+            <a:schemeClr val="dk1"/>
+          </a:fillRef>
+          <a:effectRef idx="0">
+            <a:schemeClr val="dk1"/>
+          </a:effectRef>
+          <a:fontRef idx="minor">
+            <a:schemeClr val="lt1"/>
+          </a:fontRef>
+        </p:style>
+        <p:txBody>
+          <a:bodyPr rtlCol="0" anchor="ctr"/>
+          <a:lstStyle/>
+          <a:p>
+            <a:pPr algn="ctr"/>
+            <a:r>
+              <a:rPr lang="ko-KR" altLang="en-US" dirty="0"/>
+              <a:t>처방</a:t>
+            </a:r>
+            <a:r>
+              <a:rPr lang="en-US" altLang="ko-KR" dirty="0"/>
+              <a:t>Table</a:t>
+            </a:r>
+            <a:endParaRPr lang="ko-KR" altLang="en-US" dirty="0"/>
+          </a:p>
+        </p:txBody>
+      </p:sp>
+      <p:sp>
+        <p:nvSpPr>
+          <p:cNvPr id="8" name="왼쪽 중괄호 7"/>
+          <p:cNvSpPr/>
+          <p:nvPr/>
+        </p:nvSpPr>
+        <p:spPr>
+          <a:xfrm>
+            <a:off x="4770119" y="4114800"/>
+            <a:ext cx="137161" cy="1087120"/>
+          </a:xfrm>
+          <a:prstGeom prst="leftBrace">
+            <a:avLst/>
+          </a:prstGeom>
+          <a:ln w="28575">
+            <a:solidFill>
+              <a:srgbClr val="FF0000"/>
+            </a:solidFill>
+          </a:ln>
+        </p:spPr>
+        <p:style>
+          <a:lnRef idx="1">
+            <a:schemeClr val="accent1"/>
+          </a:lnRef>
+          <a:fillRef idx="0">
+            <a:schemeClr val="accent1"/>
+          </a:fillRef>
+          <a:effectRef idx="0">
+            <a:schemeClr val="accent1"/>
+          </a:effectRef>
+          <a:fontRef idx="minor">
+            <a:schemeClr val="tx1"/>
+          </a:fontRef>
+        </p:style>
+        <p:txBody>
+          <a:bodyPr rtlCol="0" anchor="ctr"/>
+          <a:lstStyle/>
+          <a:p>
+            <a:pPr algn="ctr"/>
+            <a:endParaRPr lang="ko-KR" altLang="en-US"/>
+          </a:p>
+        </p:txBody>
+      </p:sp>
+      <p:sp>
+        <p:nvSpPr>
+          <p:cNvPr id="30" name="왼쪽 중괄호 29"/>
+          <p:cNvSpPr/>
+          <p:nvPr/>
+        </p:nvSpPr>
+        <p:spPr>
+          <a:xfrm>
+            <a:off x="4770118" y="5201919"/>
+            <a:ext cx="137162" cy="763545"/>
+          </a:xfrm>
+          <a:prstGeom prst="leftBrace">
+            <a:avLst/>
+          </a:prstGeom>
+          <a:ln w="28575">
+            <a:solidFill>
+              <a:srgbClr val="FFC000"/>
+            </a:solidFill>
+          </a:ln>
+        </p:spPr>
+        <p:style>
+          <a:lnRef idx="1">
+            <a:schemeClr val="accent1"/>
+          </a:lnRef>
+          <a:fillRef idx="0">
+            <a:schemeClr val="accent1"/>
+          </a:fillRef>
+          <a:effectRef idx="0">
+            <a:schemeClr val="accent1"/>
+          </a:effectRef>
+          <a:fontRef idx="minor">
+            <a:schemeClr val="tx1"/>
+          </a:fontRef>
+        </p:style>
+        <p:txBody>
+          <a:bodyPr rtlCol="0" anchor="ctr"/>
+          <a:lstStyle/>
+          <a:p>
+            <a:pPr algn="ctr"/>
+            <a:endParaRPr lang="ko-KR" altLang="en-US"/>
+          </a:p>
+        </p:txBody>
+      </p:sp>
+      <p:sp>
+        <p:nvSpPr>
+          <p:cNvPr id="31" name="왼쪽 중괄호 30"/>
+          <p:cNvSpPr/>
+          <p:nvPr/>
+        </p:nvSpPr>
+        <p:spPr>
+          <a:xfrm>
+            <a:off x="4757418" y="5965465"/>
+            <a:ext cx="137162" cy="763545"/>
+          </a:xfrm>
+          <a:prstGeom prst="leftBrace">
+            <a:avLst/>
+          </a:prstGeom>
+          <a:ln w="28575">
+            <a:solidFill>
+              <a:srgbClr val="00B0F0"/>
+            </a:solidFill>
+          </a:ln>
+        </p:spPr>
+        <p:style>
+          <a:lnRef idx="1">
+            <a:schemeClr val="accent1"/>
+          </a:lnRef>
+          <a:fillRef idx="0">
+            <a:schemeClr val="accent1"/>
+          </a:fillRef>
+          <a:effectRef idx="0">
+            <a:schemeClr val="accent1"/>
+          </a:effectRef>
+          <a:fontRef idx="minor">
+            <a:schemeClr val="tx1"/>
+          </a:fontRef>
+        </p:style>
+        <p:txBody>
+          <a:bodyPr rtlCol="0" anchor="ctr"/>
+          <a:lstStyle/>
+          <a:p>
+            <a:pPr algn="ctr"/>
+            <a:endParaRPr lang="ko-KR" altLang="en-US"/>
+          </a:p>
+        </p:txBody>
+      </p:sp>
+      <p:sp>
+        <p:nvSpPr>
+          <p:cNvPr id="10" name="자유형 9"/>
+          <p:cNvSpPr/>
+          <p:nvPr/>
+        </p:nvSpPr>
+        <p:spPr>
+          <a:xfrm>
+            <a:off x="4013200" y="4094480"/>
+            <a:ext cx="650240" cy="558800"/>
+          </a:xfrm>
+          <a:custGeom>
+            <a:avLst/>
+            <a:gdLst>
+              <a:gd name="connsiteX0" fmla="*/ 650240 w 650240"/>
+              <a:gd name="connsiteY0" fmla="*/ 558800 h 558800"/>
+              <a:gd name="connsiteX1" fmla="*/ 650240 w 650240"/>
+              <a:gd name="connsiteY1" fmla="*/ 0 h 558800"/>
+              <a:gd name="connsiteX2" fmla="*/ 0 w 650240"/>
+              <a:gd name="connsiteY2" fmla="*/ 0 h 558800"/>
+            </a:gdLst>
+            <a:ahLst/>
+            <a:cxnLst>
+              <a:cxn ang="0">
+                <a:pos x="connsiteX0" y="connsiteY0"/>
+              </a:cxn>
+              <a:cxn ang="0">
+                <a:pos x="connsiteX1" y="connsiteY1"/>
+              </a:cxn>
+              <a:cxn ang="0">
+                <a:pos x="connsiteX2" y="connsiteY2"/>
+              </a:cxn>
+            </a:cxnLst>
+            <a:rect l="l" t="t" r="r" b="b"/>
+            <a:pathLst>
+              <a:path w="650240" h="558800">
+                <a:moveTo>
+                  <a:pt x="650240" y="558800"/>
+                </a:moveTo>
+                <a:lnTo>
+                  <a:pt x="650240" y="0"/>
+                </a:lnTo>
+                <a:lnTo>
+                  <a:pt x="0" y="0"/>
+                </a:lnTo>
+              </a:path>
+            </a:pathLst>
+          </a:custGeom>
+          <a:ln w="28575">
+            <a:solidFill>
+              <a:srgbClr val="FF0000"/>
+            </a:solidFill>
+          </a:ln>
+        </p:spPr>
+        <p:style>
+          <a:lnRef idx="1">
+            <a:schemeClr val="accent1"/>
+          </a:lnRef>
+          <a:fillRef idx="0">
+            <a:schemeClr val="accent1"/>
+          </a:fillRef>
+          <a:effectRef idx="0">
+            <a:schemeClr val="accent1"/>
+          </a:effectRef>
+          <a:fontRef idx="minor">
+            <a:schemeClr val="tx1"/>
+          </a:fontRef>
+        </p:style>
+        <p:txBody>
+          <a:bodyPr rtlCol="0" anchor="ctr"/>
+          <a:lstStyle/>
+          <a:p>
+            <a:pPr algn="ctr"/>
+            <a:endParaRPr lang="ko-KR" altLang="en-US">
+              <a:solidFill>
+                <a:schemeClr val="tx1"/>
+              </a:solidFill>
+            </a:endParaRPr>
+          </a:p>
+        </p:txBody>
+      </p:sp>
+      <p:sp>
+        <p:nvSpPr>
+          <p:cNvPr id="11" name="자유형 10"/>
+          <p:cNvSpPr/>
+          <p:nvPr/>
+        </p:nvSpPr>
+        <p:spPr>
+          <a:xfrm>
+            <a:off x="4023360" y="4551680"/>
+            <a:ext cx="660400" cy="1036320"/>
+          </a:xfrm>
+          <a:custGeom>
+            <a:avLst/>
+            <a:gdLst>
+              <a:gd name="connsiteX0" fmla="*/ 660400 w 660400"/>
+              <a:gd name="connsiteY0" fmla="*/ 1036320 h 1036320"/>
+              <a:gd name="connsiteX1" fmla="*/ 294640 w 660400"/>
+              <a:gd name="connsiteY1" fmla="*/ 1036320 h 1036320"/>
+              <a:gd name="connsiteX2" fmla="*/ 294640 w 660400"/>
+              <a:gd name="connsiteY2" fmla="*/ 0 h 1036320"/>
+              <a:gd name="connsiteX3" fmla="*/ 0 w 660400"/>
+              <a:gd name="connsiteY3" fmla="*/ 0 h 1036320"/>
+            </a:gdLst>
+            <a:ahLst/>
+            <a:cxnLst>
+              <a:cxn ang="0">
+                <a:pos x="connsiteX0" y="connsiteY0"/>
+              </a:cxn>
+              <a:cxn ang="0">
+                <a:pos x="connsiteX1" y="connsiteY1"/>
+              </a:cxn>
+              <a:cxn ang="0">
+                <a:pos x="connsiteX2" y="connsiteY2"/>
+              </a:cxn>
+              <a:cxn ang="0">
+                <a:pos x="connsiteX3" y="connsiteY3"/>
+              </a:cxn>
+            </a:cxnLst>
+            <a:rect l="l" t="t" r="r" b="b"/>
+            <a:pathLst>
+              <a:path w="660400" h="1036320">
+                <a:moveTo>
+                  <a:pt x="660400" y="1036320"/>
+                </a:moveTo>
+                <a:lnTo>
+                  <a:pt x="294640" y="1036320"/>
+                </a:lnTo>
+                <a:lnTo>
+                  <a:pt x="294640" y="0"/>
+                </a:lnTo>
+                <a:lnTo>
+                  <a:pt x="0" y="0"/>
+                </a:lnTo>
+              </a:path>
+            </a:pathLst>
+          </a:custGeom>
+          <a:ln w="28575">
+            <a:solidFill>
+              <a:srgbClr val="FFC000"/>
+            </a:solidFill>
+          </a:ln>
+        </p:spPr>
+        <p:style>
+          <a:lnRef idx="1">
+            <a:schemeClr val="accent1"/>
+          </a:lnRef>
+          <a:fillRef idx="0">
+            <a:schemeClr val="accent1"/>
+          </a:fillRef>
+          <a:effectRef idx="0">
+            <a:schemeClr val="accent1"/>
+          </a:effectRef>
+          <a:fontRef idx="minor">
+            <a:schemeClr val="tx1"/>
+          </a:fontRef>
+        </p:style>
+        <p:txBody>
+          <a:bodyPr rtlCol="0" anchor="ctr"/>
+          <a:lstStyle/>
+          <a:p>
+            <a:pPr algn="ctr"/>
+            <a:endParaRPr lang="ko-KR" altLang="en-US">
+              <a:solidFill>
+                <a:schemeClr val="tx1"/>
+              </a:solidFill>
+            </a:endParaRPr>
+          </a:p>
+        </p:txBody>
+      </p:sp>
+      <p:sp>
+        <p:nvSpPr>
+          <p:cNvPr id="12" name="자유형 11"/>
+          <p:cNvSpPr/>
+          <p:nvPr/>
+        </p:nvSpPr>
+        <p:spPr>
+          <a:xfrm>
+            <a:off x="4023360" y="4968240"/>
+            <a:ext cx="609600" cy="1381760"/>
+          </a:xfrm>
+          <a:custGeom>
+            <a:avLst/>
+            <a:gdLst>
+              <a:gd name="connsiteX0" fmla="*/ 609600 w 609600"/>
+              <a:gd name="connsiteY0" fmla="*/ 1381760 h 1381760"/>
+              <a:gd name="connsiteX1" fmla="*/ 132080 w 609600"/>
+              <a:gd name="connsiteY1" fmla="*/ 1381760 h 1381760"/>
+              <a:gd name="connsiteX2" fmla="*/ 132080 w 609600"/>
+              <a:gd name="connsiteY2" fmla="*/ 0 h 1381760"/>
+              <a:gd name="connsiteX3" fmla="*/ 0 w 609600"/>
+              <a:gd name="connsiteY3" fmla="*/ 0 h 1381760"/>
+            </a:gdLst>
+            <a:ahLst/>
+            <a:cxnLst>
+              <a:cxn ang="0">
+                <a:pos x="connsiteX0" y="connsiteY0"/>
+              </a:cxn>
+              <a:cxn ang="0">
+                <a:pos x="connsiteX1" y="connsiteY1"/>
+              </a:cxn>
+              <a:cxn ang="0">
+                <a:pos x="connsiteX2" y="connsiteY2"/>
+              </a:cxn>
+              <a:cxn ang="0">
+                <a:pos x="connsiteX3" y="connsiteY3"/>
+              </a:cxn>
+            </a:cxnLst>
+            <a:rect l="l" t="t" r="r" b="b"/>
+            <a:pathLst>
+              <a:path w="609600" h="1381760">
+                <a:moveTo>
+                  <a:pt x="609600" y="1381760"/>
+                </a:moveTo>
+                <a:lnTo>
+                  <a:pt x="132080" y="1381760"/>
+                </a:lnTo>
+                <a:lnTo>
+                  <a:pt x="132080" y="0"/>
+                </a:lnTo>
+                <a:lnTo>
+                  <a:pt x="0" y="0"/>
+                </a:lnTo>
+              </a:path>
+            </a:pathLst>
+          </a:custGeom>
+          <a:ln w="28575">
+            <a:solidFill>
+              <a:srgbClr val="00B0F0"/>
+            </a:solidFill>
+          </a:ln>
+        </p:spPr>
+        <p:style>
+          <a:lnRef idx="1">
+            <a:schemeClr val="accent1"/>
+          </a:lnRef>
+          <a:fillRef idx="0">
+            <a:schemeClr val="accent1"/>
+          </a:fillRef>
+          <a:effectRef idx="0">
+            <a:schemeClr val="accent1"/>
+          </a:effectRef>
+          <a:fontRef idx="minor">
+            <a:schemeClr val="tx1"/>
+          </a:fontRef>
+        </p:style>
+        <p:txBody>
+          <a:bodyPr rtlCol="0" anchor="ctr"/>
+          <a:lstStyle/>
+          <a:p>
+            <a:pPr algn="ctr"/>
+            <a:endParaRPr lang="ko-KR" altLang="en-US">
+              <a:solidFill>
+                <a:schemeClr val="tx1"/>
+              </a:solidFill>
+            </a:endParaRPr>
+          </a:p>
+        </p:txBody>
+      </p:sp>
+    </p:spTree>
+    <p:extLst>
+      <p:ext uri="{BB962C8B-B14F-4D97-AF65-F5344CB8AC3E}">
+        <p14:creationId xmlns:p14="http://schemas.microsoft.com/office/powerpoint/2010/main" val="1711670722"/>
       </p:ext>
     </p:extLst>
   </p:cSld>
@@ -8434,7 +15017,7 @@
             </a:r>
             <a:r>
               <a:rPr lang="ko-KR" altLang="en-US" sz="1100" dirty="0" err="1"/>
-              <a:t>비로그인시</a:t>
+              <a:t>비태그시</a:t>
             </a:r>
             <a:endParaRPr lang="en-US" altLang="ko-KR" sz="1100" dirty="0"/>
           </a:p>
@@ -15119,7 +21702,29 @@
       </a:bgFillStyleLst>
     </a:fmtScheme>
   </a:themeElements>
-  <a:objectDefaults/>
+  <a:objectDefaults>
+    <a:spDef>
+      <a:spPr/>
+      <a:bodyPr/>
+      <a:lstStyle/>
+      <a:style>
+        <a:lnRef idx="2">
+          <a:schemeClr val="dk1">
+            <a:shade val="50000"/>
+          </a:schemeClr>
+        </a:lnRef>
+        <a:fillRef idx="1">
+          <a:schemeClr val="dk1"/>
+        </a:fillRef>
+        <a:effectRef idx="0">
+          <a:schemeClr val="dk1"/>
+        </a:effectRef>
+        <a:fontRef idx="minor">
+          <a:schemeClr val="lt1"/>
+        </a:fontRef>
+      </a:style>
+    </a:spDef>
+  </a:objectDefaults>
   <a:extraClrSchemeLst/>
   <a:extLst>
     <a:ext uri="{05A4C25C-085E-4340-85A3-A5531E510DB2}">

--- a/설계참고자료V1_sh.pptx
+++ b/설계참고자료V1_sh.pptx
@@ -5,7 +5,7 @@
     <p:sldMasterId id="2147483660" r:id="rId1"/>
   </p:sldMasterIdLst>
   <p:notesMasterIdLst>
-    <p:notesMasterId r:id="rId14"/>
+    <p:notesMasterId r:id="rId12"/>
   </p:notesMasterIdLst>
   <p:sldIdLst>
     <p:sldId id="262" r:id="rId2"/>
@@ -18,8 +18,6 @@
     <p:sldId id="327" r:id="rId9"/>
     <p:sldId id="321" r:id="rId10"/>
     <p:sldId id="322" r:id="rId11"/>
-    <p:sldId id="328" r:id="rId12"/>
-    <p:sldId id="329" r:id="rId13"/>
   </p:sldIdLst>
   <p:sldSz cx="9144000" cy="5715000" type="screen16x10"/>
   <p:notesSz cx="6881813" cy="9661525"/>
@@ -6516,7 +6514,7 @@
           <p:nvPr>
             <p:extLst>
               <p:ext uri="{D42A27DB-BD31-4B8C-83A1-F6EECF244321}">
-                <p14:modId xmlns:p14="http://schemas.microsoft.com/office/powerpoint/2010/main" val="1678854215"/>
+                <p14:modId xmlns:p14="http://schemas.microsoft.com/office/powerpoint/2010/main" val="3284321701"/>
               </p:ext>
             </p:extLst>
           </p:nvPr>
@@ -6749,10 +6747,6 @@
                     <a:lstStyle/>
                     <a:p>
                       <a:pPr latinLnBrk="1"/>
-                      <a:r>
-                        <a:rPr lang="en-US" altLang="ko-KR" dirty="0" err="1"/>
-                        <a:t>int</a:t>
-                      </a:r>
                       <a:endParaRPr lang="ko-KR" altLang="en-US" dirty="0"/>
                     </a:p>
                   </a:txBody>
@@ -7978,6583 +7972,6 @@
     <p:extLst>
       <p:ext uri="{BB962C8B-B14F-4D97-AF65-F5344CB8AC3E}">
         <p14:creationId xmlns:p14="http://schemas.microsoft.com/office/powerpoint/2010/main" val="900412127"/>
-      </p:ext>
-    </p:extLst>
-  </p:cSld>
-  <p:clrMapOvr>
-    <a:masterClrMapping/>
-  </p:clrMapOvr>
-</p:sld>
-</file>
-
-<file path=ppt/slides/slide11.xml><?xml version="1.0" encoding="utf-8"?>
-<p:sld xmlns:a="http://schemas.openxmlformats.org/drawingml/2006/main" xmlns:r="http://schemas.openxmlformats.org/officeDocument/2006/relationships" xmlns:p="http://schemas.openxmlformats.org/presentationml/2006/main">
-  <p:cSld>
-    <p:spTree>
-      <p:nvGrpSpPr>
-        <p:cNvPr id="1" name=""/>
-        <p:cNvGrpSpPr/>
-        <p:nvPr/>
-      </p:nvGrpSpPr>
-      <p:grpSpPr>
-        <a:xfrm>
-          <a:off x="0" y="0"/>
-          <a:ext cx="0" cy="0"/>
-          <a:chOff x="0" y="0"/>
-          <a:chExt cx="0" cy="0"/>
-        </a:xfrm>
-      </p:grpSpPr>
-      <p:sp>
-        <p:nvSpPr>
-          <p:cNvPr id="5" name="TextBox 4"/>
-          <p:cNvSpPr txBox="1"/>
-          <p:nvPr/>
-        </p:nvSpPr>
-        <p:spPr>
-          <a:xfrm>
-            <a:off x="245909" y="2286187"/>
-            <a:ext cx="1797156" cy="308418"/>
-          </a:xfrm>
-          <a:prstGeom prst="rect">
-            <a:avLst/>
-          </a:prstGeom>
-          <a:noFill/>
-        </p:spPr>
-        <p:txBody>
-          <a:bodyPr wrap="square" rtlCol="0">
-            <a:spAutoFit/>
-          </a:bodyPr>
-          <a:lstStyle/>
-          <a:p>
-            <a:r>
-              <a:rPr lang="ko-KR" altLang="en-US" b="1" dirty="0"/>
-              <a:t>병원</a:t>
-            </a:r>
-            <a:r>
-              <a:rPr lang="en-US" altLang="ko-KR" b="1" dirty="0"/>
-              <a:t>Table (HOSPITAL)</a:t>
-            </a:r>
-            <a:endParaRPr lang="ko-KR" altLang="en-US" b="1" dirty="0"/>
-          </a:p>
-        </p:txBody>
-      </p:sp>
-      <p:sp>
-        <p:nvSpPr>
-          <p:cNvPr id="7" name="TextBox 6"/>
-          <p:cNvSpPr txBox="1"/>
-          <p:nvPr/>
-        </p:nvSpPr>
-        <p:spPr>
-          <a:xfrm>
-            <a:off x="245909" y="99682"/>
-            <a:ext cx="1862706" cy="308418"/>
-          </a:xfrm>
-          <a:prstGeom prst="rect">
-            <a:avLst/>
-          </a:prstGeom>
-          <a:noFill/>
-        </p:spPr>
-        <p:txBody>
-          <a:bodyPr wrap="square" rtlCol="0">
-            <a:spAutoFit/>
-          </a:bodyPr>
-          <a:lstStyle/>
-          <a:p>
-            <a:r>
-              <a:rPr lang="ko-KR" altLang="en-US" b="1" dirty="0"/>
-              <a:t>의사</a:t>
-            </a:r>
-            <a:r>
-              <a:rPr lang="en-US" altLang="ko-KR" b="1" dirty="0"/>
-              <a:t>Table (DOCTOR)</a:t>
-            </a:r>
-            <a:endParaRPr lang="ko-KR" altLang="en-US" b="1" dirty="0"/>
-          </a:p>
-        </p:txBody>
-      </p:sp>
-      <p:sp>
-        <p:nvSpPr>
-          <p:cNvPr id="9" name="TextBox 8"/>
-          <p:cNvSpPr txBox="1"/>
-          <p:nvPr/>
-        </p:nvSpPr>
-        <p:spPr>
-          <a:xfrm>
-            <a:off x="245909" y="5040388"/>
-            <a:ext cx="2525644" cy="308418"/>
-          </a:xfrm>
-          <a:prstGeom prst="rect">
-            <a:avLst/>
-          </a:prstGeom>
-          <a:noFill/>
-        </p:spPr>
-        <p:txBody>
-          <a:bodyPr wrap="square" rtlCol="0">
-            <a:spAutoFit/>
-          </a:bodyPr>
-          <a:lstStyle/>
-          <a:p>
-            <a:r>
-              <a:rPr lang="ko-KR" altLang="en-US" b="1" dirty="0" err="1"/>
-              <a:t>대기인원</a:t>
-            </a:r>
-            <a:r>
-              <a:rPr lang="en-US" altLang="ko-KR" b="1" dirty="0"/>
-              <a:t>Table (WAIT_LIST)</a:t>
-            </a:r>
-            <a:endParaRPr lang="ko-KR" altLang="en-US" b="1" dirty="0"/>
-          </a:p>
-        </p:txBody>
-      </p:sp>
-      <p:graphicFrame>
-        <p:nvGraphicFramePr>
-          <p:cNvPr id="14" name="표 13"/>
-          <p:cNvGraphicFramePr>
-            <a:graphicFrameLocks noGrp="1"/>
-          </p:cNvGraphicFramePr>
-          <p:nvPr>
-            <p:extLst/>
-          </p:nvPr>
-        </p:nvGraphicFramePr>
-        <p:xfrm>
-          <a:off x="4577848" y="499233"/>
-          <a:ext cx="3802566" cy="2377440"/>
-        </p:xfrm>
-        <a:graphic>
-          <a:graphicData uri="http://schemas.openxmlformats.org/drawingml/2006/table">
-            <a:tbl>
-              <a:tblPr firstRow="1" bandRow="1">
-                <a:tableStyleId>{5A111915-BE36-4E01-A7E5-04B1672EAD32}</a:tableStyleId>
-              </a:tblPr>
-              <a:tblGrid>
-                <a:gridCol w="1267522">
-                  <a:extLst>
-                    <a:ext uri="{9D8B030D-6E8A-4147-A177-3AD203B41FA5}">
-                      <a16:colId xmlns:a16="http://schemas.microsoft.com/office/drawing/2014/main" val="20000"/>
-                    </a:ext>
-                  </a:extLst>
-                </a:gridCol>
-                <a:gridCol w="1267522">
-                  <a:extLst>
-                    <a:ext uri="{9D8B030D-6E8A-4147-A177-3AD203B41FA5}">
-                      <a16:colId xmlns:a16="http://schemas.microsoft.com/office/drawing/2014/main" val="20001"/>
-                    </a:ext>
-                  </a:extLst>
-                </a:gridCol>
-                <a:gridCol w="1267522">
-                  <a:extLst>
-                    <a:ext uri="{9D8B030D-6E8A-4147-A177-3AD203B41FA5}">
-                      <a16:colId xmlns:a16="http://schemas.microsoft.com/office/drawing/2014/main" val="3365571297"/>
-                    </a:ext>
-                  </a:extLst>
-                </a:gridCol>
-              </a:tblGrid>
-              <a:tr h="254614">
-                <a:tc>
-                  <a:txBody>
-                    <a:bodyPr/>
-                    <a:lstStyle/>
-                    <a:p>
-                      <a:pPr latinLnBrk="1"/>
-                      <a:r>
-                        <a:rPr lang="ko-KR" altLang="en-US" dirty="0"/>
-                        <a:t>변수</a:t>
-                      </a:r>
-                    </a:p>
-                  </a:txBody>
-                  <a:tcPr/>
-                </a:tc>
-                <a:tc>
-                  <a:txBody>
-                    <a:bodyPr/>
-                    <a:lstStyle/>
-                    <a:p>
-                      <a:pPr latinLnBrk="1"/>
-                      <a:r>
-                        <a:rPr lang="ko-KR" altLang="en-US" dirty="0"/>
-                        <a:t>변수형</a:t>
-                      </a:r>
-                    </a:p>
-                  </a:txBody>
-                  <a:tcPr/>
-                </a:tc>
-                <a:tc>
-                  <a:txBody>
-                    <a:bodyPr/>
-                    <a:lstStyle/>
-                    <a:p>
-                      <a:pPr latinLnBrk="1"/>
-                      <a:r>
-                        <a:rPr lang="ko-KR" altLang="en-US" dirty="0"/>
-                        <a:t>기타사항</a:t>
-                      </a:r>
-                    </a:p>
-                  </a:txBody>
-                  <a:tcPr/>
-                </a:tc>
-                <a:extLst>
-                  <a:ext uri="{0D108BD9-81ED-4DB2-BD59-A6C34878D82A}">
-                    <a16:rowId xmlns:a16="http://schemas.microsoft.com/office/drawing/2014/main" val="10000"/>
-                  </a:ext>
-                </a:extLst>
-              </a:tr>
-              <a:tr h="254614">
-                <a:tc>
-                  <a:txBody>
-                    <a:bodyPr/>
-                    <a:lstStyle/>
-                    <a:p>
-                      <a:pPr latinLnBrk="1"/>
-                      <a:r>
-                        <a:rPr lang="en-US" altLang="ko-KR" dirty="0"/>
-                        <a:t>id</a:t>
-                      </a:r>
-                      <a:endParaRPr lang="ko-KR" altLang="en-US" dirty="0"/>
-                    </a:p>
-                  </a:txBody>
-                  <a:tcPr/>
-                </a:tc>
-                <a:tc>
-                  <a:txBody>
-                    <a:bodyPr/>
-                    <a:lstStyle/>
-                    <a:p>
-                      <a:pPr latinLnBrk="1"/>
-                      <a:r>
-                        <a:rPr lang="en-US" altLang="ko-KR" dirty="0"/>
-                        <a:t>char[20]</a:t>
-                      </a:r>
-                      <a:endParaRPr lang="ko-KR" altLang="en-US" dirty="0"/>
-                    </a:p>
-                  </a:txBody>
-                  <a:tcPr/>
-                </a:tc>
-                <a:tc>
-                  <a:txBody>
-                    <a:bodyPr/>
-                    <a:lstStyle/>
-                    <a:p>
-                      <a:pPr latinLnBrk="1"/>
-                      <a:r>
-                        <a:rPr lang="en-US" altLang="ko-KR" dirty="0"/>
-                        <a:t>PRIMARY</a:t>
-                      </a:r>
-                      <a:endParaRPr lang="ko-KR" altLang="en-US" dirty="0"/>
-                    </a:p>
-                  </a:txBody>
-                  <a:tcPr/>
-                </a:tc>
-                <a:extLst>
-                  <a:ext uri="{0D108BD9-81ED-4DB2-BD59-A6C34878D82A}">
-                    <a16:rowId xmlns:a16="http://schemas.microsoft.com/office/drawing/2014/main" val="3660664144"/>
-                  </a:ext>
-                </a:extLst>
-              </a:tr>
-              <a:tr h="254614">
-                <a:tc>
-                  <a:txBody>
-                    <a:bodyPr/>
-                    <a:lstStyle/>
-                    <a:p>
-                      <a:pPr latinLnBrk="1"/>
-                      <a:r>
-                        <a:rPr lang="en-US" altLang="ko-KR" dirty="0"/>
-                        <a:t>pw</a:t>
-                      </a:r>
-                      <a:endParaRPr lang="ko-KR" altLang="en-US" dirty="0"/>
-                    </a:p>
-                  </a:txBody>
-                  <a:tcPr/>
-                </a:tc>
-                <a:tc>
-                  <a:txBody>
-                    <a:bodyPr/>
-                    <a:lstStyle/>
-                    <a:p>
-                      <a:pPr latinLnBrk="1"/>
-                      <a:r>
-                        <a:rPr lang="en-US" altLang="ko-KR" dirty="0"/>
-                        <a:t>char[40]</a:t>
-                      </a:r>
-                      <a:endParaRPr lang="ko-KR" altLang="en-US" dirty="0"/>
-                    </a:p>
-                  </a:txBody>
-                  <a:tcPr/>
-                </a:tc>
-                <a:tc>
-                  <a:txBody>
-                    <a:bodyPr/>
-                    <a:lstStyle/>
-                    <a:p>
-                      <a:pPr latinLnBrk="1"/>
-                      <a:endParaRPr lang="ko-KR" altLang="en-US" dirty="0"/>
-                    </a:p>
-                  </a:txBody>
-                  <a:tcPr/>
-                </a:tc>
-                <a:extLst>
-                  <a:ext uri="{0D108BD9-81ED-4DB2-BD59-A6C34878D82A}">
-                    <a16:rowId xmlns:a16="http://schemas.microsoft.com/office/drawing/2014/main" val="10002"/>
-                  </a:ext>
-                </a:extLst>
-              </a:tr>
-              <a:tr h="254614">
-                <a:tc>
-                  <a:txBody>
-                    <a:bodyPr/>
-                    <a:lstStyle/>
-                    <a:p>
-                      <a:pPr latinLnBrk="1"/>
-                      <a:r>
-                        <a:rPr lang="en-US" altLang="ko-KR" dirty="0"/>
-                        <a:t>name</a:t>
-                      </a:r>
-                      <a:endParaRPr lang="ko-KR" altLang="en-US" dirty="0"/>
-                    </a:p>
-                  </a:txBody>
-                  <a:tcPr/>
-                </a:tc>
-                <a:tc>
-                  <a:txBody>
-                    <a:bodyPr/>
-                    <a:lstStyle/>
-                    <a:p>
-                      <a:pPr latinLnBrk="1"/>
-                      <a:r>
-                        <a:rPr lang="en-US" altLang="ko-KR" dirty="0"/>
-                        <a:t>char[40]</a:t>
-                      </a:r>
-                      <a:endParaRPr lang="ko-KR" altLang="en-US" dirty="0"/>
-                    </a:p>
-                  </a:txBody>
-                  <a:tcPr/>
-                </a:tc>
-                <a:tc>
-                  <a:txBody>
-                    <a:bodyPr/>
-                    <a:lstStyle/>
-                    <a:p>
-                      <a:pPr latinLnBrk="1"/>
-                      <a:endParaRPr lang="ko-KR" altLang="en-US" dirty="0"/>
-                    </a:p>
-                  </a:txBody>
-                  <a:tcPr/>
-                </a:tc>
-                <a:extLst>
-                  <a:ext uri="{0D108BD9-81ED-4DB2-BD59-A6C34878D82A}">
-                    <a16:rowId xmlns:a16="http://schemas.microsoft.com/office/drawing/2014/main" val="10003"/>
-                  </a:ext>
-                </a:extLst>
-              </a:tr>
-              <a:tr h="267208">
-                <a:tc>
-                  <a:txBody>
-                    <a:bodyPr/>
-                    <a:lstStyle/>
-                    <a:p>
-                      <a:pPr latinLnBrk="1"/>
-                      <a:r>
-                        <a:rPr lang="en-US" altLang="ko-KR" dirty="0"/>
-                        <a:t>gene</a:t>
-                      </a:r>
-                    </a:p>
-                  </a:txBody>
-                  <a:tcPr/>
-                </a:tc>
-                <a:tc>
-                  <a:txBody>
-                    <a:bodyPr/>
-                    <a:lstStyle/>
-                    <a:p>
-                      <a:pPr latinLnBrk="1"/>
-                      <a:r>
-                        <a:rPr lang="en-US" altLang="ko-KR" dirty="0"/>
-                        <a:t>bool</a:t>
-                      </a:r>
-                    </a:p>
-                  </a:txBody>
-                  <a:tcPr/>
-                </a:tc>
-                <a:tc>
-                  <a:txBody>
-                    <a:bodyPr/>
-                    <a:lstStyle/>
-                    <a:p>
-                      <a:pPr latinLnBrk="1"/>
-                      <a:r>
-                        <a:rPr lang="en-US" altLang="ko-KR" dirty="0"/>
-                        <a:t>1</a:t>
-                      </a:r>
-                      <a:r>
-                        <a:rPr lang="en-US" altLang="ko-KR" baseline="0" dirty="0"/>
-                        <a:t> : F, 0 : M</a:t>
-                      </a:r>
-                      <a:endParaRPr lang="ko-KR" altLang="en-US" dirty="0"/>
-                    </a:p>
-                  </a:txBody>
-                  <a:tcPr/>
-                </a:tc>
-                <a:extLst>
-                  <a:ext uri="{0D108BD9-81ED-4DB2-BD59-A6C34878D82A}">
-                    <a16:rowId xmlns:a16="http://schemas.microsoft.com/office/drawing/2014/main" val="10004"/>
-                  </a:ext>
-                </a:extLst>
-              </a:tr>
-              <a:tr h="267208">
-                <a:tc>
-                  <a:txBody>
-                    <a:bodyPr/>
-                    <a:lstStyle/>
-                    <a:p>
-                      <a:pPr latinLnBrk="1"/>
-                      <a:r>
-                        <a:rPr lang="en-US" altLang="ko-KR" dirty="0" err="1"/>
-                        <a:t>birth_year</a:t>
-                      </a:r>
-                      <a:endParaRPr lang="ko-KR" altLang="en-US" dirty="0"/>
-                    </a:p>
-                  </a:txBody>
-                  <a:tcPr/>
-                </a:tc>
-                <a:tc>
-                  <a:txBody>
-                    <a:bodyPr/>
-                    <a:lstStyle/>
-                    <a:p>
-                      <a:pPr latinLnBrk="1"/>
-                      <a:r>
-                        <a:rPr lang="en-US" altLang="ko-KR" dirty="0" err="1"/>
-                        <a:t>int</a:t>
-                      </a:r>
-                      <a:endParaRPr lang="ko-KR" altLang="en-US" dirty="0"/>
-                    </a:p>
-                  </a:txBody>
-                  <a:tcPr/>
-                </a:tc>
-                <a:tc>
-                  <a:txBody>
-                    <a:bodyPr/>
-                    <a:lstStyle/>
-                    <a:p>
-                      <a:pPr latinLnBrk="1"/>
-                      <a:endParaRPr lang="ko-KR" altLang="en-US" dirty="0"/>
-                    </a:p>
-                  </a:txBody>
-                  <a:tcPr/>
-                </a:tc>
-                <a:extLst>
-                  <a:ext uri="{0D108BD9-81ED-4DB2-BD59-A6C34878D82A}">
-                    <a16:rowId xmlns:a16="http://schemas.microsoft.com/office/drawing/2014/main" val="10005"/>
-                  </a:ext>
-                </a:extLst>
-              </a:tr>
-              <a:tr h="267208">
-                <a:tc>
-                  <a:txBody>
-                    <a:bodyPr/>
-                    <a:lstStyle/>
-                    <a:p>
-                      <a:pPr latinLnBrk="1"/>
-                      <a:r>
-                        <a:rPr lang="en-US" altLang="ko-KR" dirty="0" err="1"/>
-                        <a:t>birth_month</a:t>
-                      </a:r>
-                      <a:endParaRPr lang="ko-KR" altLang="en-US" dirty="0"/>
-                    </a:p>
-                  </a:txBody>
-                  <a:tcPr/>
-                </a:tc>
-                <a:tc>
-                  <a:txBody>
-                    <a:bodyPr/>
-                    <a:lstStyle/>
-                    <a:p>
-                      <a:pPr latinLnBrk="1"/>
-                      <a:r>
-                        <a:rPr lang="en-US" altLang="ko-KR" dirty="0" err="1"/>
-                        <a:t>int</a:t>
-                      </a:r>
-                      <a:endParaRPr lang="ko-KR" altLang="en-US" dirty="0"/>
-                    </a:p>
-                  </a:txBody>
-                  <a:tcPr/>
-                </a:tc>
-                <a:tc>
-                  <a:txBody>
-                    <a:bodyPr/>
-                    <a:lstStyle/>
-                    <a:p>
-                      <a:pPr latinLnBrk="1"/>
-                      <a:endParaRPr lang="ko-KR" altLang="en-US" dirty="0"/>
-                    </a:p>
-                  </a:txBody>
-                  <a:tcPr/>
-                </a:tc>
-                <a:extLst>
-                  <a:ext uri="{0D108BD9-81ED-4DB2-BD59-A6C34878D82A}">
-                    <a16:rowId xmlns:a16="http://schemas.microsoft.com/office/drawing/2014/main" val="694349101"/>
-                  </a:ext>
-                </a:extLst>
-              </a:tr>
-              <a:tr h="267208">
-                <a:tc>
-                  <a:txBody>
-                    <a:bodyPr/>
-                    <a:lstStyle/>
-                    <a:p>
-                      <a:pPr latinLnBrk="1"/>
-                      <a:r>
-                        <a:rPr lang="en-US" altLang="ko-KR" dirty="0" err="1"/>
-                        <a:t>birth_day</a:t>
-                      </a:r>
-                      <a:endParaRPr lang="ko-KR" altLang="en-US" dirty="0"/>
-                    </a:p>
-                  </a:txBody>
-                  <a:tcPr/>
-                </a:tc>
-                <a:tc>
-                  <a:txBody>
-                    <a:bodyPr/>
-                    <a:lstStyle/>
-                    <a:p>
-                      <a:pPr latinLnBrk="1"/>
-                      <a:r>
-                        <a:rPr lang="en-US" altLang="ko-KR" dirty="0" err="1"/>
-                        <a:t>int</a:t>
-                      </a:r>
-                      <a:endParaRPr lang="ko-KR" altLang="en-US" dirty="0"/>
-                    </a:p>
-                  </a:txBody>
-                  <a:tcPr/>
-                </a:tc>
-                <a:tc>
-                  <a:txBody>
-                    <a:bodyPr/>
-                    <a:lstStyle/>
-                    <a:p>
-                      <a:pPr latinLnBrk="1"/>
-                      <a:endParaRPr lang="ko-KR" altLang="en-US" dirty="0"/>
-                    </a:p>
-                  </a:txBody>
-                  <a:tcPr/>
-                </a:tc>
-                <a:extLst>
-                  <a:ext uri="{0D108BD9-81ED-4DB2-BD59-A6C34878D82A}">
-                    <a16:rowId xmlns:a16="http://schemas.microsoft.com/office/drawing/2014/main" val="1131470430"/>
-                  </a:ext>
-                </a:extLst>
-              </a:tr>
-            </a:tbl>
-          </a:graphicData>
-        </a:graphic>
-      </p:graphicFrame>
-      <p:sp>
-        <p:nvSpPr>
-          <p:cNvPr id="15" name="TextBox 14"/>
-          <p:cNvSpPr txBox="1"/>
-          <p:nvPr/>
-        </p:nvSpPr>
-        <p:spPr>
-          <a:xfrm>
-            <a:off x="4484915" y="99728"/>
-            <a:ext cx="2714854" cy="308418"/>
-          </a:xfrm>
-          <a:prstGeom prst="rect">
-            <a:avLst/>
-          </a:prstGeom>
-          <a:noFill/>
-        </p:spPr>
-        <p:txBody>
-          <a:bodyPr wrap="square" rtlCol="0">
-            <a:spAutoFit/>
-          </a:bodyPr>
-          <a:lstStyle/>
-          <a:p>
-            <a:r>
-              <a:rPr lang="ko-KR" altLang="en-US" b="1" dirty="0"/>
-              <a:t>회원</a:t>
-            </a:r>
-            <a:r>
-              <a:rPr lang="en-US" altLang="ko-KR" b="1" dirty="0"/>
-              <a:t>Table (USER)</a:t>
-            </a:r>
-            <a:endParaRPr lang="ko-KR" altLang="en-US" b="1" dirty="0"/>
-          </a:p>
-        </p:txBody>
-      </p:sp>
-      <p:graphicFrame>
-        <p:nvGraphicFramePr>
-          <p:cNvPr id="20" name="표 19"/>
-          <p:cNvGraphicFramePr>
-            <a:graphicFrameLocks noGrp="1"/>
-          </p:cNvGraphicFramePr>
-          <p:nvPr>
-            <p:extLst/>
-          </p:nvPr>
-        </p:nvGraphicFramePr>
-        <p:xfrm>
-          <a:off x="401445" y="5405233"/>
-          <a:ext cx="3546087" cy="1394460"/>
-        </p:xfrm>
-        <a:graphic>
-          <a:graphicData uri="http://schemas.openxmlformats.org/drawingml/2006/table">
-            <a:tbl>
-              <a:tblPr firstRow="1" bandRow="1">
-                <a:tableStyleId>{5A111915-BE36-4E01-A7E5-04B1672EAD32}</a:tableStyleId>
-              </a:tblPr>
-              <a:tblGrid>
-                <a:gridCol w="1182029">
-                  <a:extLst>
-                    <a:ext uri="{9D8B030D-6E8A-4147-A177-3AD203B41FA5}">
-                      <a16:colId xmlns:a16="http://schemas.microsoft.com/office/drawing/2014/main" val="20000"/>
-                    </a:ext>
-                  </a:extLst>
-                </a:gridCol>
-                <a:gridCol w="1182029">
-                  <a:extLst>
-                    <a:ext uri="{9D8B030D-6E8A-4147-A177-3AD203B41FA5}">
-                      <a16:colId xmlns:a16="http://schemas.microsoft.com/office/drawing/2014/main" val="20001"/>
-                    </a:ext>
-                  </a:extLst>
-                </a:gridCol>
-                <a:gridCol w="1182029">
-                  <a:extLst>
-                    <a:ext uri="{9D8B030D-6E8A-4147-A177-3AD203B41FA5}">
-                      <a16:colId xmlns:a16="http://schemas.microsoft.com/office/drawing/2014/main" val="1930778203"/>
-                    </a:ext>
-                  </a:extLst>
-                </a:gridCol>
-              </a:tblGrid>
-              <a:tr h="262677">
-                <a:tc>
-                  <a:txBody>
-                    <a:bodyPr/>
-                    <a:lstStyle/>
-                    <a:p>
-                      <a:pPr latinLnBrk="1"/>
-                      <a:r>
-                        <a:rPr lang="ko-KR" altLang="en-US" dirty="0"/>
-                        <a:t>변수</a:t>
-                      </a:r>
-                    </a:p>
-                  </a:txBody>
-                  <a:tcPr/>
-                </a:tc>
-                <a:tc>
-                  <a:txBody>
-                    <a:bodyPr/>
-                    <a:lstStyle/>
-                    <a:p>
-                      <a:pPr latinLnBrk="1"/>
-                      <a:r>
-                        <a:rPr lang="ko-KR" altLang="en-US" dirty="0"/>
-                        <a:t>변수형</a:t>
-                      </a:r>
-                    </a:p>
-                  </a:txBody>
-                  <a:tcPr/>
-                </a:tc>
-                <a:tc>
-                  <a:txBody>
-                    <a:bodyPr/>
-                    <a:lstStyle/>
-                    <a:p>
-                      <a:pPr latinLnBrk="1"/>
-                      <a:r>
-                        <a:rPr lang="ko-KR" altLang="en-US" dirty="0"/>
-                        <a:t>기타사항</a:t>
-                      </a:r>
-                    </a:p>
-                  </a:txBody>
-                  <a:tcPr/>
-                </a:tc>
-                <a:extLst>
-                  <a:ext uri="{0D108BD9-81ED-4DB2-BD59-A6C34878D82A}">
-                    <a16:rowId xmlns:a16="http://schemas.microsoft.com/office/drawing/2014/main" val="10000"/>
-                  </a:ext>
-                </a:extLst>
-              </a:tr>
-              <a:tr h="262677">
-                <a:tc>
-                  <a:txBody>
-                    <a:bodyPr/>
-                    <a:lstStyle/>
-                    <a:p>
-                      <a:pPr marL="0" marR="0" indent="0" algn="l" defTabSz="685800" rtl="0" eaLnBrk="1" fontAlgn="auto" latinLnBrk="1" hangingPunct="1">
-                        <a:lnSpc>
-                          <a:spcPct val="100000"/>
-                        </a:lnSpc>
-                        <a:spcBef>
-                          <a:spcPts val="0"/>
-                        </a:spcBef>
-                        <a:spcAft>
-                          <a:spcPts val="0"/>
-                        </a:spcAft>
-                        <a:buClrTx/>
-                        <a:buSzTx/>
-                        <a:buFontTx/>
-                        <a:buNone/>
-                        <a:tabLst/>
-                        <a:defRPr/>
-                      </a:pPr>
-                      <a:r>
-                        <a:rPr lang="en-US" altLang="ko-KR" dirty="0" err="1"/>
-                        <a:t>wait_num</a:t>
-                      </a:r>
-                      <a:endParaRPr lang="ko-KR" altLang="en-US" dirty="0"/>
-                    </a:p>
-                  </a:txBody>
-                  <a:tcPr/>
-                </a:tc>
-                <a:tc>
-                  <a:txBody>
-                    <a:bodyPr/>
-                    <a:lstStyle/>
-                    <a:p>
-                      <a:pPr latinLnBrk="1"/>
-                      <a:r>
-                        <a:rPr lang="en-US" altLang="ko-KR" dirty="0" err="1"/>
-                        <a:t>int</a:t>
-                      </a:r>
-                      <a:endParaRPr lang="ko-KR" altLang="en-US" dirty="0"/>
-                    </a:p>
-                  </a:txBody>
-                  <a:tcPr/>
-                </a:tc>
-                <a:tc>
-                  <a:txBody>
-                    <a:bodyPr/>
-                    <a:lstStyle/>
-                    <a:p>
-                      <a:pPr latinLnBrk="1"/>
-                      <a:r>
-                        <a:rPr lang="en-US" altLang="ko-KR" dirty="0"/>
-                        <a:t>PRIMARY</a:t>
-                      </a:r>
-                    </a:p>
-                    <a:p>
-                      <a:pPr latinLnBrk="1"/>
-                      <a:r>
-                        <a:rPr lang="ko-KR" altLang="en-US" dirty="0" err="1"/>
-                        <a:t>대기번호</a:t>
-                      </a:r>
-                      <a:endParaRPr lang="ko-KR" altLang="en-US" dirty="0"/>
-                    </a:p>
-                  </a:txBody>
-                  <a:tcPr/>
-                </a:tc>
-                <a:extLst>
-                  <a:ext uri="{0D108BD9-81ED-4DB2-BD59-A6C34878D82A}">
-                    <a16:rowId xmlns:a16="http://schemas.microsoft.com/office/drawing/2014/main" val="10001"/>
-                  </a:ext>
-                </a:extLst>
-              </a:tr>
-              <a:tr h="262677">
-                <a:tc>
-                  <a:txBody>
-                    <a:bodyPr/>
-                    <a:lstStyle/>
-                    <a:p>
-                      <a:pPr marL="0" marR="0" indent="0" algn="l" defTabSz="685800" rtl="0" eaLnBrk="1" fontAlgn="auto" latinLnBrk="1" hangingPunct="1">
-                        <a:lnSpc>
-                          <a:spcPct val="100000"/>
-                        </a:lnSpc>
-                        <a:spcBef>
-                          <a:spcPts val="0"/>
-                        </a:spcBef>
-                        <a:spcAft>
-                          <a:spcPts val="0"/>
-                        </a:spcAft>
-                        <a:buClrTx/>
-                        <a:buSzTx/>
-                        <a:buFontTx/>
-                        <a:buNone/>
-                        <a:tabLst/>
-                        <a:defRPr/>
-                      </a:pPr>
-                      <a:r>
-                        <a:rPr lang="en-US" altLang="ko-KR" dirty="0" err="1"/>
-                        <a:t>hospital_code</a:t>
-                      </a:r>
-                      <a:endParaRPr lang="ko-KR" altLang="en-US" dirty="0"/>
-                    </a:p>
-                  </a:txBody>
-                  <a:tcPr/>
-                </a:tc>
-                <a:tc>
-                  <a:txBody>
-                    <a:bodyPr/>
-                    <a:lstStyle/>
-                    <a:p>
-                      <a:pPr marL="0" marR="0" indent="0" algn="l" defTabSz="685800" rtl="0" eaLnBrk="1" fontAlgn="auto" latinLnBrk="1" hangingPunct="1">
-                        <a:lnSpc>
-                          <a:spcPct val="100000"/>
-                        </a:lnSpc>
-                        <a:spcBef>
-                          <a:spcPts val="0"/>
-                        </a:spcBef>
-                        <a:spcAft>
-                          <a:spcPts val="0"/>
-                        </a:spcAft>
-                        <a:buClrTx/>
-                        <a:buSzTx/>
-                        <a:buFontTx/>
-                        <a:buNone/>
-                        <a:tabLst/>
-                        <a:defRPr/>
-                      </a:pPr>
-                      <a:r>
-                        <a:rPr lang="en-US" altLang="ko-KR" dirty="0" err="1"/>
-                        <a:t>int</a:t>
-                      </a:r>
-                      <a:endParaRPr lang="ko-KR" altLang="en-US" dirty="0"/>
-                    </a:p>
-                  </a:txBody>
-                  <a:tcPr/>
-                </a:tc>
-                <a:tc>
-                  <a:txBody>
-                    <a:bodyPr/>
-                    <a:lstStyle/>
-                    <a:p>
-                      <a:pPr marL="0" marR="0" indent="0" algn="l" defTabSz="685800" rtl="0" eaLnBrk="1" fontAlgn="auto" latinLnBrk="1" hangingPunct="1">
-                        <a:lnSpc>
-                          <a:spcPct val="100000"/>
-                        </a:lnSpc>
-                        <a:spcBef>
-                          <a:spcPts val="0"/>
-                        </a:spcBef>
-                        <a:spcAft>
-                          <a:spcPts val="0"/>
-                        </a:spcAft>
-                        <a:buClrTx/>
-                        <a:buSzTx/>
-                        <a:buFontTx/>
-                        <a:buNone/>
-                        <a:tabLst/>
-                        <a:defRPr/>
-                      </a:pPr>
-                      <a:r>
-                        <a:rPr lang="en-US" altLang="ko-KR" dirty="0"/>
-                        <a:t>PRIMARY</a:t>
-                      </a:r>
-                      <a:endParaRPr lang="ko-KR" altLang="en-US" dirty="0"/>
-                    </a:p>
-                  </a:txBody>
-                  <a:tcPr/>
-                </a:tc>
-                <a:extLst>
-                  <a:ext uri="{0D108BD9-81ED-4DB2-BD59-A6C34878D82A}">
-                    <a16:rowId xmlns:a16="http://schemas.microsoft.com/office/drawing/2014/main" val="10002"/>
-                  </a:ext>
-                </a:extLst>
-              </a:tr>
-              <a:tr h="262677">
-                <a:tc>
-                  <a:txBody>
-                    <a:bodyPr/>
-                    <a:lstStyle/>
-                    <a:p>
-                      <a:pPr marL="0" marR="0" indent="0" algn="l" defTabSz="685800" rtl="0" eaLnBrk="1" fontAlgn="auto" latinLnBrk="1" hangingPunct="1">
-                        <a:lnSpc>
-                          <a:spcPct val="100000"/>
-                        </a:lnSpc>
-                        <a:spcBef>
-                          <a:spcPts val="0"/>
-                        </a:spcBef>
-                        <a:spcAft>
-                          <a:spcPts val="0"/>
-                        </a:spcAft>
-                        <a:buClrTx/>
-                        <a:buSzTx/>
-                        <a:buFontTx/>
-                        <a:buNone/>
-                        <a:tabLst/>
-                        <a:defRPr/>
-                      </a:pPr>
-                      <a:r>
-                        <a:rPr lang="en-US" altLang="ko-KR" dirty="0" err="1"/>
-                        <a:t>user_id</a:t>
-                      </a:r>
-                      <a:endParaRPr lang="ko-KR" altLang="en-US" dirty="0"/>
-                    </a:p>
-                  </a:txBody>
-                  <a:tcPr/>
-                </a:tc>
-                <a:tc>
-                  <a:txBody>
-                    <a:bodyPr/>
-                    <a:lstStyle/>
-                    <a:p>
-                      <a:pPr latinLnBrk="1"/>
-                      <a:r>
-                        <a:rPr lang="en-US" altLang="ko-KR" dirty="0"/>
-                        <a:t>char[20]</a:t>
-                      </a:r>
-                      <a:endParaRPr lang="ko-KR" altLang="en-US" dirty="0"/>
-                    </a:p>
-                  </a:txBody>
-                  <a:tcPr/>
-                </a:tc>
-                <a:tc>
-                  <a:txBody>
-                    <a:bodyPr/>
-                    <a:lstStyle/>
-                    <a:p>
-                      <a:pPr latinLnBrk="1"/>
-                      <a:endParaRPr lang="ko-KR" altLang="en-US" dirty="0"/>
-                    </a:p>
-                  </a:txBody>
-                  <a:tcPr/>
-                </a:tc>
-                <a:extLst>
-                  <a:ext uri="{0D108BD9-81ED-4DB2-BD59-A6C34878D82A}">
-                    <a16:rowId xmlns:a16="http://schemas.microsoft.com/office/drawing/2014/main" val="147717651"/>
-                  </a:ext>
-                </a:extLst>
-              </a:tr>
-            </a:tbl>
-          </a:graphicData>
-        </a:graphic>
-      </p:graphicFrame>
-      <p:graphicFrame>
-        <p:nvGraphicFramePr>
-          <p:cNvPr id="21" name="표 20"/>
-          <p:cNvGraphicFramePr>
-            <a:graphicFrameLocks noGrp="1"/>
-          </p:cNvGraphicFramePr>
-          <p:nvPr>
-            <p:extLst/>
-          </p:nvPr>
-        </p:nvGraphicFramePr>
-        <p:xfrm>
-          <a:off x="401446" y="439911"/>
-          <a:ext cx="3804058" cy="1485900"/>
-        </p:xfrm>
-        <a:graphic>
-          <a:graphicData uri="http://schemas.openxmlformats.org/drawingml/2006/table">
-            <a:tbl>
-              <a:tblPr firstRow="1" bandRow="1">
-                <a:tableStyleId>{5A111915-BE36-4E01-A7E5-04B1672EAD32}</a:tableStyleId>
-              </a:tblPr>
-              <a:tblGrid>
-                <a:gridCol w="1440000">
-                  <a:extLst>
-                    <a:ext uri="{9D8B030D-6E8A-4147-A177-3AD203B41FA5}">
-                      <a16:colId xmlns:a16="http://schemas.microsoft.com/office/drawing/2014/main" val="20000"/>
-                    </a:ext>
-                  </a:extLst>
-                </a:gridCol>
-                <a:gridCol w="1182029">
-                  <a:extLst>
-                    <a:ext uri="{9D8B030D-6E8A-4147-A177-3AD203B41FA5}">
-                      <a16:colId xmlns:a16="http://schemas.microsoft.com/office/drawing/2014/main" val="20001"/>
-                    </a:ext>
-                  </a:extLst>
-                </a:gridCol>
-                <a:gridCol w="1182029">
-                  <a:extLst>
-                    <a:ext uri="{9D8B030D-6E8A-4147-A177-3AD203B41FA5}">
-                      <a16:colId xmlns:a16="http://schemas.microsoft.com/office/drawing/2014/main" val="290457131"/>
-                    </a:ext>
-                  </a:extLst>
-                </a:gridCol>
-              </a:tblGrid>
-              <a:tr h="157979">
-                <a:tc>
-                  <a:txBody>
-                    <a:bodyPr/>
-                    <a:lstStyle/>
-                    <a:p>
-                      <a:pPr latinLnBrk="1"/>
-                      <a:r>
-                        <a:rPr lang="ko-KR" altLang="en-US" dirty="0"/>
-                        <a:t>변수</a:t>
-                      </a:r>
-                    </a:p>
-                  </a:txBody>
-                  <a:tcPr/>
-                </a:tc>
-                <a:tc>
-                  <a:txBody>
-                    <a:bodyPr/>
-                    <a:lstStyle/>
-                    <a:p>
-                      <a:pPr latinLnBrk="1"/>
-                      <a:r>
-                        <a:rPr lang="ko-KR" altLang="en-US" dirty="0"/>
-                        <a:t>변수형</a:t>
-                      </a:r>
-                    </a:p>
-                  </a:txBody>
-                  <a:tcPr/>
-                </a:tc>
-                <a:tc>
-                  <a:txBody>
-                    <a:bodyPr/>
-                    <a:lstStyle/>
-                    <a:p>
-                      <a:pPr latinLnBrk="1"/>
-                      <a:r>
-                        <a:rPr lang="ko-KR" altLang="en-US" dirty="0"/>
-                        <a:t>기타사항</a:t>
-                      </a:r>
-                    </a:p>
-                  </a:txBody>
-                  <a:tcPr/>
-                </a:tc>
-                <a:extLst>
-                  <a:ext uri="{0D108BD9-81ED-4DB2-BD59-A6C34878D82A}">
-                    <a16:rowId xmlns:a16="http://schemas.microsoft.com/office/drawing/2014/main" val="10000"/>
-                  </a:ext>
-                </a:extLst>
-              </a:tr>
-              <a:tr h="157979">
-                <a:tc>
-                  <a:txBody>
-                    <a:bodyPr/>
-                    <a:lstStyle/>
-                    <a:p>
-                      <a:pPr latinLnBrk="1"/>
-                      <a:r>
-                        <a:rPr lang="en-US" altLang="ko-KR" dirty="0" err="1"/>
-                        <a:t>doc_code</a:t>
-                      </a:r>
-                      <a:endParaRPr lang="ko-KR" altLang="en-US" dirty="0"/>
-                    </a:p>
-                  </a:txBody>
-                  <a:tcPr/>
-                </a:tc>
-                <a:tc>
-                  <a:txBody>
-                    <a:bodyPr/>
-                    <a:lstStyle/>
-                    <a:p>
-                      <a:pPr latinLnBrk="1"/>
-                      <a:r>
-                        <a:rPr lang="en-US" altLang="ko-KR" dirty="0" err="1"/>
-                        <a:t>int</a:t>
-                      </a:r>
-                      <a:endParaRPr lang="ko-KR" altLang="en-US" dirty="0"/>
-                    </a:p>
-                  </a:txBody>
-                  <a:tcPr/>
-                </a:tc>
-                <a:tc>
-                  <a:txBody>
-                    <a:bodyPr/>
-                    <a:lstStyle/>
-                    <a:p>
-                      <a:pPr latinLnBrk="1"/>
-                      <a:r>
-                        <a:rPr lang="en-US" altLang="ko-KR" dirty="0"/>
-                        <a:t>PRIMARY</a:t>
-                      </a:r>
-                      <a:endParaRPr lang="ko-KR" altLang="en-US" dirty="0"/>
-                    </a:p>
-                  </a:txBody>
-                  <a:tcPr/>
-                </a:tc>
-                <a:extLst>
-                  <a:ext uri="{0D108BD9-81ED-4DB2-BD59-A6C34878D82A}">
-                    <a16:rowId xmlns:a16="http://schemas.microsoft.com/office/drawing/2014/main" val="1726376789"/>
-                  </a:ext>
-                </a:extLst>
-              </a:tr>
-              <a:tr h="157979">
-                <a:tc>
-                  <a:txBody>
-                    <a:bodyPr/>
-                    <a:lstStyle/>
-                    <a:p>
-                      <a:pPr latinLnBrk="1"/>
-                      <a:r>
-                        <a:rPr lang="en-US" altLang="ko-KR" dirty="0" err="1"/>
-                        <a:t>doc_name</a:t>
-                      </a:r>
-                      <a:endParaRPr lang="ko-KR" altLang="en-US" dirty="0"/>
-                    </a:p>
-                  </a:txBody>
-                  <a:tcPr/>
-                </a:tc>
-                <a:tc>
-                  <a:txBody>
-                    <a:bodyPr/>
-                    <a:lstStyle/>
-                    <a:p>
-                      <a:pPr latinLnBrk="1"/>
-                      <a:r>
-                        <a:rPr lang="en-US" altLang="ko-KR" dirty="0"/>
-                        <a:t>char[40]</a:t>
-                      </a:r>
-                      <a:endParaRPr lang="ko-KR" altLang="en-US" dirty="0"/>
-                    </a:p>
-                  </a:txBody>
-                  <a:tcPr/>
-                </a:tc>
-                <a:tc>
-                  <a:txBody>
-                    <a:bodyPr/>
-                    <a:lstStyle/>
-                    <a:p>
-                      <a:pPr latinLnBrk="1"/>
-                      <a:endParaRPr lang="ko-KR" altLang="en-US" dirty="0"/>
-                    </a:p>
-                  </a:txBody>
-                  <a:tcPr/>
-                </a:tc>
-                <a:extLst>
-                  <a:ext uri="{0D108BD9-81ED-4DB2-BD59-A6C34878D82A}">
-                    <a16:rowId xmlns:a16="http://schemas.microsoft.com/office/drawing/2014/main" val="10002"/>
-                  </a:ext>
-                </a:extLst>
-              </a:tr>
-              <a:tr h="157979">
-                <a:tc>
-                  <a:txBody>
-                    <a:bodyPr/>
-                    <a:lstStyle/>
-                    <a:p>
-                      <a:pPr latinLnBrk="1"/>
-                      <a:r>
-                        <a:rPr lang="en-US" altLang="ko-KR" dirty="0" err="1"/>
-                        <a:t>doc_license_num</a:t>
-                      </a:r>
-                      <a:endParaRPr lang="ko-KR" altLang="en-US" dirty="0"/>
-                    </a:p>
-                  </a:txBody>
-                  <a:tcPr/>
-                </a:tc>
-                <a:tc>
-                  <a:txBody>
-                    <a:bodyPr/>
-                    <a:lstStyle/>
-                    <a:p>
-                      <a:pPr latinLnBrk="1"/>
-                      <a:r>
-                        <a:rPr lang="en-US" altLang="ko-KR" dirty="0" err="1"/>
-                        <a:t>int</a:t>
-                      </a:r>
-                      <a:endParaRPr lang="ko-KR" altLang="en-US" dirty="0"/>
-                    </a:p>
-                  </a:txBody>
-                  <a:tcPr/>
-                </a:tc>
-                <a:tc>
-                  <a:txBody>
-                    <a:bodyPr/>
-                    <a:lstStyle/>
-                    <a:p>
-                      <a:pPr latinLnBrk="1"/>
-                      <a:endParaRPr lang="ko-KR" altLang="en-US" dirty="0"/>
-                    </a:p>
-                  </a:txBody>
-                  <a:tcPr/>
-                </a:tc>
-                <a:extLst>
-                  <a:ext uri="{0D108BD9-81ED-4DB2-BD59-A6C34878D82A}">
-                    <a16:rowId xmlns:a16="http://schemas.microsoft.com/office/drawing/2014/main" val="660244659"/>
-                  </a:ext>
-                </a:extLst>
-              </a:tr>
-              <a:tr h="157979">
-                <a:tc>
-                  <a:txBody>
-                    <a:bodyPr/>
-                    <a:lstStyle/>
-                    <a:p>
-                      <a:pPr latinLnBrk="1"/>
-                      <a:r>
-                        <a:rPr lang="en-US" altLang="ko-KR" dirty="0" err="1"/>
-                        <a:t>hospital_code</a:t>
-                      </a:r>
-                      <a:endParaRPr lang="ko-KR" altLang="en-US" dirty="0"/>
-                    </a:p>
-                  </a:txBody>
-                  <a:tcPr/>
-                </a:tc>
-                <a:tc>
-                  <a:txBody>
-                    <a:bodyPr/>
-                    <a:lstStyle/>
-                    <a:p>
-                      <a:pPr latinLnBrk="1"/>
-                      <a:r>
-                        <a:rPr lang="en-US" altLang="ko-KR" dirty="0" err="1"/>
-                        <a:t>int</a:t>
-                      </a:r>
-                      <a:endParaRPr lang="ko-KR" altLang="en-US" dirty="0"/>
-                    </a:p>
-                  </a:txBody>
-                  <a:tcPr/>
-                </a:tc>
-                <a:tc>
-                  <a:txBody>
-                    <a:bodyPr/>
-                    <a:lstStyle/>
-                    <a:p>
-                      <a:pPr latinLnBrk="1"/>
-                      <a:endParaRPr lang="ko-KR" altLang="en-US" dirty="0"/>
-                    </a:p>
-                  </a:txBody>
-                  <a:tcPr/>
-                </a:tc>
-                <a:extLst>
-                  <a:ext uri="{0D108BD9-81ED-4DB2-BD59-A6C34878D82A}">
-                    <a16:rowId xmlns:a16="http://schemas.microsoft.com/office/drawing/2014/main" val="3992444359"/>
-                  </a:ext>
-                </a:extLst>
-              </a:tr>
-            </a:tbl>
-          </a:graphicData>
-        </a:graphic>
-      </p:graphicFrame>
-      <p:graphicFrame>
-        <p:nvGraphicFramePr>
-          <p:cNvPr id="22" name="표 21"/>
-          <p:cNvGraphicFramePr>
-            <a:graphicFrameLocks noGrp="1"/>
-          </p:cNvGraphicFramePr>
-          <p:nvPr>
-            <p:extLst/>
-          </p:nvPr>
-        </p:nvGraphicFramePr>
-        <p:xfrm>
-          <a:off x="401446" y="2625392"/>
-          <a:ext cx="3949508" cy="2286000"/>
-        </p:xfrm>
-        <a:graphic>
-          <a:graphicData uri="http://schemas.openxmlformats.org/drawingml/2006/table">
-            <a:tbl>
-              <a:tblPr firstRow="1" bandRow="1">
-                <a:tableStyleId>{5A111915-BE36-4E01-A7E5-04B1672EAD32}</a:tableStyleId>
-              </a:tblPr>
-              <a:tblGrid>
-                <a:gridCol w="1368000">
-                  <a:extLst>
-                    <a:ext uri="{9D8B030D-6E8A-4147-A177-3AD203B41FA5}">
-                      <a16:colId xmlns:a16="http://schemas.microsoft.com/office/drawing/2014/main" val="20000"/>
-                    </a:ext>
-                  </a:extLst>
-                </a:gridCol>
-                <a:gridCol w="1290754">
-                  <a:extLst>
-                    <a:ext uri="{9D8B030D-6E8A-4147-A177-3AD203B41FA5}">
-                      <a16:colId xmlns:a16="http://schemas.microsoft.com/office/drawing/2014/main" val="20001"/>
-                    </a:ext>
-                  </a:extLst>
-                </a:gridCol>
-                <a:gridCol w="1290754">
-                  <a:extLst>
-                    <a:ext uri="{9D8B030D-6E8A-4147-A177-3AD203B41FA5}">
-                      <a16:colId xmlns:a16="http://schemas.microsoft.com/office/drawing/2014/main" val="1930778203"/>
-                    </a:ext>
-                  </a:extLst>
-                </a:gridCol>
-              </a:tblGrid>
-              <a:tr h="262677">
-                <a:tc>
-                  <a:txBody>
-                    <a:bodyPr/>
-                    <a:lstStyle/>
-                    <a:p>
-                      <a:pPr latinLnBrk="1"/>
-                      <a:r>
-                        <a:rPr lang="ko-KR" altLang="en-US" dirty="0"/>
-                        <a:t>변수</a:t>
-                      </a:r>
-                    </a:p>
-                  </a:txBody>
-                  <a:tcPr/>
-                </a:tc>
-                <a:tc>
-                  <a:txBody>
-                    <a:bodyPr/>
-                    <a:lstStyle/>
-                    <a:p>
-                      <a:pPr latinLnBrk="1"/>
-                      <a:r>
-                        <a:rPr lang="ko-KR" altLang="en-US" dirty="0"/>
-                        <a:t>변수형</a:t>
-                      </a:r>
-                    </a:p>
-                  </a:txBody>
-                  <a:tcPr/>
-                </a:tc>
-                <a:tc>
-                  <a:txBody>
-                    <a:bodyPr/>
-                    <a:lstStyle/>
-                    <a:p>
-                      <a:pPr latinLnBrk="1"/>
-                      <a:r>
-                        <a:rPr lang="ko-KR" altLang="en-US" dirty="0"/>
-                        <a:t>기타사항</a:t>
-                      </a:r>
-                    </a:p>
-                  </a:txBody>
-                  <a:tcPr/>
-                </a:tc>
-                <a:extLst>
-                  <a:ext uri="{0D108BD9-81ED-4DB2-BD59-A6C34878D82A}">
-                    <a16:rowId xmlns:a16="http://schemas.microsoft.com/office/drawing/2014/main" val="10000"/>
-                  </a:ext>
-                </a:extLst>
-              </a:tr>
-              <a:tr h="262677">
-                <a:tc>
-                  <a:txBody>
-                    <a:bodyPr/>
-                    <a:lstStyle/>
-                    <a:p>
-                      <a:pPr latinLnBrk="1"/>
-                      <a:r>
-                        <a:rPr lang="en-US" altLang="ko-KR" dirty="0" err="1"/>
-                        <a:t>hospital_code</a:t>
-                      </a:r>
-                      <a:endParaRPr lang="ko-KR" altLang="en-US" dirty="0"/>
-                    </a:p>
-                  </a:txBody>
-                  <a:tcPr/>
-                </a:tc>
-                <a:tc>
-                  <a:txBody>
-                    <a:bodyPr/>
-                    <a:lstStyle/>
-                    <a:p>
-                      <a:pPr latinLnBrk="1"/>
-                      <a:r>
-                        <a:rPr lang="en-US" altLang="ko-KR" dirty="0" err="1"/>
-                        <a:t>int</a:t>
-                      </a:r>
-                      <a:endParaRPr lang="ko-KR" altLang="en-US" dirty="0"/>
-                    </a:p>
-                  </a:txBody>
-                  <a:tcPr/>
-                </a:tc>
-                <a:tc>
-                  <a:txBody>
-                    <a:bodyPr/>
-                    <a:lstStyle/>
-                    <a:p>
-                      <a:pPr latinLnBrk="1"/>
-                      <a:r>
-                        <a:rPr lang="en-US" altLang="ko-KR" dirty="0"/>
-                        <a:t>PRIMARY</a:t>
-                      </a:r>
-                      <a:endParaRPr lang="ko-KR" altLang="en-US" dirty="0"/>
-                    </a:p>
-                  </a:txBody>
-                  <a:tcPr/>
-                </a:tc>
-                <a:extLst>
-                  <a:ext uri="{0D108BD9-81ED-4DB2-BD59-A6C34878D82A}">
-                    <a16:rowId xmlns:a16="http://schemas.microsoft.com/office/drawing/2014/main" val="10001"/>
-                  </a:ext>
-                </a:extLst>
-              </a:tr>
-              <a:tr h="262677">
-                <a:tc>
-                  <a:txBody>
-                    <a:bodyPr/>
-                    <a:lstStyle/>
-                    <a:p>
-                      <a:pPr latinLnBrk="1"/>
-                      <a:r>
-                        <a:rPr lang="en-US" altLang="ko-KR" dirty="0" err="1"/>
-                        <a:t>hospital_name</a:t>
-                      </a:r>
-                      <a:endParaRPr lang="ko-KR" altLang="en-US" dirty="0"/>
-                    </a:p>
-                  </a:txBody>
-                  <a:tcPr/>
-                </a:tc>
-                <a:tc>
-                  <a:txBody>
-                    <a:bodyPr/>
-                    <a:lstStyle/>
-                    <a:p>
-                      <a:pPr latinLnBrk="1"/>
-                      <a:r>
-                        <a:rPr lang="en-US" altLang="ko-KR" dirty="0"/>
-                        <a:t>char[40]</a:t>
-                      </a:r>
-                      <a:endParaRPr lang="ko-KR" altLang="en-US" dirty="0"/>
-                    </a:p>
-                  </a:txBody>
-                  <a:tcPr/>
-                </a:tc>
-                <a:tc>
-                  <a:txBody>
-                    <a:bodyPr/>
-                    <a:lstStyle/>
-                    <a:p>
-                      <a:pPr latinLnBrk="1"/>
-                      <a:endParaRPr lang="ko-KR" altLang="en-US" dirty="0"/>
-                    </a:p>
-                  </a:txBody>
-                  <a:tcPr/>
-                </a:tc>
-                <a:extLst>
-                  <a:ext uri="{0D108BD9-81ED-4DB2-BD59-A6C34878D82A}">
-                    <a16:rowId xmlns:a16="http://schemas.microsoft.com/office/drawing/2014/main" val="10002"/>
-                  </a:ext>
-                </a:extLst>
-              </a:tr>
-              <a:tr h="262677">
-                <a:tc>
-                  <a:txBody>
-                    <a:bodyPr/>
-                    <a:lstStyle/>
-                    <a:p>
-                      <a:pPr latinLnBrk="1"/>
-                      <a:r>
-                        <a:rPr lang="en-US" altLang="ko-KR" dirty="0" err="1"/>
-                        <a:t>wait_total</a:t>
-                      </a:r>
-                      <a:endParaRPr lang="ko-KR" altLang="en-US" dirty="0"/>
-                    </a:p>
-                  </a:txBody>
-                  <a:tcPr/>
-                </a:tc>
-                <a:tc>
-                  <a:txBody>
-                    <a:bodyPr/>
-                    <a:lstStyle/>
-                    <a:p>
-                      <a:pPr latinLnBrk="1"/>
-                      <a:r>
-                        <a:rPr lang="en-US" altLang="ko-KR" dirty="0" err="1"/>
-                        <a:t>int</a:t>
-                      </a:r>
-                      <a:endParaRPr lang="ko-KR" altLang="en-US" dirty="0"/>
-                    </a:p>
-                  </a:txBody>
-                  <a:tcPr/>
-                </a:tc>
-                <a:tc>
-                  <a:txBody>
-                    <a:bodyPr/>
-                    <a:lstStyle/>
-                    <a:p>
-                      <a:pPr latinLnBrk="1"/>
-                      <a:r>
-                        <a:rPr lang="ko-KR" altLang="en-US" dirty="0"/>
-                        <a:t>총 </a:t>
-                      </a:r>
-                      <a:r>
-                        <a:rPr lang="ko-KR" altLang="en-US" dirty="0" err="1"/>
-                        <a:t>대기인원</a:t>
-                      </a:r>
-                      <a:endParaRPr lang="en-US" altLang="ko-KR" dirty="0"/>
-                    </a:p>
-                    <a:p>
-                      <a:pPr latinLnBrk="1"/>
-                      <a:r>
-                        <a:rPr lang="en-US" altLang="ko-KR" dirty="0"/>
-                        <a:t>default</a:t>
-                      </a:r>
-                      <a:r>
-                        <a:rPr lang="ko-KR" altLang="en-US" dirty="0"/>
-                        <a:t> </a:t>
-                      </a:r>
-                      <a:r>
-                        <a:rPr lang="en-US" altLang="ko-KR" dirty="0"/>
-                        <a:t>: 0</a:t>
-                      </a:r>
-                      <a:endParaRPr lang="ko-KR" altLang="en-US" dirty="0"/>
-                    </a:p>
-                  </a:txBody>
-                  <a:tcPr/>
-                </a:tc>
-                <a:extLst>
-                  <a:ext uri="{0D108BD9-81ED-4DB2-BD59-A6C34878D82A}">
-                    <a16:rowId xmlns:a16="http://schemas.microsoft.com/office/drawing/2014/main" val="147717651"/>
-                  </a:ext>
-                </a:extLst>
-              </a:tr>
-              <a:tr h="262677">
-                <a:tc>
-                  <a:txBody>
-                    <a:bodyPr/>
-                    <a:lstStyle/>
-                    <a:p>
-                      <a:pPr latinLnBrk="1"/>
-                      <a:r>
-                        <a:rPr lang="en-US" altLang="ko-KR" dirty="0" err="1"/>
-                        <a:t>hospital_tel</a:t>
-                      </a:r>
-                      <a:endParaRPr lang="ko-KR" altLang="en-US" dirty="0"/>
-                    </a:p>
-                  </a:txBody>
-                  <a:tcPr/>
-                </a:tc>
-                <a:tc>
-                  <a:txBody>
-                    <a:bodyPr/>
-                    <a:lstStyle/>
-                    <a:p>
-                      <a:pPr latinLnBrk="1"/>
-                      <a:r>
-                        <a:rPr lang="en-US" altLang="ko-KR" dirty="0"/>
-                        <a:t>char[15]</a:t>
-                      </a:r>
-                      <a:endParaRPr lang="ko-KR" altLang="en-US" dirty="0"/>
-                    </a:p>
-                  </a:txBody>
-                  <a:tcPr/>
-                </a:tc>
-                <a:tc>
-                  <a:txBody>
-                    <a:bodyPr/>
-                    <a:lstStyle/>
-                    <a:p>
-                      <a:pPr latinLnBrk="1"/>
-                      <a:endParaRPr lang="ko-KR" altLang="en-US" dirty="0"/>
-                    </a:p>
-                  </a:txBody>
-                  <a:tcPr/>
-                </a:tc>
-                <a:extLst>
-                  <a:ext uri="{0D108BD9-81ED-4DB2-BD59-A6C34878D82A}">
-                    <a16:rowId xmlns:a16="http://schemas.microsoft.com/office/drawing/2014/main" val="2595988959"/>
-                  </a:ext>
-                </a:extLst>
-              </a:tr>
-              <a:tr h="262677">
-                <a:tc>
-                  <a:txBody>
-                    <a:bodyPr/>
-                    <a:lstStyle/>
-                    <a:p>
-                      <a:pPr latinLnBrk="1"/>
-                      <a:r>
-                        <a:rPr lang="en-US" altLang="ko-KR" dirty="0" err="1"/>
-                        <a:t>hospital_fax</a:t>
-                      </a:r>
-                      <a:endParaRPr lang="ko-KR" altLang="en-US" dirty="0"/>
-                    </a:p>
-                  </a:txBody>
-                  <a:tcPr/>
-                </a:tc>
-                <a:tc>
-                  <a:txBody>
-                    <a:bodyPr/>
-                    <a:lstStyle/>
-                    <a:p>
-                      <a:pPr latinLnBrk="1"/>
-                      <a:r>
-                        <a:rPr lang="en-US" altLang="ko-KR" dirty="0"/>
-                        <a:t>char[15]</a:t>
-                      </a:r>
-                      <a:endParaRPr lang="ko-KR" altLang="en-US" dirty="0"/>
-                    </a:p>
-                  </a:txBody>
-                  <a:tcPr/>
-                </a:tc>
-                <a:tc>
-                  <a:txBody>
-                    <a:bodyPr/>
-                    <a:lstStyle/>
-                    <a:p>
-                      <a:pPr latinLnBrk="1"/>
-                      <a:endParaRPr lang="ko-KR" altLang="en-US" dirty="0"/>
-                    </a:p>
-                  </a:txBody>
-                  <a:tcPr/>
-                </a:tc>
-                <a:extLst>
-                  <a:ext uri="{0D108BD9-81ED-4DB2-BD59-A6C34878D82A}">
-                    <a16:rowId xmlns:a16="http://schemas.microsoft.com/office/drawing/2014/main" val="1196588457"/>
-                  </a:ext>
-                </a:extLst>
-              </a:tr>
-              <a:tr h="262677">
-                <a:tc>
-                  <a:txBody>
-                    <a:bodyPr/>
-                    <a:lstStyle/>
-                    <a:p>
-                      <a:pPr latinLnBrk="1"/>
-                      <a:r>
-                        <a:rPr lang="en-US" altLang="ko-KR" dirty="0" err="1"/>
-                        <a:t>hospital_address</a:t>
-                      </a:r>
-                      <a:endParaRPr lang="ko-KR" altLang="en-US" dirty="0"/>
-                    </a:p>
-                  </a:txBody>
-                  <a:tcPr/>
-                </a:tc>
-                <a:tc>
-                  <a:txBody>
-                    <a:bodyPr/>
-                    <a:lstStyle/>
-                    <a:p>
-                      <a:pPr latinLnBrk="1"/>
-                      <a:endParaRPr lang="ko-KR" altLang="en-US" dirty="0"/>
-                    </a:p>
-                  </a:txBody>
-                  <a:tcPr/>
-                </a:tc>
-                <a:tc>
-                  <a:txBody>
-                    <a:bodyPr/>
-                    <a:lstStyle/>
-                    <a:p>
-                      <a:pPr latinLnBrk="1"/>
-                      <a:endParaRPr lang="ko-KR" altLang="en-US" dirty="0"/>
-                    </a:p>
-                  </a:txBody>
-                  <a:tcPr/>
-                </a:tc>
-                <a:extLst>
-                  <a:ext uri="{0D108BD9-81ED-4DB2-BD59-A6C34878D82A}">
-                    <a16:rowId xmlns:a16="http://schemas.microsoft.com/office/drawing/2014/main" val="1074580706"/>
-                  </a:ext>
-                </a:extLst>
-              </a:tr>
-            </a:tbl>
-          </a:graphicData>
-        </a:graphic>
-      </p:graphicFrame>
-      <p:graphicFrame>
-        <p:nvGraphicFramePr>
-          <p:cNvPr id="23" name="표 22"/>
-          <p:cNvGraphicFramePr>
-            <a:graphicFrameLocks noGrp="1"/>
-          </p:cNvGraphicFramePr>
-          <p:nvPr>
-            <p:extLst>
-              <p:ext uri="{D42A27DB-BD31-4B8C-83A1-F6EECF244321}">
-                <p14:modId xmlns:p14="http://schemas.microsoft.com/office/powerpoint/2010/main" val="3567835215"/>
-              </p:ext>
-            </p:extLst>
-          </p:nvPr>
-        </p:nvGraphicFramePr>
-        <p:xfrm>
-          <a:off x="4773503" y="3737789"/>
-          <a:ext cx="4333968" cy="2103850"/>
-        </p:xfrm>
-        <a:graphic>
-          <a:graphicData uri="http://schemas.openxmlformats.org/drawingml/2006/table">
-            <a:tbl>
-              <a:tblPr firstRow="1" bandRow="1">
-                <a:tableStyleId>{5A111915-BE36-4E01-A7E5-04B1672EAD32}</a:tableStyleId>
-              </a:tblPr>
-              <a:tblGrid>
-                <a:gridCol w="1656000">
-                  <a:extLst>
-                    <a:ext uri="{9D8B030D-6E8A-4147-A177-3AD203B41FA5}">
-                      <a16:colId xmlns:a16="http://schemas.microsoft.com/office/drawing/2014/main" val="20000"/>
-                    </a:ext>
-                  </a:extLst>
-                </a:gridCol>
-                <a:gridCol w="1129968">
-                  <a:extLst>
-                    <a:ext uri="{9D8B030D-6E8A-4147-A177-3AD203B41FA5}">
-                      <a16:colId xmlns:a16="http://schemas.microsoft.com/office/drawing/2014/main" val="20001"/>
-                    </a:ext>
-                  </a:extLst>
-                </a:gridCol>
-                <a:gridCol w="1548000">
-                  <a:extLst>
-                    <a:ext uri="{9D8B030D-6E8A-4147-A177-3AD203B41FA5}">
-                      <a16:colId xmlns:a16="http://schemas.microsoft.com/office/drawing/2014/main" val="278496055"/>
-                    </a:ext>
-                  </a:extLst>
-                </a:gridCol>
-              </a:tblGrid>
-              <a:tr h="300550">
-                <a:tc>
-                  <a:txBody>
-                    <a:bodyPr/>
-                    <a:lstStyle/>
-                    <a:p>
-                      <a:pPr latinLnBrk="1"/>
-                      <a:r>
-                        <a:rPr lang="ko-KR" altLang="en-US" dirty="0"/>
-                        <a:t>변수</a:t>
-                      </a:r>
-                    </a:p>
-                  </a:txBody>
-                  <a:tcPr/>
-                </a:tc>
-                <a:tc>
-                  <a:txBody>
-                    <a:bodyPr/>
-                    <a:lstStyle/>
-                    <a:p>
-                      <a:pPr latinLnBrk="1"/>
-                      <a:r>
-                        <a:rPr lang="ko-KR" altLang="en-US" dirty="0"/>
-                        <a:t>변수형</a:t>
-                      </a:r>
-                    </a:p>
-                  </a:txBody>
-                  <a:tcPr/>
-                </a:tc>
-                <a:tc>
-                  <a:txBody>
-                    <a:bodyPr/>
-                    <a:lstStyle/>
-                    <a:p>
-                      <a:pPr latinLnBrk="1"/>
-                      <a:r>
-                        <a:rPr lang="ko-KR" altLang="en-US" dirty="0"/>
-                        <a:t>기타사항</a:t>
-                      </a:r>
-                    </a:p>
-                  </a:txBody>
-                  <a:tcPr/>
-                </a:tc>
-                <a:extLst>
-                  <a:ext uri="{0D108BD9-81ED-4DB2-BD59-A6C34878D82A}">
-                    <a16:rowId xmlns:a16="http://schemas.microsoft.com/office/drawing/2014/main" val="10000"/>
-                  </a:ext>
-                </a:extLst>
-              </a:tr>
-              <a:tr h="300550">
-                <a:tc>
-                  <a:txBody>
-                    <a:bodyPr/>
-                    <a:lstStyle/>
-                    <a:p>
-                      <a:pPr latinLnBrk="1"/>
-                      <a:r>
-                        <a:rPr lang="en-US" altLang="ko-KR" dirty="0"/>
-                        <a:t>id</a:t>
-                      </a:r>
-                      <a:endParaRPr lang="ko-KR" altLang="en-US" dirty="0"/>
-                    </a:p>
-                  </a:txBody>
-                  <a:tcPr/>
-                </a:tc>
-                <a:tc>
-                  <a:txBody>
-                    <a:bodyPr/>
-                    <a:lstStyle/>
-                    <a:p>
-                      <a:pPr latinLnBrk="1"/>
-                      <a:r>
-                        <a:rPr lang="en-US" altLang="ko-KR" dirty="0"/>
-                        <a:t>char[20]</a:t>
-                      </a:r>
-                      <a:endParaRPr lang="ko-KR" altLang="en-US" dirty="0"/>
-                    </a:p>
-                  </a:txBody>
-                  <a:tcPr/>
-                </a:tc>
-                <a:tc>
-                  <a:txBody>
-                    <a:bodyPr/>
-                    <a:lstStyle/>
-                    <a:p>
-                      <a:pPr latinLnBrk="1"/>
-                      <a:r>
-                        <a:rPr lang="en-US" altLang="ko-KR" dirty="0"/>
-                        <a:t>PRIMARY</a:t>
-                      </a:r>
-                      <a:endParaRPr lang="ko-KR" altLang="en-US" dirty="0"/>
-                    </a:p>
-                  </a:txBody>
-                  <a:tcPr/>
-                </a:tc>
-                <a:extLst>
-                  <a:ext uri="{0D108BD9-81ED-4DB2-BD59-A6C34878D82A}">
-                    <a16:rowId xmlns:a16="http://schemas.microsoft.com/office/drawing/2014/main" val="10001"/>
-                  </a:ext>
-                </a:extLst>
-              </a:tr>
-              <a:tr h="300550">
-                <a:tc>
-                  <a:txBody>
-                    <a:bodyPr/>
-                    <a:lstStyle/>
-                    <a:p>
-                      <a:pPr latinLnBrk="1"/>
-                      <a:r>
-                        <a:rPr lang="en-US" altLang="ko-KR" dirty="0" err="1"/>
-                        <a:t>record_date</a:t>
-                      </a:r>
-                      <a:endParaRPr lang="ko-KR" altLang="en-US" dirty="0"/>
-                    </a:p>
-                  </a:txBody>
-                  <a:tcPr/>
-                </a:tc>
-                <a:tc>
-                  <a:txBody>
-                    <a:bodyPr/>
-                    <a:lstStyle/>
-                    <a:p>
-                      <a:pPr latinLnBrk="1"/>
-                      <a:r>
-                        <a:rPr lang="en-US" altLang="ko-KR" dirty="0" err="1"/>
-                        <a:t>int</a:t>
-                      </a:r>
-                      <a:r>
-                        <a:rPr lang="en-US" altLang="ko-KR" dirty="0"/>
-                        <a:t>/char</a:t>
-                      </a:r>
-                      <a:endParaRPr lang="ko-KR" altLang="en-US" dirty="0"/>
-                    </a:p>
-                  </a:txBody>
-                  <a:tcPr/>
-                </a:tc>
-                <a:tc>
-                  <a:txBody>
-                    <a:bodyPr/>
-                    <a:lstStyle/>
-                    <a:p>
-                      <a:pPr marL="0" marR="0" indent="0" algn="l" defTabSz="685800" rtl="0" eaLnBrk="1" fontAlgn="auto" latinLnBrk="1" hangingPunct="1">
-                        <a:lnSpc>
-                          <a:spcPct val="100000"/>
-                        </a:lnSpc>
-                        <a:spcBef>
-                          <a:spcPts val="0"/>
-                        </a:spcBef>
-                        <a:spcAft>
-                          <a:spcPts val="0"/>
-                        </a:spcAft>
-                        <a:buClrTx/>
-                        <a:buSzTx/>
-                        <a:buFontTx/>
-                        <a:buNone/>
-                        <a:tabLst/>
-                        <a:defRPr/>
-                      </a:pPr>
-                      <a:r>
-                        <a:rPr lang="en-US" altLang="ko-KR" dirty="0"/>
-                        <a:t>PRIMARY</a:t>
-                      </a:r>
-                      <a:endParaRPr lang="ko-KR" altLang="en-US" dirty="0"/>
-                    </a:p>
-                  </a:txBody>
-                  <a:tcPr/>
-                </a:tc>
-                <a:extLst>
-                  <a:ext uri="{0D108BD9-81ED-4DB2-BD59-A6C34878D82A}">
-                    <a16:rowId xmlns:a16="http://schemas.microsoft.com/office/drawing/2014/main" val="2384378507"/>
-                  </a:ext>
-                </a:extLst>
-              </a:tr>
-              <a:tr h="300550">
-                <a:tc>
-                  <a:txBody>
-                    <a:bodyPr/>
-                    <a:lstStyle/>
-                    <a:p>
-                      <a:pPr latinLnBrk="1"/>
-                      <a:r>
-                        <a:rPr lang="en-US" altLang="ko-KR" dirty="0" err="1"/>
-                        <a:t>hospital_code</a:t>
-                      </a:r>
-                      <a:endParaRPr lang="ko-KR" altLang="en-US" dirty="0"/>
-                    </a:p>
-                  </a:txBody>
-                  <a:tcPr/>
-                </a:tc>
-                <a:tc>
-                  <a:txBody>
-                    <a:bodyPr/>
-                    <a:lstStyle/>
-                    <a:p>
-                      <a:pPr latinLnBrk="1"/>
-                      <a:r>
-                        <a:rPr lang="en-US" altLang="ko-KR" dirty="0" err="1"/>
-                        <a:t>int</a:t>
-                      </a:r>
-                      <a:endParaRPr lang="ko-KR" altLang="en-US" dirty="0"/>
-                    </a:p>
-                  </a:txBody>
-                  <a:tcPr/>
-                </a:tc>
-                <a:tc>
-                  <a:txBody>
-                    <a:bodyPr/>
-                    <a:lstStyle/>
-                    <a:p>
-                      <a:pPr marL="0" marR="0" indent="0" algn="l" defTabSz="685800" rtl="0" eaLnBrk="1" fontAlgn="auto" latinLnBrk="1" hangingPunct="1">
-                        <a:lnSpc>
-                          <a:spcPct val="100000"/>
-                        </a:lnSpc>
-                        <a:spcBef>
-                          <a:spcPts val="0"/>
-                        </a:spcBef>
-                        <a:spcAft>
-                          <a:spcPts val="0"/>
-                        </a:spcAft>
-                        <a:buClrTx/>
-                        <a:buSzTx/>
-                        <a:buFontTx/>
-                        <a:buNone/>
-                        <a:tabLst/>
-                        <a:defRPr/>
-                      </a:pPr>
-                      <a:r>
-                        <a:rPr lang="en-US" altLang="ko-KR" dirty="0"/>
-                        <a:t>PRIMARY</a:t>
-                      </a:r>
-                      <a:endParaRPr lang="ko-KR" altLang="en-US" dirty="0"/>
-                    </a:p>
-                  </a:txBody>
-                  <a:tcPr/>
-                </a:tc>
-                <a:extLst>
-                  <a:ext uri="{0D108BD9-81ED-4DB2-BD59-A6C34878D82A}">
-                    <a16:rowId xmlns:a16="http://schemas.microsoft.com/office/drawing/2014/main" val="3533210726"/>
-                  </a:ext>
-                </a:extLst>
-              </a:tr>
-              <a:tr h="300550">
-                <a:tc>
-                  <a:txBody>
-                    <a:bodyPr/>
-                    <a:lstStyle/>
-                    <a:p>
-                      <a:pPr latinLnBrk="1"/>
-                      <a:r>
-                        <a:rPr lang="en-US" altLang="ko-KR" dirty="0" err="1"/>
-                        <a:t>disease_code</a:t>
-                      </a:r>
-                      <a:endParaRPr lang="ko-KR" altLang="en-US" dirty="0"/>
-                    </a:p>
-                  </a:txBody>
-                  <a:tcPr/>
-                </a:tc>
-                <a:tc>
-                  <a:txBody>
-                    <a:bodyPr/>
-                    <a:lstStyle/>
-                    <a:p>
-                      <a:pPr latinLnBrk="1"/>
-                      <a:r>
-                        <a:rPr lang="en-US" altLang="ko-KR" dirty="0"/>
-                        <a:t>char[5]</a:t>
-                      </a:r>
-                      <a:endParaRPr lang="ko-KR" altLang="en-US" dirty="0"/>
-                    </a:p>
-                  </a:txBody>
-                  <a:tcPr/>
-                </a:tc>
-                <a:tc>
-                  <a:txBody>
-                    <a:bodyPr/>
-                    <a:lstStyle/>
-                    <a:p>
-                      <a:pPr marL="0" marR="0" indent="0" algn="l" defTabSz="685800" rtl="0" eaLnBrk="1" fontAlgn="auto" latinLnBrk="1" hangingPunct="1">
-                        <a:lnSpc>
-                          <a:spcPct val="100000"/>
-                        </a:lnSpc>
-                        <a:spcBef>
-                          <a:spcPts val="0"/>
-                        </a:spcBef>
-                        <a:spcAft>
-                          <a:spcPts val="0"/>
-                        </a:spcAft>
-                        <a:buClrTx/>
-                        <a:buSzTx/>
-                        <a:buFontTx/>
-                        <a:buNone/>
-                        <a:tabLst/>
-                        <a:defRPr/>
-                      </a:pPr>
-                      <a:endParaRPr lang="ko-KR" altLang="en-US" dirty="0"/>
-                    </a:p>
-                  </a:txBody>
-                  <a:tcPr/>
-                </a:tc>
-                <a:extLst>
-                  <a:ext uri="{0D108BD9-81ED-4DB2-BD59-A6C34878D82A}">
-                    <a16:rowId xmlns:a16="http://schemas.microsoft.com/office/drawing/2014/main" val="1030267181"/>
-                  </a:ext>
-                </a:extLst>
-              </a:tr>
-              <a:tr h="300550">
-                <a:tc>
-                  <a:txBody>
-                    <a:bodyPr/>
-                    <a:lstStyle/>
-                    <a:p>
-                      <a:pPr latinLnBrk="1"/>
-                      <a:r>
-                        <a:rPr lang="en-US" altLang="ko-KR" dirty="0" err="1"/>
-                        <a:t>disease_name</a:t>
-                      </a:r>
-                      <a:endParaRPr lang="ko-KR" altLang="en-US" dirty="0"/>
-                    </a:p>
-                  </a:txBody>
-                  <a:tcPr/>
-                </a:tc>
-                <a:tc>
-                  <a:txBody>
-                    <a:bodyPr/>
-                    <a:lstStyle/>
-                    <a:p>
-                      <a:pPr latinLnBrk="1"/>
-                      <a:r>
-                        <a:rPr lang="en-US" altLang="ko-KR" dirty="0"/>
-                        <a:t>char[40]</a:t>
-                      </a:r>
-                      <a:endParaRPr lang="ko-KR" altLang="en-US" dirty="0"/>
-                    </a:p>
-                  </a:txBody>
-                  <a:tcPr/>
-                </a:tc>
-                <a:tc>
-                  <a:txBody>
-                    <a:bodyPr/>
-                    <a:lstStyle/>
-                    <a:p>
-                      <a:pPr latinLnBrk="1"/>
-                      <a:endParaRPr lang="ko-KR" altLang="en-US" dirty="0"/>
-                    </a:p>
-                  </a:txBody>
-                  <a:tcPr/>
-                </a:tc>
-                <a:extLst>
-                  <a:ext uri="{0D108BD9-81ED-4DB2-BD59-A6C34878D82A}">
-                    <a16:rowId xmlns:a16="http://schemas.microsoft.com/office/drawing/2014/main" val="2343490922"/>
-                  </a:ext>
-                </a:extLst>
-              </a:tr>
-              <a:tr h="300550">
-                <a:tc>
-                  <a:txBody>
-                    <a:bodyPr/>
-                    <a:lstStyle/>
-                    <a:p>
-                      <a:pPr latinLnBrk="1"/>
-                      <a:r>
-                        <a:rPr lang="en-US" altLang="ko-KR" dirty="0" err="1"/>
-                        <a:t>treat_code</a:t>
-                      </a:r>
-                      <a:endParaRPr lang="ko-KR" altLang="en-US" dirty="0"/>
-                    </a:p>
-                  </a:txBody>
-                  <a:tcPr/>
-                </a:tc>
-                <a:tc>
-                  <a:txBody>
-                    <a:bodyPr/>
-                    <a:lstStyle/>
-                    <a:p>
-                      <a:r>
-                        <a:rPr lang="en-US" altLang="ko-KR" dirty="0" err="1"/>
-                        <a:t>int</a:t>
-                      </a:r>
-                      <a:endParaRPr lang="ko-KR" altLang="en-US" dirty="0"/>
-                    </a:p>
-                  </a:txBody>
-                  <a:tcPr/>
-                </a:tc>
-                <a:tc>
-                  <a:txBody>
-                    <a:bodyPr/>
-                    <a:lstStyle/>
-                    <a:p>
-                      <a:endParaRPr lang="ko-KR" altLang="en-US" dirty="0"/>
-                    </a:p>
-                  </a:txBody>
-                  <a:tcPr/>
-                </a:tc>
-                <a:extLst>
-                  <a:ext uri="{0D108BD9-81ED-4DB2-BD59-A6C34878D82A}">
-                    <a16:rowId xmlns:a16="http://schemas.microsoft.com/office/drawing/2014/main" val="3833322220"/>
-                  </a:ext>
-                </a:extLst>
-              </a:tr>
-            </a:tbl>
-          </a:graphicData>
-        </a:graphic>
-      </p:graphicFrame>
-      <p:sp>
-        <p:nvSpPr>
-          <p:cNvPr id="24" name="TextBox 23"/>
-          <p:cNvSpPr txBox="1"/>
-          <p:nvPr/>
-        </p:nvSpPr>
-        <p:spPr>
-          <a:xfrm>
-            <a:off x="4484915" y="3121147"/>
-            <a:ext cx="4114799" cy="524503"/>
-          </a:xfrm>
-          <a:prstGeom prst="rect">
-            <a:avLst/>
-          </a:prstGeom>
-          <a:noFill/>
-        </p:spPr>
-        <p:txBody>
-          <a:bodyPr wrap="square" rtlCol="0">
-            <a:spAutoFit/>
-          </a:bodyPr>
-          <a:lstStyle/>
-          <a:p>
-            <a:r>
-              <a:rPr lang="ko-KR" altLang="en-US" b="1" dirty="0"/>
-              <a:t>진료기록</a:t>
-            </a:r>
-            <a:r>
-              <a:rPr lang="en-US" altLang="ko-KR" b="1" dirty="0"/>
-              <a:t>Table(</a:t>
-            </a:r>
-            <a:r>
-              <a:rPr lang="ko-KR" altLang="en-US" b="1" dirty="0"/>
-              <a:t>병원</a:t>
-            </a:r>
-            <a:r>
-              <a:rPr lang="en-US" altLang="ko-KR" b="1" dirty="0"/>
-              <a:t>, </a:t>
-            </a:r>
-            <a:r>
-              <a:rPr lang="ko-KR" altLang="en-US" b="1" dirty="0"/>
-              <a:t>약국</a:t>
-            </a:r>
-            <a:r>
-              <a:rPr lang="en-US" altLang="ko-KR" b="1" dirty="0"/>
-              <a:t>, </a:t>
-            </a:r>
-            <a:r>
-              <a:rPr lang="ko-KR" altLang="en-US" b="1" dirty="0"/>
-              <a:t>사용자가 공유</a:t>
-            </a:r>
-            <a:r>
-              <a:rPr lang="en-US" altLang="ko-KR" b="1" dirty="0"/>
-              <a:t>)</a:t>
-            </a:r>
-          </a:p>
-          <a:p>
-            <a:r>
-              <a:rPr lang="en-US" altLang="ko-KR" b="1" dirty="0"/>
-              <a:t>(TREAT_RECORD)</a:t>
-            </a:r>
-            <a:endParaRPr lang="ko-KR" altLang="en-US" b="1" dirty="0"/>
-          </a:p>
-        </p:txBody>
-      </p:sp>
-      <p:graphicFrame>
-        <p:nvGraphicFramePr>
-          <p:cNvPr id="25" name="표 24"/>
-          <p:cNvGraphicFramePr>
-            <a:graphicFrameLocks noGrp="1"/>
-          </p:cNvGraphicFramePr>
-          <p:nvPr>
-            <p:extLst/>
-          </p:nvPr>
-        </p:nvGraphicFramePr>
-        <p:xfrm>
-          <a:off x="-3294743" y="637699"/>
-          <a:ext cx="3349312" cy="1188720"/>
-        </p:xfrm>
-        <a:graphic>
-          <a:graphicData uri="http://schemas.openxmlformats.org/drawingml/2006/table">
-            <a:tbl>
-              <a:tblPr firstRow="1" bandRow="1">
-                <a:tableStyleId>{5A111915-BE36-4E01-A7E5-04B1672EAD32}</a:tableStyleId>
-              </a:tblPr>
-              <a:tblGrid>
-                <a:gridCol w="1296000">
-                  <a:extLst>
-                    <a:ext uri="{9D8B030D-6E8A-4147-A177-3AD203B41FA5}">
-                      <a16:colId xmlns:a16="http://schemas.microsoft.com/office/drawing/2014/main" val="20000"/>
-                    </a:ext>
-                  </a:extLst>
-                </a:gridCol>
-                <a:gridCol w="936000">
-                  <a:extLst>
-                    <a:ext uri="{9D8B030D-6E8A-4147-A177-3AD203B41FA5}">
-                      <a16:colId xmlns:a16="http://schemas.microsoft.com/office/drawing/2014/main" val="20001"/>
-                    </a:ext>
-                  </a:extLst>
-                </a:gridCol>
-                <a:gridCol w="1117312">
-                  <a:extLst>
-                    <a:ext uri="{9D8B030D-6E8A-4147-A177-3AD203B41FA5}">
-                      <a16:colId xmlns:a16="http://schemas.microsoft.com/office/drawing/2014/main" val="2342388362"/>
-                    </a:ext>
-                  </a:extLst>
-                </a:gridCol>
-              </a:tblGrid>
-              <a:tr h="244401">
-                <a:tc>
-                  <a:txBody>
-                    <a:bodyPr/>
-                    <a:lstStyle/>
-                    <a:p>
-                      <a:pPr latinLnBrk="1"/>
-                      <a:r>
-                        <a:rPr lang="ko-KR" altLang="en-US" dirty="0"/>
-                        <a:t>변수</a:t>
-                      </a:r>
-                    </a:p>
-                  </a:txBody>
-                  <a:tcPr/>
-                </a:tc>
-                <a:tc>
-                  <a:txBody>
-                    <a:bodyPr/>
-                    <a:lstStyle/>
-                    <a:p>
-                      <a:pPr latinLnBrk="1"/>
-                      <a:r>
-                        <a:rPr lang="ko-KR" altLang="en-US" dirty="0"/>
-                        <a:t>변수형</a:t>
-                      </a:r>
-                    </a:p>
-                  </a:txBody>
-                  <a:tcPr/>
-                </a:tc>
-                <a:tc>
-                  <a:txBody>
-                    <a:bodyPr/>
-                    <a:lstStyle/>
-                    <a:p>
-                      <a:pPr latinLnBrk="1"/>
-                      <a:r>
-                        <a:rPr lang="ko-KR" altLang="en-US" dirty="0"/>
-                        <a:t>기타사항</a:t>
-                      </a:r>
-                    </a:p>
-                  </a:txBody>
-                  <a:tcPr/>
-                </a:tc>
-                <a:extLst>
-                  <a:ext uri="{0D108BD9-81ED-4DB2-BD59-A6C34878D82A}">
-                    <a16:rowId xmlns:a16="http://schemas.microsoft.com/office/drawing/2014/main" val="10000"/>
-                  </a:ext>
-                </a:extLst>
-              </a:tr>
-              <a:tr h="244401">
-                <a:tc>
-                  <a:txBody>
-                    <a:bodyPr/>
-                    <a:lstStyle/>
-                    <a:p>
-                      <a:pPr latinLnBrk="1"/>
-                      <a:r>
-                        <a:rPr lang="en-US" altLang="ko-KR" dirty="0" err="1"/>
-                        <a:t>pharmst_code</a:t>
-                      </a:r>
-                      <a:endParaRPr lang="ko-KR" altLang="en-US" dirty="0"/>
-                    </a:p>
-                  </a:txBody>
-                  <a:tcPr/>
-                </a:tc>
-                <a:tc>
-                  <a:txBody>
-                    <a:bodyPr/>
-                    <a:lstStyle/>
-                    <a:p>
-                      <a:pPr latinLnBrk="1"/>
-                      <a:r>
-                        <a:rPr lang="en-US" altLang="ko-KR" dirty="0" err="1"/>
-                        <a:t>int</a:t>
-                      </a:r>
-                      <a:endParaRPr lang="ko-KR" altLang="en-US" dirty="0"/>
-                    </a:p>
-                  </a:txBody>
-                  <a:tcPr/>
-                </a:tc>
-                <a:tc>
-                  <a:txBody>
-                    <a:bodyPr/>
-                    <a:lstStyle/>
-                    <a:p>
-                      <a:pPr latinLnBrk="1"/>
-                      <a:r>
-                        <a:rPr lang="en-US" altLang="ko-KR" dirty="0"/>
-                        <a:t>PRIMARY</a:t>
-                      </a:r>
-                      <a:endParaRPr lang="ko-KR" altLang="en-US" dirty="0"/>
-                    </a:p>
-                  </a:txBody>
-                  <a:tcPr/>
-                </a:tc>
-                <a:extLst>
-                  <a:ext uri="{0D108BD9-81ED-4DB2-BD59-A6C34878D82A}">
-                    <a16:rowId xmlns:a16="http://schemas.microsoft.com/office/drawing/2014/main" val="10002"/>
-                  </a:ext>
-                </a:extLst>
-              </a:tr>
-              <a:tr h="244401">
-                <a:tc>
-                  <a:txBody>
-                    <a:bodyPr/>
-                    <a:lstStyle/>
-                    <a:p>
-                      <a:pPr latinLnBrk="1"/>
-                      <a:r>
-                        <a:rPr lang="en-US" altLang="ko-KR" dirty="0" err="1"/>
-                        <a:t>pharmst_name</a:t>
-                      </a:r>
-                      <a:endParaRPr lang="ko-KR" altLang="en-US" dirty="0"/>
-                    </a:p>
-                  </a:txBody>
-                  <a:tcPr/>
-                </a:tc>
-                <a:tc>
-                  <a:txBody>
-                    <a:bodyPr/>
-                    <a:lstStyle/>
-                    <a:p>
-                      <a:pPr latinLnBrk="1"/>
-                      <a:r>
-                        <a:rPr lang="en-US" altLang="ko-KR" dirty="0"/>
-                        <a:t>char[40]</a:t>
-                      </a:r>
-                      <a:endParaRPr lang="ko-KR" altLang="en-US" dirty="0"/>
-                    </a:p>
-                  </a:txBody>
-                  <a:tcPr/>
-                </a:tc>
-                <a:tc>
-                  <a:txBody>
-                    <a:bodyPr/>
-                    <a:lstStyle/>
-                    <a:p>
-                      <a:pPr latinLnBrk="1"/>
-                      <a:endParaRPr lang="ko-KR" altLang="en-US" dirty="0"/>
-                    </a:p>
-                  </a:txBody>
-                  <a:tcPr/>
-                </a:tc>
-                <a:extLst>
-                  <a:ext uri="{0D108BD9-81ED-4DB2-BD59-A6C34878D82A}">
-                    <a16:rowId xmlns:a16="http://schemas.microsoft.com/office/drawing/2014/main" val="2666502318"/>
-                  </a:ext>
-                </a:extLst>
-              </a:tr>
-              <a:tr h="244401">
-                <a:tc>
-                  <a:txBody>
-                    <a:bodyPr/>
-                    <a:lstStyle/>
-                    <a:p>
-                      <a:pPr latinLnBrk="1"/>
-                      <a:r>
-                        <a:rPr lang="en-US" altLang="ko-KR" dirty="0" err="1"/>
-                        <a:t>pharm_code</a:t>
-                      </a:r>
-                      <a:endParaRPr lang="ko-KR" altLang="en-US" dirty="0"/>
-                    </a:p>
-                  </a:txBody>
-                  <a:tcPr/>
-                </a:tc>
-                <a:tc>
-                  <a:txBody>
-                    <a:bodyPr/>
-                    <a:lstStyle/>
-                    <a:p>
-                      <a:pPr latinLnBrk="1"/>
-                      <a:r>
-                        <a:rPr lang="en-US" altLang="ko-KR" dirty="0" err="1"/>
-                        <a:t>int</a:t>
-                      </a:r>
-                      <a:endParaRPr lang="ko-KR" altLang="en-US" dirty="0"/>
-                    </a:p>
-                  </a:txBody>
-                  <a:tcPr/>
-                </a:tc>
-                <a:tc>
-                  <a:txBody>
-                    <a:bodyPr/>
-                    <a:lstStyle/>
-                    <a:p>
-                      <a:pPr latinLnBrk="1"/>
-                      <a:endParaRPr lang="ko-KR" altLang="en-US" dirty="0"/>
-                    </a:p>
-                  </a:txBody>
-                  <a:tcPr/>
-                </a:tc>
-                <a:extLst>
-                  <a:ext uri="{0D108BD9-81ED-4DB2-BD59-A6C34878D82A}">
-                    <a16:rowId xmlns:a16="http://schemas.microsoft.com/office/drawing/2014/main" val="10003"/>
-                  </a:ext>
-                </a:extLst>
-              </a:tr>
-            </a:tbl>
-          </a:graphicData>
-        </a:graphic>
-      </p:graphicFrame>
-      <p:sp>
-        <p:nvSpPr>
-          <p:cNvPr id="26" name="TextBox 25"/>
-          <p:cNvSpPr txBox="1"/>
-          <p:nvPr/>
-        </p:nvSpPr>
-        <p:spPr>
-          <a:xfrm>
-            <a:off x="-3147619" y="258825"/>
-            <a:ext cx="2239618" cy="308418"/>
-          </a:xfrm>
-          <a:prstGeom prst="rect">
-            <a:avLst/>
-          </a:prstGeom>
-          <a:noFill/>
-        </p:spPr>
-        <p:txBody>
-          <a:bodyPr wrap="square" rtlCol="0">
-            <a:spAutoFit/>
-          </a:bodyPr>
-          <a:lstStyle/>
-          <a:p>
-            <a:r>
-              <a:rPr lang="ko-KR" altLang="en-US" b="1" dirty="0"/>
-              <a:t>약사</a:t>
-            </a:r>
-            <a:r>
-              <a:rPr lang="en-US" altLang="ko-KR" b="1" dirty="0"/>
-              <a:t>Table (PHARMACIST)</a:t>
-            </a:r>
-            <a:endParaRPr lang="ko-KR" altLang="en-US" b="1" dirty="0"/>
-          </a:p>
-        </p:txBody>
-      </p:sp>
-      <p:graphicFrame>
-        <p:nvGraphicFramePr>
-          <p:cNvPr id="27" name="표 26"/>
-          <p:cNvGraphicFramePr>
-            <a:graphicFrameLocks noGrp="1"/>
-          </p:cNvGraphicFramePr>
-          <p:nvPr>
-            <p:extLst/>
-          </p:nvPr>
-        </p:nvGraphicFramePr>
-        <p:xfrm>
-          <a:off x="-3294742" y="2497169"/>
-          <a:ext cx="3349312" cy="891540"/>
-        </p:xfrm>
-        <a:graphic>
-          <a:graphicData uri="http://schemas.openxmlformats.org/drawingml/2006/table">
-            <a:tbl>
-              <a:tblPr firstRow="1" bandRow="1">
-                <a:tableStyleId>{5A111915-BE36-4E01-A7E5-04B1672EAD32}</a:tableStyleId>
-              </a:tblPr>
-              <a:tblGrid>
-                <a:gridCol w="1296000">
-                  <a:extLst>
-                    <a:ext uri="{9D8B030D-6E8A-4147-A177-3AD203B41FA5}">
-                      <a16:colId xmlns:a16="http://schemas.microsoft.com/office/drawing/2014/main" val="20000"/>
-                    </a:ext>
-                  </a:extLst>
-                </a:gridCol>
-                <a:gridCol w="936000">
-                  <a:extLst>
-                    <a:ext uri="{9D8B030D-6E8A-4147-A177-3AD203B41FA5}">
-                      <a16:colId xmlns:a16="http://schemas.microsoft.com/office/drawing/2014/main" val="20001"/>
-                    </a:ext>
-                  </a:extLst>
-                </a:gridCol>
-                <a:gridCol w="1117312">
-                  <a:extLst>
-                    <a:ext uri="{9D8B030D-6E8A-4147-A177-3AD203B41FA5}">
-                      <a16:colId xmlns:a16="http://schemas.microsoft.com/office/drawing/2014/main" val="939253182"/>
-                    </a:ext>
-                  </a:extLst>
-                </a:gridCol>
-              </a:tblGrid>
-              <a:tr h="177184">
-                <a:tc>
-                  <a:txBody>
-                    <a:bodyPr/>
-                    <a:lstStyle/>
-                    <a:p>
-                      <a:pPr latinLnBrk="1"/>
-                      <a:r>
-                        <a:rPr lang="ko-KR" altLang="en-US" dirty="0"/>
-                        <a:t>변수</a:t>
-                      </a:r>
-                    </a:p>
-                  </a:txBody>
-                  <a:tcPr/>
-                </a:tc>
-                <a:tc>
-                  <a:txBody>
-                    <a:bodyPr/>
-                    <a:lstStyle/>
-                    <a:p>
-                      <a:pPr latinLnBrk="1"/>
-                      <a:r>
-                        <a:rPr lang="ko-KR" altLang="en-US" dirty="0"/>
-                        <a:t>변수형</a:t>
-                      </a:r>
-                    </a:p>
-                  </a:txBody>
-                  <a:tcPr/>
-                </a:tc>
-                <a:tc>
-                  <a:txBody>
-                    <a:bodyPr/>
-                    <a:lstStyle/>
-                    <a:p>
-                      <a:pPr latinLnBrk="1"/>
-                      <a:r>
-                        <a:rPr lang="ko-KR" altLang="en-US" dirty="0"/>
-                        <a:t>기타사항</a:t>
-                      </a:r>
-                    </a:p>
-                  </a:txBody>
-                  <a:tcPr/>
-                </a:tc>
-                <a:extLst>
-                  <a:ext uri="{0D108BD9-81ED-4DB2-BD59-A6C34878D82A}">
-                    <a16:rowId xmlns:a16="http://schemas.microsoft.com/office/drawing/2014/main" val="10000"/>
-                  </a:ext>
-                </a:extLst>
-              </a:tr>
-              <a:tr h="177184">
-                <a:tc>
-                  <a:txBody>
-                    <a:bodyPr/>
-                    <a:lstStyle/>
-                    <a:p>
-                      <a:pPr latinLnBrk="1"/>
-                      <a:r>
-                        <a:rPr lang="en-US" altLang="ko-KR" dirty="0" err="1"/>
-                        <a:t>pharm_code</a:t>
-                      </a:r>
-                      <a:endParaRPr lang="ko-KR" altLang="en-US" dirty="0"/>
-                    </a:p>
-                  </a:txBody>
-                  <a:tcPr/>
-                </a:tc>
-                <a:tc>
-                  <a:txBody>
-                    <a:bodyPr/>
-                    <a:lstStyle/>
-                    <a:p>
-                      <a:pPr latinLnBrk="1"/>
-                      <a:r>
-                        <a:rPr lang="en-US" altLang="ko-KR" dirty="0" err="1"/>
-                        <a:t>int</a:t>
-                      </a:r>
-                      <a:endParaRPr lang="ko-KR" altLang="en-US" dirty="0"/>
-                    </a:p>
-                  </a:txBody>
-                  <a:tcPr/>
-                </a:tc>
-                <a:tc>
-                  <a:txBody>
-                    <a:bodyPr/>
-                    <a:lstStyle/>
-                    <a:p>
-                      <a:pPr latinLnBrk="1"/>
-                      <a:r>
-                        <a:rPr lang="en-US" altLang="ko-KR" dirty="0"/>
-                        <a:t>PRIMARY</a:t>
-                      </a:r>
-                      <a:endParaRPr lang="ko-KR" altLang="en-US" dirty="0"/>
-                    </a:p>
-                  </a:txBody>
-                  <a:tcPr/>
-                </a:tc>
-                <a:extLst>
-                  <a:ext uri="{0D108BD9-81ED-4DB2-BD59-A6C34878D82A}">
-                    <a16:rowId xmlns:a16="http://schemas.microsoft.com/office/drawing/2014/main" val="10002"/>
-                  </a:ext>
-                </a:extLst>
-              </a:tr>
-              <a:tr h="177184">
-                <a:tc>
-                  <a:txBody>
-                    <a:bodyPr/>
-                    <a:lstStyle/>
-                    <a:p>
-                      <a:pPr latinLnBrk="1"/>
-                      <a:r>
-                        <a:rPr lang="en-US" altLang="ko-KR" dirty="0" err="1"/>
-                        <a:t>pharm_name</a:t>
-                      </a:r>
-                      <a:endParaRPr lang="ko-KR" altLang="en-US" dirty="0"/>
-                    </a:p>
-                  </a:txBody>
-                  <a:tcPr/>
-                </a:tc>
-                <a:tc>
-                  <a:txBody>
-                    <a:bodyPr/>
-                    <a:lstStyle/>
-                    <a:p>
-                      <a:pPr latinLnBrk="1"/>
-                      <a:r>
-                        <a:rPr lang="en-US" altLang="ko-KR" dirty="0"/>
-                        <a:t>char[40]</a:t>
-                      </a:r>
-                      <a:endParaRPr lang="ko-KR" altLang="en-US" dirty="0"/>
-                    </a:p>
-                  </a:txBody>
-                  <a:tcPr/>
-                </a:tc>
-                <a:tc>
-                  <a:txBody>
-                    <a:bodyPr/>
-                    <a:lstStyle/>
-                    <a:p>
-                      <a:pPr latinLnBrk="1"/>
-                      <a:endParaRPr lang="ko-KR" altLang="en-US" dirty="0"/>
-                    </a:p>
-                  </a:txBody>
-                  <a:tcPr/>
-                </a:tc>
-                <a:extLst>
-                  <a:ext uri="{0D108BD9-81ED-4DB2-BD59-A6C34878D82A}">
-                    <a16:rowId xmlns:a16="http://schemas.microsoft.com/office/drawing/2014/main" val="3726474258"/>
-                  </a:ext>
-                </a:extLst>
-              </a:tr>
-            </a:tbl>
-          </a:graphicData>
-        </a:graphic>
-      </p:graphicFrame>
-      <p:sp>
-        <p:nvSpPr>
-          <p:cNvPr id="28" name="TextBox 27"/>
-          <p:cNvSpPr txBox="1"/>
-          <p:nvPr/>
-        </p:nvSpPr>
-        <p:spPr>
-          <a:xfrm>
-            <a:off x="-3106731" y="2186156"/>
-            <a:ext cx="1985612" cy="308418"/>
-          </a:xfrm>
-          <a:prstGeom prst="rect">
-            <a:avLst/>
-          </a:prstGeom>
-          <a:noFill/>
-        </p:spPr>
-        <p:txBody>
-          <a:bodyPr wrap="square" rtlCol="0">
-            <a:spAutoFit/>
-          </a:bodyPr>
-          <a:lstStyle/>
-          <a:p>
-            <a:r>
-              <a:rPr lang="ko-KR" altLang="en-US" b="1" dirty="0"/>
-              <a:t>약국</a:t>
-            </a:r>
-            <a:r>
-              <a:rPr lang="en-US" altLang="ko-KR" b="1" dirty="0"/>
-              <a:t>Table (PHARMACY)</a:t>
-            </a:r>
-            <a:endParaRPr lang="ko-KR" altLang="en-US" b="1" dirty="0"/>
-          </a:p>
-        </p:txBody>
-      </p:sp>
-      <p:graphicFrame>
-        <p:nvGraphicFramePr>
-          <p:cNvPr id="18" name="표 17"/>
-          <p:cNvGraphicFramePr>
-            <a:graphicFrameLocks noGrp="1"/>
-          </p:cNvGraphicFramePr>
-          <p:nvPr>
-            <p:extLst>
-              <p:ext uri="{D42A27DB-BD31-4B8C-83A1-F6EECF244321}">
-                <p14:modId xmlns:p14="http://schemas.microsoft.com/office/powerpoint/2010/main" val="3331328187"/>
-              </p:ext>
-            </p:extLst>
-          </p:nvPr>
-        </p:nvGraphicFramePr>
-        <p:xfrm>
-          <a:off x="9293495" y="3737789"/>
-          <a:ext cx="4333968" cy="3111540"/>
-        </p:xfrm>
-        <a:graphic>
-          <a:graphicData uri="http://schemas.openxmlformats.org/drawingml/2006/table">
-            <a:tbl>
-              <a:tblPr firstRow="1" bandRow="1">
-                <a:tableStyleId>{5A111915-BE36-4E01-A7E5-04B1672EAD32}</a:tableStyleId>
-              </a:tblPr>
-              <a:tblGrid>
-                <a:gridCol w="1656000">
-                  <a:extLst>
-                    <a:ext uri="{9D8B030D-6E8A-4147-A177-3AD203B41FA5}">
-                      <a16:colId xmlns:a16="http://schemas.microsoft.com/office/drawing/2014/main" val="20000"/>
-                    </a:ext>
-                  </a:extLst>
-                </a:gridCol>
-                <a:gridCol w="1129968">
-                  <a:extLst>
-                    <a:ext uri="{9D8B030D-6E8A-4147-A177-3AD203B41FA5}">
-                      <a16:colId xmlns:a16="http://schemas.microsoft.com/office/drawing/2014/main" val="20001"/>
-                    </a:ext>
-                  </a:extLst>
-                </a:gridCol>
-                <a:gridCol w="1548000">
-                  <a:extLst>
-                    <a:ext uri="{9D8B030D-6E8A-4147-A177-3AD203B41FA5}">
-                      <a16:colId xmlns:a16="http://schemas.microsoft.com/office/drawing/2014/main" val="278496055"/>
-                    </a:ext>
-                  </a:extLst>
-                </a:gridCol>
-              </a:tblGrid>
-              <a:tr h="300550">
-                <a:tc>
-                  <a:txBody>
-                    <a:bodyPr/>
-                    <a:lstStyle/>
-                    <a:p>
-                      <a:pPr latinLnBrk="1"/>
-                      <a:r>
-                        <a:rPr lang="ko-KR" altLang="en-US" dirty="0"/>
-                        <a:t>변수</a:t>
-                      </a:r>
-                    </a:p>
-                  </a:txBody>
-                  <a:tcPr/>
-                </a:tc>
-                <a:tc>
-                  <a:txBody>
-                    <a:bodyPr/>
-                    <a:lstStyle/>
-                    <a:p>
-                      <a:pPr latinLnBrk="1"/>
-                      <a:r>
-                        <a:rPr lang="ko-KR" altLang="en-US" dirty="0"/>
-                        <a:t>변수형</a:t>
-                      </a:r>
-                    </a:p>
-                  </a:txBody>
-                  <a:tcPr/>
-                </a:tc>
-                <a:tc>
-                  <a:txBody>
-                    <a:bodyPr/>
-                    <a:lstStyle/>
-                    <a:p>
-                      <a:pPr latinLnBrk="1"/>
-                      <a:r>
-                        <a:rPr lang="ko-KR" altLang="en-US" dirty="0"/>
-                        <a:t>기타사항</a:t>
-                      </a:r>
-                    </a:p>
-                  </a:txBody>
-                  <a:tcPr/>
-                </a:tc>
-                <a:extLst>
-                  <a:ext uri="{0D108BD9-81ED-4DB2-BD59-A6C34878D82A}">
-                    <a16:rowId xmlns:a16="http://schemas.microsoft.com/office/drawing/2014/main" val="10000"/>
-                  </a:ext>
-                </a:extLst>
-              </a:tr>
-              <a:tr h="300550">
-                <a:tc>
-                  <a:txBody>
-                    <a:bodyPr/>
-                    <a:lstStyle/>
-                    <a:p>
-                      <a:pPr latinLnBrk="1"/>
-                      <a:r>
-                        <a:rPr lang="en-US" altLang="ko-KR" dirty="0"/>
-                        <a:t>id</a:t>
-                      </a:r>
-                      <a:endParaRPr lang="ko-KR" altLang="en-US" dirty="0"/>
-                    </a:p>
-                  </a:txBody>
-                  <a:tcPr/>
-                </a:tc>
-                <a:tc>
-                  <a:txBody>
-                    <a:bodyPr/>
-                    <a:lstStyle/>
-                    <a:p>
-                      <a:pPr latinLnBrk="1"/>
-                      <a:r>
-                        <a:rPr lang="en-US" altLang="ko-KR" dirty="0"/>
-                        <a:t>char[20]</a:t>
-                      </a:r>
-                      <a:endParaRPr lang="ko-KR" altLang="en-US" dirty="0"/>
-                    </a:p>
-                  </a:txBody>
-                  <a:tcPr/>
-                </a:tc>
-                <a:tc>
-                  <a:txBody>
-                    <a:bodyPr/>
-                    <a:lstStyle/>
-                    <a:p>
-                      <a:pPr latinLnBrk="1"/>
-                      <a:r>
-                        <a:rPr lang="en-US" altLang="ko-KR" dirty="0"/>
-                        <a:t>PRIMARY</a:t>
-                      </a:r>
-                      <a:endParaRPr lang="ko-KR" altLang="en-US" dirty="0"/>
-                    </a:p>
-                  </a:txBody>
-                  <a:tcPr/>
-                </a:tc>
-                <a:extLst>
-                  <a:ext uri="{0D108BD9-81ED-4DB2-BD59-A6C34878D82A}">
-                    <a16:rowId xmlns:a16="http://schemas.microsoft.com/office/drawing/2014/main" val="10001"/>
-                  </a:ext>
-                </a:extLst>
-              </a:tr>
-              <a:tr h="300550">
-                <a:tc>
-                  <a:txBody>
-                    <a:bodyPr/>
-                    <a:lstStyle/>
-                    <a:p>
-                      <a:pPr latinLnBrk="1"/>
-                      <a:r>
-                        <a:rPr lang="en-US" altLang="ko-KR" dirty="0" err="1"/>
-                        <a:t>treat_code</a:t>
-                      </a:r>
-                      <a:endParaRPr lang="ko-KR" altLang="en-US" dirty="0"/>
-                    </a:p>
-                  </a:txBody>
-                  <a:tcPr/>
-                </a:tc>
-                <a:tc>
-                  <a:txBody>
-                    <a:bodyPr/>
-                    <a:lstStyle/>
-                    <a:p>
-                      <a:pPr latinLnBrk="1"/>
-                      <a:r>
-                        <a:rPr lang="en-US" altLang="ko-KR" dirty="0" err="1"/>
-                        <a:t>Int</a:t>
-                      </a:r>
-                      <a:endParaRPr lang="ko-KR" altLang="en-US" dirty="0"/>
-                    </a:p>
-                  </a:txBody>
-                  <a:tcPr/>
-                </a:tc>
-                <a:tc>
-                  <a:txBody>
-                    <a:bodyPr/>
-                    <a:lstStyle/>
-                    <a:p>
-                      <a:pPr latinLnBrk="1"/>
-                      <a:r>
-                        <a:rPr lang="en-US" altLang="ko-KR" dirty="0"/>
-                        <a:t>PRIMARY</a:t>
-                      </a:r>
-                      <a:endParaRPr lang="ko-KR" altLang="en-US" dirty="0"/>
-                    </a:p>
-                  </a:txBody>
-                  <a:tcPr/>
-                </a:tc>
-                <a:extLst>
-                  <a:ext uri="{0D108BD9-81ED-4DB2-BD59-A6C34878D82A}">
-                    <a16:rowId xmlns:a16="http://schemas.microsoft.com/office/drawing/2014/main" val="3957870662"/>
-                  </a:ext>
-                </a:extLst>
-              </a:tr>
-              <a:tr h="300550">
-                <a:tc>
-                  <a:txBody>
-                    <a:bodyPr/>
-                    <a:lstStyle/>
-                    <a:p>
-                      <a:pPr latinLnBrk="1"/>
-                      <a:r>
-                        <a:rPr lang="en-US" altLang="ko-KR" dirty="0" err="1"/>
-                        <a:t>valid_date</a:t>
-                      </a:r>
-                      <a:endParaRPr lang="ko-KR" altLang="en-US" dirty="0"/>
-                    </a:p>
-                  </a:txBody>
-                  <a:tcPr/>
-                </a:tc>
-                <a:tc>
-                  <a:txBody>
-                    <a:bodyPr/>
-                    <a:lstStyle/>
-                    <a:p>
-                      <a:r>
-                        <a:rPr lang="en-US" altLang="ko-KR" dirty="0" err="1"/>
-                        <a:t>int</a:t>
-                      </a:r>
-                      <a:endParaRPr lang="ko-KR" altLang="en-US" dirty="0"/>
-                    </a:p>
-                  </a:txBody>
-                  <a:tcPr/>
-                </a:tc>
-                <a:tc>
-                  <a:txBody>
-                    <a:bodyPr/>
-                    <a:lstStyle/>
-                    <a:p>
-                      <a:endParaRPr lang="ko-KR" altLang="en-US" dirty="0"/>
-                    </a:p>
-                  </a:txBody>
-                  <a:tcPr/>
-                </a:tc>
-                <a:extLst>
-                  <a:ext uri="{0D108BD9-81ED-4DB2-BD59-A6C34878D82A}">
-                    <a16:rowId xmlns:a16="http://schemas.microsoft.com/office/drawing/2014/main" val="3833322220"/>
-                  </a:ext>
-                </a:extLst>
-              </a:tr>
-              <a:tr h="468000">
-                <a:tc>
-                  <a:txBody>
-                    <a:bodyPr/>
-                    <a:lstStyle/>
-                    <a:p>
-                      <a:pPr latinLnBrk="1"/>
-                      <a:r>
-                        <a:rPr lang="en-US" altLang="ko-KR" dirty="0" err="1"/>
-                        <a:t>is_used</a:t>
-                      </a:r>
-                      <a:endParaRPr lang="ko-KR" altLang="en-US" dirty="0"/>
-                    </a:p>
-                  </a:txBody>
-                  <a:tcPr/>
-                </a:tc>
-                <a:tc>
-                  <a:txBody>
-                    <a:bodyPr/>
-                    <a:lstStyle/>
-                    <a:p>
-                      <a:pPr latinLnBrk="1"/>
-                      <a:r>
-                        <a:rPr lang="en-US" altLang="ko-KR" dirty="0"/>
-                        <a:t>bool</a:t>
-                      </a:r>
-                      <a:endParaRPr lang="ko-KR" altLang="en-US" dirty="0"/>
-                    </a:p>
-                  </a:txBody>
-                  <a:tcPr/>
-                </a:tc>
-                <a:tc>
-                  <a:txBody>
-                    <a:bodyPr/>
-                    <a:lstStyle/>
-                    <a:p>
-                      <a:pPr latinLnBrk="1"/>
-                      <a:r>
-                        <a:rPr lang="en-US" altLang="ko-KR" dirty="0"/>
-                        <a:t>1 : </a:t>
-                      </a:r>
-                      <a:r>
-                        <a:rPr lang="ko-KR" altLang="en-US" dirty="0"/>
-                        <a:t>사용</a:t>
-                      </a:r>
-                      <a:r>
-                        <a:rPr lang="en-US" altLang="ko-KR" dirty="0"/>
-                        <a:t>, 0 : </a:t>
-                      </a:r>
-                      <a:r>
-                        <a:rPr lang="ko-KR" altLang="en-US" dirty="0"/>
-                        <a:t>미사용</a:t>
-                      </a:r>
-                      <a:endParaRPr lang="en-US" altLang="ko-KR" dirty="0"/>
-                    </a:p>
-                    <a:p>
-                      <a:pPr latinLnBrk="1"/>
-                      <a:r>
-                        <a:rPr lang="en-US" altLang="ko-KR" dirty="0"/>
-                        <a:t>default : 0</a:t>
-                      </a:r>
-                      <a:endParaRPr lang="ko-KR" altLang="en-US" dirty="0"/>
-                    </a:p>
-                  </a:txBody>
-                  <a:tcPr/>
-                </a:tc>
-                <a:extLst>
-                  <a:ext uri="{0D108BD9-81ED-4DB2-BD59-A6C34878D82A}">
-                    <a16:rowId xmlns:a16="http://schemas.microsoft.com/office/drawing/2014/main" val="1094492362"/>
-                  </a:ext>
-                </a:extLst>
-              </a:tr>
-              <a:tr h="300550">
-                <a:tc>
-                  <a:txBody>
-                    <a:bodyPr/>
-                    <a:lstStyle/>
-                    <a:p>
-                      <a:pPr latinLnBrk="1"/>
-                      <a:r>
-                        <a:rPr lang="en-US" altLang="ko-KR" dirty="0" err="1"/>
-                        <a:t>medicine_name</a:t>
-                      </a:r>
-                      <a:endParaRPr lang="ko-KR" altLang="en-US" dirty="0"/>
-                    </a:p>
-                  </a:txBody>
-                  <a:tcPr>
-                    <a:noFill/>
-                  </a:tcPr>
-                </a:tc>
-                <a:tc>
-                  <a:txBody>
-                    <a:bodyPr/>
-                    <a:lstStyle/>
-                    <a:p>
-                      <a:pPr latinLnBrk="1"/>
-                      <a:r>
-                        <a:rPr lang="en-US" altLang="ko-KR" dirty="0"/>
-                        <a:t>char[20]</a:t>
-                      </a:r>
-                      <a:endParaRPr lang="ko-KR" altLang="en-US" dirty="0"/>
-                    </a:p>
-                  </a:txBody>
-                  <a:tcPr>
-                    <a:noFill/>
-                  </a:tcPr>
-                </a:tc>
-                <a:tc>
-                  <a:txBody>
-                    <a:bodyPr/>
-                    <a:lstStyle/>
-                    <a:p>
-                      <a:pPr latinLnBrk="1"/>
-                      <a:endParaRPr lang="ko-KR" altLang="en-US" dirty="0"/>
-                    </a:p>
-                  </a:txBody>
-                  <a:tcPr>
-                    <a:noFill/>
-                  </a:tcPr>
-                </a:tc>
-                <a:extLst>
-                  <a:ext uri="{0D108BD9-81ED-4DB2-BD59-A6C34878D82A}">
-                    <a16:rowId xmlns:a16="http://schemas.microsoft.com/office/drawing/2014/main" val="10002"/>
-                  </a:ext>
-                </a:extLst>
-              </a:tr>
-              <a:tr h="302400">
-                <a:tc>
-                  <a:txBody>
-                    <a:bodyPr/>
-                    <a:lstStyle/>
-                    <a:p>
-                      <a:pPr latinLnBrk="1"/>
-                      <a:r>
-                        <a:rPr lang="en-US" altLang="ko-KR" dirty="0" err="1"/>
-                        <a:t>medicine_once_num</a:t>
-                      </a:r>
-                      <a:endParaRPr lang="ko-KR" altLang="en-US" dirty="0"/>
-                    </a:p>
-                  </a:txBody>
-                  <a:tcPr>
-                    <a:solidFill>
-                      <a:srgbClr val="FFFF00"/>
-                    </a:solidFill>
-                  </a:tcPr>
-                </a:tc>
-                <a:tc>
-                  <a:txBody>
-                    <a:bodyPr/>
-                    <a:lstStyle/>
-                    <a:p>
-                      <a:pPr latinLnBrk="1"/>
-                      <a:r>
-                        <a:rPr lang="en-US" altLang="ko-KR" b="1" dirty="0">
-                          <a:solidFill>
-                            <a:srgbClr val="FF0000"/>
-                          </a:solidFill>
-                        </a:rPr>
-                        <a:t>float</a:t>
-                      </a:r>
-                      <a:endParaRPr lang="ko-KR" altLang="en-US" b="1" dirty="0">
-                        <a:solidFill>
-                          <a:srgbClr val="FF0000"/>
-                        </a:solidFill>
-                      </a:endParaRPr>
-                    </a:p>
-                  </a:txBody>
-                  <a:tcPr>
-                    <a:solidFill>
-                      <a:srgbClr val="FFFF00"/>
-                    </a:solidFill>
-                  </a:tcPr>
-                </a:tc>
-                <a:tc>
-                  <a:txBody>
-                    <a:bodyPr/>
-                    <a:lstStyle/>
-                    <a:p>
-                      <a:pPr latinLnBrk="1"/>
-                      <a:r>
-                        <a:rPr lang="ko-KR" altLang="en-US" dirty="0" err="1">
-                          <a:solidFill>
-                            <a:srgbClr val="FF0000"/>
-                          </a:solidFill>
-                        </a:rPr>
-                        <a:t>반개</a:t>
-                      </a:r>
-                      <a:r>
-                        <a:rPr lang="ko-KR" altLang="en-US" dirty="0">
-                          <a:solidFill>
-                            <a:srgbClr val="FF0000"/>
-                          </a:solidFill>
-                        </a:rPr>
-                        <a:t> </a:t>
-                      </a:r>
-                      <a:r>
-                        <a:rPr lang="ko-KR" altLang="en-US" dirty="0" err="1">
-                          <a:solidFill>
-                            <a:srgbClr val="FF0000"/>
-                          </a:solidFill>
-                        </a:rPr>
-                        <a:t>투여하는경우</a:t>
-                      </a:r>
-                      <a:r>
-                        <a:rPr lang="ko-KR" altLang="en-US" dirty="0">
-                          <a:solidFill>
-                            <a:srgbClr val="FF0000"/>
-                          </a:solidFill>
-                        </a:rPr>
-                        <a:t> 있음</a:t>
-                      </a:r>
-                      <a:r>
-                        <a:rPr lang="en-US" altLang="ko-KR" dirty="0">
-                          <a:solidFill>
-                            <a:srgbClr val="FF0000"/>
-                          </a:solidFill>
-                        </a:rPr>
-                        <a:t>.</a:t>
-                      </a:r>
-                      <a:endParaRPr lang="ko-KR" altLang="en-US" dirty="0">
-                        <a:solidFill>
-                          <a:srgbClr val="FF0000"/>
-                        </a:solidFill>
-                      </a:endParaRPr>
-                    </a:p>
-                  </a:txBody>
-                  <a:tcPr>
-                    <a:solidFill>
-                      <a:srgbClr val="FFFF00"/>
-                    </a:solidFill>
-                  </a:tcPr>
-                </a:tc>
-                <a:extLst>
-                  <a:ext uri="{0D108BD9-81ED-4DB2-BD59-A6C34878D82A}">
-                    <a16:rowId xmlns:a16="http://schemas.microsoft.com/office/drawing/2014/main" val="1597327588"/>
-                  </a:ext>
-                </a:extLst>
-              </a:tr>
-              <a:tr h="302400">
-                <a:tc>
-                  <a:txBody>
-                    <a:bodyPr/>
-                    <a:lstStyle/>
-                    <a:p>
-                      <a:pPr latinLnBrk="1"/>
-                      <a:r>
-                        <a:rPr lang="en-US" altLang="ko-KR" dirty="0" err="1"/>
-                        <a:t>medicine_day_num</a:t>
-                      </a:r>
-                      <a:endParaRPr lang="ko-KR" altLang="en-US" dirty="0"/>
-                    </a:p>
-                  </a:txBody>
-                  <a:tcPr>
-                    <a:noFill/>
-                  </a:tcPr>
-                </a:tc>
-                <a:tc>
-                  <a:txBody>
-                    <a:bodyPr/>
-                    <a:lstStyle/>
-                    <a:p>
-                      <a:pPr latinLnBrk="1"/>
-                      <a:r>
-                        <a:rPr lang="en-US" altLang="ko-KR" dirty="0" err="1"/>
-                        <a:t>int</a:t>
-                      </a:r>
-                      <a:endParaRPr lang="ko-KR" altLang="en-US" dirty="0"/>
-                    </a:p>
-                  </a:txBody>
-                  <a:tcPr>
-                    <a:noFill/>
-                  </a:tcPr>
-                </a:tc>
-                <a:tc>
-                  <a:txBody>
-                    <a:bodyPr/>
-                    <a:lstStyle/>
-                    <a:p>
-                      <a:pPr latinLnBrk="1"/>
-                      <a:endParaRPr lang="ko-KR" altLang="en-US" dirty="0"/>
-                    </a:p>
-                  </a:txBody>
-                  <a:tcPr>
-                    <a:noFill/>
-                  </a:tcPr>
-                </a:tc>
-                <a:extLst>
-                  <a:ext uri="{0D108BD9-81ED-4DB2-BD59-A6C34878D82A}">
-                    <a16:rowId xmlns:a16="http://schemas.microsoft.com/office/drawing/2014/main" val="3825007831"/>
-                  </a:ext>
-                </a:extLst>
-              </a:tr>
-              <a:tr h="300550">
-                <a:tc>
-                  <a:txBody>
-                    <a:bodyPr/>
-                    <a:lstStyle/>
-                    <a:p>
-                      <a:pPr latinLnBrk="1"/>
-                      <a:r>
-                        <a:rPr lang="en-US" altLang="ko-KR" dirty="0"/>
-                        <a:t>notice</a:t>
-                      </a:r>
-                      <a:endParaRPr lang="ko-KR" altLang="en-US" dirty="0"/>
-                    </a:p>
-                  </a:txBody>
-                  <a:tcPr>
-                    <a:noFill/>
-                  </a:tcPr>
-                </a:tc>
-                <a:tc>
-                  <a:txBody>
-                    <a:bodyPr/>
-                    <a:lstStyle/>
-                    <a:p>
-                      <a:pPr latinLnBrk="1"/>
-                      <a:r>
-                        <a:rPr lang="en-US" altLang="ko-KR" dirty="0"/>
-                        <a:t>char[100]</a:t>
-                      </a:r>
-                      <a:endParaRPr lang="ko-KR" altLang="en-US" dirty="0"/>
-                    </a:p>
-                  </a:txBody>
-                  <a:tcPr>
-                    <a:noFill/>
-                  </a:tcPr>
-                </a:tc>
-                <a:tc>
-                  <a:txBody>
-                    <a:bodyPr/>
-                    <a:lstStyle/>
-                    <a:p>
-                      <a:pPr latinLnBrk="1"/>
-                      <a:endParaRPr lang="ko-KR" altLang="en-US" dirty="0"/>
-                    </a:p>
-                  </a:txBody>
-                  <a:tcPr>
-                    <a:noFill/>
-                  </a:tcPr>
-                </a:tc>
-                <a:extLst>
-                  <a:ext uri="{0D108BD9-81ED-4DB2-BD59-A6C34878D82A}">
-                    <a16:rowId xmlns:a16="http://schemas.microsoft.com/office/drawing/2014/main" val="1818248240"/>
-                  </a:ext>
-                </a:extLst>
-              </a:tr>
-            </a:tbl>
-          </a:graphicData>
-        </a:graphic>
-      </p:graphicFrame>
-      <p:sp>
-        <p:nvSpPr>
-          <p:cNvPr id="19" name="TextBox 18"/>
-          <p:cNvSpPr txBox="1"/>
-          <p:nvPr/>
-        </p:nvSpPr>
-        <p:spPr>
-          <a:xfrm>
-            <a:off x="9403079" y="3121146"/>
-            <a:ext cx="4114799" cy="524503"/>
-          </a:xfrm>
-          <a:prstGeom prst="rect">
-            <a:avLst/>
-          </a:prstGeom>
-          <a:noFill/>
-        </p:spPr>
-        <p:txBody>
-          <a:bodyPr wrap="square" rtlCol="0">
-            <a:spAutoFit/>
-          </a:bodyPr>
-          <a:lstStyle/>
-          <a:p>
-            <a:r>
-              <a:rPr lang="ko-KR" altLang="en-US" b="1" dirty="0"/>
-              <a:t>처방</a:t>
-            </a:r>
-            <a:r>
-              <a:rPr lang="en-US" altLang="ko-KR" b="1" dirty="0"/>
-              <a:t>Table(</a:t>
-            </a:r>
-            <a:r>
-              <a:rPr lang="ko-KR" altLang="en-US" b="1" dirty="0"/>
-              <a:t>병원</a:t>
-            </a:r>
-            <a:r>
-              <a:rPr lang="en-US" altLang="ko-KR" b="1" dirty="0"/>
-              <a:t>, </a:t>
-            </a:r>
-            <a:r>
-              <a:rPr lang="ko-KR" altLang="en-US" b="1" dirty="0"/>
-              <a:t>약국</a:t>
-            </a:r>
-            <a:r>
-              <a:rPr lang="en-US" altLang="ko-KR" b="1" dirty="0"/>
-              <a:t>, </a:t>
-            </a:r>
-            <a:r>
-              <a:rPr lang="ko-KR" altLang="en-US" b="1" dirty="0"/>
-              <a:t>사용자가 공유</a:t>
-            </a:r>
-            <a:r>
-              <a:rPr lang="en-US" altLang="ko-KR" b="1" dirty="0"/>
-              <a:t>)</a:t>
-            </a:r>
-          </a:p>
-          <a:p>
-            <a:r>
-              <a:rPr lang="en-US" altLang="ko-KR" b="1" dirty="0"/>
-              <a:t>(MEDICAL_RECORD)</a:t>
-            </a:r>
-            <a:endParaRPr lang="ko-KR" altLang="en-US" b="1" dirty="0"/>
-          </a:p>
-        </p:txBody>
-      </p:sp>
-    </p:spTree>
-    <p:extLst>
-      <p:ext uri="{BB962C8B-B14F-4D97-AF65-F5344CB8AC3E}">
-        <p14:creationId xmlns:p14="http://schemas.microsoft.com/office/powerpoint/2010/main" val="1823990571"/>
-      </p:ext>
-    </p:extLst>
-  </p:cSld>
-  <p:clrMapOvr>
-    <a:masterClrMapping/>
-  </p:clrMapOvr>
-</p:sld>
-</file>
-
-<file path=ppt/slides/slide12.xml><?xml version="1.0" encoding="utf-8"?>
-<p:sld xmlns:a="http://schemas.openxmlformats.org/drawingml/2006/main" xmlns:r="http://schemas.openxmlformats.org/officeDocument/2006/relationships" xmlns:p="http://schemas.openxmlformats.org/presentationml/2006/main">
-  <p:cSld>
-    <p:spTree>
-      <p:nvGrpSpPr>
-        <p:cNvPr id="1" name=""/>
-        <p:cNvGrpSpPr/>
-        <p:nvPr/>
-      </p:nvGrpSpPr>
-      <p:grpSpPr>
-        <a:xfrm>
-          <a:off x="0" y="0"/>
-          <a:ext cx="0" cy="0"/>
-          <a:chOff x="0" y="0"/>
-          <a:chExt cx="0" cy="0"/>
-        </a:xfrm>
-      </p:grpSpPr>
-      <p:graphicFrame>
-        <p:nvGraphicFramePr>
-          <p:cNvPr id="23" name="표 22"/>
-          <p:cNvGraphicFramePr>
-            <a:graphicFrameLocks noGrp="1"/>
-          </p:cNvGraphicFramePr>
-          <p:nvPr>
-            <p:extLst>
-              <p:ext uri="{D42A27DB-BD31-4B8C-83A1-F6EECF244321}">
-                <p14:modId xmlns:p14="http://schemas.microsoft.com/office/powerpoint/2010/main" val="800877553"/>
-              </p:ext>
-            </p:extLst>
-          </p:nvPr>
-        </p:nvGraphicFramePr>
-        <p:xfrm>
-          <a:off x="140543" y="92140"/>
-          <a:ext cx="4333968" cy="2103850"/>
-        </p:xfrm>
-        <a:graphic>
-          <a:graphicData uri="http://schemas.openxmlformats.org/drawingml/2006/table">
-            <a:tbl>
-              <a:tblPr firstRow="1" bandRow="1">
-                <a:tableStyleId>{5A111915-BE36-4E01-A7E5-04B1672EAD32}</a:tableStyleId>
-              </a:tblPr>
-              <a:tblGrid>
-                <a:gridCol w="1656000">
-                  <a:extLst>
-                    <a:ext uri="{9D8B030D-6E8A-4147-A177-3AD203B41FA5}">
-                      <a16:colId xmlns:a16="http://schemas.microsoft.com/office/drawing/2014/main" val="20000"/>
-                    </a:ext>
-                  </a:extLst>
-                </a:gridCol>
-                <a:gridCol w="1129968">
-                  <a:extLst>
-                    <a:ext uri="{9D8B030D-6E8A-4147-A177-3AD203B41FA5}">
-                      <a16:colId xmlns:a16="http://schemas.microsoft.com/office/drawing/2014/main" val="20001"/>
-                    </a:ext>
-                  </a:extLst>
-                </a:gridCol>
-                <a:gridCol w="1548000">
-                  <a:extLst>
-                    <a:ext uri="{9D8B030D-6E8A-4147-A177-3AD203B41FA5}">
-                      <a16:colId xmlns:a16="http://schemas.microsoft.com/office/drawing/2014/main" val="278496055"/>
-                    </a:ext>
-                  </a:extLst>
-                </a:gridCol>
-              </a:tblGrid>
-              <a:tr h="300550">
-                <a:tc>
-                  <a:txBody>
-                    <a:bodyPr/>
-                    <a:lstStyle/>
-                    <a:p>
-                      <a:pPr latinLnBrk="1"/>
-                      <a:r>
-                        <a:rPr lang="ko-KR" altLang="en-US" dirty="0"/>
-                        <a:t>변수</a:t>
-                      </a:r>
-                    </a:p>
-                  </a:txBody>
-                  <a:tcPr/>
-                </a:tc>
-                <a:tc>
-                  <a:txBody>
-                    <a:bodyPr/>
-                    <a:lstStyle/>
-                    <a:p>
-                      <a:pPr latinLnBrk="1"/>
-                      <a:r>
-                        <a:rPr lang="ko-KR" altLang="en-US" dirty="0"/>
-                        <a:t>변수형</a:t>
-                      </a:r>
-                    </a:p>
-                  </a:txBody>
-                  <a:tcPr/>
-                </a:tc>
-                <a:tc>
-                  <a:txBody>
-                    <a:bodyPr/>
-                    <a:lstStyle/>
-                    <a:p>
-                      <a:pPr latinLnBrk="1"/>
-                      <a:r>
-                        <a:rPr lang="ko-KR" altLang="en-US" dirty="0"/>
-                        <a:t>기타사항</a:t>
-                      </a:r>
-                    </a:p>
-                  </a:txBody>
-                  <a:tcPr/>
-                </a:tc>
-                <a:extLst>
-                  <a:ext uri="{0D108BD9-81ED-4DB2-BD59-A6C34878D82A}">
-                    <a16:rowId xmlns:a16="http://schemas.microsoft.com/office/drawing/2014/main" val="10000"/>
-                  </a:ext>
-                </a:extLst>
-              </a:tr>
-              <a:tr h="300550">
-                <a:tc>
-                  <a:txBody>
-                    <a:bodyPr/>
-                    <a:lstStyle/>
-                    <a:p>
-                      <a:pPr latinLnBrk="1"/>
-                      <a:r>
-                        <a:rPr lang="en-US" altLang="ko-KR" dirty="0"/>
-                        <a:t>id</a:t>
-                      </a:r>
-                      <a:endParaRPr lang="ko-KR" altLang="en-US" dirty="0"/>
-                    </a:p>
-                  </a:txBody>
-                  <a:tcPr/>
-                </a:tc>
-                <a:tc>
-                  <a:txBody>
-                    <a:bodyPr/>
-                    <a:lstStyle/>
-                    <a:p>
-                      <a:pPr latinLnBrk="1"/>
-                      <a:r>
-                        <a:rPr lang="en-US" altLang="ko-KR" dirty="0"/>
-                        <a:t>char[20]</a:t>
-                      </a:r>
-                      <a:endParaRPr lang="ko-KR" altLang="en-US" dirty="0"/>
-                    </a:p>
-                  </a:txBody>
-                  <a:tcPr/>
-                </a:tc>
-                <a:tc>
-                  <a:txBody>
-                    <a:bodyPr/>
-                    <a:lstStyle/>
-                    <a:p>
-                      <a:pPr latinLnBrk="1"/>
-                      <a:r>
-                        <a:rPr lang="en-US" altLang="ko-KR" dirty="0"/>
-                        <a:t>PRIMARY</a:t>
-                      </a:r>
-                      <a:endParaRPr lang="ko-KR" altLang="en-US" dirty="0"/>
-                    </a:p>
-                  </a:txBody>
-                  <a:tcPr/>
-                </a:tc>
-                <a:extLst>
-                  <a:ext uri="{0D108BD9-81ED-4DB2-BD59-A6C34878D82A}">
-                    <a16:rowId xmlns:a16="http://schemas.microsoft.com/office/drawing/2014/main" val="10001"/>
-                  </a:ext>
-                </a:extLst>
-              </a:tr>
-              <a:tr h="300550">
-                <a:tc>
-                  <a:txBody>
-                    <a:bodyPr/>
-                    <a:lstStyle/>
-                    <a:p>
-                      <a:pPr latinLnBrk="1"/>
-                      <a:r>
-                        <a:rPr lang="en-US" altLang="ko-KR" dirty="0" err="1"/>
-                        <a:t>record_date</a:t>
-                      </a:r>
-                      <a:endParaRPr lang="ko-KR" altLang="en-US" dirty="0"/>
-                    </a:p>
-                  </a:txBody>
-                  <a:tcPr/>
-                </a:tc>
-                <a:tc>
-                  <a:txBody>
-                    <a:bodyPr/>
-                    <a:lstStyle/>
-                    <a:p>
-                      <a:pPr latinLnBrk="1"/>
-                      <a:r>
-                        <a:rPr lang="en-US" altLang="ko-KR" dirty="0" err="1"/>
-                        <a:t>int</a:t>
-                      </a:r>
-                      <a:r>
-                        <a:rPr lang="en-US" altLang="ko-KR" dirty="0"/>
-                        <a:t>/char</a:t>
-                      </a:r>
-                      <a:endParaRPr lang="ko-KR" altLang="en-US" dirty="0"/>
-                    </a:p>
-                  </a:txBody>
-                  <a:tcPr/>
-                </a:tc>
-                <a:tc>
-                  <a:txBody>
-                    <a:bodyPr/>
-                    <a:lstStyle/>
-                    <a:p>
-                      <a:pPr marL="0" marR="0" indent="0" algn="l" defTabSz="685800" rtl="0" eaLnBrk="1" fontAlgn="auto" latinLnBrk="1" hangingPunct="1">
-                        <a:lnSpc>
-                          <a:spcPct val="100000"/>
-                        </a:lnSpc>
-                        <a:spcBef>
-                          <a:spcPts val="0"/>
-                        </a:spcBef>
-                        <a:spcAft>
-                          <a:spcPts val="0"/>
-                        </a:spcAft>
-                        <a:buClrTx/>
-                        <a:buSzTx/>
-                        <a:buFontTx/>
-                        <a:buNone/>
-                        <a:tabLst/>
-                        <a:defRPr/>
-                      </a:pPr>
-                      <a:r>
-                        <a:rPr lang="en-US" altLang="ko-KR" dirty="0"/>
-                        <a:t>PRIMARY</a:t>
-                      </a:r>
-                      <a:endParaRPr lang="ko-KR" altLang="en-US" dirty="0"/>
-                    </a:p>
-                  </a:txBody>
-                  <a:tcPr/>
-                </a:tc>
-                <a:extLst>
-                  <a:ext uri="{0D108BD9-81ED-4DB2-BD59-A6C34878D82A}">
-                    <a16:rowId xmlns:a16="http://schemas.microsoft.com/office/drawing/2014/main" val="2384378507"/>
-                  </a:ext>
-                </a:extLst>
-              </a:tr>
-              <a:tr h="300550">
-                <a:tc>
-                  <a:txBody>
-                    <a:bodyPr/>
-                    <a:lstStyle/>
-                    <a:p>
-                      <a:pPr latinLnBrk="1"/>
-                      <a:r>
-                        <a:rPr lang="en-US" altLang="ko-KR" dirty="0" err="1"/>
-                        <a:t>hospital_code</a:t>
-                      </a:r>
-                      <a:endParaRPr lang="ko-KR" altLang="en-US" dirty="0"/>
-                    </a:p>
-                  </a:txBody>
-                  <a:tcPr/>
-                </a:tc>
-                <a:tc>
-                  <a:txBody>
-                    <a:bodyPr/>
-                    <a:lstStyle/>
-                    <a:p>
-                      <a:pPr latinLnBrk="1"/>
-                      <a:r>
-                        <a:rPr lang="en-US" altLang="ko-KR" dirty="0" err="1"/>
-                        <a:t>int</a:t>
-                      </a:r>
-                      <a:endParaRPr lang="ko-KR" altLang="en-US" dirty="0"/>
-                    </a:p>
-                  </a:txBody>
-                  <a:tcPr/>
-                </a:tc>
-                <a:tc>
-                  <a:txBody>
-                    <a:bodyPr/>
-                    <a:lstStyle/>
-                    <a:p>
-                      <a:pPr marL="0" marR="0" indent="0" algn="l" defTabSz="685800" rtl="0" eaLnBrk="1" fontAlgn="auto" latinLnBrk="1" hangingPunct="1">
-                        <a:lnSpc>
-                          <a:spcPct val="100000"/>
-                        </a:lnSpc>
-                        <a:spcBef>
-                          <a:spcPts val="0"/>
-                        </a:spcBef>
-                        <a:spcAft>
-                          <a:spcPts val="0"/>
-                        </a:spcAft>
-                        <a:buClrTx/>
-                        <a:buSzTx/>
-                        <a:buFontTx/>
-                        <a:buNone/>
-                        <a:tabLst/>
-                        <a:defRPr/>
-                      </a:pPr>
-                      <a:r>
-                        <a:rPr lang="en-US" altLang="ko-KR" dirty="0"/>
-                        <a:t>PRIMARY</a:t>
-                      </a:r>
-                      <a:endParaRPr lang="ko-KR" altLang="en-US" dirty="0"/>
-                    </a:p>
-                  </a:txBody>
-                  <a:tcPr/>
-                </a:tc>
-                <a:extLst>
-                  <a:ext uri="{0D108BD9-81ED-4DB2-BD59-A6C34878D82A}">
-                    <a16:rowId xmlns:a16="http://schemas.microsoft.com/office/drawing/2014/main" val="3533210726"/>
-                  </a:ext>
-                </a:extLst>
-              </a:tr>
-              <a:tr h="300550">
-                <a:tc>
-                  <a:txBody>
-                    <a:bodyPr/>
-                    <a:lstStyle/>
-                    <a:p>
-                      <a:pPr latinLnBrk="1"/>
-                      <a:r>
-                        <a:rPr lang="en-US" altLang="ko-KR" dirty="0" err="1"/>
-                        <a:t>disease_code</a:t>
-                      </a:r>
-                      <a:endParaRPr lang="ko-KR" altLang="en-US" dirty="0"/>
-                    </a:p>
-                  </a:txBody>
-                  <a:tcPr/>
-                </a:tc>
-                <a:tc>
-                  <a:txBody>
-                    <a:bodyPr/>
-                    <a:lstStyle/>
-                    <a:p>
-                      <a:pPr latinLnBrk="1"/>
-                      <a:r>
-                        <a:rPr lang="en-US" altLang="ko-KR" dirty="0"/>
-                        <a:t>char[5]</a:t>
-                      </a:r>
-                      <a:endParaRPr lang="ko-KR" altLang="en-US" dirty="0"/>
-                    </a:p>
-                  </a:txBody>
-                  <a:tcPr/>
-                </a:tc>
-                <a:tc>
-                  <a:txBody>
-                    <a:bodyPr/>
-                    <a:lstStyle/>
-                    <a:p>
-                      <a:pPr marL="0" marR="0" indent="0" algn="l" defTabSz="685800" rtl="0" eaLnBrk="1" fontAlgn="auto" latinLnBrk="1" hangingPunct="1">
-                        <a:lnSpc>
-                          <a:spcPct val="100000"/>
-                        </a:lnSpc>
-                        <a:spcBef>
-                          <a:spcPts val="0"/>
-                        </a:spcBef>
-                        <a:spcAft>
-                          <a:spcPts val="0"/>
-                        </a:spcAft>
-                        <a:buClrTx/>
-                        <a:buSzTx/>
-                        <a:buFontTx/>
-                        <a:buNone/>
-                        <a:tabLst/>
-                        <a:defRPr/>
-                      </a:pPr>
-                      <a:endParaRPr lang="ko-KR" altLang="en-US" dirty="0"/>
-                    </a:p>
-                  </a:txBody>
-                  <a:tcPr/>
-                </a:tc>
-                <a:extLst>
-                  <a:ext uri="{0D108BD9-81ED-4DB2-BD59-A6C34878D82A}">
-                    <a16:rowId xmlns:a16="http://schemas.microsoft.com/office/drawing/2014/main" val="1030267181"/>
-                  </a:ext>
-                </a:extLst>
-              </a:tr>
-              <a:tr h="300550">
-                <a:tc>
-                  <a:txBody>
-                    <a:bodyPr/>
-                    <a:lstStyle/>
-                    <a:p>
-                      <a:pPr latinLnBrk="1"/>
-                      <a:r>
-                        <a:rPr lang="en-US" altLang="ko-KR" dirty="0" err="1"/>
-                        <a:t>disease_name</a:t>
-                      </a:r>
-                      <a:endParaRPr lang="ko-KR" altLang="en-US" dirty="0"/>
-                    </a:p>
-                  </a:txBody>
-                  <a:tcPr/>
-                </a:tc>
-                <a:tc>
-                  <a:txBody>
-                    <a:bodyPr/>
-                    <a:lstStyle/>
-                    <a:p>
-                      <a:pPr latinLnBrk="1"/>
-                      <a:r>
-                        <a:rPr lang="en-US" altLang="ko-KR" dirty="0"/>
-                        <a:t>char[40]</a:t>
-                      </a:r>
-                      <a:endParaRPr lang="ko-KR" altLang="en-US" dirty="0"/>
-                    </a:p>
-                  </a:txBody>
-                  <a:tcPr/>
-                </a:tc>
-                <a:tc>
-                  <a:txBody>
-                    <a:bodyPr/>
-                    <a:lstStyle/>
-                    <a:p>
-                      <a:pPr latinLnBrk="1"/>
-                      <a:endParaRPr lang="ko-KR" altLang="en-US" dirty="0"/>
-                    </a:p>
-                  </a:txBody>
-                  <a:tcPr/>
-                </a:tc>
-                <a:extLst>
-                  <a:ext uri="{0D108BD9-81ED-4DB2-BD59-A6C34878D82A}">
-                    <a16:rowId xmlns:a16="http://schemas.microsoft.com/office/drawing/2014/main" val="2343490922"/>
-                  </a:ext>
-                </a:extLst>
-              </a:tr>
-              <a:tr h="300550">
-                <a:tc>
-                  <a:txBody>
-                    <a:bodyPr/>
-                    <a:lstStyle/>
-                    <a:p>
-                      <a:pPr latinLnBrk="1"/>
-                      <a:r>
-                        <a:rPr lang="en-US" altLang="ko-KR" dirty="0" err="1"/>
-                        <a:t>treat_code</a:t>
-                      </a:r>
-                      <a:endParaRPr lang="ko-KR" altLang="en-US" dirty="0"/>
-                    </a:p>
-                  </a:txBody>
-                  <a:tcPr/>
-                </a:tc>
-                <a:tc>
-                  <a:txBody>
-                    <a:bodyPr/>
-                    <a:lstStyle/>
-                    <a:p>
-                      <a:r>
-                        <a:rPr lang="en-US" altLang="ko-KR" dirty="0" err="1"/>
-                        <a:t>int</a:t>
-                      </a:r>
-                      <a:endParaRPr lang="ko-KR" altLang="en-US" dirty="0"/>
-                    </a:p>
-                  </a:txBody>
-                  <a:tcPr/>
-                </a:tc>
-                <a:tc>
-                  <a:txBody>
-                    <a:bodyPr/>
-                    <a:lstStyle/>
-                    <a:p>
-                      <a:r>
-                        <a:rPr lang="ko-KR" altLang="en-US" dirty="0" err="1"/>
-                        <a:t>진료코드</a:t>
-                      </a:r>
-                      <a:r>
-                        <a:rPr lang="en-US" altLang="ko-KR" dirty="0"/>
-                        <a:t>(</a:t>
-                      </a:r>
-                      <a:r>
-                        <a:rPr lang="ko-KR" altLang="en-US" dirty="0"/>
-                        <a:t>고유</a:t>
-                      </a:r>
-                      <a:r>
-                        <a:rPr lang="en-US" altLang="ko-KR" dirty="0"/>
-                        <a:t>)</a:t>
-                      </a:r>
-                      <a:endParaRPr lang="ko-KR" altLang="en-US" dirty="0"/>
-                    </a:p>
-                  </a:txBody>
-                  <a:tcPr/>
-                </a:tc>
-                <a:extLst>
-                  <a:ext uri="{0D108BD9-81ED-4DB2-BD59-A6C34878D82A}">
-                    <a16:rowId xmlns:a16="http://schemas.microsoft.com/office/drawing/2014/main" val="3833322220"/>
-                  </a:ext>
-                </a:extLst>
-              </a:tr>
-            </a:tbl>
-          </a:graphicData>
-        </a:graphic>
-      </p:graphicFrame>
-      <p:sp>
-        <p:nvSpPr>
-          <p:cNvPr id="24" name="TextBox 23"/>
-          <p:cNvSpPr txBox="1"/>
-          <p:nvPr/>
-        </p:nvSpPr>
-        <p:spPr>
-          <a:xfrm>
-            <a:off x="-148045" y="-524502"/>
-            <a:ext cx="4114799" cy="524503"/>
-          </a:xfrm>
-          <a:prstGeom prst="rect">
-            <a:avLst/>
-          </a:prstGeom>
-          <a:noFill/>
-        </p:spPr>
-        <p:txBody>
-          <a:bodyPr wrap="square" rtlCol="0">
-            <a:spAutoFit/>
-          </a:bodyPr>
-          <a:lstStyle/>
-          <a:p>
-            <a:r>
-              <a:rPr lang="ko-KR" altLang="en-US" b="1" dirty="0"/>
-              <a:t>진료기록</a:t>
-            </a:r>
-            <a:r>
-              <a:rPr lang="en-US" altLang="ko-KR" b="1" dirty="0"/>
-              <a:t>Table(</a:t>
-            </a:r>
-            <a:r>
-              <a:rPr lang="ko-KR" altLang="en-US" b="1" dirty="0"/>
-              <a:t>병원</a:t>
-            </a:r>
-            <a:r>
-              <a:rPr lang="en-US" altLang="ko-KR" b="1" dirty="0"/>
-              <a:t>, </a:t>
-            </a:r>
-            <a:r>
-              <a:rPr lang="ko-KR" altLang="en-US" b="1" dirty="0"/>
-              <a:t>약국</a:t>
-            </a:r>
-            <a:r>
-              <a:rPr lang="en-US" altLang="ko-KR" b="1" dirty="0"/>
-              <a:t>, </a:t>
-            </a:r>
-            <a:r>
-              <a:rPr lang="ko-KR" altLang="en-US" b="1" dirty="0"/>
-              <a:t>사용자가 공유</a:t>
-            </a:r>
-            <a:r>
-              <a:rPr lang="en-US" altLang="ko-KR" b="1" dirty="0"/>
-              <a:t>)</a:t>
-            </a:r>
-          </a:p>
-          <a:p>
-            <a:r>
-              <a:rPr lang="en-US" altLang="ko-KR" b="1" dirty="0"/>
-              <a:t>(TREAT_RECORD)</a:t>
-            </a:r>
-            <a:endParaRPr lang="ko-KR" altLang="en-US" b="1" dirty="0"/>
-          </a:p>
-        </p:txBody>
-      </p:sp>
-      <p:graphicFrame>
-        <p:nvGraphicFramePr>
-          <p:cNvPr id="18" name="표 17"/>
-          <p:cNvGraphicFramePr>
-            <a:graphicFrameLocks noGrp="1"/>
-          </p:cNvGraphicFramePr>
-          <p:nvPr>
-            <p:extLst>
-              <p:ext uri="{D42A27DB-BD31-4B8C-83A1-F6EECF244321}">
-                <p14:modId xmlns:p14="http://schemas.microsoft.com/office/powerpoint/2010/main" val="2662333084"/>
-              </p:ext>
-            </p:extLst>
-          </p:nvPr>
-        </p:nvGraphicFramePr>
-        <p:xfrm>
-          <a:off x="4660535" y="92140"/>
-          <a:ext cx="4333968" cy="2911020"/>
-        </p:xfrm>
-        <a:graphic>
-          <a:graphicData uri="http://schemas.openxmlformats.org/drawingml/2006/table">
-            <a:tbl>
-              <a:tblPr firstRow="1" bandRow="1">
-                <a:tableStyleId>{5A111915-BE36-4E01-A7E5-04B1672EAD32}</a:tableStyleId>
-              </a:tblPr>
-              <a:tblGrid>
-                <a:gridCol w="1656000">
-                  <a:extLst>
-                    <a:ext uri="{9D8B030D-6E8A-4147-A177-3AD203B41FA5}">
-                      <a16:colId xmlns:a16="http://schemas.microsoft.com/office/drawing/2014/main" val="20000"/>
-                    </a:ext>
-                  </a:extLst>
-                </a:gridCol>
-                <a:gridCol w="1129968">
-                  <a:extLst>
-                    <a:ext uri="{9D8B030D-6E8A-4147-A177-3AD203B41FA5}">
-                      <a16:colId xmlns:a16="http://schemas.microsoft.com/office/drawing/2014/main" val="20001"/>
-                    </a:ext>
-                  </a:extLst>
-                </a:gridCol>
-                <a:gridCol w="1548000">
-                  <a:extLst>
-                    <a:ext uri="{9D8B030D-6E8A-4147-A177-3AD203B41FA5}">
-                      <a16:colId xmlns:a16="http://schemas.microsoft.com/office/drawing/2014/main" val="278496055"/>
-                    </a:ext>
-                  </a:extLst>
-                </a:gridCol>
-              </a:tblGrid>
-              <a:tr h="300550">
-                <a:tc>
-                  <a:txBody>
-                    <a:bodyPr/>
-                    <a:lstStyle/>
-                    <a:p>
-                      <a:pPr latinLnBrk="1"/>
-                      <a:r>
-                        <a:rPr lang="ko-KR" altLang="en-US" dirty="0"/>
-                        <a:t>변수</a:t>
-                      </a:r>
-                    </a:p>
-                  </a:txBody>
-                  <a:tcPr/>
-                </a:tc>
-                <a:tc>
-                  <a:txBody>
-                    <a:bodyPr/>
-                    <a:lstStyle/>
-                    <a:p>
-                      <a:pPr latinLnBrk="1"/>
-                      <a:r>
-                        <a:rPr lang="ko-KR" altLang="en-US" dirty="0"/>
-                        <a:t>변수형</a:t>
-                      </a:r>
-                    </a:p>
-                  </a:txBody>
-                  <a:tcPr/>
-                </a:tc>
-                <a:tc>
-                  <a:txBody>
-                    <a:bodyPr/>
-                    <a:lstStyle/>
-                    <a:p>
-                      <a:pPr latinLnBrk="1"/>
-                      <a:r>
-                        <a:rPr lang="ko-KR" altLang="en-US" dirty="0"/>
-                        <a:t>기타사항</a:t>
-                      </a:r>
-                    </a:p>
-                  </a:txBody>
-                  <a:tcPr/>
-                </a:tc>
-                <a:extLst>
-                  <a:ext uri="{0D108BD9-81ED-4DB2-BD59-A6C34878D82A}">
-                    <a16:rowId xmlns:a16="http://schemas.microsoft.com/office/drawing/2014/main" val="10000"/>
-                  </a:ext>
-                </a:extLst>
-              </a:tr>
-              <a:tr h="300550">
-                <a:tc>
-                  <a:txBody>
-                    <a:bodyPr/>
-                    <a:lstStyle/>
-                    <a:p>
-                      <a:pPr latinLnBrk="1"/>
-                      <a:r>
-                        <a:rPr lang="en-US" altLang="ko-KR" dirty="0"/>
-                        <a:t>id</a:t>
-                      </a:r>
-                      <a:endParaRPr lang="ko-KR" altLang="en-US" dirty="0"/>
-                    </a:p>
-                  </a:txBody>
-                  <a:tcPr/>
-                </a:tc>
-                <a:tc>
-                  <a:txBody>
-                    <a:bodyPr/>
-                    <a:lstStyle/>
-                    <a:p>
-                      <a:pPr latinLnBrk="1"/>
-                      <a:r>
-                        <a:rPr lang="en-US" altLang="ko-KR" dirty="0"/>
-                        <a:t>char[20]</a:t>
-                      </a:r>
-                      <a:endParaRPr lang="ko-KR" altLang="en-US" dirty="0"/>
-                    </a:p>
-                  </a:txBody>
-                  <a:tcPr/>
-                </a:tc>
-                <a:tc>
-                  <a:txBody>
-                    <a:bodyPr/>
-                    <a:lstStyle/>
-                    <a:p>
-                      <a:pPr latinLnBrk="1"/>
-                      <a:r>
-                        <a:rPr lang="en-US" altLang="ko-KR" dirty="0"/>
-                        <a:t>PRIMARY</a:t>
-                      </a:r>
-                      <a:endParaRPr lang="ko-KR" altLang="en-US" dirty="0"/>
-                    </a:p>
-                  </a:txBody>
-                  <a:tcPr/>
-                </a:tc>
-                <a:extLst>
-                  <a:ext uri="{0D108BD9-81ED-4DB2-BD59-A6C34878D82A}">
-                    <a16:rowId xmlns:a16="http://schemas.microsoft.com/office/drawing/2014/main" val="10001"/>
-                  </a:ext>
-                </a:extLst>
-              </a:tr>
-              <a:tr h="300550">
-                <a:tc>
-                  <a:txBody>
-                    <a:bodyPr/>
-                    <a:lstStyle/>
-                    <a:p>
-                      <a:pPr latinLnBrk="1"/>
-                      <a:r>
-                        <a:rPr lang="en-US" altLang="ko-KR" dirty="0" err="1"/>
-                        <a:t>treat_code</a:t>
-                      </a:r>
-                      <a:endParaRPr lang="ko-KR" altLang="en-US" dirty="0"/>
-                    </a:p>
-                  </a:txBody>
-                  <a:tcPr/>
-                </a:tc>
-                <a:tc>
-                  <a:txBody>
-                    <a:bodyPr/>
-                    <a:lstStyle/>
-                    <a:p>
-                      <a:pPr latinLnBrk="1"/>
-                      <a:r>
-                        <a:rPr lang="en-US" altLang="ko-KR" dirty="0" err="1"/>
-                        <a:t>Int</a:t>
-                      </a:r>
-                      <a:endParaRPr lang="ko-KR" altLang="en-US" dirty="0"/>
-                    </a:p>
-                  </a:txBody>
-                  <a:tcPr/>
-                </a:tc>
-                <a:tc>
-                  <a:txBody>
-                    <a:bodyPr/>
-                    <a:lstStyle/>
-                    <a:p>
-                      <a:pPr latinLnBrk="1"/>
-                      <a:r>
-                        <a:rPr lang="en-US" altLang="ko-KR" dirty="0"/>
-                        <a:t>PRIMARY</a:t>
-                      </a:r>
-                      <a:endParaRPr lang="ko-KR" altLang="en-US" dirty="0"/>
-                    </a:p>
-                  </a:txBody>
-                  <a:tcPr/>
-                </a:tc>
-                <a:extLst>
-                  <a:ext uri="{0D108BD9-81ED-4DB2-BD59-A6C34878D82A}">
-                    <a16:rowId xmlns:a16="http://schemas.microsoft.com/office/drawing/2014/main" val="3957870662"/>
-                  </a:ext>
-                </a:extLst>
-              </a:tr>
-              <a:tr h="300550">
-                <a:tc>
-                  <a:txBody>
-                    <a:bodyPr/>
-                    <a:lstStyle/>
-                    <a:p>
-                      <a:pPr latinLnBrk="1"/>
-                      <a:r>
-                        <a:rPr lang="en-US" altLang="ko-KR" dirty="0" err="1"/>
-                        <a:t>valid_date</a:t>
-                      </a:r>
-                      <a:endParaRPr lang="ko-KR" altLang="en-US" dirty="0"/>
-                    </a:p>
-                  </a:txBody>
-                  <a:tcPr/>
-                </a:tc>
-                <a:tc>
-                  <a:txBody>
-                    <a:bodyPr/>
-                    <a:lstStyle/>
-                    <a:p>
-                      <a:r>
-                        <a:rPr lang="en-US" altLang="ko-KR" dirty="0" err="1"/>
-                        <a:t>int</a:t>
-                      </a:r>
-                      <a:endParaRPr lang="ko-KR" altLang="en-US" dirty="0"/>
-                    </a:p>
-                  </a:txBody>
-                  <a:tcPr/>
-                </a:tc>
-                <a:tc>
-                  <a:txBody>
-                    <a:bodyPr/>
-                    <a:lstStyle/>
-                    <a:p>
-                      <a:endParaRPr lang="ko-KR" altLang="en-US" dirty="0"/>
-                    </a:p>
-                  </a:txBody>
-                  <a:tcPr/>
-                </a:tc>
-                <a:extLst>
-                  <a:ext uri="{0D108BD9-81ED-4DB2-BD59-A6C34878D82A}">
-                    <a16:rowId xmlns:a16="http://schemas.microsoft.com/office/drawing/2014/main" val="3833322220"/>
-                  </a:ext>
-                </a:extLst>
-              </a:tr>
-              <a:tr h="468000">
-                <a:tc>
-                  <a:txBody>
-                    <a:bodyPr/>
-                    <a:lstStyle/>
-                    <a:p>
-                      <a:pPr latinLnBrk="1"/>
-                      <a:r>
-                        <a:rPr lang="en-US" altLang="ko-KR" dirty="0" err="1"/>
-                        <a:t>is_used</a:t>
-                      </a:r>
-                      <a:endParaRPr lang="ko-KR" altLang="en-US" dirty="0"/>
-                    </a:p>
-                  </a:txBody>
-                  <a:tcPr/>
-                </a:tc>
-                <a:tc>
-                  <a:txBody>
-                    <a:bodyPr/>
-                    <a:lstStyle/>
-                    <a:p>
-                      <a:pPr latinLnBrk="1"/>
-                      <a:r>
-                        <a:rPr lang="en-US" altLang="ko-KR" dirty="0"/>
-                        <a:t>bool</a:t>
-                      </a:r>
-                      <a:endParaRPr lang="ko-KR" altLang="en-US" dirty="0"/>
-                    </a:p>
-                  </a:txBody>
-                  <a:tcPr/>
-                </a:tc>
-                <a:tc>
-                  <a:txBody>
-                    <a:bodyPr/>
-                    <a:lstStyle/>
-                    <a:p>
-                      <a:pPr latinLnBrk="1"/>
-                      <a:r>
-                        <a:rPr lang="en-US" altLang="ko-KR" dirty="0"/>
-                        <a:t>1 : </a:t>
-                      </a:r>
-                      <a:r>
-                        <a:rPr lang="ko-KR" altLang="en-US" dirty="0"/>
-                        <a:t>사용</a:t>
-                      </a:r>
-                      <a:r>
-                        <a:rPr lang="en-US" altLang="ko-KR" dirty="0"/>
-                        <a:t>, 0 : </a:t>
-                      </a:r>
-                      <a:r>
-                        <a:rPr lang="ko-KR" altLang="en-US" dirty="0"/>
-                        <a:t>미사용</a:t>
-                      </a:r>
-                      <a:endParaRPr lang="en-US" altLang="ko-KR" dirty="0"/>
-                    </a:p>
-                    <a:p>
-                      <a:pPr latinLnBrk="1"/>
-                      <a:r>
-                        <a:rPr lang="en-US" altLang="ko-KR" dirty="0"/>
-                        <a:t>default : 0</a:t>
-                      </a:r>
-                      <a:endParaRPr lang="ko-KR" altLang="en-US" dirty="0"/>
-                    </a:p>
-                  </a:txBody>
-                  <a:tcPr/>
-                </a:tc>
-                <a:extLst>
-                  <a:ext uri="{0D108BD9-81ED-4DB2-BD59-A6C34878D82A}">
-                    <a16:rowId xmlns:a16="http://schemas.microsoft.com/office/drawing/2014/main" val="1094492362"/>
-                  </a:ext>
-                </a:extLst>
-              </a:tr>
-              <a:tr h="300550">
-                <a:tc>
-                  <a:txBody>
-                    <a:bodyPr/>
-                    <a:lstStyle/>
-                    <a:p>
-                      <a:pPr latinLnBrk="1"/>
-                      <a:r>
-                        <a:rPr lang="en-US" altLang="ko-KR" dirty="0" err="1"/>
-                        <a:t>medicine_name</a:t>
-                      </a:r>
-                      <a:endParaRPr lang="ko-KR" altLang="en-US" dirty="0"/>
-                    </a:p>
-                  </a:txBody>
-                  <a:tcPr>
-                    <a:noFill/>
-                  </a:tcPr>
-                </a:tc>
-                <a:tc>
-                  <a:txBody>
-                    <a:bodyPr/>
-                    <a:lstStyle/>
-                    <a:p>
-                      <a:pPr latinLnBrk="1"/>
-                      <a:r>
-                        <a:rPr lang="en-US" altLang="ko-KR" dirty="0"/>
-                        <a:t>char[20]</a:t>
-                      </a:r>
-                      <a:endParaRPr lang="ko-KR" altLang="en-US" dirty="0"/>
-                    </a:p>
-                  </a:txBody>
-                  <a:tcPr>
-                    <a:noFill/>
-                  </a:tcPr>
-                </a:tc>
-                <a:tc>
-                  <a:txBody>
-                    <a:bodyPr/>
-                    <a:lstStyle/>
-                    <a:p>
-                      <a:pPr latinLnBrk="1"/>
-                      <a:endParaRPr lang="ko-KR" altLang="en-US" dirty="0"/>
-                    </a:p>
-                  </a:txBody>
-                  <a:tcPr>
-                    <a:noFill/>
-                  </a:tcPr>
-                </a:tc>
-                <a:extLst>
-                  <a:ext uri="{0D108BD9-81ED-4DB2-BD59-A6C34878D82A}">
-                    <a16:rowId xmlns:a16="http://schemas.microsoft.com/office/drawing/2014/main" val="10002"/>
-                  </a:ext>
-                </a:extLst>
-              </a:tr>
-              <a:tr h="302400">
-                <a:tc>
-                  <a:txBody>
-                    <a:bodyPr/>
-                    <a:lstStyle/>
-                    <a:p>
-                      <a:pPr latinLnBrk="1"/>
-                      <a:r>
-                        <a:rPr lang="en-US" altLang="ko-KR" dirty="0" err="1"/>
-                        <a:t>medicine_once_num</a:t>
-                      </a:r>
-                      <a:endParaRPr lang="ko-KR" altLang="en-US" dirty="0"/>
-                    </a:p>
-                  </a:txBody>
-                  <a:tcPr>
-                    <a:noFill/>
-                  </a:tcPr>
-                </a:tc>
-                <a:tc>
-                  <a:txBody>
-                    <a:bodyPr/>
-                    <a:lstStyle/>
-                    <a:p>
-                      <a:pPr latinLnBrk="1"/>
-                      <a:r>
-                        <a:rPr lang="en-US" altLang="ko-KR" dirty="0"/>
-                        <a:t>float</a:t>
-                      </a:r>
-                      <a:endParaRPr lang="ko-KR" altLang="en-US" dirty="0"/>
-                    </a:p>
-                  </a:txBody>
-                  <a:tcPr>
-                    <a:noFill/>
-                  </a:tcPr>
-                </a:tc>
-                <a:tc>
-                  <a:txBody>
-                    <a:bodyPr/>
-                    <a:lstStyle/>
-                    <a:p>
-                      <a:pPr latinLnBrk="1"/>
-                      <a:endParaRPr lang="ko-KR" altLang="en-US" dirty="0"/>
-                    </a:p>
-                  </a:txBody>
-                  <a:tcPr>
-                    <a:noFill/>
-                  </a:tcPr>
-                </a:tc>
-                <a:extLst>
-                  <a:ext uri="{0D108BD9-81ED-4DB2-BD59-A6C34878D82A}">
-                    <a16:rowId xmlns:a16="http://schemas.microsoft.com/office/drawing/2014/main" val="1597327588"/>
-                  </a:ext>
-                </a:extLst>
-              </a:tr>
-              <a:tr h="302400">
-                <a:tc>
-                  <a:txBody>
-                    <a:bodyPr/>
-                    <a:lstStyle/>
-                    <a:p>
-                      <a:pPr latinLnBrk="1"/>
-                      <a:r>
-                        <a:rPr lang="en-US" altLang="ko-KR" dirty="0" err="1"/>
-                        <a:t>medicine_day_num</a:t>
-                      </a:r>
-                      <a:endParaRPr lang="ko-KR" altLang="en-US" dirty="0"/>
-                    </a:p>
-                  </a:txBody>
-                  <a:tcPr>
-                    <a:noFill/>
-                  </a:tcPr>
-                </a:tc>
-                <a:tc>
-                  <a:txBody>
-                    <a:bodyPr/>
-                    <a:lstStyle/>
-                    <a:p>
-                      <a:pPr latinLnBrk="1"/>
-                      <a:r>
-                        <a:rPr lang="en-US" altLang="ko-KR" dirty="0" err="1"/>
-                        <a:t>int</a:t>
-                      </a:r>
-                      <a:endParaRPr lang="ko-KR" altLang="en-US" dirty="0"/>
-                    </a:p>
-                  </a:txBody>
-                  <a:tcPr>
-                    <a:noFill/>
-                  </a:tcPr>
-                </a:tc>
-                <a:tc>
-                  <a:txBody>
-                    <a:bodyPr/>
-                    <a:lstStyle/>
-                    <a:p>
-                      <a:pPr latinLnBrk="1"/>
-                      <a:endParaRPr lang="ko-KR" altLang="en-US" dirty="0"/>
-                    </a:p>
-                  </a:txBody>
-                  <a:tcPr>
-                    <a:noFill/>
-                  </a:tcPr>
-                </a:tc>
-                <a:extLst>
-                  <a:ext uri="{0D108BD9-81ED-4DB2-BD59-A6C34878D82A}">
-                    <a16:rowId xmlns:a16="http://schemas.microsoft.com/office/drawing/2014/main" val="3825007831"/>
-                  </a:ext>
-                </a:extLst>
-              </a:tr>
-              <a:tr h="300550">
-                <a:tc>
-                  <a:txBody>
-                    <a:bodyPr/>
-                    <a:lstStyle/>
-                    <a:p>
-                      <a:pPr latinLnBrk="1"/>
-                      <a:r>
-                        <a:rPr lang="en-US" altLang="ko-KR" dirty="0"/>
-                        <a:t>notice</a:t>
-                      </a:r>
-                      <a:endParaRPr lang="ko-KR" altLang="en-US" dirty="0"/>
-                    </a:p>
-                  </a:txBody>
-                  <a:tcPr>
-                    <a:noFill/>
-                  </a:tcPr>
-                </a:tc>
-                <a:tc>
-                  <a:txBody>
-                    <a:bodyPr/>
-                    <a:lstStyle/>
-                    <a:p>
-                      <a:pPr latinLnBrk="1"/>
-                      <a:r>
-                        <a:rPr lang="en-US" altLang="ko-KR" dirty="0"/>
-                        <a:t>char[100]</a:t>
-                      </a:r>
-                      <a:endParaRPr lang="ko-KR" altLang="en-US" dirty="0"/>
-                    </a:p>
-                  </a:txBody>
-                  <a:tcPr>
-                    <a:noFill/>
-                  </a:tcPr>
-                </a:tc>
-                <a:tc>
-                  <a:txBody>
-                    <a:bodyPr/>
-                    <a:lstStyle/>
-                    <a:p>
-                      <a:pPr latinLnBrk="1"/>
-                      <a:endParaRPr lang="ko-KR" altLang="en-US" dirty="0"/>
-                    </a:p>
-                  </a:txBody>
-                  <a:tcPr>
-                    <a:noFill/>
-                  </a:tcPr>
-                </a:tc>
-                <a:extLst>
-                  <a:ext uri="{0D108BD9-81ED-4DB2-BD59-A6C34878D82A}">
-                    <a16:rowId xmlns:a16="http://schemas.microsoft.com/office/drawing/2014/main" val="1818248240"/>
-                  </a:ext>
-                </a:extLst>
-              </a:tr>
-            </a:tbl>
-          </a:graphicData>
-        </a:graphic>
-      </p:graphicFrame>
-      <p:sp>
-        <p:nvSpPr>
-          <p:cNvPr id="19" name="TextBox 18"/>
-          <p:cNvSpPr txBox="1"/>
-          <p:nvPr/>
-        </p:nvSpPr>
-        <p:spPr>
-          <a:xfrm>
-            <a:off x="4770119" y="-524503"/>
-            <a:ext cx="4114799" cy="524503"/>
-          </a:xfrm>
-          <a:prstGeom prst="rect">
-            <a:avLst/>
-          </a:prstGeom>
-          <a:noFill/>
-        </p:spPr>
-        <p:txBody>
-          <a:bodyPr wrap="square" rtlCol="0">
-            <a:spAutoFit/>
-          </a:bodyPr>
-          <a:lstStyle/>
-          <a:p>
-            <a:r>
-              <a:rPr lang="ko-KR" altLang="en-US" b="1" dirty="0"/>
-              <a:t>처방</a:t>
-            </a:r>
-            <a:r>
-              <a:rPr lang="en-US" altLang="ko-KR" b="1" dirty="0"/>
-              <a:t>Table(</a:t>
-            </a:r>
-            <a:r>
-              <a:rPr lang="ko-KR" altLang="en-US" b="1" dirty="0"/>
-              <a:t>병원</a:t>
-            </a:r>
-            <a:r>
-              <a:rPr lang="en-US" altLang="ko-KR" b="1" dirty="0"/>
-              <a:t>, </a:t>
-            </a:r>
-            <a:r>
-              <a:rPr lang="ko-KR" altLang="en-US" b="1" dirty="0"/>
-              <a:t>약국</a:t>
-            </a:r>
-            <a:r>
-              <a:rPr lang="en-US" altLang="ko-KR" b="1" dirty="0"/>
-              <a:t>, </a:t>
-            </a:r>
-            <a:r>
-              <a:rPr lang="ko-KR" altLang="en-US" b="1" dirty="0"/>
-              <a:t>사용자가 공유</a:t>
-            </a:r>
-            <a:r>
-              <a:rPr lang="en-US" altLang="ko-KR" b="1" dirty="0"/>
-              <a:t>)</a:t>
-            </a:r>
-          </a:p>
-          <a:p>
-            <a:r>
-              <a:rPr lang="en-US" altLang="ko-KR" b="1" dirty="0"/>
-              <a:t>(MEDICAL_RECORD)</a:t>
-            </a:r>
-            <a:endParaRPr lang="ko-KR" altLang="en-US" b="1" dirty="0"/>
-          </a:p>
-        </p:txBody>
-      </p:sp>
-      <p:graphicFrame>
-        <p:nvGraphicFramePr>
-          <p:cNvPr id="2" name="표 1"/>
-          <p:cNvGraphicFramePr>
-            <a:graphicFrameLocks noGrp="1"/>
-          </p:cNvGraphicFramePr>
-          <p:nvPr>
-            <p:extLst>
-              <p:ext uri="{D42A27DB-BD31-4B8C-83A1-F6EECF244321}">
-                <p14:modId xmlns:p14="http://schemas.microsoft.com/office/powerpoint/2010/main" val="3594597142"/>
-              </p:ext>
-            </p:extLst>
-          </p:nvPr>
-        </p:nvGraphicFramePr>
-        <p:xfrm>
-          <a:off x="-3628568" y="3630210"/>
-          <a:ext cx="7660638" cy="1483360"/>
-        </p:xfrm>
-        <a:graphic>
-          <a:graphicData uri="http://schemas.openxmlformats.org/drawingml/2006/table">
-            <a:tbl>
-              <a:tblPr firstRow="1" bandRow="1">
-                <a:tableStyleId>{912C8C85-51F0-491E-9774-3900AFEF0FD7}</a:tableStyleId>
-              </a:tblPr>
-              <a:tblGrid>
-                <a:gridCol w="1276773">
-                  <a:extLst>
-                    <a:ext uri="{9D8B030D-6E8A-4147-A177-3AD203B41FA5}">
-                      <a16:colId xmlns:a16="http://schemas.microsoft.com/office/drawing/2014/main" val="1406940677"/>
-                    </a:ext>
-                  </a:extLst>
-                </a:gridCol>
-                <a:gridCol w="1276773">
-                  <a:extLst>
-                    <a:ext uri="{9D8B030D-6E8A-4147-A177-3AD203B41FA5}">
-                      <a16:colId xmlns:a16="http://schemas.microsoft.com/office/drawing/2014/main" val="3911312276"/>
-                    </a:ext>
-                  </a:extLst>
-                </a:gridCol>
-                <a:gridCol w="1276773">
-                  <a:extLst>
-                    <a:ext uri="{9D8B030D-6E8A-4147-A177-3AD203B41FA5}">
-                      <a16:colId xmlns:a16="http://schemas.microsoft.com/office/drawing/2014/main" val="1337584577"/>
-                    </a:ext>
-                  </a:extLst>
-                </a:gridCol>
-                <a:gridCol w="1276773">
-                  <a:extLst>
-                    <a:ext uri="{9D8B030D-6E8A-4147-A177-3AD203B41FA5}">
-                      <a16:colId xmlns:a16="http://schemas.microsoft.com/office/drawing/2014/main" val="339359899"/>
-                    </a:ext>
-                  </a:extLst>
-                </a:gridCol>
-                <a:gridCol w="1276773">
-                  <a:extLst>
-                    <a:ext uri="{9D8B030D-6E8A-4147-A177-3AD203B41FA5}">
-                      <a16:colId xmlns:a16="http://schemas.microsoft.com/office/drawing/2014/main" val="1916463831"/>
-                    </a:ext>
-                  </a:extLst>
-                </a:gridCol>
-                <a:gridCol w="1276773">
-                  <a:extLst>
-                    <a:ext uri="{9D8B030D-6E8A-4147-A177-3AD203B41FA5}">
-                      <a16:colId xmlns:a16="http://schemas.microsoft.com/office/drawing/2014/main" val="2479085949"/>
-                    </a:ext>
-                  </a:extLst>
-                </a:gridCol>
-              </a:tblGrid>
-              <a:tr h="370840">
-                <a:tc>
-                  <a:txBody>
-                    <a:bodyPr/>
-                    <a:lstStyle/>
-                    <a:p>
-                      <a:pPr latinLnBrk="1"/>
-                      <a:r>
-                        <a:rPr lang="en-US" altLang="ko-KR" dirty="0"/>
-                        <a:t>Id</a:t>
-                      </a:r>
-                      <a:endParaRPr lang="ko-KR" altLang="en-US" dirty="0"/>
-                    </a:p>
-                  </a:txBody>
-                  <a:tcPr/>
-                </a:tc>
-                <a:tc>
-                  <a:txBody>
-                    <a:bodyPr/>
-                    <a:lstStyle/>
-                    <a:p>
-                      <a:pPr latinLnBrk="1"/>
-                      <a:r>
-                        <a:rPr lang="en-US" altLang="ko-KR" dirty="0" err="1"/>
-                        <a:t>record_date</a:t>
-                      </a:r>
-                      <a:endParaRPr lang="ko-KR" altLang="en-US" dirty="0"/>
-                    </a:p>
-                  </a:txBody>
-                  <a:tcPr/>
-                </a:tc>
-                <a:tc>
-                  <a:txBody>
-                    <a:bodyPr/>
-                    <a:lstStyle/>
-                    <a:p>
-                      <a:pPr latinLnBrk="1"/>
-                      <a:r>
-                        <a:rPr lang="en-US" altLang="ko-KR" dirty="0" err="1"/>
-                        <a:t>hospital_code</a:t>
-                      </a:r>
-                      <a:endParaRPr lang="ko-KR" altLang="en-US" dirty="0"/>
-                    </a:p>
-                  </a:txBody>
-                  <a:tcPr/>
-                </a:tc>
-                <a:tc>
-                  <a:txBody>
-                    <a:bodyPr/>
-                    <a:lstStyle/>
-                    <a:p>
-                      <a:pPr latinLnBrk="1"/>
-                      <a:r>
-                        <a:rPr lang="en-US" altLang="ko-KR" dirty="0" err="1"/>
-                        <a:t>disease_code</a:t>
-                      </a:r>
-                      <a:endParaRPr lang="ko-KR" altLang="en-US" dirty="0"/>
-                    </a:p>
-                  </a:txBody>
-                  <a:tcPr/>
-                </a:tc>
-                <a:tc>
-                  <a:txBody>
-                    <a:bodyPr/>
-                    <a:lstStyle/>
-                    <a:p>
-                      <a:pPr latinLnBrk="1"/>
-                      <a:r>
-                        <a:rPr lang="en-US" altLang="ko-KR" dirty="0" err="1"/>
-                        <a:t>disease_name</a:t>
-                      </a:r>
-                      <a:endParaRPr lang="ko-KR" altLang="en-US" dirty="0"/>
-                    </a:p>
-                  </a:txBody>
-                  <a:tcPr/>
-                </a:tc>
-                <a:tc>
-                  <a:txBody>
-                    <a:bodyPr/>
-                    <a:lstStyle/>
-                    <a:p>
-                      <a:pPr latinLnBrk="1"/>
-                      <a:r>
-                        <a:rPr lang="en-US" altLang="ko-KR" dirty="0" err="1"/>
-                        <a:t>treat_code</a:t>
-                      </a:r>
-                      <a:endParaRPr lang="ko-KR" altLang="en-US" dirty="0"/>
-                    </a:p>
-                  </a:txBody>
-                  <a:tcPr/>
-                </a:tc>
-                <a:extLst>
-                  <a:ext uri="{0D108BD9-81ED-4DB2-BD59-A6C34878D82A}">
-                    <a16:rowId xmlns:a16="http://schemas.microsoft.com/office/drawing/2014/main" val="2125176699"/>
-                  </a:ext>
-                </a:extLst>
-              </a:tr>
-              <a:tr h="370840">
-                <a:tc>
-                  <a:txBody>
-                    <a:bodyPr/>
-                    <a:lstStyle/>
-                    <a:p>
-                      <a:pPr latinLnBrk="1"/>
-                      <a:r>
-                        <a:rPr lang="en-US" altLang="ko-KR" dirty="0"/>
-                        <a:t>11111</a:t>
-                      </a:r>
-                      <a:endParaRPr lang="ko-KR" altLang="en-US" dirty="0"/>
-                    </a:p>
-                  </a:txBody>
-                  <a:tcPr/>
-                </a:tc>
-                <a:tc>
-                  <a:txBody>
-                    <a:bodyPr/>
-                    <a:lstStyle/>
-                    <a:p>
-                      <a:pPr latinLnBrk="1"/>
-                      <a:r>
-                        <a:rPr lang="en-US" altLang="ko-KR" dirty="0"/>
-                        <a:t>16/04/01</a:t>
-                      </a:r>
-                      <a:endParaRPr lang="ko-KR" altLang="en-US" dirty="0"/>
-                    </a:p>
-                  </a:txBody>
-                  <a:tcPr/>
-                </a:tc>
-                <a:tc>
-                  <a:txBody>
-                    <a:bodyPr/>
-                    <a:lstStyle/>
-                    <a:p>
-                      <a:pPr latinLnBrk="1"/>
-                      <a:r>
-                        <a:rPr lang="en-US" altLang="ko-KR" dirty="0"/>
-                        <a:t>1212</a:t>
-                      </a:r>
-                      <a:endParaRPr lang="ko-KR" altLang="en-US" dirty="0"/>
-                    </a:p>
-                  </a:txBody>
-                  <a:tcPr/>
-                </a:tc>
-                <a:tc>
-                  <a:txBody>
-                    <a:bodyPr/>
-                    <a:lstStyle/>
-                    <a:p>
-                      <a:pPr latinLnBrk="1"/>
-                      <a:r>
-                        <a:rPr lang="en-US" altLang="ko-KR" dirty="0"/>
-                        <a:t>A10</a:t>
-                      </a:r>
-                      <a:endParaRPr lang="ko-KR" altLang="en-US" dirty="0"/>
-                    </a:p>
-                  </a:txBody>
-                  <a:tcPr/>
-                </a:tc>
-                <a:tc>
-                  <a:txBody>
-                    <a:bodyPr/>
-                    <a:lstStyle/>
-                    <a:p>
-                      <a:pPr latinLnBrk="1"/>
-                      <a:r>
-                        <a:rPr lang="ko-KR" altLang="en-US" dirty="0"/>
-                        <a:t>감기</a:t>
-                      </a:r>
-                    </a:p>
-                  </a:txBody>
-                  <a:tcPr/>
-                </a:tc>
-                <a:tc>
-                  <a:txBody>
-                    <a:bodyPr/>
-                    <a:lstStyle/>
-                    <a:p>
-                      <a:pPr latinLnBrk="1"/>
-                      <a:r>
-                        <a:rPr lang="en-US" altLang="ko-KR" dirty="0"/>
-                        <a:t>1</a:t>
-                      </a:r>
-                      <a:endParaRPr lang="ko-KR" altLang="en-US" dirty="0"/>
-                    </a:p>
-                  </a:txBody>
-                  <a:tcPr/>
-                </a:tc>
-                <a:extLst>
-                  <a:ext uri="{0D108BD9-81ED-4DB2-BD59-A6C34878D82A}">
-                    <a16:rowId xmlns:a16="http://schemas.microsoft.com/office/drawing/2014/main" val="1290105063"/>
-                  </a:ext>
-                </a:extLst>
-              </a:tr>
-              <a:tr h="370840">
-                <a:tc>
-                  <a:txBody>
-                    <a:bodyPr/>
-                    <a:lstStyle/>
-                    <a:p>
-                      <a:pPr latinLnBrk="1"/>
-                      <a:r>
-                        <a:rPr lang="en-US" altLang="ko-KR" dirty="0"/>
-                        <a:t>22222</a:t>
-                      </a:r>
-                      <a:endParaRPr lang="ko-KR" altLang="en-US" dirty="0"/>
-                    </a:p>
-                  </a:txBody>
-                  <a:tcPr/>
-                </a:tc>
-                <a:tc>
-                  <a:txBody>
-                    <a:bodyPr/>
-                    <a:lstStyle/>
-                    <a:p>
-                      <a:pPr latinLnBrk="1"/>
-                      <a:r>
-                        <a:rPr lang="en-US" altLang="ko-KR" dirty="0"/>
-                        <a:t>16/04/02</a:t>
-                      </a:r>
-                      <a:endParaRPr lang="ko-KR" altLang="en-US" dirty="0"/>
-                    </a:p>
-                  </a:txBody>
-                  <a:tcPr/>
-                </a:tc>
-                <a:tc>
-                  <a:txBody>
-                    <a:bodyPr/>
-                    <a:lstStyle/>
-                    <a:p>
-                      <a:pPr latinLnBrk="1"/>
-                      <a:r>
-                        <a:rPr lang="en-US" altLang="ko-KR" dirty="0"/>
-                        <a:t>1313</a:t>
-                      </a:r>
-                      <a:endParaRPr lang="ko-KR" altLang="en-US" dirty="0"/>
-                    </a:p>
-                  </a:txBody>
-                  <a:tcPr/>
-                </a:tc>
-                <a:tc>
-                  <a:txBody>
-                    <a:bodyPr/>
-                    <a:lstStyle/>
-                    <a:p>
-                      <a:pPr latinLnBrk="1"/>
-                      <a:r>
-                        <a:rPr lang="en-US" altLang="ko-KR" dirty="0"/>
-                        <a:t>A12</a:t>
-                      </a:r>
-                      <a:endParaRPr lang="ko-KR" altLang="en-US" dirty="0"/>
-                    </a:p>
-                  </a:txBody>
-                  <a:tcPr/>
-                </a:tc>
-                <a:tc>
-                  <a:txBody>
-                    <a:bodyPr/>
-                    <a:lstStyle/>
-                    <a:p>
-                      <a:pPr latinLnBrk="1"/>
-                      <a:r>
-                        <a:rPr lang="ko-KR" altLang="en-US" dirty="0"/>
-                        <a:t>장염</a:t>
-                      </a:r>
-                    </a:p>
-                  </a:txBody>
-                  <a:tcPr/>
-                </a:tc>
-                <a:tc>
-                  <a:txBody>
-                    <a:bodyPr/>
-                    <a:lstStyle/>
-                    <a:p>
-                      <a:pPr latinLnBrk="1"/>
-                      <a:r>
-                        <a:rPr lang="en-US" altLang="ko-KR" dirty="0"/>
-                        <a:t>2</a:t>
-                      </a:r>
-                      <a:endParaRPr lang="ko-KR" altLang="en-US" dirty="0"/>
-                    </a:p>
-                  </a:txBody>
-                  <a:tcPr/>
-                </a:tc>
-                <a:extLst>
-                  <a:ext uri="{0D108BD9-81ED-4DB2-BD59-A6C34878D82A}">
-                    <a16:rowId xmlns:a16="http://schemas.microsoft.com/office/drawing/2014/main" val="973990716"/>
-                  </a:ext>
-                </a:extLst>
-              </a:tr>
-              <a:tr h="370840">
-                <a:tc>
-                  <a:txBody>
-                    <a:bodyPr/>
-                    <a:lstStyle/>
-                    <a:p>
-                      <a:pPr latinLnBrk="1"/>
-                      <a:r>
-                        <a:rPr lang="en-US" altLang="ko-KR" dirty="0"/>
-                        <a:t>11111</a:t>
-                      </a:r>
-                      <a:endParaRPr lang="ko-KR" altLang="en-US" dirty="0"/>
-                    </a:p>
-                  </a:txBody>
-                  <a:tcPr/>
-                </a:tc>
-                <a:tc>
-                  <a:txBody>
-                    <a:bodyPr/>
-                    <a:lstStyle/>
-                    <a:p>
-                      <a:pPr latinLnBrk="1"/>
-                      <a:r>
-                        <a:rPr lang="en-US" altLang="ko-KR" dirty="0"/>
-                        <a:t>16/04/02</a:t>
-                      </a:r>
-                      <a:endParaRPr lang="ko-KR" altLang="en-US" dirty="0"/>
-                    </a:p>
-                  </a:txBody>
-                  <a:tcPr/>
-                </a:tc>
-                <a:tc>
-                  <a:txBody>
-                    <a:bodyPr/>
-                    <a:lstStyle/>
-                    <a:p>
-                      <a:pPr latinLnBrk="1"/>
-                      <a:r>
-                        <a:rPr lang="en-US" altLang="ko-KR" dirty="0"/>
-                        <a:t>1313</a:t>
-                      </a:r>
-                      <a:endParaRPr lang="ko-KR" altLang="en-US" dirty="0"/>
-                    </a:p>
-                  </a:txBody>
-                  <a:tcPr/>
-                </a:tc>
-                <a:tc>
-                  <a:txBody>
-                    <a:bodyPr/>
-                    <a:lstStyle/>
-                    <a:p>
-                      <a:pPr marL="0" marR="0" indent="0" algn="l" defTabSz="685800" rtl="0" eaLnBrk="1" fontAlgn="auto" latinLnBrk="1" hangingPunct="1">
-                        <a:lnSpc>
-                          <a:spcPct val="100000"/>
-                        </a:lnSpc>
-                        <a:spcBef>
-                          <a:spcPts val="0"/>
-                        </a:spcBef>
-                        <a:spcAft>
-                          <a:spcPts val="0"/>
-                        </a:spcAft>
-                        <a:buClrTx/>
-                        <a:buSzTx/>
-                        <a:buFontTx/>
-                        <a:buNone/>
-                        <a:tabLst/>
-                        <a:defRPr/>
-                      </a:pPr>
-                      <a:r>
-                        <a:rPr lang="en-US" altLang="ko-KR" dirty="0"/>
-                        <a:t>A12</a:t>
-                      </a:r>
-                      <a:endParaRPr lang="ko-KR" altLang="en-US" dirty="0"/>
-                    </a:p>
-                  </a:txBody>
-                  <a:tcPr/>
-                </a:tc>
-                <a:tc>
-                  <a:txBody>
-                    <a:bodyPr/>
-                    <a:lstStyle/>
-                    <a:p>
-                      <a:pPr latinLnBrk="1"/>
-                      <a:r>
-                        <a:rPr lang="ko-KR" altLang="en-US" dirty="0"/>
-                        <a:t>장염</a:t>
-                      </a:r>
-                    </a:p>
-                  </a:txBody>
-                  <a:tcPr/>
-                </a:tc>
-                <a:tc>
-                  <a:txBody>
-                    <a:bodyPr/>
-                    <a:lstStyle/>
-                    <a:p>
-                      <a:pPr latinLnBrk="1"/>
-                      <a:r>
-                        <a:rPr lang="en-US" altLang="ko-KR" dirty="0"/>
-                        <a:t>3</a:t>
-                      </a:r>
-                      <a:endParaRPr lang="ko-KR" altLang="en-US" dirty="0"/>
-                    </a:p>
-                  </a:txBody>
-                  <a:tcPr/>
-                </a:tc>
-                <a:extLst>
-                  <a:ext uri="{0D108BD9-81ED-4DB2-BD59-A6C34878D82A}">
-                    <a16:rowId xmlns:a16="http://schemas.microsoft.com/office/drawing/2014/main" val="3925474888"/>
-                  </a:ext>
-                </a:extLst>
-              </a:tr>
-            </a:tbl>
-          </a:graphicData>
-        </a:graphic>
-      </p:graphicFrame>
-      <p:graphicFrame>
-        <p:nvGraphicFramePr>
-          <p:cNvPr id="3" name="표 2"/>
-          <p:cNvGraphicFramePr>
-            <a:graphicFrameLocks noGrp="1"/>
-          </p:cNvGraphicFramePr>
-          <p:nvPr>
-            <p:extLst>
-              <p:ext uri="{D42A27DB-BD31-4B8C-83A1-F6EECF244321}">
-                <p14:modId xmlns:p14="http://schemas.microsoft.com/office/powerpoint/2010/main" val="1181949519"/>
-              </p:ext>
-            </p:extLst>
-          </p:nvPr>
-        </p:nvGraphicFramePr>
-        <p:xfrm>
-          <a:off x="4907280" y="3630210"/>
-          <a:ext cx="7660640" cy="3098800"/>
-        </p:xfrm>
-        <a:graphic>
-          <a:graphicData uri="http://schemas.openxmlformats.org/drawingml/2006/table">
-            <a:tbl>
-              <a:tblPr firstRow="1" bandRow="1">
-                <a:tableStyleId>{17292A2E-F333-43FB-9621-5CBBE7FDCDCB}</a:tableStyleId>
-              </a:tblPr>
-              <a:tblGrid>
-                <a:gridCol w="957580">
-                  <a:extLst>
-                    <a:ext uri="{9D8B030D-6E8A-4147-A177-3AD203B41FA5}">
-                      <a16:colId xmlns:a16="http://schemas.microsoft.com/office/drawing/2014/main" val="1869681185"/>
-                    </a:ext>
-                  </a:extLst>
-                </a:gridCol>
-                <a:gridCol w="957580">
-                  <a:extLst>
-                    <a:ext uri="{9D8B030D-6E8A-4147-A177-3AD203B41FA5}">
-                      <a16:colId xmlns:a16="http://schemas.microsoft.com/office/drawing/2014/main" val="1647828369"/>
-                    </a:ext>
-                  </a:extLst>
-                </a:gridCol>
-                <a:gridCol w="957580">
-                  <a:extLst>
-                    <a:ext uri="{9D8B030D-6E8A-4147-A177-3AD203B41FA5}">
-                      <a16:colId xmlns:a16="http://schemas.microsoft.com/office/drawing/2014/main" val="2463339181"/>
-                    </a:ext>
-                  </a:extLst>
-                </a:gridCol>
-                <a:gridCol w="957580">
-                  <a:extLst>
-                    <a:ext uri="{9D8B030D-6E8A-4147-A177-3AD203B41FA5}">
-                      <a16:colId xmlns:a16="http://schemas.microsoft.com/office/drawing/2014/main" val="1749337499"/>
-                    </a:ext>
-                  </a:extLst>
-                </a:gridCol>
-                <a:gridCol w="957580">
-                  <a:extLst>
-                    <a:ext uri="{9D8B030D-6E8A-4147-A177-3AD203B41FA5}">
-                      <a16:colId xmlns:a16="http://schemas.microsoft.com/office/drawing/2014/main" val="1142107149"/>
-                    </a:ext>
-                  </a:extLst>
-                </a:gridCol>
-                <a:gridCol w="957580">
-                  <a:extLst>
-                    <a:ext uri="{9D8B030D-6E8A-4147-A177-3AD203B41FA5}">
-                      <a16:colId xmlns:a16="http://schemas.microsoft.com/office/drawing/2014/main" val="634120987"/>
-                    </a:ext>
-                  </a:extLst>
-                </a:gridCol>
-                <a:gridCol w="957580">
-                  <a:extLst>
-                    <a:ext uri="{9D8B030D-6E8A-4147-A177-3AD203B41FA5}">
-                      <a16:colId xmlns:a16="http://schemas.microsoft.com/office/drawing/2014/main" val="341937833"/>
-                    </a:ext>
-                  </a:extLst>
-                </a:gridCol>
-                <a:gridCol w="957580">
-                  <a:extLst>
-                    <a:ext uri="{9D8B030D-6E8A-4147-A177-3AD203B41FA5}">
-                      <a16:colId xmlns:a16="http://schemas.microsoft.com/office/drawing/2014/main" val="1404611196"/>
-                    </a:ext>
-                  </a:extLst>
-                </a:gridCol>
-              </a:tblGrid>
-              <a:tr h="370840">
-                <a:tc>
-                  <a:txBody>
-                    <a:bodyPr/>
-                    <a:lstStyle/>
-                    <a:p>
-                      <a:pPr latinLnBrk="1"/>
-                      <a:r>
-                        <a:rPr lang="en-US" altLang="ko-KR" dirty="0"/>
-                        <a:t>Id</a:t>
-                      </a:r>
-                      <a:endParaRPr lang="ko-KR" altLang="en-US" dirty="0"/>
-                    </a:p>
-                  </a:txBody>
-                  <a:tcPr/>
-                </a:tc>
-                <a:tc>
-                  <a:txBody>
-                    <a:bodyPr/>
-                    <a:lstStyle/>
-                    <a:p>
-                      <a:pPr latinLnBrk="1"/>
-                      <a:r>
-                        <a:rPr lang="en-US" altLang="ko-KR" dirty="0" err="1"/>
-                        <a:t>treat_code</a:t>
-                      </a:r>
-                      <a:endParaRPr lang="ko-KR" altLang="en-US" dirty="0"/>
-                    </a:p>
-                  </a:txBody>
-                  <a:tcPr/>
-                </a:tc>
-                <a:tc>
-                  <a:txBody>
-                    <a:bodyPr/>
-                    <a:lstStyle/>
-                    <a:p>
-                      <a:pPr latinLnBrk="1"/>
-                      <a:r>
-                        <a:rPr lang="en-US" altLang="ko-KR" dirty="0" err="1"/>
-                        <a:t>valid_date</a:t>
-                      </a:r>
-                      <a:endParaRPr lang="ko-KR" altLang="en-US" dirty="0"/>
-                    </a:p>
-                  </a:txBody>
-                  <a:tcPr/>
-                </a:tc>
-                <a:tc>
-                  <a:txBody>
-                    <a:bodyPr/>
-                    <a:lstStyle/>
-                    <a:p>
-                      <a:pPr latinLnBrk="1"/>
-                      <a:r>
-                        <a:rPr lang="en-US" altLang="ko-KR" dirty="0" err="1"/>
-                        <a:t>is_used</a:t>
-                      </a:r>
-                      <a:endParaRPr lang="ko-KR" altLang="en-US" dirty="0"/>
-                    </a:p>
-                  </a:txBody>
-                  <a:tcPr/>
-                </a:tc>
-                <a:tc>
-                  <a:txBody>
-                    <a:bodyPr/>
-                    <a:lstStyle/>
-                    <a:p>
-                      <a:pPr latinLnBrk="1"/>
-                      <a:r>
-                        <a:rPr lang="en-US" altLang="ko-KR" dirty="0" err="1"/>
-                        <a:t>medicine_name</a:t>
-                      </a:r>
-                      <a:endParaRPr lang="ko-KR" altLang="en-US" dirty="0"/>
-                    </a:p>
-                  </a:txBody>
-                  <a:tcPr/>
-                </a:tc>
-                <a:tc>
-                  <a:txBody>
-                    <a:bodyPr/>
-                    <a:lstStyle/>
-                    <a:p>
-                      <a:pPr latinLnBrk="1"/>
-                      <a:r>
-                        <a:rPr lang="en-US" altLang="ko-KR" dirty="0" err="1"/>
-                        <a:t>medicine_once_num</a:t>
-                      </a:r>
-                      <a:endParaRPr lang="ko-KR" altLang="en-US" dirty="0"/>
-                    </a:p>
-                  </a:txBody>
-                  <a:tcPr/>
-                </a:tc>
-                <a:tc>
-                  <a:txBody>
-                    <a:bodyPr/>
-                    <a:lstStyle/>
-                    <a:p>
-                      <a:pPr latinLnBrk="1"/>
-                      <a:r>
-                        <a:rPr lang="en-US" altLang="ko-KR" dirty="0" err="1"/>
-                        <a:t>medicine_day_num</a:t>
-                      </a:r>
-                      <a:endParaRPr lang="ko-KR" altLang="en-US" dirty="0"/>
-                    </a:p>
-                  </a:txBody>
-                  <a:tcPr/>
-                </a:tc>
-                <a:tc>
-                  <a:txBody>
-                    <a:bodyPr/>
-                    <a:lstStyle/>
-                    <a:p>
-                      <a:pPr latinLnBrk="1"/>
-                      <a:r>
-                        <a:rPr lang="en-US" altLang="ko-KR" dirty="0"/>
-                        <a:t>notice</a:t>
-                      </a:r>
-                      <a:endParaRPr lang="ko-KR" altLang="en-US" dirty="0"/>
-                    </a:p>
-                  </a:txBody>
-                  <a:tcPr/>
-                </a:tc>
-                <a:extLst>
-                  <a:ext uri="{0D108BD9-81ED-4DB2-BD59-A6C34878D82A}">
-                    <a16:rowId xmlns:a16="http://schemas.microsoft.com/office/drawing/2014/main" val="1694895355"/>
-                  </a:ext>
-                </a:extLst>
-              </a:tr>
-              <a:tr h="370840">
-                <a:tc>
-                  <a:txBody>
-                    <a:bodyPr/>
-                    <a:lstStyle/>
-                    <a:p>
-                      <a:pPr marL="0" marR="0" indent="0" algn="l" defTabSz="685800" rtl="0" eaLnBrk="1" fontAlgn="auto" latinLnBrk="1" hangingPunct="1">
-                        <a:lnSpc>
-                          <a:spcPct val="100000"/>
-                        </a:lnSpc>
-                        <a:spcBef>
-                          <a:spcPts val="0"/>
-                        </a:spcBef>
-                        <a:spcAft>
-                          <a:spcPts val="0"/>
-                        </a:spcAft>
-                        <a:buClrTx/>
-                        <a:buSzTx/>
-                        <a:buFontTx/>
-                        <a:buNone/>
-                        <a:tabLst/>
-                        <a:defRPr/>
-                      </a:pPr>
-                      <a:r>
-                        <a:rPr lang="en-US" altLang="ko-KR" dirty="0"/>
-                        <a:t>11111</a:t>
-                      </a:r>
-                      <a:endParaRPr lang="ko-KR" altLang="en-US" dirty="0"/>
-                    </a:p>
-                  </a:txBody>
-                  <a:tcPr/>
-                </a:tc>
-                <a:tc>
-                  <a:txBody>
-                    <a:bodyPr/>
-                    <a:lstStyle/>
-                    <a:p>
-                      <a:pPr latinLnBrk="1"/>
-                      <a:r>
-                        <a:rPr lang="en-US" altLang="ko-KR" dirty="0"/>
-                        <a:t>1</a:t>
-                      </a:r>
-                      <a:endParaRPr lang="ko-KR" altLang="en-US" dirty="0"/>
-                    </a:p>
-                  </a:txBody>
-                  <a:tcPr/>
-                </a:tc>
-                <a:tc>
-                  <a:txBody>
-                    <a:bodyPr/>
-                    <a:lstStyle/>
-                    <a:p>
-                      <a:pPr latinLnBrk="1"/>
-                      <a:r>
-                        <a:rPr lang="en-US" altLang="ko-KR" dirty="0"/>
-                        <a:t>16/04/04</a:t>
-                      </a:r>
-                      <a:endParaRPr lang="ko-KR" altLang="en-US" dirty="0"/>
-                    </a:p>
-                  </a:txBody>
-                  <a:tcPr/>
-                </a:tc>
-                <a:tc>
-                  <a:txBody>
-                    <a:bodyPr/>
-                    <a:lstStyle/>
-                    <a:p>
-                      <a:pPr latinLnBrk="1"/>
-                      <a:r>
-                        <a:rPr lang="en-US" altLang="ko-KR" dirty="0"/>
-                        <a:t>1</a:t>
-                      </a:r>
-                      <a:endParaRPr lang="ko-KR" altLang="en-US" dirty="0"/>
-                    </a:p>
-                  </a:txBody>
-                  <a:tcPr/>
-                </a:tc>
-                <a:tc>
-                  <a:txBody>
-                    <a:bodyPr/>
-                    <a:lstStyle/>
-                    <a:p>
-                      <a:pPr latinLnBrk="1"/>
-                      <a:r>
-                        <a:rPr lang="ko-KR" altLang="en-US" dirty="0"/>
-                        <a:t>가</a:t>
-                      </a:r>
-                      <a:endParaRPr lang="en-US" altLang="ko-KR" dirty="0"/>
-                    </a:p>
-                  </a:txBody>
-                  <a:tcPr/>
-                </a:tc>
-                <a:tc>
-                  <a:txBody>
-                    <a:bodyPr/>
-                    <a:lstStyle/>
-                    <a:p>
-                      <a:pPr latinLnBrk="1"/>
-                      <a:r>
-                        <a:rPr lang="en-US" altLang="ko-KR" dirty="0"/>
-                        <a:t>1</a:t>
-                      </a:r>
-                      <a:endParaRPr lang="ko-KR" altLang="en-US" dirty="0"/>
-                    </a:p>
-                  </a:txBody>
-                  <a:tcPr/>
-                </a:tc>
-                <a:tc>
-                  <a:txBody>
-                    <a:bodyPr/>
-                    <a:lstStyle/>
-                    <a:p>
-                      <a:pPr latinLnBrk="1"/>
-                      <a:r>
-                        <a:rPr lang="en-US" altLang="ko-KR" dirty="0"/>
-                        <a:t>3</a:t>
-                      </a:r>
-                      <a:endParaRPr lang="ko-KR" altLang="en-US" dirty="0"/>
-                    </a:p>
-                  </a:txBody>
-                  <a:tcPr/>
-                </a:tc>
-                <a:tc>
-                  <a:txBody>
-                    <a:bodyPr/>
-                    <a:lstStyle/>
-                    <a:p>
-                      <a:pPr latinLnBrk="1"/>
-                      <a:endParaRPr lang="ko-KR" altLang="en-US" dirty="0"/>
-                    </a:p>
-                  </a:txBody>
-                  <a:tcPr/>
-                </a:tc>
-                <a:extLst>
-                  <a:ext uri="{0D108BD9-81ED-4DB2-BD59-A6C34878D82A}">
-                    <a16:rowId xmlns:a16="http://schemas.microsoft.com/office/drawing/2014/main" val="2737348417"/>
-                  </a:ext>
-                </a:extLst>
-              </a:tr>
-              <a:tr h="370840">
-                <a:tc>
-                  <a:txBody>
-                    <a:bodyPr/>
-                    <a:lstStyle/>
-                    <a:p>
-                      <a:pPr latinLnBrk="1"/>
-                      <a:r>
-                        <a:rPr lang="en-US" altLang="ko-KR" dirty="0"/>
-                        <a:t>11111</a:t>
-                      </a:r>
-                      <a:endParaRPr lang="ko-KR" altLang="en-US" dirty="0"/>
-                    </a:p>
-                  </a:txBody>
-                  <a:tcPr/>
-                </a:tc>
-                <a:tc>
-                  <a:txBody>
-                    <a:bodyPr/>
-                    <a:lstStyle/>
-                    <a:p>
-                      <a:pPr latinLnBrk="1"/>
-                      <a:r>
-                        <a:rPr lang="en-US" altLang="ko-KR" dirty="0"/>
-                        <a:t>1</a:t>
-                      </a:r>
-                      <a:endParaRPr lang="ko-KR" altLang="en-US" dirty="0"/>
-                    </a:p>
-                  </a:txBody>
-                  <a:tcPr/>
-                </a:tc>
-                <a:tc>
-                  <a:txBody>
-                    <a:bodyPr/>
-                    <a:lstStyle/>
-                    <a:p>
-                      <a:pPr latinLnBrk="1"/>
-                      <a:r>
-                        <a:rPr lang="en-US" altLang="ko-KR" dirty="0"/>
-                        <a:t>16/04/04</a:t>
-                      </a:r>
-                      <a:endParaRPr lang="ko-KR" altLang="en-US" dirty="0"/>
-                    </a:p>
-                  </a:txBody>
-                  <a:tcPr/>
-                </a:tc>
-                <a:tc>
-                  <a:txBody>
-                    <a:bodyPr/>
-                    <a:lstStyle/>
-                    <a:p>
-                      <a:pPr latinLnBrk="1"/>
-                      <a:r>
-                        <a:rPr lang="en-US" altLang="ko-KR" dirty="0"/>
-                        <a:t>1</a:t>
-                      </a:r>
-                      <a:endParaRPr lang="ko-KR" altLang="en-US" dirty="0"/>
-                    </a:p>
-                  </a:txBody>
-                  <a:tcPr/>
-                </a:tc>
-                <a:tc>
-                  <a:txBody>
-                    <a:bodyPr/>
-                    <a:lstStyle/>
-                    <a:p>
-                      <a:pPr latinLnBrk="1"/>
-                      <a:r>
-                        <a:rPr lang="ko-KR" altLang="en-US" dirty="0"/>
-                        <a:t>나</a:t>
-                      </a:r>
-                    </a:p>
-                  </a:txBody>
-                  <a:tcPr/>
-                </a:tc>
-                <a:tc>
-                  <a:txBody>
-                    <a:bodyPr/>
-                    <a:lstStyle/>
-                    <a:p>
-                      <a:pPr latinLnBrk="1"/>
-                      <a:r>
-                        <a:rPr lang="en-US" altLang="ko-KR" dirty="0"/>
-                        <a:t>0.5</a:t>
-                      </a:r>
-                      <a:endParaRPr lang="ko-KR" altLang="en-US" dirty="0"/>
-                    </a:p>
-                  </a:txBody>
-                  <a:tcPr/>
-                </a:tc>
-                <a:tc>
-                  <a:txBody>
-                    <a:bodyPr/>
-                    <a:lstStyle/>
-                    <a:p>
-                      <a:pPr latinLnBrk="1"/>
-                      <a:r>
-                        <a:rPr lang="en-US" altLang="ko-KR" dirty="0"/>
-                        <a:t>3</a:t>
-                      </a:r>
-                      <a:endParaRPr lang="ko-KR" altLang="en-US" dirty="0"/>
-                    </a:p>
-                  </a:txBody>
-                  <a:tcPr/>
-                </a:tc>
-                <a:tc>
-                  <a:txBody>
-                    <a:bodyPr/>
-                    <a:lstStyle/>
-                    <a:p>
-                      <a:pPr latinLnBrk="1"/>
-                      <a:endParaRPr lang="ko-KR" altLang="en-US"/>
-                    </a:p>
-                  </a:txBody>
-                  <a:tcPr/>
-                </a:tc>
-                <a:extLst>
-                  <a:ext uri="{0D108BD9-81ED-4DB2-BD59-A6C34878D82A}">
-                    <a16:rowId xmlns:a16="http://schemas.microsoft.com/office/drawing/2014/main" val="4174761961"/>
-                  </a:ext>
-                </a:extLst>
-              </a:tr>
-              <a:tr h="370840">
-                <a:tc>
-                  <a:txBody>
-                    <a:bodyPr/>
-                    <a:lstStyle/>
-                    <a:p>
-                      <a:pPr latinLnBrk="1"/>
-                      <a:r>
-                        <a:rPr lang="en-US" altLang="ko-KR" dirty="0"/>
-                        <a:t>11111</a:t>
-                      </a:r>
-                      <a:endParaRPr lang="ko-KR" altLang="en-US" dirty="0"/>
-                    </a:p>
-                  </a:txBody>
-                  <a:tcPr/>
-                </a:tc>
-                <a:tc>
-                  <a:txBody>
-                    <a:bodyPr/>
-                    <a:lstStyle/>
-                    <a:p>
-                      <a:pPr latinLnBrk="1"/>
-                      <a:r>
-                        <a:rPr lang="en-US" altLang="ko-KR" dirty="0"/>
-                        <a:t>1</a:t>
-                      </a:r>
-                      <a:endParaRPr lang="ko-KR" altLang="en-US" dirty="0"/>
-                    </a:p>
-                  </a:txBody>
-                  <a:tcPr/>
-                </a:tc>
-                <a:tc>
-                  <a:txBody>
-                    <a:bodyPr/>
-                    <a:lstStyle/>
-                    <a:p>
-                      <a:pPr latinLnBrk="1"/>
-                      <a:r>
-                        <a:rPr lang="en-US" altLang="ko-KR" dirty="0"/>
-                        <a:t>16/04/04</a:t>
-                      </a:r>
-                      <a:endParaRPr lang="ko-KR" altLang="en-US" dirty="0"/>
-                    </a:p>
-                  </a:txBody>
-                  <a:tcPr/>
-                </a:tc>
-                <a:tc>
-                  <a:txBody>
-                    <a:bodyPr/>
-                    <a:lstStyle/>
-                    <a:p>
-                      <a:pPr latinLnBrk="1"/>
-                      <a:r>
-                        <a:rPr lang="en-US" altLang="ko-KR" dirty="0"/>
-                        <a:t>1</a:t>
-                      </a:r>
-                      <a:endParaRPr lang="ko-KR" altLang="en-US" dirty="0"/>
-                    </a:p>
-                  </a:txBody>
-                  <a:tcPr/>
-                </a:tc>
-                <a:tc>
-                  <a:txBody>
-                    <a:bodyPr/>
-                    <a:lstStyle/>
-                    <a:p>
-                      <a:pPr latinLnBrk="1"/>
-                      <a:r>
-                        <a:rPr lang="ko-KR" altLang="en-US" dirty="0"/>
-                        <a:t>다</a:t>
-                      </a:r>
-                    </a:p>
-                  </a:txBody>
-                  <a:tcPr/>
-                </a:tc>
-                <a:tc>
-                  <a:txBody>
-                    <a:bodyPr/>
-                    <a:lstStyle/>
-                    <a:p>
-                      <a:pPr latinLnBrk="1"/>
-                      <a:r>
-                        <a:rPr lang="en-US" altLang="ko-KR" dirty="0"/>
-                        <a:t>1</a:t>
-                      </a:r>
-                      <a:endParaRPr lang="ko-KR" altLang="en-US" dirty="0"/>
-                    </a:p>
-                  </a:txBody>
-                  <a:tcPr/>
-                </a:tc>
-                <a:tc>
-                  <a:txBody>
-                    <a:bodyPr/>
-                    <a:lstStyle/>
-                    <a:p>
-                      <a:pPr latinLnBrk="1"/>
-                      <a:r>
-                        <a:rPr lang="en-US" altLang="ko-KR" dirty="0"/>
-                        <a:t>2</a:t>
-                      </a:r>
-                      <a:endParaRPr lang="ko-KR" altLang="en-US" dirty="0"/>
-                    </a:p>
-                  </a:txBody>
-                  <a:tcPr/>
-                </a:tc>
-                <a:tc>
-                  <a:txBody>
-                    <a:bodyPr/>
-                    <a:lstStyle/>
-                    <a:p>
-                      <a:pPr latinLnBrk="1"/>
-                      <a:endParaRPr lang="ko-KR" altLang="en-US"/>
-                    </a:p>
-                  </a:txBody>
-                  <a:tcPr/>
-                </a:tc>
-                <a:extLst>
-                  <a:ext uri="{0D108BD9-81ED-4DB2-BD59-A6C34878D82A}">
-                    <a16:rowId xmlns:a16="http://schemas.microsoft.com/office/drawing/2014/main" val="2685048316"/>
-                  </a:ext>
-                </a:extLst>
-              </a:tr>
-              <a:tr h="370840">
-                <a:tc>
-                  <a:txBody>
-                    <a:bodyPr/>
-                    <a:lstStyle/>
-                    <a:p>
-                      <a:pPr latinLnBrk="1"/>
-                      <a:r>
-                        <a:rPr lang="en-US" altLang="ko-KR" dirty="0"/>
-                        <a:t>22222</a:t>
-                      </a:r>
-                      <a:endParaRPr lang="ko-KR" altLang="en-US" dirty="0"/>
-                    </a:p>
-                  </a:txBody>
-                  <a:tcPr/>
-                </a:tc>
-                <a:tc>
-                  <a:txBody>
-                    <a:bodyPr/>
-                    <a:lstStyle/>
-                    <a:p>
-                      <a:pPr latinLnBrk="1"/>
-                      <a:r>
-                        <a:rPr lang="en-US" altLang="ko-KR" dirty="0"/>
-                        <a:t>2</a:t>
-                      </a:r>
-                      <a:endParaRPr lang="ko-KR" altLang="en-US" dirty="0"/>
-                    </a:p>
-                  </a:txBody>
-                  <a:tcPr/>
-                </a:tc>
-                <a:tc>
-                  <a:txBody>
-                    <a:bodyPr/>
-                    <a:lstStyle/>
-                    <a:p>
-                      <a:pPr latinLnBrk="1"/>
-                      <a:r>
-                        <a:rPr lang="en-US" altLang="ko-KR" dirty="0"/>
-                        <a:t>16/04/05</a:t>
-                      </a:r>
-                      <a:endParaRPr lang="ko-KR" altLang="en-US" dirty="0"/>
-                    </a:p>
-                  </a:txBody>
-                  <a:tcPr/>
-                </a:tc>
-                <a:tc>
-                  <a:txBody>
-                    <a:bodyPr/>
-                    <a:lstStyle/>
-                    <a:p>
-                      <a:pPr latinLnBrk="1"/>
-                      <a:r>
-                        <a:rPr lang="en-US" altLang="ko-KR" dirty="0"/>
-                        <a:t>0</a:t>
-                      </a:r>
-                      <a:endParaRPr lang="ko-KR" altLang="en-US" dirty="0"/>
-                    </a:p>
-                  </a:txBody>
-                  <a:tcPr/>
-                </a:tc>
-                <a:tc>
-                  <a:txBody>
-                    <a:bodyPr/>
-                    <a:lstStyle/>
-                    <a:p>
-                      <a:pPr latinLnBrk="1"/>
-                      <a:r>
-                        <a:rPr lang="ko-KR" altLang="en-US" dirty="0"/>
-                        <a:t>나</a:t>
-                      </a:r>
-                    </a:p>
-                  </a:txBody>
-                  <a:tcPr/>
-                </a:tc>
-                <a:tc>
-                  <a:txBody>
-                    <a:bodyPr/>
-                    <a:lstStyle/>
-                    <a:p>
-                      <a:pPr latinLnBrk="1"/>
-                      <a:r>
-                        <a:rPr lang="en-US" altLang="ko-KR" dirty="0"/>
-                        <a:t>1</a:t>
-                      </a:r>
-                      <a:endParaRPr lang="ko-KR" altLang="en-US" dirty="0"/>
-                    </a:p>
-                  </a:txBody>
-                  <a:tcPr/>
-                </a:tc>
-                <a:tc>
-                  <a:txBody>
-                    <a:bodyPr/>
-                    <a:lstStyle/>
-                    <a:p>
-                      <a:pPr latinLnBrk="1"/>
-                      <a:r>
-                        <a:rPr lang="en-US" altLang="ko-KR" dirty="0"/>
-                        <a:t>3</a:t>
-                      </a:r>
-                      <a:endParaRPr lang="ko-KR" altLang="en-US" dirty="0"/>
-                    </a:p>
-                  </a:txBody>
-                  <a:tcPr/>
-                </a:tc>
-                <a:tc>
-                  <a:txBody>
-                    <a:bodyPr/>
-                    <a:lstStyle/>
-                    <a:p>
-                      <a:pPr latinLnBrk="1"/>
-                      <a:endParaRPr lang="ko-KR" altLang="en-US"/>
-                    </a:p>
-                  </a:txBody>
-                  <a:tcPr/>
-                </a:tc>
-                <a:extLst>
-                  <a:ext uri="{0D108BD9-81ED-4DB2-BD59-A6C34878D82A}">
-                    <a16:rowId xmlns:a16="http://schemas.microsoft.com/office/drawing/2014/main" val="3939677652"/>
-                  </a:ext>
-                </a:extLst>
-              </a:tr>
-              <a:tr h="370840">
-                <a:tc>
-                  <a:txBody>
-                    <a:bodyPr/>
-                    <a:lstStyle/>
-                    <a:p>
-                      <a:pPr latinLnBrk="1"/>
-                      <a:r>
-                        <a:rPr lang="en-US" altLang="ko-KR" dirty="0"/>
-                        <a:t>22222</a:t>
-                      </a:r>
-                      <a:endParaRPr lang="ko-KR" altLang="en-US" dirty="0"/>
-                    </a:p>
-                  </a:txBody>
-                  <a:tcPr/>
-                </a:tc>
-                <a:tc>
-                  <a:txBody>
-                    <a:bodyPr/>
-                    <a:lstStyle/>
-                    <a:p>
-                      <a:pPr latinLnBrk="1"/>
-                      <a:r>
-                        <a:rPr lang="en-US" altLang="ko-KR" dirty="0"/>
-                        <a:t>2</a:t>
-                      </a:r>
-                      <a:endParaRPr lang="ko-KR" altLang="en-US" dirty="0"/>
-                    </a:p>
-                  </a:txBody>
-                  <a:tcPr/>
-                </a:tc>
-                <a:tc>
-                  <a:txBody>
-                    <a:bodyPr/>
-                    <a:lstStyle/>
-                    <a:p>
-                      <a:pPr latinLnBrk="1"/>
-                      <a:r>
-                        <a:rPr lang="en-US" altLang="ko-KR" dirty="0"/>
-                        <a:t>16/04/05</a:t>
-                      </a:r>
-                      <a:endParaRPr lang="ko-KR" altLang="en-US" dirty="0"/>
-                    </a:p>
-                  </a:txBody>
-                  <a:tcPr/>
-                </a:tc>
-                <a:tc>
-                  <a:txBody>
-                    <a:bodyPr/>
-                    <a:lstStyle/>
-                    <a:p>
-                      <a:pPr latinLnBrk="1"/>
-                      <a:r>
-                        <a:rPr lang="en-US" altLang="ko-KR" dirty="0"/>
-                        <a:t>0</a:t>
-                      </a:r>
-                      <a:endParaRPr lang="ko-KR" altLang="en-US" dirty="0"/>
-                    </a:p>
-                  </a:txBody>
-                  <a:tcPr/>
-                </a:tc>
-                <a:tc>
-                  <a:txBody>
-                    <a:bodyPr/>
-                    <a:lstStyle/>
-                    <a:p>
-                      <a:pPr latinLnBrk="1"/>
-                      <a:r>
-                        <a:rPr lang="ko-KR" altLang="en-US" dirty="0"/>
-                        <a:t>라</a:t>
-                      </a:r>
-                    </a:p>
-                  </a:txBody>
-                  <a:tcPr/>
-                </a:tc>
-                <a:tc>
-                  <a:txBody>
-                    <a:bodyPr/>
-                    <a:lstStyle/>
-                    <a:p>
-                      <a:pPr latinLnBrk="1"/>
-                      <a:r>
-                        <a:rPr lang="en-US" altLang="ko-KR" dirty="0"/>
-                        <a:t>1</a:t>
-                      </a:r>
-                      <a:endParaRPr lang="ko-KR" altLang="en-US" dirty="0"/>
-                    </a:p>
-                  </a:txBody>
-                  <a:tcPr/>
-                </a:tc>
-                <a:tc>
-                  <a:txBody>
-                    <a:bodyPr/>
-                    <a:lstStyle/>
-                    <a:p>
-                      <a:pPr latinLnBrk="1"/>
-                      <a:r>
-                        <a:rPr lang="en-US" altLang="ko-KR" dirty="0"/>
-                        <a:t>3</a:t>
-                      </a:r>
-                      <a:endParaRPr lang="ko-KR" altLang="en-US" dirty="0"/>
-                    </a:p>
-                  </a:txBody>
-                  <a:tcPr/>
-                </a:tc>
-                <a:tc>
-                  <a:txBody>
-                    <a:bodyPr/>
-                    <a:lstStyle/>
-                    <a:p>
-                      <a:pPr latinLnBrk="1"/>
-                      <a:endParaRPr lang="ko-KR" altLang="en-US" dirty="0"/>
-                    </a:p>
-                  </a:txBody>
-                  <a:tcPr/>
-                </a:tc>
-                <a:extLst>
-                  <a:ext uri="{0D108BD9-81ED-4DB2-BD59-A6C34878D82A}">
-                    <a16:rowId xmlns:a16="http://schemas.microsoft.com/office/drawing/2014/main" val="1829470554"/>
-                  </a:ext>
-                </a:extLst>
-              </a:tr>
-              <a:tr h="370840">
-                <a:tc>
-                  <a:txBody>
-                    <a:bodyPr/>
-                    <a:lstStyle/>
-                    <a:p>
-                      <a:pPr latinLnBrk="1"/>
-                      <a:r>
-                        <a:rPr lang="en-US" altLang="ko-KR" dirty="0"/>
-                        <a:t>11111</a:t>
-                      </a:r>
-                      <a:endParaRPr lang="ko-KR" altLang="en-US" dirty="0"/>
-                    </a:p>
-                  </a:txBody>
-                  <a:tcPr/>
-                </a:tc>
-                <a:tc>
-                  <a:txBody>
-                    <a:bodyPr/>
-                    <a:lstStyle/>
-                    <a:p>
-                      <a:pPr latinLnBrk="1"/>
-                      <a:r>
-                        <a:rPr lang="en-US" altLang="ko-KR" dirty="0"/>
-                        <a:t>3</a:t>
-                      </a:r>
-                      <a:endParaRPr lang="ko-KR" altLang="en-US" dirty="0"/>
-                    </a:p>
-                  </a:txBody>
-                  <a:tcPr/>
-                </a:tc>
-                <a:tc>
-                  <a:txBody>
-                    <a:bodyPr/>
-                    <a:lstStyle/>
-                    <a:p>
-                      <a:pPr latinLnBrk="1"/>
-                      <a:r>
-                        <a:rPr lang="en-US" altLang="ko-KR" dirty="0"/>
-                        <a:t>16/04/05</a:t>
-                      </a:r>
-                      <a:endParaRPr lang="ko-KR" altLang="en-US" dirty="0"/>
-                    </a:p>
-                  </a:txBody>
-                  <a:tcPr/>
-                </a:tc>
-                <a:tc>
-                  <a:txBody>
-                    <a:bodyPr/>
-                    <a:lstStyle/>
-                    <a:p>
-                      <a:pPr latinLnBrk="1"/>
-                      <a:r>
-                        <a:rPr lang="en-US" altLang="ko-KR" dirty="0"/>
-                        <a:t>1</a:t>
-                      </a:r>
-                      <a:endParaRPr lang="ko-KR" altLang="en-US" dirty="0"/>
-                    </a:p>
-                  </a:txBody>
-                  <a:tcPr/>
-                </a:tc>
-                <a:tc>
-                  <a:txBody>
-                    <a:bodyPr/>
-                    <a:lstStyle/>
-                    <a:p>
-                      <a:pPr latinLnBrk="1"/>
-                      <a:r>
-                        <a:rPr lang="ko-KR" altLang="en-US" dirty="0"/>
-                        <a:t>라</a:t>
-                      </a:r>
-                    </a:p>
-                  </a:txBody>
-                  <a:tcPr/>
-                </a:tc>
-                <a:tc>
-                  <a:txBody>
-                    <a:bodyPr/>
-                    <a:lstStyle/>
-                    <a:p>
-                      <a:pPr latinLnBrk="1"/>
-                      <a:r>
-                        <a:rPr lang="en-US" altLang="ko-KR" dirty="0"/>
-                        <a:t>0.5</a:t>
-                      </a:r>
-                      <a:endParaRPr lang="ko-KR" altLang="en-US" dirty="0"/>
-                    </a:p>
-                  </a:txBody>
-                  <a:tcPr/>
-                </a:tc>
-                <a:tc>
-                  <a:txBody>
-                    <a:bodyPr/>
-                    <a:lstStyle/>
-                    <a:p>
-                      <a:pPr latinLnBrk="1"/>
-                      <a:r>
-                        <a:rPr lang="en-US" altLang="ko-KR" dirty="0"/>
-                        <a:t>3</a:t>
-                      </a:r>
-                      <a:endParaRPr lang="ko-KR" altLang="en-US" dirty="0"/>
-                    </a:p>
-                  </a:txBody>
-                  <a:tcPr/>
-                </a:tc>
-                <a:tc>
-                  <a:txBody>
-                    <a:bodyPr/>
-                    <a:lstStyle/>
-                    <a:p>
-                      <a:pPr latinLnBrk="1"/>
-                      <a:endParaRPr lang="ko-KR" altLang="en-US" dirty="0"/>
-                    </a:p>
-                  </a:txBody>
-                  <a:tcPr/>
-                </a:tc>
-                <a:extLst>
-                  <a:ext uri="{0D108BD9-81ED-4DB2-BD59-A6C34878D82A}">
-                    <a16:rowId xmlns:a16="http://schemas.microsoft.com/office/drawing/2014/main" val="2793714276"/>
-                  </a:ext>
-                </a:extLst>
-              </a:tr>
-              <a:tr h="370840">
-                <a:tc>
-                  <a:txBody>
-                    <a:bodyPr/>
-                    <a:lstStyle/>
-                    <a:p>
-                      <a:pPr latinLnBrk="1"/>
-                      <a:r>
-                        <a:rPr lang="en-US" altLang="ko-KR" dirty="0"/>
-                        <a:t>11111</a:t>
-                      </a:r>
-                      <a:endParaRPr lang="ko-KR" altLang="en-US" dirty="0"/>
-                    </a:p>
-                  </a:txBody>
-                  <a:tcPr/>
-                </a:tc>
-                <a:tc>
-                  <a:txBody>
-                    <a:bodyPr/>
-                    <a:lstStyle/>
-                    <a:p>
-                      <a:pPr latinLnBrk="1"/>
-                      <a:r>
-                        <a:rPr lang="en-US" altLang="ko-KR" dirty="0"/>
-                        <a:t>3</a:t>
-                      </a:r>
-                      <a:endParaRPr lang="ko-KR" altLang="en-US" dirty="0"/>
-                    </a:p>
-                  </a:txBody>
-                  <a:tcPr/>
-                </a:tc>
-                <a:tc>
-                  <a:txBody>
-                    <a:bodyPr/>
-                    <a:lstStyle/>
-                    <a:p>
-                      <a:pPr latinLnBrk="1"/>
-                      <a:r>
-                        <a:rPr lang="en-US" altLang="ko-KR" dirty="0"/>
-                        <a:t>16/04/05</a:t>
-                      </a:r>
-                      <a:endParaRPr lang="ko-KR" altLang="en-US" dirty="0"/>
-                    </a:p>
-                  </a:txBody>
-                  <a:tcPr/>
-                </a:tc>
-                <a:tc>
-                  <a:txBody>
-                    <a:bodyPr/>
-                    <a:lstStyle/>
-                    <a:p>
-                      <a:pPr latinLnBrk="1"/>
-                      <a:r>
-                        <a:rPr lang="en-US" altLang="ko-KR" dirty="0"/>
-                        <a:t>1</a:t>
-                      </a:r>
-                      <a:endParaRPr lang="ko-KR" altLang="en-US" dirty="0"/>
-                    </a:p>
-                  </a:txBody>
-                  <a:tcPr/>
-                </a:tc>
-                <a:tc>
-                  <a:txBody>
-                    <a:bodyPr/>
-                    <a:lstStyle/>
-                    <a:p>
-                      <a:pPr latinLnBrk="1"/>
-                      <a:r>
-                        <a:rPr lang="ko-KR" altLang="en-US" dirty="0"/>
-                        <a:t>마</a:t>
-                      </a:r>
-                    </a:p>
-                  </a:txBody>
-                  <a:tcPr/>
-                </a:tc>
-                <a:tc>
-                  <a:txBody>
-                    <a:bodyPr/>
-                    <a:lstStyle/>
-                    <a:p>
-                      <a:pPr latinLnBrk="1"/>
-                      <a:r>
-                        <a:rPr lang="en-US" altLang="ko-KR" dirty="0"/>
-                        <a:t>1</a:t>
-                      </a:r>
-                      <a:endParaRPr lang="ko-KR" altLang="en-US" dirty="0"/>
-                    </a:p>
-                  </a:txBody>
-                  <a:tcPr/>
-                </a:tc>
-                <a:tc>
-                  <a:txBody>
-                    <a:bodyPr/>
-                    <a:lstStyle/>
-                    <a:p>
-                      <a:pPr latinLnBrk="1"/>
-                      <a:r>
-                        <a:rPr lang="en-US" altLang="ko-KR" dirty="0"/>
-                        <a:t>2</a:t>
-                      </a:r>
-                      <a:endParaRPr lang="ko-KR" altLang="en-US" dirty="0"/>
-                    </a:p>
-                  </a:txBody>
-                  <a:tcPr/>
-                </a:tc>
-                <a:tc>
-                  <a:txBody>
-                    <a:bodyPr/>
-                    <a:lstStyle/>
-                    <a:p>
-                      <a:pPr latinLnBrk="1"/>
-                      <a:endParaRPr lang="ko-KR" altLang="en-US" dirty="0"/>
-                    </a:p>
-                  </a:txBody>
-                  <a:tcPr/>
-                </a:tc>
-                <a:extLst>
-                  <a:ext uri="{0D108BD9-81ED-4DB2-BD59-A6C34878D82A}">
-                    <a16:rowId xmlns:a16="http://schemas.microsoft.com/office/drawing/2014/main" val="669848216"/>
-                  </a:ext>
-                </a:extLst>
-              </a:tr>
-            </a:tbl>
-          </a:graphicData>
-        </a:graphic>
-      </p:graphicFrame>
-      <p:sp>
-        <p:nvSpPr>
-          <p:cNvPr id="4" name="직사각형 3"/>
-          <p:cNvSpPr/>
-          <p:nvPr/>
-        </p:nvSpPr>
-        <p:spPr>
-          <a:xfrm>
-            <a:off x="-3000103" y="2726020"/>
-            <a:ext cx="2126343" cy="420760"/>
-          </a:xfrm>
-          <a:prstGeom prst="rect">
-            <a:avLst/>
-          </a:prstGeom>
-          <a:solidFill>
-            <a:srgbClr val="FF0000"/>
-          </a:solidFill>
-          <a:ln>
-            <a:noFill/>
-          </a:ln>
-        </p:spPr>
-        <p:style>
-          <a:lnRef idx="2">
-            <a:schemeClr val="accent1">
-              <a:shade val="50000"/>
-            </a:schemeClr>
-          </a:lnRef>
-          <a:fillRef idx="1">
-            <a:schemeClr val="accent1"/>
-          </a:fillRef>
-          <a:effectRef idx="0">
-            <a:schemeClr val="accent1"/>
-          </a:effectRef>
-          <a:fontRef idx="minor">
-            <a:schemeClr val="lt1"/>
-          </a:fontRef>
-        </p:style>
-        <p:txBody>
-          <a:bodyPr rtlCol="0" anchor="ctr"/>
-          <a:lstStyle/>
-          <a:p>
-            <a:pPr algn="ctr"/>
-            <a:r>
-              <a:rPr lang="ko-KR" altLang="en-US" b="1" dirty="0"/>
-              <a:t>예시</a:t>
-            </a:r>
-          </a:p>
-        </p:txBody>
-      </p:sp>
-      <p:sp>
-        <p:nvSpPr>
-          <p:cNvPr id="6" name="직사각형 5"/>
-          <p:cNvSpPr/>
-          <p:nvPr/>
-        </p:nvSpPr>
-        <p:spPr>
-          <a:xfrm>
-            <a:off x="-3669208" y="3291840"/>
-            <a:ext cx="1831703" cy="338370"/>
-          </a:xfrm>
-          <a:prstGeom prst="rect">
-            <a:avLst/>
-          </a:prstGeom>
-        </p:spPr>
-        <p:style>
-          <a:lnRef idx="2">
-            <a:schemeClr val="dk1">
-              <a:shade val="50000"/>
-            </a:schemeClr>
-          </a:lnRef>
-          <a:fillRef idx="1">
-            <a:schemeClr val="dk1"/>
-          </a:fillRef>
-          <a:effectRef idx="0">
-            <a:schemeClr val="dk1"/>
-          </a:effectRef>
-          <a:fontRef idx="minor">
-            <a:schemeClr val="lt1"/>
-          </a:fontRef>
-        </p:style>
-        <p:txBody>
-          <a:bodyPr rtlCol="0" anchor="ctr"/>
-          <a:lstStyle/>
-          <a:p>
-            <a:pPr algn="ctr"/>
-            <a:r>
-              <a:rPr lang="ko-KR" altLang="en-US" dirty="0"/>
-              <a:t>진료기록</a:t>
-            </a:r>
-            <a:r>
-              <a:rPr lang="en-US" altLang="ko-KR" dirty="0"/>
-              <a:t>Table</a:t>
-            </a:r>
-            <a:endParaRPr lang="ko-KR" altLang="en-US" dirty="0"/>
-          </a:p>
-        </p:txBody>
-      </p:sp>
-      <p:sp>
-        <p:nvSpPr>
-          <p:cNvPr id="29" name="직사각형 28"/>
-          <p:cNvSpPr/>
-          <p:nvPr/>
-        </p:nvSpPr>
-        <p:spPr>
-          <a:xfrm>
-            <a:off x="4907280" y="3291840"/>
-            <a:ext cx="1831703" cy="338370"/>
-          </a:xfrm>
-          <a:prstGeom prst="rect">
-            <a:avLst/>
-          </a:prstGeom>
-        </p:spPr>
-        <p:style>
-          <a:lnRef idx="2">
-            <a:schemeClr val="dk1">
-              <a:shade val="50000"/>
-            </a:schemeClr>
-          </a:lnRef>
-          <a:fillRef idx="1">
-            <a:schemeClr val="dk1"/>
-          </a:fillRef>
-          <a:effectRef idx="0">
-            <a:schemeClr val="dk1"/>
-          </a:effectRef>
-          <a:fontRef idx="minor">
-            <a:schemeClr val="lt1"/>
-          </a:fontRef>
-        </p:style>
-        <p:txBody>
-          <a:bodyPr rtlCol="0" anchor="ctr"/>
-          <a:lstStyle/>
-          <a:p>
-            <a:pPr algn="ctr"/>
-            <a:r>
-              <a:rPr lang="ko-KR" altLang="en-US" dirty="0"/>
-              <a:t>처방</a:t>
-            </a:r>
-            <a:r>
-              <a:rPr lang="en-US" altLang="ko-KR" dirty="0"/>
-              <a:t>Table</a:t>
-            </a:r>
-            <a:endParaRPr lang="ko-KR" altLang="en-US" dirty="0"/>
-          </a:p>
-        </p:txBody>
-      </p:sp>
-      <p:sp>
-        <p:nvSpPr>
-          <p:cNvPr id="8" name="왼쪽 중괄호 7"/>
-          <p:cNvSpPr/>
-          <p:nvPr/>
-        </p:nvSpPr>
-        <p:spPr>
-          <a:xfrm>
-            <a:off x="4770119" y="4114800"/>
-            <a:ext cx="137161" cy="1087120"/>
-          </a:xfrm>
-          <a:prstGeom prst="leftBrace">
-            <a:avLst/>
-          </a:prstGeom>
-          <a:ln w="28575">
-            <a:solidFill>
-              <a:srgbClr val="FF0000"/>
-            </a:solidFill>
-          </a:ln>
-        </p:spPr>
-        <p:style>
-          <a:lnRef idx="1">
-            <a:schemeClr val="accent1"/>
-          </a:lnRef>
-          <a:fillRef idx="0">
-            <a:schemeClr val="accent1"/>
-          </a:fillRef>
-          <a:effectRef idx="0">
-            <a:schemeClr val="accent1"/>
-          </a:effectRef>
-          <a:fontRef idx="minor">
-            <a:schemeClr val="tx1"/>
-          </a:fontRef>
-        </p:style>
-        <p:txBody>
-          <a:bodyPr rtlCol="0" anchor="ctr"/>
-          <a:lstStyle/>
-          <a:p>
-            <a:pPr algn="ctr"/>
-            <a:endParaRPr lang="ko-KR" altLang="en-US"/>
-          </a:p>
-        </p:txBody>
-      </p:sp>
-      <p:sp>
-        <p:nvSpPr>
-          <p:cNvPr id="30" name="왼쪽 중괄호 29"/>
-          <p:cNvSpPr/>
-          <p:nvPr/>
-        </p:nvSpPr>
-        <p:spPr>
-          <a:xfrm>
-            <a:off x="4770118" y="5201919"/>
-            <a:ext cx="137162" cy="763545"/>
-          </a:xfrm>
-          <a:prstGeom prst="leftBrace">
-            <a:avLst/>
-          </a:prstGeom>
-          <a:ln w="28575">
-            <a:solidFill>
-              <a:srgbClr val="FFC000"/>
-            </a:solidFill>
-          </a:ln>
-        </p:spPr>
-        <p:style>
-          <a:lnRef idx="1">
-            <a:schemeClr val="accent1"/>
-          </a:lnRef>
-          <a:fillRef idx="0">
-            <a:schemeClr val="accent1"/>
-          </a:fillRef>
-          <a:effectRef idx="0">
-            <a:schemeClr val="accent1"/>
-          </a:effectRef>
-          <a:fontRef idx="minor">
-            <a:schemeClr val="tx1"/>
-          </a:fontRef>
-        </p:style>
-        <p:txBody>
-          <a:bodyPr rtlCol="0" anchor="ctr"/>
-          <a:lstStyle/>
-          <a:p>
-            <a:pPr algn="ctr"/>
-            <a:endParaRPr lang="ko-KR" altLang="en-US"/>
-          </a:p>
-        </p:txBody>
-      </p:sp>
-      <p:sp>
-        <p:nvSpPr>
-          <p:cNvPr id="31" name="왼쪽 중괄호 30"/>
-          <p:cNvSpPr/>
-          <p:nvPr/>
-        </p:nvSpPr>
-        <p:spPr>
-          <a:xfrm>
-            <a:off x="4757418" y="5965465"/>
-            <a:ext cx="137162" cy="763545"/>
-          </a:xfrm>
-          <a:prstGeom prst="leftBrace">
-            <a:avLst/>
-          </a:prstGeom>
-          <a:ln w="28575">
-            <a:solidFill>
-              <a:srgbClr val="00B0F0"/>
-            </a:solidFill>
-          </a:ln>
-        </p:spPr>
-        <p:style>
-          <a:lnRef idx="1">
-            <a:schemeClr val="accent1"/>
-          </a:lnRef>
-          <a:fillRef idx="0">
-            <a:schemeClr val="accent1"/>
-          </a:fillRef>
-          <a:effectRef idx="0">
-            <a:schemeClr val="accent1"/>
-          </a:effectRef>
-          <a:fontRef idx="minor">
-            <a:schemeClr val="tx1"/>
-          </a:fontRef>
-        </p:style>
-        <p:txBody>
-          <a:bodyPr rtlCol="0" anchor="ctr"/>
-          <a:lstStyle/>
-          <a:p>
-            <a:pPr algn="ctr"/>
-            <a:endParaRPr lang="ko-KR" altLang="en-US"/>
-          </a:p>
-        </p:txBody>
-      </p:sp>
-      <p:sp>
-        <p:nvSpPr>
-          <p:cNvPr id="10" name="자유형 9"/>
-          <p:cNvSpPr/>
-          <p:nvPr/>
-        </p:nvSpPr>
-        <p:spPr>
-          <a:xfrm>
-            <a:off x="4013200" y="4094480"/>
-            <a:ext cx="650240" cy="558800"/>
-          </a:xfrm>
-          <a:custGeom>
-            <a:avLst/>
-            <a:gdLst>
-              <a:gd name="connsiteX0" fmla="*/ 650240 w 650240"/>
-              <a:gd name="connsiteY0" fmla="*/ 558800 h 558800"/>
-              <a:gd name="connsiteX1" fmla="*/ 650240 w 650240"/>
-              <a:gd name="connsiteY1" fmla="*/ 0 h 558800"/>
-              <a:gd name="connsiteX2" fmla="*/ 0 w 650240"/>
-              <a:gd name="connsiteY2" fmla="*/ 0 h 558800"/>
-            </a:gdLst>
-            <a:ahLst/>
-            <a:cxnLst>
-              <a:cxn ang="0">
-                <a:pos x="connsiteX0" y="connsiteY0"/>
-              </a:cxn>
-              <a:cxn ang="0">
-                <a:pos x="connsiteX1" y="connsiteY1"/>
-              </a:cxn>
-              <a:cxn ang="0">
-                <a:pos x="connsiteX2" y="connsiteY2"/>
-              </a:cxn>
-            </a:cxnLst>
-            <a:rect l="l" t="t" r="r" b="b"/>
-            <a:pathLst>
-              <a:path w="650240" h="558800">
-                <a:moveTo>
-                  <a:pt x="650240" y="558800"/>
-                </a:moveTo>
-                <a:lnTo>
-                  <a:pt x="650240" y="0"/>
-                </a:lnTo>
-                <a:lnTo>
-                  <a:pt x="0" y="0"/>
-                </a:lnTo>
-              </a:path>
-            </a:pathLst>
-          </a:custGeom>
-          <a:ln w="28575">
-            <a:solidFill>
-              <a:srgbClr val="FF0000"/>
-            </a:solidFill>
-          </a:ln>
-        </p:spPr>
-        <p:style>
-          <a:lnRef idx="1">
-            <a:schemeClr val="accent1"/>
-          </a:lnRef>
-          <a:fillRef idx="0">
-            <a:schemeClr val="accent1"/>
-          </a:fillRef>
-          <a:effectRef idx="0">
-            <a:schemeClr val="accent1"/>
-          </a:effectRef>
-          <a:fontRef idx="minor">
-            <a:schemeClr val="tx1"/>
-          </a:fontRef>
-        </p:style>
-        <p:txBody>
-          <a:bodyPr rtlCol="0" anchor="ctr"/>
-          <a:lstStyle/>
-          <a:p>
-            <a:pPr algn="ctr"/>
-            <a:endParaRPr lang="ko-KR" altLang="en-US">
-              <a:solidFill>
-                <a:schemeClr val="tx1"/>
-              </a:solidFill>
-            </a:endParaRPr>
-          </a:p>
-        </p:txBody>
-      </p:sp>
-      <p:sp>
-        <p:nvSpPr>
-          <p:cNvPr id="11" name="자유형 10"/>
-          <p:cNvSpPr/>
-          <p:nvPr/>
-        </p:nvSpPr>
-        <p:spPr>
-          <a:xfrm>
-            <a:off x="4023360" y="4551680"/>
-            <a:ext cx="660400" cy="1036320"/>
-          </a:xfrm>
-          <a:custGeom>
-            <a:avLst/>
-            <a:gdLst>
-              <a:gd name="connsiteX0" fmla="*/ 660400 w 660400"/>
-              <a:gd name="connsiteY0" fmla="*/ 1036320 h 1036320"/>
-              <a:gd name="connsiteX1" fmla="*/ 294640 w 660400"/>
-              <a:gd name="connsiteY1" fmla="*/ 1036320 h 1036320"/>
-              <a:gd name="connsiteX2" fmla="*/ 294640 w 660400"/>
-              <a:gd name="connsiteY2" fmla="*/ 0 h 1036320"/>
-              <a:gd name="connsiteX3" fmla="*/ 0 w 660400"/>
-              <a:gd name="connsiteY3" fmla="*/ 0 h 1036320"/>
-            </a:gdLst>
-            <a:ahLst/>
-            <a:cxnLst>
-              <a:cxn ang="0">
-                <a:pos x="connsiteX0" y="connsiteY0"/>
-              </a:cxn>
-              <a:cxn ang="0">
-                <a:pos x="connsiteX1" y="connsiteY1"/>
-              </a:cxn>
-              <a:cxn ang="0">
-                <a:pos x="connsiteX2" y="connsiteY2"/>
-              </a:cxn>
-              <a:cxn ang="0">
-                <a:pos x="connsiteX3" y="connsiteY3"/>
-              </a:cxn>
-            </a:cxnLst>
-            <a:rect l="l" t="t" r="r" b="b"/>
-            <a:pathLst>
-              <a:path w="660400" h="1036320">
-                <a:moveTo>
-                  <a:pt x="660400" y="1036320"/>
-                </a:moveTo>
-                <a:lnTo>
-                  <a:pt x="294640" y="1036320"/>
-                </a:lnTo>
-                <a:lnTo>
-                  <a:pt x="294640" y="0"/>
-                </a:lnTo>
-                <a:lnTo>
-                  <a:pt x="0" y="0"/>
-                </a:lnTo>
-              </a:path>
-            </a:pathLst>
-          </a:custGeom>
-          <a:ln w="28575">
-            <a:solidFill>
-              <a:srgbClr val="FFC000"/>
-            </a:solidFill>
-          </a:ln>
-        </p:spPr>
-        <p:style>
-          <a:lnRef idx="1">
-            <a:schemeClr val="accent1"/>
-          </a:lnRef>
-          <a:fillRef idx="0">
-            <a:schemeClr val="accent1"/>
-          </a:fillRef>
-          <a:effectRef idx="0">
-            <a:schemeClr val="accent1"/>
-          </a:effectRef>
-          <a:fontRef idx="minor">
-            <a:schemeClr val="tx1"/>
-          </a:fontRef>
-        </p:style>
-        <p:txBody>
-          <a:bodyPr rtlCol="0" anchor="ctr"/>
-          <a:lstStyle/>
-          <a:p>
-            <a:pPr algn="ctr"/>
-            <a:endParaRPr lang="ko-KR" altLang="en-US">
-              <a:solidFill>
-                <a:schemeClr val="tx1"/>
-              </a:solidFill>
-            </a:endParaRPr>
-          </a:p>
-        </p:txBody>
-      </p:sp>
-      <p:sp>
-        <p:nvSpPr>
-          <p:cNvPr id="12" name="자유형 11"/>
-          <p:cNvSpPr/>
-          <p:nvPr/>
-        </p:nvSpPr>
-        <p:spPr>
-          <a:xfrm>
-            <a:off x="4023360" y="4968240"/>
-            <a:ext cx="609600" cy="1381760"/>
-          </a:xfrm>
-          <a:custGeom>
-            <a:avLst/>
-            <a:gdLst>
-              <a:gd name="connsiteX0" fmla="*/ 609600 w 609600"/>
-              <a:gd name="connsiteY0" fmla="*/ 1381760 h 1381760"/>
-              <a:gd name="connsiteX1" fmla="*/ 132080 w 609600"/>
-              <a:gd name="connsiteY1" fmla="*/ 1381760 h 1381760"/>
-              <a:gd name="connsiteX2" fmla="*/ 132080 w 609600"/>
-              <a:gd name="connsiteY2" fmla="*/ 0 h 1381760"/>
-              <a:gd name="connsiteX3" fmla="*/ 0 w 609600"/>
-              <a:gd name="connsiteY3" fmla="*/ 0 h 1381760"/>
-            </a:gdLst>
-            <a:ahLst/>
-            <a:cxnLst>
-              <a:cxn ang="0">
-                <a:pos x="connsiteX0" y="connsiteY0"/>
-              </a:cxn>
-              <a:cxn ang="0">
-                <a:pos x="connsiteX1" y="connsiteY1"/>
-              </a:cxn>
-              <a:cxn ang="0">
-                <a:pos x="connsiteX2" y="connsiteY2"/>
-              </a:cxn>
-              <a:cxn ang="0">
-                <a:pos x="connsiteX3" y="connsiteY3"/>
-              </a:cxn>
-            </a:cxnLst>
-            <a:rect l="l" t="t" r="r" b="b"/>
-            <a:pathLst>
-              <a:path w="609600" h="1381760">
-                <a:moveTo>
-                  <a:pt x="609600" y="1381760"/>
-                </a:moveTo>
-                <a:lnTo>
-                  <a:pt x="132080" y="1381760"/>
-                </a:lnTo>
-                <a:lnTo>
-                  <a:pt x="132080" y="0"/>
-                </a:lnTo>
-                <a:lnTo>
-                  <a:pt x="0" y="0"/>
-                </a:lnTo>
-              </a:path>
-            </a:pathLst>
-          </a:custGeom>
-          <a:ln w="28575">
-            <a:solidFill>
-              <a:srgbClr val="00B0F0"/>
-            </a:solidFill>
-          </a:ln>
-        </p:spPr>
-        <p:style>
-          <a:lnRef idx="1">
-            <a:schemeClr val="accent1"/>
-          </a:lnRef>
-          <a:fillRef idx="0">
-            <a:schemeClr val="accent1"/>
-          </a:fillRef>
-          <a:effectRef idx="0">
-            <a:schemeClr val="accent1"/>
-          </a:effectRef>
-          <a:fontRef idx="minor">
-            <a:schemeClr val="tx1"/>
-          </a:fontRef>
-        </p:style>
-        <p:txBody>
-          <a:bodyPr rtlCol="0" anchor="ctr"/>
-          <a:lstStyle/>
-          <a:p>
-            <a:pPr algn="ctr"/>
-            <a:endParaRPr lang="ko-KR" altLang="en-US">
-              <a:solidFill>
-                <a:schemeClr val="tx1"/>
-              </a:solidFill>
-            </a:endParaRPr>
-          </a:p>
-        </p:txBody>
-      </p:sp>
-    </p:spTree>
-    <p:extLst>
-      <p:ext uri="{BB962C8B-B14F-4D97-AF65-F5344CB8AC3E}">
-        <p14:creationId xmlns:p14="http://schemas.microsoft.com/office/powerpoint/2010/main" val="1711670722"/>
       </p:ext>
     </p:extLst>
   </p:cSld>
